--- a/Primi passi su GitHub.pptx
+++ b/Primi passi su GitHub.pptx
@@ -9,14 +9,26 @@
     <p:sldId id="257" r:id="rId3"/>
     <p:sldId id="259" r:id="rId4"/>
     <p:sldId id="260" r:id="rId5"/>
-    <p:sldId id="263" r:id="rId6"/>
-    <p:sldId id="267" r:id="rId7"/>
+    <p:sldId id="268" r:id="rId6"/>
+    <p:sldId id="263" r:id="rId7"/>
     <p:sldId id="261" r:id="rId8"/>
     <p:sldId id="262" r:id="rId9"/>
     <p:sldId id="264" r:id="rId10"/>
     <p:sldId id="265" r:id="rId11"/>
     <p:sldId id="266" r:id="rId12"/>
-    <p:sldId id="258" r:id="rId13"/>
+    <p:sldId id="272" r:id="rId13"/>
+    <p:sldId id="269" r:id="rId14"/>
+    <p:sldId id="270" r:id="rId15"/>
+    <p:sldId id="271" r:id="rId16"/>
+    <p:sldId id="273" r:id="rId17"/>
+    <p:sldId id="274" r:id="rId18"/>
+    <p:sldId id="275" r:id="rId19"/>
+    <p:sldId id="276" r:id="rId20"/>
+    <p:sldId id="277" r:id="rId21"/>
+    <p:sldId id="278" r:id="rId22"/>
+    <p:sldId id="279" r:id="rId23"/>
+    <p:sldId id="280" r:id="rId24"/>
+    <p:sldId id="258" r:id="rId25"/>
   </p:sldIdLst>
   <p:sldSz cx="9144000" cy="6858000" type="screen4x3"/>
   <p:notesSz cx="6858000" cy="9144000"/>
@@ -299,7 +311,7 @@
           <a:p>
             <a:fld id="{5635A7EC-2111-4D0D-BEBC-32ED59C0768E}" type="datetimeFigureOut">
               <a:rPr lang="it-IT" smtClean="0"/>
-              <a:t>01/02/2018</a:t>
+              <a:t>03/02/2018</a:t>
             </a:fld>
             <a:endParaRPr lang="it-IT"/>
           </a:p>
@@ -469,7 +481,7 @@
           <a:p>
             <a:fld id="{5635A7EC-2111-4D0D-BEBC-32ED59C0768E}" type="datetimeFigureOut">
               <a:rPr lang="it-IT" smtClean="0"/>
-              <a:t>01/02/2018</a:t>
+              <a:t>03/02/2018</a:t>
             </a:fld>
             <a:endParaRPr lang="it-IT"/>
           </a:p>
@@ -649,7 +661,7 @@
           <a:p>
             <a:fld id="{5635A7EC-2111-4D0D-BEBC-32ED59C0768E}" type="datetimeFigureOut">
               <a:rPr lang="it-IT" smtClean="0"/>
-              <a:t>01/02/2018</a:t>
+              <a:t>03/02/2018</a:t>
             </a:fld>
             <a:endParaRPr lang="it-IT"/>
           </a:p>
@@ -819,7 +831,7 @@
           <a:p>
             <a:fld id="{5635A7EC-2111-4D0D-BEBC-32ED59C0768E}" type="datetimeFigureOut">
               <a:rPr lang="it-IT" smtClean="0"/>
-              <a:t>01/02/2018</a:t>
+              <a:t>03/02/2018</a:t>
             </a:fld>
             <a:endParaRPr lang="it-IT"/>
           </a:p>
@@ -1065,7 +1077,7 @@
           <a:p>
             <a:fld id="{5635A7EC-2111-4D0D-BEBC-32ED59C0768E}" type="datetimeFigureOut">
               <a:rPr lang="it-IT" smtClean="0"/>
-              <a:t>01/02/2018</a:t>
+              <a:t>03/02/2018</a:t>
             </a:fld>
             <a:endParaRPr lang="it-IT"/>
           </a:p>
@@ -1353,7 +1365,7 @@
           <a:p>
             <a:fld id="{5635A7EC-2111-4D0D-BEBC-32ED59C0768E}" type="datetimeFigureOut">
               <a:rPr lang="it-IT" smtClean="0"/>
-              <a:t>01/02/2018</a:t>
+              <a:t>03/02/2018</a:t>
             </a:fld>
             <a:endParaRPr lang="it-IT"/>
           </a:p>
@@ -1775,7 +1787,7 @@
           <a:p>
             <a:fld id="{5635A7EC-2111-4D0D-BEBC-32ED59C0768E}" type="datetimeFigureOut">
               <a:rPr lang="it-IT" smtClean="0"/>
-              <a:t>01/02/2018</a:t>
+              <a:t>03/02/2018</a:t>
             </a:fld>
             <a:endParaRPr lang="it-IT"/>
           </a:p>
@@ -1893,7 +1905,7 @@
           <a:p>
             <a:fld id="{5635A7EC-2111-4D0D-BEBC-32ED59C0768E}" type="datetimeFigureOut">
               <a:rPr lang="it-IT" smtClean="0"/>
-              <a:t>01/02/2018</a:t>
+              <a:t>03/02/2018</a:t>
             </a:fld>
             <a:endParaRPr lang="it-IT"/>
           </a:p>
@@ -1988,7 +2000,7 @@
           <a:p>
             <a:fld id="{5635A7EC-2111-4D0D-BEBC-32ED59C0768E}" type="datetimeFigureOut">
               <a:rPr lang="it-IT" smtClean="0"/>
-              <a:t>01/02/2018</a:t>
+              <a:t>03/02/2018</a:t>
             </a:fld>
             <a:endParaRPr lang="it-IT"/>
           </a:p>
@@ -2265,7 +2277,7 @@
           <a:p>
             <a:fld id="{5635A7EC-2111-4D0D-BEBC-32ED59C0768E}" type="datetimeFigureOut">
               <a:rPr lang="it-IT" smtClean="0"/>
-              <a:t>01/02/2018</a:t>
+              <a:t>03/02/2018</a:t>
             </a:fld>
             <a:endParaRPr lang="it-IT"/>
           </a:p>
@@ -2518,7 +2530,7 @@
           <a:p>
             <a:fld id="{5635A7EC-2111-4D0D-BEBC-32ED59C0768E}" type="datetimeFigureOut">
               <a:rPr lang="it-IT" smtClean="0"/>
-              <a:t>01/02/2018</a:t>
+              <a:t>03/02/2018</a:t>
             </a:fld>
             <a:endParaRPr lang="it-IT"/>
           </a:p>
@@ -2731,7 +2743,7 @@
           <a:p>
             <a:fld id="{5635A7EC-2111-4D0D-BEBC-32ED59C0768E}" type="datetimeFigureOut">
               <a:rPr lang="it-IT" smtClean="0"/>
-              <a:t>01/02/2018</a:t>
+              <a:t>03/02/2018</a:t>
             </a:fld>
             <a:endParaRPr lang="it-IT"/>
           </a:p>
@@ -3219,8 +3231,12 @@
               <a:t>Che cosa è una </a:t>
             </a:r>
             <a:r>
+              <a:rPr lang="it-IT" b="1" dirty="0" err="1"/>
+              <a:t>B</a:t>
+            </a:r>
+            <a:r>
               <a:rPr lang="it-IT" b="1" dirty="0" err="1" smtClean="0"/>
-              <a:t>brench</a:t>
+              <a:t>rench</a:t>
             </a:r>
             <a:endParaRPr lang="it-IT" b="1" dirty="0"/>
           </a:p>
@@ -3243,30 +3259,90 @@
           </a:bodyPr>
           <a:lstStyle/>
           <a:p>
-            <a:r>
-              <a:rPr lang="en-US" sz="2000" dirty="0" smtClean="0"/>
-              <a:t>This diagram shows:</a:t>
-            </a:r>
-          </a:p>
-          <a:p>
-            <a:r>
-              <a:rPr lang="en-US" sz="2000" dirty="0" smtClean="0"/>
-              <a:t>The master branch</a:t>
-            </a:r>
-          </a:p>
-          <a:p>
-            <a:r>
-              <a:rPr lang="en-US" sz="2000" dirty="0" smtClean="0"/>
-              <a:t>A new branch called feature (because we’re doing ‘feature work’ on this branch)</a:t>
-            </a:r>
-          </a:p>
-          <a:p>
-            <a:r>
-              <a:rPr lang="en-US" sz="2000" dirty="0" smtClean="0"/>
-              <a:t>The journey that feature takes before it’s merged into master</a:t>
-            </a:r>
-          </a:p>
-          <a:p>
+            <a:pPr marL="0" indent="0">
+              <a:buNone/>
+            </a:pPr>
+            <a:r>
+              <a:rPr lang="it-IT" sz="2000" dirty="0"/>
+              <a:t>Questo diagramma mostra: </a:t>
+            </a:r>
+            <a:endParaRPr lang="it-IT" sz="2000" dirty="0" smtClean="0"/>
+          </a:p>
+          <a:p>
+            <a:pPr marL="0" indent="0">
+              <a:buNone/>
+            </a:pPr>
+            <a:endParaRPr lang="it-IT" sz="2000" dirty="0" smtClean="0"/>
+          </a:p>
+          <a:p>
+            <a:r>
+              <a:rPr lang="it-IT" sz="2000" dirty="0" smtClean="0"/>
+              <a:t>Il </a:t>
+            </a:r>
+            <a:r>
+              <a:rPr lang="it-IT" sz="2000" dirty="0"/>
+              <a:t>ramo principale </a:t>
+            </a:r>
+            <a:endParaRPr lang="it-IT" sz="2000" dirty="0" smtClean="0"/>
+          </a:p>
+          <a:p>
+            <a:endParaRPr lang="it-IT" sz="2000" dirty="0" smtClean="0"/>
+          </a:p>
+          <a:p>
+            <a:r>
+              <a:rPr lang="it-IT" sz="2000" dirty="0" smtClean="0"/>
+              <a:t>Un </a:t>
+            </a:r>
+            <a:r>
+              <a:rPr lang="it-IT" sz="2000" dirty="0"/>
+              <a:t>nuovo </a:t>
+            </a:r>
+            <a:r>
+              <a:rPr lang="it-IT" sz="2000" dirty="0" smtClean="0"/>
+              <a:t>ramo(</a:t>
+            </a:r>
+            <a:r>
+              <a:rPr lang="it-IT" sz="2000" dirty="0" err="1" smtClean="0"/>
+              <a:t>brench</a:t>
+            </a:r>
+            <a:r>
+              <a:rPr lang="it-IT" sz="2000" dirty="0" smtClean="0"/>
+              <a:t>) </a:t>
+            </a:r>
+            <a:r>
+              <a:rPr lang="it-IT" sz="2000" dirty="0"/>
+              <a:t>chiamato </a:t>
+            </a:r>
+            <a:r>
+              <a:rPr lang="it-IT" sz="2000" dirty="0" err="1"/>
+              <a:t>feature</a:t>
+            </a:r>
+            <a:r>
+              <a:rPr lang="it-IT" sz="2000" dirty="0"/>
+              <a:t> (perché stiamo facendo '</a:t>
+            </a:r>
+            <a:r>
+              <a:rPr lang="it-IT" sz="2000" dirty="0" err="1"/>
+              <a:t>feature</a:t>
+            </a:r>
+            <a:r>
+              <a:rPr lang="it-IT" sz="2000" dirty="0"/>
+              <a:t> work' su questo ramo) </a:t>
+            </a:r>
+            <a:endParaRPr lang="it-IT" sz="2000" dirty="0" smtClean="0"/>
+          </a:p>
+          <a:p>
+            <a:endParaRPr lang="it-IT" sz="2000" dirty="0" smtClean="0"/>
+          </a:p>
+          <a:p>
+            <a:r>
+              <a:rPr lang="it-IT" sz="2000" dirty="0" smtClean="0"/>
+              <a:t>Il </a:t>
+            </a:r>
+            <a:r>
+              <a:rPr lang="it-IT" sz="2000" dirty="0"/>
+              <a:t>viaggio che questa funzione impiega prima di essere fuso in un master</a:t>
+            </a:r>
             <a:endParaRPr lang="it-IT" dirty="0"/>
           </a:p>
         </p:txBody>
@@ -3294,7 +3370,7 @@
         </p:blipFill>
         <p:spPr bwMode="auto">
           <a:xfrm>
-            <a:off x="189262" y="3722712"/>
+            <a:off x="189262" y="4509120"/>
             <a:ext cx="8847234" cy="2226568"/>
           </a:xfrm>
           <a:prstGeom prst="rect">
@@ -3375,8 +3451,12 @@
               <a:t>Che cosa è una </a:t>
             </a:r>
             <a:r>
+              <a:rPr lang="it-IT" b="1" dirty="0" err="1"/>
+              <a:t>B</a:t>
+            </a:r>
+            <a:r>
               <a:rPr lang="it-IT" b="1" dirty="0" err="1" smtClean="0"/>
-              <a:t>brench</a:t>
+              <a:t>rench</a:t>
             </a:r>
             <a:endParaRPr lang="it-IT" b="1" dirty="0"/>
           </a:p>
@@ -3395,51 +3475,176 @@
         <p:spPr/>
         <p:txBody>
           <a:bodyPr>
-            <a:normAutofit fontScale="77500" lnSpcReduction="20000"/>
+            <a:normAutofit fontScale="92500"/>
           </a:bodyPr>
           <a:lstStyle/>
           <a:p>
-            <a:r>
-              <a:rPr lang="en-US" dirty="0" smtClean="0"/>
-              <a:t>Have you ever saved different versions of a file? Something like:</a:t>
-            </a:r>
-          </a:p>
-          <a:p>
-            <a:endParaRPr lang="en-US" dirty="0" smtClean="0"/>
-          </a:p>
-          <a:p>
-            <a:r>
-              <a:rPr lang="en-US" dirty="0" smtClean="0"/>
-              <a:t>story.txt</a:t>
-            </a:r>
-          </a:p>
-          <a:p>
-            <a:r>
-              <a:rPr lang="en-US" dirty="0" smtClean="0"/>
-              <a:t>story-joe-edit.txt</a:t>
-            </a:r>
-          </a:p>
-          <a:p>
-            <a:r>
-              <a:rPr lang="en-US" dirty="0" smtClean="0"/>
-              <a:t>story-joe-edit-reviewed.txt</a:t>
-            </a:r>
-          </a:p>
-          <a:p>
-            <a:r>
-              <a:rPr lang="en-US" dirty="0" smtClean="0"/>
-              <a:t>Branches accomplish similar goals in GitHub repositories.</a:t>
-            </a:r>
-          </a:p>
-          <a:p>
-            <a:endParaRPr lang="en-US" dirty="0" smtClean="0"/>
-          </a:p>
-          <a:p>
-            <a:r>
-              <a:rPr lang="en-US" dirty="0" smtClean="0"/>
-              <a:t>Here at GitHub, our developers, writers, and designers use branches for keeping bug fixes and feature work separate from our master (production) branch. When a change is ready, they merge their branch into master.</a:t>
-            </a:r>
-            <a:endParaRPr lang="it-IT" dirty="0"/>
+            <a:pPr marL="0" indent="0">
+              <a:buNone/>
+            </a:pPr>
+            <a:r>
+              <a:rPr lang="it-IT" sz="2000" dirty="0" smtClean="0"/>
+              <a:t>Immagina di salvare </a:t>
+            </a:r>
+            <a:r>
+              <a:rPr lang="it-IT" sz="2000" dirty="0"/>
+              <a:t>diverse versioni di un </a:t>
+            </a:r>
+            <a:r>
+              <a:rPr lang="it-IT" sz="2000" dirty="0" smtClean="0"/>
+              <a:t>file </a:t>
+            </a:r>
+          </a:p>
+          <a:p>
+            <a:pPr marL="0" indent="0">
+              <a:buNone/>
+            </a:pPr>
+            <a:r>
+              <a:rPr lang="it-IT" sz="2000" dirty="0" smtClean="0"/>
+              <a:t>Qualcosa </a:t>
+            </a:r>
+            <a:r>
+              <a:rPr lang="it-IT" sz="2000" dirty="0"/>
+              <a:t>di simile a: </a:t>
+            </a:r>
+            <a:endParaRPr lang="it-IT" sz="2000" dirty="0" smtClean="0"/>
+          </a:p>
+          <a:p>
+            <a:r>
+              <a:rPr lang="it-IT" sz="2000" dirty="0" smtClean="0"/>
+              <a:t>storia.txt</a:t>
+            </a:r>
+          </a:p>
+          <a:p>
+            <a:r>
+              <a:rPr lang="it-IT" sz="2000" dirty="0" smtClean="0"/>
+              <a:t>storia-modificata.txt</a:t>
+            </a:r>
+          </a:p>
+          <a:p>
+            <a:r>
+              <a:rPr lang="it-IT" sz="2000" dirty="0" smtClean="0"/>
+              <a:t>storia-modificata-rivista.txt </a:t>
+            </a:r>
+          </a:p>
+          <a:p>
+            <a:pPr marL="0" indent="0">
+              <a:buNone/>
+            </a:pPr>
+            <a:endParaRPr lang="it-IT" sz="2000" dirty="0"/>
+          </a:p>
+          <a:p>
+            <a:pPr marL="0" indent="0">
+              <a:buNone/>
+            </a:pPr>
+            <a:r>
+              <a:rPr lang="it-IT" sz="2000" dirty="0" smtClean="0"/>
+              <a:t>I </a:t>
+            </a:r>
+            <a:r>
+              <a:rPr lang="it-IT" sz="2000" dirty="0"/>
+              <a:t>rami raggiungono obiettivi simili nei </a:t>
+            </a:r>
+            <a:r>
+              <a:rPr lang="it-IT" sz="2000" dirty="0" err="1"/>
+              <a:t>repository</a:t>
+            </a:r>
+            <a:r>
+              <a:rPr lang="it-IT" sz="2000" dirty="0"/>
+              <a:t> </a:t>
+            </a:r>
+            <a:r>
+              <a:rPr lang="it-IT" sz="2000" dirty="0" err="1"/>
+              <a:t>GitHub</a:t>
+            </a:r>
+            <a:r>
+              <a:rPr lang="it-IT" sz="2000" dirty="0"/>
+              <a:t>. </a:t>
+            </a:r>
+            <a:endParaRPr lang="it-IT" sz="2000" dirty="0" smtClean="0"/>
+          </a:p>
+          <a:p>
+            <a:pPr marL="0" indent="0">
+              <a:buNone/>
+            </a:pPr>
+            <a:endParaRPr lang="it-IT" sz="2000" dirty="0" smtClean="0"/>
+          </a:p>
+          <a:p>
+            <a:pPr marL="0" indent="0">
+              <a:buNone/>
+            </a:pPr>
+            <a:r>
+              <a:rPr lang="it-IT" sz="2000" dirty="0" smtClean="0"/>
+              <a:t>Su </a:t>
+            </a:r>
+            <a:r>
+              <a:rPr lang="it-IT" sz="2000" dirty="0" err="1"/>
+              <a:t>GitHub</a:t>
+            </a:r>
+            <a:r>
+              <a:rPr lang="it-IT" sz="2000" dirty="0"/>
+              <a:t>, </a:t>
+            </a:r>
+            <a:r>
+              <a:rPr lang="it-IT" sz="2000" dirty="0" smtClean="0"/>
+              <a:t>gli </a:t>
+            </a:r>
+            <a:r>
+              <a:rPr lang="it-IT" sz="2000" dirty="0"/>
+              <a:t>sviluppatori, scrittori e progettisti utilizzano i rami per </a:t>
+            </a:r>
+            <a:r>
+              <a:rPr lang="it-IT" sz="2000" dirty="0" smtClean="0"/>
+              <a:t>mantenere le </a:t>
+            </a:r>
+            <a:r>
+              <a:rPr lang="it-IT" sz="2000" dirty="0"/>
+              <a:t>correzioni di bug </a:t>
+            </a:r>
+            <a:r>
+              <a:rPr lang="it-IT" sz="2000" dirty="0" smtClean="0"/>
+              <a:t>e di </a:t>
+            </a:r>
+            <a:r>
+              <a:rPr lang="it-IT" sz="2000" dirty="0"/>
+              <a:t>funzioni separate </a:t>
+            </a:r>
+            <a:r>
+              <a:rPr lang="it-IT" sz="2000" dirty="0" smtClean="0"/>
+              <a:t>dal </a:t>
+            </a:r>
+            <a:r>
+              <a:rPr lang="it-IT" sz="2000" dirty="0"/>
+              <a:t>ramo principale </a:t>
+            </a:r>
+            <a:r>
+              <a:rPr lang="it-IT" sz="2000" dirty="0" smtClean="0"/>
+              <a:t>di produzione. </a:t>
+            </a:r>
+          </a:p>
+          <a:p>
+            <a:pPr marL="0" indent="0">
+              <a:buNone/>
+            </a:pPr>
+            <a:endParaRPr lang="it-IT" sz="2000" dirty="0"/>
+          </a:p>
+          <a:p>
+            <a:pPr marL="0" indent="0">
+              <a:buNone/>
+            </a:pPr>
+            <a:r>
+              <a:rPr lang="it-IT" sz="2000" dirty="0" smtClean="0"/>
+              <a:t>Quando </a:t>
+            </a:r>
+            <a:r>
+              <a:rPr lang="it-IT" sz="2000" dirty="0"/>
+              <a:t>un cambiamento è pronto, uniscono il loro ramo </a:t>
+            </a:r>
+            <a:r>
+              <a:rPr lang="it-IT" sz="2000" dirty="0" smtClean="0"/>
+              <a:t>nel master(ramo principale).</a:t>
+            </a:r>
+            <a:endParaRPr lang="it-IT" sz="2000" dirty="0"/>
           </a:p>
         </p:txBody>
       </p:sp>
@@ -3453,6 +3658,13 @@
   <p:clrMapOvr>
     <a:masterClrMapping/>
   </p:clrMapOvr>
+  <p:timing>
+    <p:tnLst>
+      <p:par>
+        <p:cTn id="1" dur="indefinite" restart="never" nodeType="tmRoot"/>
+      </p:par>
+    </p:tnLst>
+  </p:timing>
 </p:sld>
 </file>
 
@@ -3485,12 +3697,30 @@
         </p:nvSpPr>
         <p:spPr/>
         <p:txBody>
-          <a:bodyPr/>
-          <a:lstStyle/>
-          <a:p>
+          <a:bodyPr>
+            <a:normAutofit fontScale="90000"/>
+          </a:bodyPr>
+          <a:lstStyle/>
+          <a:p>
+            <a:r>
+              <a:rPr lang="it-IT" b="1" dirty="0"/>
+              <a:t>Come creare una </a:t>
+            </a:r>
+            <a:r>
+              <a:rPr lang="it-IT" b="1" dirty="0" err="1"/>
+              <a:t>Brench</a:t>
+            </a:r>
+            <a:r>
+              <a:rPr lang="it-IT" b="1" dirty="0"/>
+              <a:t> </a:t>
+            </a:r>
             <a:r>
               <a:rPr lang="it-IT" b="1" dirty="0" smtClean="0"/>
-              <a:t>Glossario</a:t>
+              <a:t>dal </a:t>
+            </a:r>
+            <a:r>
+              <a:rPr lang="it-IT" b="1" dirty="0"/>
+              <a:t>Browser</a:t>
             </a:r>
             <a:endParaRPr lang="it-IT" b="1" dirty="0"/>
           </a:p>
@@ -3513,84 +3743,135 @@
           </a:bodyPr>
           <a:lstStyle/>
           <a:p>
-            <a:r>
-              <a:rPr lang="it-IT" sz="1800" b="1" dirty="0" err="1" smtClean="0"/>
-              <a:t>Kernel</a:t>
-            </a:r>
-            <a:r>
-              <a:rPr lang="it-IT" sz="1800" b="1" dirty="0" smtClean="0"/>
-              <a:t> : </a:t>
-            </a:r>
-            <a:r>
-              <a:rPr lang="it-IT" sz="1800" dirty="0" smtClean="0"/>
-              <a:t>in </a:t>
-            </a:r>
-            <a:r>
-              <a:rPr lang="it-IT" sz="1800" dirty="0"/>
-              <a:t>informatica, il nucleo di un sistema operativo, che gestisce le funzioni di controllo fondamentali del computer</a:t>
-            </a:r>
-            <a:r>
-              <a:rPr lang="it-IT" sz="1800" dirty="0" smtClean="0"/>
+            <a:pPr marL="457200" indent="-457200">
+              <a:buFont typeface="+mj-lt"/>
+              <a:buAutoNum type="arabicPeriod"/>
+            </a:pPr>
+            <a:r>
+              <a:rPr lang="it-IT" sz="2000" dirty="0" smtClean="0"/>
+              <a:t>Vai </a:t>
+            </a:r>
+            <a:r>
+              <a:rPr lang="it-IT" sz="2000" dirty="0"/>
+              <a:t>al tuo nuovo </a:t>
+            </a:r>
+            <a:r>
+              <a:rPr lang="it-IT" sz="2000" dirty="0" err="1" smtClean="0"/>
+              <a:t>repository</a:t>
+            </a:r>
+            <a:r>
+              <a:rPr lang="it-IT" sz="2000" dirty="0" smtClean="0"/>
+              <a:t>. </a:t>
+            </a:r>
+          </a:p>
+          <a:p>
+            <a:pPr marL="457200" indent="-457200">
+              <a:buFont typeface="+mj-lt"/>
+              <a:buAutoNum type="arabicPeriod"/>
+            </a:pPr>
+            <a:endParaRPr lang="it-IT" sz="2000" dirty="0" smtClean="0"/>
+          </a:p>
+          <a:p>
+            <a:pPr marL="457200" indent="-457200">
+              <a:buFont typeface="+mj-lt"/>
+              <a:buAutoNum type="arabicPeriod"/>
+            </a:pPr>
+            <a:r>
+              <a:rPr lang="it-IT" sz="2000" dirty="0" smtClean="0"/>
+              <a:t>Fare </a:t>
+            </a:r>
+            <a:r>
+              <a:rPr lang="it-IT" sz="2000" dirty="0"/>
+              <a:t>clic sul menu a discesa nella parte superiore dell'elenco dei file che dice </a:t>
+            </a:r>
+            <a:r>
+              <a:rPr lang="it-IT" sz="2000" dirty="0" err="1"/>
+              <a:t>branch</a:t>
+            </a:r>
+            <a:r>
+              <a:rPr lang="it-IT" sz="2000" dirty="0"/>
+              <a:t>: master</a:t>
+            </a:r>
+            <a:r>
+              <a:rPr lang="it-IT" sz="2000" dirty="0" smtClean="0"/>
               <a:t>.</a:t>
             </a:r>
           </a:p>
           <a:p>
-            <a:r>
-              <a:rPr lang="it-IT" sz="1800" b="1" dirty="0"/>
-              <a:t>C</a:t>
-            </a:r>
-            <a:r>
-              <a:rPr lang="it-IT" sz="1800" b="1" dirty="0" smtClean="0"/>
-              <a:t>ontrollo versione distribuito  (o DVCS da Distributed Version Control System) : </a:t>
-            </a:r>
-            <a:r>
-              <a:rPr lang="it-IT" sz="1800" dirty="0" smtClean="0"/>
-              <a:t>permette di tenere traccia delle modifiche e delle versioni apportate al codice sorgente del software, senza la necessità di dover utilizzare un server centrale.</a:t>
-            </a:r>
-          </a:p>
-          <a:p>
-            <a:r>
-              <a:rPr lang="it-IT" sz="1800" b="1" dirty="0" err="1" smtClean="0"/>
-              <a:t>Concurrent</a:t>
-            </a:r>
-            <a:r>
-              <a:rPr lang="it-IT" sz="1800" b="1" dirty="0" smtClean="0"/>
-              <a:t> </a:t>
-            </a:r>
-            <a:r>
-              <a:rPr lang="it-IT" sz="1800" b="1" dirty="0" err="1" smtClean="0"/>
-              <a:t>Versions</a:t>
-            </a:r>
-            <a:r>
-              <a:rPr lang="it-IT" sz="1800" b="1" dirty="0" smtClean="0"/>
-              <a:t> System (CVS)</a:t>
-            </a:r>
-            <a:r>
-              <a:rPr lang="it-IT" sz="1800" dirty="0"/>
-              <a:t> </a:t>
-            </a:r>
-            <a:r>
-              <a:rPr lang="it-IT" sz="1800" dirty="0" smtClean="0"/>
-              <a:t> :  è un sistema software che implementa un sistema di controllo versione.</a:t>
-            </a:r>
-            <a:endParaRPr lang="it-IT" sz="1800" dirty="0"/>
+            <a:pPr marL="457200" indent="-457200">
+              <a:buFont typeface="+mj-lt"/>
+              <a:buAutoNum type="arabicPeriod"/>
+            </a:pPr>
+            <a:endParaRPr lang="it-IT" sz="2000" dirty="0" smtClean="0"/>
+          </a:p>
+          <a:p>
+            <a:pPr marL="457200" indent="-457200">
+              <a:buFont typeface="+mj-lt"/>
+              <a:buAutoNum type="arabicPeriod"/>
+            </a:pPr>
+            <a:r>
+              <a:rPr lang="it-IT" sz="2000" dirty="0" smtClean="0"/>
+              <a:t>Digitare </a:t>
+            </a:r>
+            <a:r>
+              <a:rPr lang="it-IT" sz="2000" dirty="0"/>
+              <a:t>un nome di ramo, </a:t>
+            </a:r>
+            <a:r>
+              <a:rPr lang="it-IT" sz="2000" dirty="0" smtClean="0"/>
+              <a:t>ad es. Modifica, </a:t>
+            </a:r>
+            <a:r>
+              <a:rPr lang="it-IT" sz="2000" dirty="0"/>
+              <a:t>nella nuova casella di testo del ramo. </a:t>
+            </a:r>
+            <a:endParaRPr lang="it-IT" sz="2000" dirty="0" smtClean="0"/>
+          </a:p>
+          <a:p>
+            <a:pPr marL="457200" indent="-457200">
+              <a:buFont typeface="+mj-lt"/>
+              <a:buAutoNum type="arabicPeriod"/>
+            </a:pPr>
+            <a:endParaRPr lang="it-IT" sz="2000" dirty="0" smtClean="0"/>
+          </a:p>
+          <a:p>
+            <a:pPr marL="457200" indent="-457200">
+              <a:buFont typeface="+mj-lt"/>
+              <a:buAutoNum type="arabicPeriod"/>
+            </a:pPr>
+            <a:r>
+              <a:rPr lang="it-IT" sz="2000" dirty="0" smtClean="0"/>
+              <a:t>Seleziona </a:t>
+            </a:r>
+            <a:r>
+              <a:rPr lang="it-IT" sz="2000" dirty="0"/>
+              <a:t>la casella blu Crea ramo o premi "Invio" sulla tastiera.</a:t>
+            </a:r>
+            <a:endParaRPr lang="it-IT" sz="2000" dirty="0"/>
           </a:p>
         </p:txBody>
       </p:sp>
     </p:spTree>
     <p:extLst>
       <p:ext uri="{BB962C8B-B14F-4D97-AF65-F5344CB8AC3E}">
-        <p14:creationId xmlns:p14="http://schemas.microsoft.com/office/powerpoint/2010/main" val="956342820"/>
+        <p14:creationId xmlns:p14="http://schemas.microsoft.com/office/powerpoint/2010/main" val="1612225305"/>
       </p:ext>
     </p:extLst>
   </p:cSld>
   <p:clrMapOvr>
     <a:masterClrMapping/>
   </p:clrMapOvr>
+  <p:timing>
+    <p:tnLst>
+      <p:par>
+        <p:cTn id="1" dur="indefinite" restart="never" nodeType="tmRoot"/>
+      </p:par>
+    </p:tnLst>
+  </p:timing>
 </p:sld>
 </file>
 
-<file path=ppt/slides/slide2.xml><?xml version="1.0" encoding="utf-8"?>
+<file path=ppt/slides/slide13.xml><?xml version="1.0" encoding="utf-8"?>
 <p:sld xmlns:a="http://schemas.openxmlformats.org/drawingml/2006/main" xmlns:r="http://schemas.openxmlformats.org/officeDocument/2006/relationships" xmlns:p="http://schemas.openxmlformats.org/presentationml/2006/main">
   <p:cSld>
     <p:spTree>
@@ -3607,6 +3888,62 @@
           <a:chExt cx="0" cy="0"/>
         </a:xfrm>
       </p:grpSpPr>
+      <p:pic>
+        <p:nvPicPr>
+          <p:cNvPr id="1027" name="Picture 3"/>
+          <p:cNvPicPr>
+            <a:picLocks noGrp="1" noChangeAspect="1" noChangeArrowheads="1"/>
+          </p:cNvPicPr>
+          <p:nvPr>
+            <p:ph idx="1"/>
+          </p:nvPr>
+        </p:nvPicPr>
+        <p:blipFill>
+          <a:blip r:embed="rId2">
+            <a:extLst>
+              <a:ext uri="{28A0092B-C50C-407E-A947-70E740481C1C}">
+                <a14:useLocalDpi xmlns:a14="http://schemas.microsoft.com/office/drawing/2010/main" val="0"/>
+              </a:ext>
+            </a:extLst>
+          </a:blip>
+          <a:srcRect/>
+          <a:stretch>
+            <a:fillRect/>
+          </a:stretch>
+        </p:blipFill>
+        <p:spPr bwMode="auto">
+          <a:xfrm>
+            <a:off x="251520" y="1451917"/>
+            <a:ext cx="8639599" cy="4857403"/>
+          </a:xfrm>
+          <a:prstGeom prst="rect">
+            <a:avLst/>
+          </a:prstGeom>
+          <a:noFill/>
+          <a:ln>
+            <a:noFill/>
+          </a:ln>
+          <a:extLst>
+            <a:ext uri="{909E8E84-426E-40DD-AFC4-6F175D3DCCD1}">
+              <a14:hiddenFill xmlns:a14="http://schemas.microsoft.com/office/drawing/2010/main">
+                <a:solidFill>
+                  <a:schemeClr val="accent1"/>
+                </a:solidFill>
+              </a14:hiddenFill>
+            </a:ext>
+            <a:ext uri="{91240B29-F687-4F45-9708-019B960494DF}">
+              <a14:hiddenLine xmlns:a14="http://schemas.microsoft.com/office/drawing/2010/main" w="9525">
+                <a:solidFill>
+                  <a:schemeClr val="tx1"/>
+                </a:solidFill>
+                <a:miter lim="800000"/>
+                <a:headEnd/>
+                <a:tailEnd/>
+              </a14:hiddenLine>
+            </a:ext>
+          </a:extLst>
+        </p:spPr>
+      </p:pic>
       <p:sp>
         <p:nvSpPr>
           <p:cNvPr id="2" name="Titolo 1"/>
@@ -3619,20 +3956,26 @@
         </p:nvSpPr>
         <p:spPr/>
         <p:txBody>
-          <a:bodyPr/>
+          <a:bodyPr>
+            <a:normAutofit fontScale="90000"/>
+          </a:bodyPr>
           <a:lstStyle/>
           <a:p>
             <a:r>
               <a:rPr lang="it-IT" b="1" dirty="0" smtClean="0"/>
-              <a:t>Da dove nasce </a:t>
+              <a:t>Come creare una </a:t>
             </a:r>
             <a:r>
               <a:rPr lang="it-IT" b="1" dirty="0" err="1" smtClean="0"/>
-              <a:t>GitHub</a:t>
+              <a:t>Brench</a:t>
             </a:r>
             <a:r>
               <a:rPr lang="it-IT" b="1" dirty="0" smtClean="0"/>
-              <a:t>…</a:t>
+              <a:t> dal </a:t>
+            </a:r>
+            <a:r>
+              <a:rPr lang="it-IT" b="1" dirty="0" smtClean="0"/>
+              <a:t>Browser</a:t>
             </a:r>
             <a:endParaRPr lang="it-IT" b="1" dirty="0"/>
           </a:p>
@@ -3640,203 +3983,71 @@
       </p:sp>
       <p:sp>
         <p:nvSpPr>
-          <p:cNvPr id="3" name="Segnaposto contenuto 2"/>
-          <p:cNvSpPr>
-            <a:spLocks noGrp="1"/>
-          </p:cNvSpPr>
-          <p:nvPr>
-            <p:ph idx="1"/>
-          </p:nvPr>
-        </p:nvSpPr>
-        <p:spPr/>
-        <p:txBody>
-          <a:bodyPr>
-            <a:normAutofit/>
-          </a:bodyPr>
-          <a:lstStyle/>
-          <a:p>
-            <a:r>
-              <a:rPr lang="it-IT" sz="2000" dirty="0" smtClean="0"/>
-              <a:t>Nel 2005 Linus </a:t>
-            </a:r>
-            <a:r>
-              <a:rPr lang="it-IT" sz="2000" dirty="0" err="1" smtClean="0"/>
-              <a:t>Torvalds</a:t>
-            </a:r>
-            <a:r>
-              <a:rPr lang="it-IT" sz="2000" dirty="0" smtClean="0"/>
-              <a:t> creò </a:t>
-            </a:r>
-            <a:r>
-              <a:rPr lang="it-IT" sz="2000" b="1" dirty="0" err="1" smtClean="0"/>
-              <a:t>Git</a:t>
-            </a:r>
-            <a:r>
-              <a:rPr lang="it-IT" sz="2000" dirty="0" smtClean="0"/>
-              <a:t>  ,che nello slang americano significa ‘’</a:t>
-            </a:r>
-            <a:r>
-              <a:rPr lang="it-IT" sz="2000" i="1" dirty="0" smtClean="0"/>
-              <a:t>idiota</a:t>
-            </a:r>
-            <a:r>
-              <a:rPr lang="it-IT" sz="2000" dirty="0" smtClean="0"/>
-              <a:t>’’</a:t>
-            </a:r>
-          </a:p>
-          <a:p>
-            <a:r>
-              <a:rPr lang="it-IT" sz="2000" dirty="0" err="1" smtClean="0"/>
-              <a:t>Git</a:t>
-            </a:r>
-            <a:r>
-              <a:rPr lang="it-IT" sz="2000" dirty="0" smtClean="0"/>
-              <a:t> è un </a:t>
-            </a:r>
-            <a:r>
-              <a:rPr lang="it-IT" sz="2000" b="1" dirty="0" smtClean="0"/>
-              <a:t>Software di Controllo </a:t>
-            </a:r>
-            <a:r>
-              <a:rPr lang="it-IT" sz="2000" b="1" dirty="0"/>
-              <a:t>V</a:t>
-            </a:r>
-            <a:r>
-              <a:rPr lang="it-IT" sz="2000" b="1" dirty="0" smtClean="0"/>
-              <a:t>ersione </a:t>
-            </a:r>
-            <a:r>
-              <a:rPr lang="it-IT" sz="2000" b="1" dirty="0"/>
-              <a:t>D</a:t>
-            </a:r>
-            <a:r>
-              <a:rPr lang="it-IT" sz="2000" b="1" dirty="0" smtClean="0"/>
-              <a:t>istribuito </a:t>
-            </a:r>
-            <a:r>
-              <a:rPr lang="it-IT" sz="2000" dirty="0" smtClean="0"/>
-              <a:t>e nacque per essere un semplice strumento per facilitare lo sviluppo del </a:t>
-            </a:r>
-            <a:r>
-              <a:rPr lang="it-IT" sz="2000" dirty="0" err="1" smtClean="0"/>
-              <a:t>kernel</a:t>
-            </a:r>
-            <a:r>
-              <a:rPr lang="it-IT" sz="2000" dirty="0" smtClean="0"/>
-              <a:t> Linux ed è diventato uno degli strumenti di controllo versione più diffusi.</a:t>
-            </a:r>
-          </a:p>
-          <a:p>
-            <a:r>
-              <a:rPr lang="it-IT" sz="2000" dirty="0" smtClean="0"/>
-              <a:t>Lo sviluppo di </a:t>
-            </a:r>
-            <a:r>
-              <a:rPr lang="it-IT" sz="2000" dirty="0" err="1" smtClean="0"/>
-              <a:t>Git</a:t>
-            </a:r>
-            <a:r>
-              <a:rPr lang="it-IT" sz="2000" dirty="0" smtClean="0"/>
-              <a:t> è iniziato dopo che molti sviluppatori del </a:t>
-            </a:r>
-            <a:r>
-              <a:rPr lang="it-IT" sz="2000" dirty="0" err="1" smtClean="0"/>
-              <a:t>kernel</a:t>
-            </a:r>
-            <a:r>
-              <a:rPr lang="it-IT" sz="2000" dirty="0" smtClean="0"/>
-              <a:t> di Linux sono stati costretti ad </a:t>
-            </a:r>
-            <a:r>
-              <a:rPr lang="it-IT" sz="2000" b="1" dirty="0" smtClean="0"/>
-              <a:t>abbandonare l'accesso al codice sorgente </a:t>
-            </a:r>
-            <a:r>
-              <a:rPr lang="it-IT" sz="2000" dirty="0" smtClean="0"/>
-              <a:t>tramite il sistema proprietario </a:t>
-            </a:r>
-            <a:r>
-              <a:rPr lang="it-IT" sz="2000" dirty="0" err="1" smtClean="0"/>
-              <a:t>BitKeeper</a:t>
-            </a:r>
-            <a:r>
-              <a:rPr lang="it-IT" sz="2000" dirty="0"/>
-              <a:t> </a:t>
-            </a:r>
-            <a:r>
-              <a:rPr lang="it-IT" sz="2000" dirty="0" smtClean="0"/>
-              <a:t>poiché </a:t>
-            </a:r>
-            <a:r>
-              <a:rPr lang="it-IT" sz="2000" dirty="0"/>
-              <a:t>l</a:t>
-            </a:r>
-            <a:r>
-              <a:rPr lang="it-IT" sz="2000" dirty="0" smtClean="0"/>
-              <a:t>a possibilità di utilizzare </a:t>
-            </a:r>
-            <a:r>
-              <a:rPr lang="it-IT" sz="2000" dirty="0" err="1" smtClean="0"/>
-              <a:t>BitKeeper</a:t>
-            </a:r>
-            <a:r>
-              <a:rPr lang="it-IT" sz="2000" dirty="0" smtClean="0"/>
-              <a:t> gratuitamente era stata ritirata dal detentore dei diritti d'autore Larry </a:t>
-            </a:r>
-            <a:r>
-              <a:rPr lang="it-IT" sz="2000" dirty="0" err="1" smtClean="0"/>
-              <a:t>McVoy</a:t>
-            </a:r>
-            <a:r>
-              <a:rPr lang="it-IT" sz="2000" dirty="0" smtClean="0"/>
-              <a:t>.</a:t>
-            </a:r>
-          </a:p>
-          <a:p>
-            <a:r>
-              <a:rPr lang="it-IT" sz="2000" b="1" dirty="0" err="1" smtClean="0"/>
-              <a:t>Torvalds</a:t>
-            </a:r>
-            <a:r>
-              <a:rPr lang="it-IT" sz="2000" dirty="0" smtClean="0"/>
-              <a:t> voleva un sistema distribuito che potesse usare come </a:t>
-            </a:r>
-            <a:r>
-              <a:rPr lang="it-IT" sz="2000" dirty="0" err="1" smtClean="0"/>
-              <a:t>BitKeeper</a:t>
-            </a:r>
-            <a:r>
-              <a:rPr lang="it-IT" sz="2000" dirty="0" smtClean="0"/>
-              <a:t>, ma nessuno dei sistemi disponibili gratuitamente soddisfaceva i suoi bisogni, particolarmente </a:t>
-            </a:r>
-            <a:r>
-              <a:rPr lang="it-IT" sz="2000" b="1" dirty="0" smtClean="0"/>
-              <a:t>il suo bisogno di velocità</a:t>
-            </a:r>
-            <a:r>
-              <a:rPr lang="it-IT" sz="2000" dirty="0" smtClean="0"/>
-              <a:t>.</a:t>
-            </a:r>
-          </a:p>
-          <a:p>
-            <a:endParaRPr lang="it-IT" sz="2000" dirty="0"/>
+          <p:cNvPr id="4" name="Ovale 3"/>
+          <p:cNvSpPr/>
+          <p:nvPr/>
+        </p:nvSpPr>
+        <p:spPr>
+          <a:xfrm>
+            <a:off x="1700005" y="3444632"/>
+            <a:ext cx="648072" cy="432048"/>
+          </a:xfrm>
+          <a:prstGeom prst="ellipse">
+            <a:avLst/>
+          </a:prstGeom>
+          <a:noFill/>
+          <a:ln>
+            <a:solidFill>
+              <a:srgbClr val="FF0000"/>
+            </a:solidFill>
+          </a:ln>
+        </p:spPr>
+        <p:style>
+          <a:lnRef idx="2">
+            <a:schemeClr val="accent1">
+              <a:shade val="50000"/>
+            </a:schemeClr>
+          </a:lnRef>
+          <a:fillRef idx="1">
+            <a:schemeClr val="accent1"/>
+          </a:fillRef>
+          <a:effectRef idx="0">
+            <a:schemeClr val="accent1"/>
+          </a:effectRef>
+          <a:fontRef idx="minor">
+            <a:schemeClr val="lt1"/>
+          </a:fontRef>
+        </p:style>
+        <p:txBody>
+          <a:bodyPr rtlCol="0" anchor="ctr"/>
+          <a:lstStyle/>
+          <a:p>
+            <a:pPr algn="ctr"/>
+            <a:endParaRPr lang="it-IT"/>
           </a:p>
         </p:txBody>
       </p:sp>
     </p:spTree>
     <p:extLst>
       <p:ext uri="{BB962C8B-B14F-4D97-AF65-F5344CB8AC3E}">
-        <p14:creationId xmlns:p14="http://schemas.microsoft.com/office/powerpoint/2010/main" val="2920935571"/>
+        <p14:creationId xmlns:p14="http://schemas.microsoft.com/office/powerpoint/2010/main" val="2968430293"/>
       </p:ext>
     </p:extLst>
   </p:cSld>
   <p:clrMapOvr>
     <a:masterClrMapping/>
   </p:clrMapOvr>
+  <p:timing>
+    <p:tnLst>
+      <p:par>
+        <p:cTn id="1" dur="indefinite" restart="never" nodeType="tmRoot"/>
+      </p:par>
+    </p:tnLst>
+  </p:timing>
 </p:sld>
 </file>
 
-<file path=ppt/slides/slide3.xml><?xml version="1.0" encoding="utf-8"?>
+<file path=ppt/slides/slide14.xml><?xml version="1.0" encoding="utf-8"?>
 <p:sld xmlns:a="http://schemas.openxmlformats.org/drawingml/2006/main" xmlns:r="http://schemas.openxmlformats.org/officeDocument/2006/relationships" xmlns:p="http://schemas.openxmlformats.org/presentationml/2006/main">
   <p:cSld>
     <p:spTree>
@@ -3853,6 +4064,62 @@
           <a:chExt cx="0" cy="0"/>
         </a:xfrm>
       </p:grpSpPr>
+      <p:pic>
+        <p:nvPicPr>
+          <p:cNvPr id="2050" name="Picture 2"/>
+          <p:cNvPicPr>
+            <a:picLocks noGrp="1" noChangeAspect="1" noChangeArrowheads="1"/>
+          </p:cNvPicPr>
+          <p:nvPr>
+            <p:ph idx="1"/>
+          </p:nvPr>
+        </p:nvPicPr>
+        <p:blipFill>
+          <a:blip r:embed="rId2">
+            <a:extLst>
+              <a:ext uri="{28A0092B-C50C-407E-A947-70E740481C1C}">
+                <a14:useLocalDpi xmlns:a14="http://schemas.microsoft.com/office/drawing/2010/main" val="0"/>
+              </a:ext>
+            </a:extLst>
+          </a:blip>
+          <a:srcRect/>
+          <a:stretch>
+            <a:fillRect/>
+          </a:stretch>
+        </p:blipFill>
+        <p:spPr bwMode="auto">
+          <a:xfrm>
+            <a:off x="251520" y="1451694"/>
+            <a:ext cx="8640000" cy="4857626"/>
+          </a:xfrm>
+          <a:prstGeom prst="rect">
+            <a:avLst/>
+          </a:prstGeom>
+          <a:noFill/>
+          <a:ln>
+            <a:noFill/>
+          </a:ln>
+          <a:extLst>
+            <a:ext uri="{909E8E84-426E-40DD-AFC4-6F175D3DCCD1}">
+              <a14:hiddenFill xmlns:a14="http://schemas.microsoft.com/office/drawing/2010/main">
+                <a:solidFill>
+                  <a:schemeClr val="accent1"/>
+                </a:solidFill>
+              </a14:hiddenFill>
+            </a:ext>
+            <a:ext uri="{91240B29-F687-4F45-9708-019B960494DF}">
+              <a14:hiddenLine xmlns:a14="http://schemas.microsoft.com/office/drawing/2010/main" w="9525">
+                <a:solidFill>
+                  <a:schemeClr val="tx1"/>
+                </a:solidFill>
+                <a:miter lim="800000"/>
+                <a:headEnd/>
+                <a:tailEnd/>
+              </a14:hiddenLine>
+            </a:ext>
+          </a:extLst>
+        </p:spPr>
+      </p:pic>
       <p:sp>
         <p:nvSpPr>
           <p:cNvPr id="2" name="Titolo 1"/>
@@ -3865,20 +4132,26 @@
         </p:nvSpPr>
         <p:spPr/>
         <p:txBody>
-          <a:bodyPr/>
+          <a:bodyPr>
+            <a:normAutofit fontScale="90000"/>
+          </a:bodyPr>
           <a:lstStyle/>
           <a:p>
             <a:r>
               <a:rPr lang="it-IT" b="1" dirty="0" smtClean="0"/>
-              <a:t>Da dove nasce </a:t>
+              <a:t>Come creare una </a:t>
             </a:r>
             <a:r>
               <a:rPr lang="it-IT" b="1" dirty="0" err="1" smtClean="0"/>
-              <a:t>GitHub</a:t>
+              <a:t>Brench</a:t>
             </a:r>
             <a:r>
               <a:rPr lang="it-IT" b="1" dirty="0" smtClean="0"/>
-              <a:t>…</a:t>
+              <a:t> </a:t>
+            </a:r>
+            <a:r>
+              <a:rPr lang="it-IT" b="1" dirty="0" smtClean="0"/>
+              <a:t>da Browser</a:t>
             </a:r>
             <a:endParaRPr lang="it-IT" b="1" dirty="0"/>
           </a:p>
@@ -3886,200 +4159,65 @@
       </p:sp>
       <p:sp>
         <p:nvSpPr>
-          <p:cNvPr id="3" name="Segnaposto contenuto 2"/>
-          <p:cNvSpPr>
-            <a:spLocks noGrp="1"/>
-          </p:cNvSpPr>
-          <p:nvPr>
-            <p:ph idx="1"/>
-          </p:nvPr>
-        </p:nvSpPr>
-        <p:spPr/>
-        <p:txBody>
-          <a:bodyPr>
-            <a:normAutofit lnSpcReduction="10000"/>
-          </a:bodyPr>
-          <a:lstStyle/>
-          <a:p>
-            <a:pPr marL="0" indent="0" algn="just">
-              <a:buNone/>
-            </a:pPr>
-            <a:r>
-              <a:rPr lang="it-IT" b="1" dirty="0" smtClean="0"/>
-              <a:t>Caratteristiche di </a:t>
-            </a:r>
-            <a:r>
-              <a:rPr lang="it-IT" b="1" dirty="0" err="1" smtClean="0"/>
-              <a:t>Git</a:t>
-            </a:r>
-            <a:r>
-              <a:rPr lang="it-IT" b="1" dirty="0" smtClean="0"/>
-              <a:t> :</a:t>
-            </a:r>
-            <a:endParaRPr lang="it-IT" b="1" dirty="0"/>
-          </a:p>
-          <a:p>
-            <a:pPr algn="just"/>
-            <a:r>
-              <a:rPr lang="it-IT" sz="2200" i="1" u="sng" dirty="0" smtClean="0"/>
-              <a:t>Forte supporto allo sviluppo non lineare</a:t>
-            </a:r>
-            <a:r>
-              <a:rPr lang="it-IT" sz="2200" i="1" dirty="0" smtClean="0"/>
-              <a:t> </a:t>
-            </a:r>
-            <a:r>
-              <a:rPr lang="it-IT" sz="2000" dirty="0"/>
-              <a:t>:</a:t>
-            </a:r>
-            <a:r>
-              <a:rPr lang="it-IT" sz="2000" dirty="0" smtClean="0"/>
-              <a:t> </a:t>
-            </a:r>
-            <a:r>
-              <a:rPr lang="it-IT" sz="2000" dirty="0" err="1" smtClean="0"/>
-              <a:t>Git</a:t>
-            </a:r>
-            <a:r>
-              <a:rPr lang="it-IT" sz="2000" dirty="0" smtClean="0"/>
-              <a:t> supporta diramazione e fusione (branching and </a:t>
-            </a:r>
-            <a:r>
-              <a:rPr lang="it-IT" sz="2000" dirty="0" err="1" smtClean="0"/>
-              <a:t>merging</a:t>
-            </a:r>
-            <a:r>
-              <a:rPr lang="it-IT" sz="2000" dirty="0" smtClean="0"/>
-              <a:t>) rapide e comode, e comprende strumenti specifici per visualizzare e navigare una cronologia di sviluppo non lineare.</a:t>
-            </a:r>
-          </a:p>
-          <a:p>
-            <a:pPr algn="just"/>
-            <a:r>
-              <a:rPr lang="it-IT" sz="2200" i="1" u="sng" dirty="0"/>
-              <a:t>Sviluppo </a:t>
-            </a:r>
-            <a:r>
-              <a:rPr lang="it-IT" sz="2200" i="1" u="sng" dirty="0" smtClean="0"/>
-              <a:t>distribuito</a:t>
-            </a:r>
-            <a:r>
-              <a:rPr lang="it-IT" sz="2400" dirty="0" smtClean="0"/>
-              <a:t> </a:t>
-            </a:r>
-            <a:r>
-              <a:rPr lang="it-IT" sz="2000" dirty="0" smtClean="0"/>
-              <a:t>:</a:t>
-            </a:r>
-            <a:r>
-              <a:rPr lang="it-IT" sz="2400" dirty="0" smtClean="0"/>
-              <a:t> </a:t>
-            </a:r>
-            <a:r>
-              <a:rPr lang="it-IT" sz="2000" dirty="0" err="1" smtClean="0"/>
-              <a:t>Git</a:t>
-            </a:r>
-            <a:r>
-              <a:rPr lang="it-IT" sz="2000" dirty="0" smtClean="0"/>
-              <a:t> dà a ogni sviluppatore una copia locale dell'intera cronologia di sviluppo e le modifiche vengono copiate da un tale </a:t>
-            </a:r>
-            <a:r>
-              <a:rPr lang="it-IT" sz="2000" dirty="0" err="1" smtClean="0"/>
-              <a:t>repository</a:t>
-            </a:r>
-            <a:r>
-              <a:rPr lang="it-IT" sz="2000" dirty="0" smtClean="0"/>
-              <a:t> a un altro. Queste modifiche vengono importate come diramazioni aggiuntive di sviluppo, e possono essere fuse allo stesso modo di una diramazione sviluppata localmente.</a:t>
-            </a:r>
-          </a:p>
-          <a:p>
-            <a:pPr algn="just"/>
-            <a:r>
-              <a:rPr lang="it-IT" sz="2200" i="1" u="sng" dirty="0" smtClean="0"/>
-              <a:t>I </a:t>
-            </a:r>
-            <a:r>
-              <a:rPr lang="it-IT" sz="2200" i="1" u="sng" dirty="0" err="1" smtClean="0"/>
-              <a:t>repository</a:t>
-            </a:r>
-            <a:r>
-              <a:rPr lang="it-IT" sz="2200" i="1" u="sng" dirty="0" smtClean="0"/>
-              <a:t> possono essere pubblicati facilmente</a:t>
-            </a:r>
-            <a:r>
-              <a:rPr lang="it-IT" sz="2200" dirty="0" smtClean="0"/>
-              <a:t> </a:t>
-            </a:r>
-            <a:r>
-              <a:rPr lang="it-IT" sz="2000" dirty="0" smtClean="0"/>
-              <a:t>: tramite HTTP, FTP, </a:t>
-            </a:r>
-            <a:r>
-              <a:rPr lang="it-IT" sz="2000" dirty="0" err="1" smtClean="0"/>
-              <a:t>ssh</a:t>
-            </a:r>
-            <a:r>
-              <a:rPr lang="it-IT" sz="2000" dirty="0" smtClean="0"/>
-              <a:t>, </a:t>
-            </a:r>
-            <a:r>
-              <a:rPr lang="it-IT" sz="2000" dirty="0" err="1" smtClean="0"/>
-              <a:t>rsync</a:t>
-            </a:r>
-            <a:r>
-              <a:rPr lang="it-IT" sz="2000" dirty="0" smtClean="0"/>
-              <a:t>. </a:t>
-            </a:r>
-            <a:r>
-              <a:rPr lang="it-IT" sz="2000" dirty="0" err="1" smtClean="0"/>
-              <a:t>Git</a:t>
-            </a:r>
-            <a:r>
-              <a:rPr lang="it-IT" sz="2000" dirty="0" smtClean="0"/>
-              <a:t> ha anche un'emulazione del server CVS, che consente di usare gli esistenti client CVS e </a:t>
-            </a:r>
-            <a:r>
-              <a:rPr lang="it-IT" sz="2000" dirty="0" err="1" smtClean="0"/>
-              <a:t>plugin</a:t>
-            </a:r>
-            <a:r>
-              <a:rPr lang="it-IT" sz="2000" dirty="0" smtClean="0"/>
-              <a:t> per IDE per accedere ai </a:t>
-            </a:r>
-            <a:r>
-              <a:rPr lang="it-IT" sz="2000" dirty="0" err="1" smtClean="0"/>
-              <a:t>repository</a:t>
-            </a:r>
-            <a:r>
-              <a:rPr lang="it-IT" sz="2000" dirty="0" smtClean="0"/>
-              <a:t> </a:t>
-            </a:r>
-            <a:r>
-              <a:rPr lang="it-IT" sz="2000" dirty="0" err="1" smtClean="0"/>
-              <a:t>Git</a:t>
-            </a:r>
-            <a:r>
-              <a:rPr lang="it-IT" sz="2000" dirty="0" smtClean="0"/>
-              <a:t>.</a:t>
-            </a:r>
-            <a:endParaRPr lang="it-IT" sz="2200" i="1" u="sng" dirty="0" smtClean="0"/>
+          <p:cNvPr id="6" name="Freccia a destra 5"/>
+          <p:cNvSpPr/>
+          <p:nvPr/>
+        </p:nvSpPr>
+        <p:spPr>
+          <a:xfrm rot="10800000">
+            <a:off x="3539451" y="4005064"/>
+            <a:ext cx="432048" cy="144016"/>
+          </a:xfrm>
+          <a:prstGeom prst="rightArrow">
+            <a:avLst/>
+          </a:prstGeom>
+        </p:spPr>
+        <p:style>
+          <a:lnRef idx="2">
+            <a:schemeClr val="accent1">
+              <a:shade val="50000"/>
+            </a:schemeClr>
+          </a:lnRef>
+          <a:fillRef idx="1">
+            <a:schemeClr val="accent1"/>
+          </a:fillRef>
+          <a:effectRef idx="0">
+            <a:schemeClr val="accent1"/>
+          </a:effectRef>
+          <a:fontRef idx="minor">
+            <a:schemeClr val="lt1"/>
+          </a:fontRef>
+        </p:style>
+        <p:txBody>
+          <a:bodyPr rtlCol="0" anchor="ctr"/>
+          <a:lstStyle/>
+          <a:p>
+            <a:pPr algn="ctr"/>
+            <a:endParaRPr lang="it-IT"/>
           </a:p>
         </p:txBody>
       </p:sp>
     </p:spTree>
     <p:extLst>
       <p:ext uri="{BB962C8B-B14F-4D97-AF65-F5344CB8AC3E}">
-        <p14:creationId xmlns:p14="http://schemas.microsoft.com/office/powerpoint/2010/main" val="1459526379"/>
+        <p14:creationId xmlns:p14="http://schemas.microsoft.com/office/powerpoint/2010/main" val="4133319688"/>
       </p:ext>
     </p:extLst>
   </p:cSld>
   <p:clrMapOvr>
     <a:masterClrMapping/>
   </p:clrMapOvr>
+  <p:timing>
+    <p:tnLst>
+      <p:par>
+        <p:cTn id="1" dur="indefinite" restart="never" nodeType="tmRoot"/>
+      </p:par>
+    </p:tnLst>
+  </p:timing>
 </p:sld>
 </file>
 
-<file path=ppt/slides/slide4.xml><?xml version="1.0" encoding="utf-8"?>
+<file path=ppt/slides/slide15.xml><?xml version="1.0" encoding="utf-8"?>
 <p:sld xmlns:a="http://schemas.openxmlformats.org/drawingml/2006/main" xmlns:r="http://schemas.openxmlformats.org/officeDocument/2006/relationships" xmlns:p="http://schemas.openxmlformats.org/presentationml/2006/main">
   <p:cSld>
     <p:spTree>
@@ -4096,6 +4234,62 @@
           <a:chExt cx="0" cy="0"/>
         </a:xfrm>
       </p:grpSpPr>
+      <p:pic>
+        <p:nvPicPr>
+          <p:cNvPr id="3074" name="Picture 2"/>
+          <p:cNvPicPr>
+            <a:picLocks noGrp="1" noChangeAspect="1" noChangeArrowheads="1"/>
+          </p:cNvPicPr>
+          <p:nvPr>
+            <p:ph idx="1"/>
+          </p:nvPr>
+        </p:nvPicPr>
+        <p:blipFill>
+          <a:blip r:embed="rId2">
+            <a:extLst>
+              <a:ext uri="{28A0092B-C50C-407E-A947-70E740481C1C}">
+                <a14:useLocalDpi xmlns:a14="http://schemas.microsoft.com/office/drawing/2010/main" val="0"/>
+              </a:ext>
+            </a:extLst>
+          </a:blip>
+          <a:srcRect/>
+          <a:stretch>
+            <a:fillRect/>
+          </a:stretch>
+        </p:blipFill>
+        <p:spPr bwMode="auto">
+          <a:xfrm>
+            <a:off x="251520" y="1451694"/>
+            <a:ext cx="8640000" cy="4857626"/>
+          </a:xfrm>
+          <a:prstGeom prst="rect">
+            <a:avLst/>
+          </a:prstGeom>
+          <a:noFill/>
+          <a:ln>
+            <a:noFill/>
+          </a:ln>
+          <a:extLst>
+            <a:ext uri="{909E8E84-426E-40DD-AFC4-6F175D3DCCD1}">
+              <a14:hiddenFill xmlns:a14="http://schemas.microsoft.com/office/drawing/2010/main">
+                <a:solidFill>
+                  <a:schemeClr val="accent1"/>
+                </a:solidFill>
+              </a14:hiddenFill>
+            </a:ext>
+            <a:ext uri="{91240B29-F687-4F45-9708-019B960494DF}">
+              <a14:hiddenLine xmlns:a14="http://schemas.microsoft.com/office/drawing/2010/main" w="9525">
+                <a:solidFill>
+                  <a:schemeClr val="tx1"/>
+                </a:solidFill>
+                <a:miter lim="800000"/>
+                <a:headEnd/>
+                <a:tailEnd/>
+              </a14:hiddenLine>
+            </a:ext>
+          </a:extLst>
+        </p:spPr>
+      </p:pic>
       <p:sp>
         <p:nvSpPr>
           <p:cNvPr id="2" name="Titolo 1"/>
@@ -4108,20 +4302,26 @@
         </p:nvSpPr>
         <p:spPr/>
         <p:txBody>
-          <a:bodyPr/>
+          <a:bodyPr>
+            <a:normAutofit fontScale="90000"/>
+          </a:bodyPr>
           <a:lstStyle/>
           <a:p>
             <a:r>
               <a:rPr lang="it-IT" b="1" dirty="0" smtClean="0"/>
-              <a:t>Da dove nasce </a:t>
+              <a:t>Come creare una </a:t>
             </a:r>
             <a:r>
               <a:rPr lang="it-IT" b="1" dirty="0" err="1" smtClean="0"/>
-              <a:t>GitHub</a:t>
+              <a:t>Brench</a:t>
             </a:r>
             <a:r>
               <a:rPr lang="it-IT" b="1" dirty="0" smtClean="0"/>
-              <a:t>…</a:t>
+              <a:t> dal </a:t>
+            </a:r>
+            <a:r>
+              <a:rPr lang="it-IT" b="1" dirty="0" smtClean="0"/>
+              <a:t>Browser</a:t>
             </a:r>
             <a:endParaRPr lang="it-IT" b="1" dirty="0"/>
           </a:p>
@@ -4129,90 +4329,117 @@
       </p:sp>
       <p:sp>
         <p:nvSpPr>
-          <p:cNvPr id="3" name="Segnaposto contenuto 2"/>
-          <p:cNvSpPr>
-            <a:spLocks noGrp="1"/>
-          </p:cNvSpPr>
-          <p:nvPr>
-            <p:ph idx="1"/>
-          </p:nvPr>
-        </p:nvSpPr>
-        <p:spPr/>
-        <p:txBody>
-          <a:bodyPr>
-            <a:normAutofit/>
-          </a:bodyPr>
-          <a:lstStyle/>
-          <a:p>
-            <a:pPr marL="0" indent="0" algn="just">
-              <a:buNone/>
-            </a:pPr>
-            <a:r>
-              <a:rPr lang="it-IT" b="1" dirty="0" smtClean="0"/>
-              <a:t>Caratteristiche di </a:t>
-            </a:r>
-            <a:r>
-              <a:rPr lang="it-IT" b="1" dirty="0" err="1" smtClean="0"/>
-              <a:t>Git</a:t>
-            </a:r>
-            <a:r>
-              <a:rPr lang="it-IT" b="1" dirty="0" smtClean="0"/>
-              <a:t> :</a:t>
-            </a:r>
-          </a:p>
-          <a:p>
-            <a:pPr marL="0" indent="0" algn="just">
-              <a:buNone/>
-            </a:pPr>
-            <a:endParaRPr lang="it-IT" b="1" dirty="0"/>
-          </a:p>
-          <a:p>
-            <a:pPr marL="0" indent="0" algn="just">
-              <a:buNone/>
-            </a:pPr>
-            <a:r>
-              <a:rPr lang="it-IT" b="1" dirty="0" smtClean="0">
-                <a:hlinkClick r:id="rId2"/>
-              </a:rPr>
-              <a:t>https://it.wikipedia.org/wiki/Concurrent_Versions_System</a:t>
-            </a:r>
-            <a:endParaRPr lang="it-IT" b="1" dirty="0" smtClean="0"/>
-          </a:p>
-          <a:p>
-            <a:pPr marL="0" indent="0" algn="just">
-              <a:buNone/>
-            </a:pPr>
-            <a:endParaRPr lang="it-IT" b="1" dirty="0"/>
-          </a:p>
-          <a:p>
-            <a:pPr marL="0" indent="0" algn="just">
-              <a:buNone/>
-            </a:pPr>
-            <a:r>
-              <a:rPr lang="it-IT" b="1" dirty="0" smtClean="0"/>
-              <a:t>https://it.wikipedia.org/wiki/Git_(software)</a:t>
-            </a:r>
-          </a:p>
-          <a:p>
-            <a:pPr algn="just"/>
-            <a:endParaRPr lang="it-IT" sz="2000" dirty="0" smtClean="0"/>
+          <p:cNvPr id="4" name="Ovale 3"/>
+          <p:cNvSpPr/>
+          <p:nvPr/>
+        </p:nvSpPr>
+        <p:spPr>
+          <a:xfrm>
+            <a:off x="1727684" y="3717032"/>
+            <a:ext cx="648072" cy="432048"/>
+          </a:xfrm>
+          <a:prstGeom prst="ellipse">
+            <a:avLst/>
+          </a:prstGeom>
+          <a:noFill/>
+          <a:ln>
+            <a:solidFill>
+              <a:srgbClr val="FF0000"/>
+            </a:solidFill>
+          </a:ln>
+        </p:spPr>
+        <p:style>
+          <a:lnRef idx="2">
+            <a:schemeClr val="accent1">
+              <a:shade val="50000"/>
+            </a:schemeClr>
+          </a:lnRef>
+          <a:fillRef idx="1">
+            <a:schemeClr val="accent1"/>
+          </a:fillRef>
+          <a:effectRef idx="0">
+            <a:schemeClr val="accent1"/>
+          </a:effectRef>
+          <a:fontRef idx="minor">
+            <a:schemeClr val="lt1"/>
+          </a:fontRef>
+        </p:style>
+        <p:txBody>
+          <a:bodyPr rtlCol="0" anchor="ctr"/>
+          <a:lstStyle/>
+          <a:p>
+            <a:pPr algn="ctr"/>
+            <a:endParaRPr lang="it-IT"/>
+          </a:p>
+        </p:txBody>
+      </p:sp>
+      <p:sp>
+        <p:nvSpPr>
+          <p:cNvPr id="7" name="Ovale 6"/>
+          <p:cNvSpPr/>
+          <p:nvPr/>
+        </p:nvSpPr>
+        <p:spPr>
+          <a:xfrm>
+            <a:off x="3461985" y="3447042"/>
+            <a:ext cx="648072" cy="432048"/>
+          </a:xfrm>
+          <a:prstGeom prst="ellipse">
+            <a:avLst/>
+          </a:prstGeom>
+          <a:noFill/>
+          <a:ln>
+            <a:solidFill>
+              <a:srgbClr val="FF0000"/>
+            </a:solidFill>
+          </a:ln>
+        </p:spPr>
+        <p:style>
+          <a:lnRef idx="2">
+            <a:schemeClr val="accent1">
+              <a:shade val="50000"/>
+            </a:schemeClr>
+          </a:lnRef>
+          <a:fillRef idx="1">
+            <a:schemeClr val="accent1"/>
+          </a:fillRef>
+          <a:effectRef idx="0">
+            <a:schemeClr val="accent1"/>
+          </a:effectRef>
+          <a:fontRef idx="minor">
+            <a:schemeClr val="lt1"/>
+          </a:fontRef>
+        </p:style>
+        <p:txBody>
+          <a:bodyPr rtlCol="0" anchor="ctr"/>
+          <a:lstStyle/>
+          <a:p>
+            <a:pPr algn="ctr"/>
+            <a:endParaRPr lang="it-IT"/>
           </a:p>
         </p:txBody>
       </p:sp>
     </p:spTree>
     <p:extLst>
       <p:ext uri="{BB962C8B-B14F-4D97-AF65-F5344CB8AC3E}">
-        <p14:creationId xmlns:p14="http://schemas.microsoft.com/office/powerpoint/2010/main" val="1115010207"/>
+        <p14:creationId xmlns:p14="http://schemas.microsoft.com/office/powerpoint/2010/main" val="327127436"/>
       </p:ext>
     </p:extLst>
   </p:cSld>
   <p:clrMapOvr>
     <a:masterClrMapping/>
   </p:clrMapOvr>
+  <p:timing>
+    <p:tnLst>
+      <p:par>
+        <p:cTn id="1" dur="indefinite" restart="never" nodeType="tmRoot"/>
+      </p:par>
+    </p:tnLst>
+  </p:timing>
 </p:sld>
 </file>
 
-<file path=ppt/slides/slide5.xml><?xml version="1.0" encoding="utf-8"?>
+<file path=ppt/slides/slide16.xml><?xml version="1.0" encoding="utf-8"?>
 <p:sld xmlns:a="http://schemas.openxmlformats.org/drawingml/2006/main" xmlns:r="http://schemas.openxmlformats.org/officeDocument/2006/relationships" xmlns:p="http://schemas.openxmlformats.org/presentationml/2006/main">
   <p:cSld>
     <p:spTree>
@@ -4239,60 +4466,228 @@
             <p:ph type="title"/>
           </p:nvPr>
         </p:nvSpPr>
+        <p:spPr>
+          <a:xfrm>
+            <a:off x="251520" y="274638"/>
+            <a:ext cx="8640960" cy="1143000"/>
+          </a:xfrm>
+        </p:spPr>
+        <p:txBody>
+          <a:bodyPr>
+            <a:normAutofit/>
+          </a:bodyPr>
+          <a:lstStyle/>
+          <a:p>
+            <a:r>
+              <a:rPr lang="it-IT" b="1" dirty="0"/>
+              <a:t>Come </a:t>
+            </a:r>
+            <a:r>
+              <a:rPr lang="it-IT" b="1" dirty="0" smtClean="0"/>
+              <a:t>modificare un file dal </a:t>
+            </a:r>
+            <a:r>
+              <a:rPr lang="it-IT" b="1" dirty="0"/>
+              <a:t>Browser</a:t>
+            </a:r>
+            <a:endParaRPr lang="it-IT" b="1" dirty="0"/>
+          </a:p>
+        </p:txBody>
+      </p:sp>
+      <p:sp>
+        <p:nvSpPr>
+          <p:cNvPr id="3" name="Segnaposto contenuto 2"/>
+          <p:cNvSpPr>
+            <a:spLocks noGrp="1"/>
+          </p:cNvSpPr>
+          <p:nvPr>
+            <p:ph idx="1"/>
+          </p:nvPr>
+        </p:nvSpPr>
         <p:spPr/>
         <p:txBody>
-          <a:bodyPr/>
-          <a:lstStyle/>
-          <a:p>
-            <a:r>
-              <a:rPr lang="it-IT" b="1" dirty="0" smtClean="0"/>
-              <a:t>Che cosa è una </a:t>
-            </a:r>
-            <a:r>
-              <a:rPr lang="it-IT" b="1" dirty="0" err="1" smtClean="0"/>
-              <a:t>Repository</a:t>
-            </a:r>
-            <a:endParaRPr lang="it-IT" b="1" dirty="0"/>
-          </a:p>
-        </p:txBody>
-      </p:sp>
-      <p:sp>
-        <p:nvSpPr>
-          <p:cNvPr id="3" name="Segnaposto contenuto 2"/>
-          <p:cNvSpPr>
-            <a:spLocks noGrp="1"/>
-          </p:cNvSpPr>
-          <p:nvPr>
-            <p:ph idx="1"/>
-          </p:nvPr>
-        </p:nvSpPr>
-        <p:spPr/>
-        <p:txBody>
-          <a:bodyPr/>
-          <a:lstStyle/>
-          <a:p>
-            <a:r>
-              <a:rPr lang="en-US" dirty="0" smtClean="0"/>
-              <a:t>A repository is usually used to organize a single project. Repositories can contain folders and files, images, videos, spreadsheets, and data sets – anything your project needs. We recommend including a README, or a file with information about your project. GitHub makes it easy to add one at the same time you create your new repository. It also offers other common options such as a license file.</a:t>
-            </a:r>
-            <a:endParaRPr lang="it-IT" dirty="0"/>
+          <a:bodyPr>
+            <a:normAutofit/>
+          </a:bodyPr>
+          <a:lstStyle/>
+          <a:p>
+            <a:pPr marL="0" indent="0">
+              <a:buNone/>
+            </a:pPr>
+            <a:r>
+              <a:rPr lang="it-IT" sz="2000" dirty="0" smtClean="0"/>
+              <a:t>Ora </a:t>
+            </a:r>
+            <a:r>
+              <a:rPr lang="it-IT" sz="2000" dirty="0"/>
+              <a:t>sei nella </a:t>
+            </a:r>
+            <a:r>
+              <a:rPr lang="it-IT" sz="2000" dirty="0" smtClean="0"/>
+              <a:t>schermata code nella tua </a:t>
+            </a:r>
+            <a:r>
+              <a:rPr lang="it-IT" sz="2000" dirty="0" err="1"/>
+              <a:t>B</a:t>
+            </a:r>
+            <a:r>
+              <a:rPr lang="it-IT" sz="2000" dirty="0" err="1" smtClean="0"/>
+              <a:t>rench</a:t>
+            </a:r>
+            <a:r>
+              <a:rPr lang="it-IT" sz="2000" dirty="0" smtClean="0"/>
+              <a:t> ‘‘Modifica’’, </a:t>
+            </a:r>
+            <a:r>
+              <a:rPr lang="it-IT" sz="2000" dirty="0"/>
+              <a:t>che è una copia del master</a:t>
+            </a:r>
+            <a:r>
+              <a:rPr lang="it-IT" sz="2000" dirty="0" smtClean="0"/>
+              <a:t>.</a:t>
+            </a:r>
+          </a:p>
+          <a:p>
+            <a:pPr marL="0" indent="0">
+              <a:buNone/>
+            </a:pPr>
+            <a:endParaRPr lang="it-IT" sz="2000" dirty="0" smtClean="0"/>
+          </a:p>
+          <a:p>
+            <a:pPr marL="0" indent="0">
+              <a:buNone/>
+            </a:pPr>
+            <a:r>
+              <a:rPr lang="it-IT" sz="2000" dirty="0" smtClean="0"/>
+              <a:t>Qui si possono fare </a:t>
+            </a:r>
+            <a:r>
+              <a:rPr lang="it-IT" sz="2000" dirty="0"/>
+              <a:t>alcune modifiche</a:t>
+            </a:r>
+            <a:r>
+              <a:rPr lang="it-IT" sz="2000" dirty="0" smtClean="0"/>
+              <a:t>.</a:t>
+            </a:r>
+          </a:p>
+          <a:p>
+            <a:pPr marL="0" indent="0">
+              <a:buNone/>
+            </a:pPr>
+            <a:endParaRPr lang="it-IT" sz="2000" dirty="0" smtClean="0"/>
+          </a:p>
+          <a:p>
+            <a:pPr marL="0" indent="0">
+              <a:buNone/>
+            </a:pPr>
+            <a:r>
+              <a:rPr lang="it-IT" sz="2000" dirty="0" smtClean="0"/>
+              <a:t>Su </a:t>
+            </a:r>
+            <a:r>
+              <a:rPr lang="it-IT" sz="2000" dirty="0" err="1"/>
+              <a:t>GitHub</a:t>
+            </a:r>
+            <a:r>
+              <a:rPr lang="it-IT" sz="2000" dirty="0"/>
+              <a:t>, le modifiche salvate sono chiamate </a:t>
+            </a:r>
+            <a:r>
+              <a:rPr lang="it-IT" sz="2000" dirty="0" err="1"/>
+              <a:t>commit</a:t>
+            </a:r>
+            <a:r>
+              <a:rPr lang="it-IT" sz="2000" dirty="0"/>
+              <a:t>. </a:t>
+            </a:r>
+            <a:endParaRPr lang="it-IT" sz="2000" dirty="0" smtClean="0"/>
+          </a:p>
+          <a:p>
+            <a:pPr marL="0" indent="0">
+              <a:buNone/>
+            </a:pPr>
+            <a:endParaRPr lang="it-IT" sz="2000" dirty="0" smtClean="0"/>
+          </a:p>
+          <a:p>
+            <a:pPr marL="0" indent="0">
+              <a:buNone/>
+            </a:pPr>
+            <a:r>
+              <a:rPr lang="it-IT" sz="2000" dirty="0" smtClean="0"/>
+              <a:t>Ogni </a:t>
+            </a:r>
+            <a:r>
+              <a:rPr lang="it-IT" sz="2000" dirty="0" err="1"/>
+              <a:t>commit</a:t>
+            </a:r>
+            <a:r>
+              <a:rPr lang="it-IT" sz="2000" dirty="0"/>
+              <a:t> ha un messaggio di </a:t>
+            </a:r>
+            <a:r>
+              <a:rPr lang="it-IT" sz="2000" dirty="0" err="1"/>
+              <a:t>commit</a:t>
+            </a:r>
+            <a:r>
+              <a:rPr lang="it-IT" sz="2000" dirty="0"/>
+              <a:t> associato, che è una descrizione che spiega perché è stata apportata una particolare modifica</a:t>
+            </a:r>
+            <a:r>
+              <a:rPr lang="it-IT" sz="2000" dirty="0" smtClean="0"/>
+              <a:t>.</a:t>
+            </a:r>
+          </a:p>
+          <a:p>
+            <a:pPr marL="0" indent="0">
+              <a:buNone/>
+            </a:pPr>
+            <a:endParaRPr lang="it-IT" sz="2000" dirty="0" smtClean="0"/>
+          </a:p>
+          <a:p>
+            <a:pPr marL="0" indent="0">
+              <a:buNone/>
+            </a:pPr>
+            <a:r>
+              <a:rPr lang="it-IT" sz="2000" dirty="0" smtClean="0"/>
+              <a:t>I </a:t>
+            </a:r>
+            <a:r>
+              <a:rPr lang="it-IT" sz="2000" dirty="0"/>
+              <a:t>messaggi di </a:t>
+            </a:r>
+            <a:r>
+              <a:rPr lang="it-IT" sz="2000" dirty="0" err="1"/>
+              <a:t>commit</a:t>
+            </a:r>
+            <a:r>
+              <a:rPr lang="it-IT" sz="2000" dirty="0"/>
+              <a:t> catturano la cronologia delle tue modifiche, così gli altri contributori possono capire cosa hai fatto e perché.</a:t>
+            </a:r>
+            <a:endParaRPr lang="it-IT" sz="2000" dirty="0"/>
           </a:p>
         </p:txBody>
       </p:sp>
     </p:spTree>
     <p:extLst>
       <p:ext uri="{BB962C8B-B14F-4D97-AF65-F5344CB8AC3E}">
-        <p14:creationId xmlns:p14="http://schemas.microsoft.com/office/powerpoint/2010/main" val="3429087832"/>
+        <p14:creationId xmlns:p14="http://schemas.microsoft.com/office/powerpoint/2010/main" val="2398251435"/>
       </p:ext>
     </p:extLst>
   </p:cSld>
   <p:clrMapOvr>
     <a:masterClrMapping/>
   </p:clrMapOvr>
+  <p:timing>
+    <p:tnLst>
+      <p:par>
+        <p:cTn id="1" dur="indefinite" restart="never" nodeType="tmRoot"/>
+      </p:par>
+    </p:tnLst>
+  </p:timing>
 </p:sld>
 </file>
 
-<file path=ppt/slides/slide6.xml><?xml version="1.0" encoding="utf-8"?>
+<file path=ppt/slides/slide17.xml><?xml version="1.0" encoding="utf-8"?>
 <p:sld xmlns:a="http://schemas.openxmlformats.org/drawingml/2006/main" xmlns:r="http://schemas.openxmlformats.org/officeDocument/2006/relationships" xmlns:p="http://schemas.openxmlformats.org/presentationml/2006/main">
   <p:cSld>
     <p:spTree>
@@ -4319,60 +4714,199 @@
             <p:ph type="title"/>
           </p:nvPr>
         </p:nvSpPr>
+        <p:spPr>
+          <a:xfrm>
+            <a:off x="251520" y="274638"/>
+            <a:ext cx="8640960" cy="1143000"/>
+          </a:xfrm>
+        </p:spPr>
+        <p:txBody>
+          <a:bodyPr>
+            <a:normAutofit/>
+          </a:bodyPr>
+          <a:lstStyle/>
+          <a:p>
+            <a:r>
+              <a:rPr lang="it-IT" b="1" dirty="0"/>
+              <a:t>Come </a:t>
+            </a:r>
+            <a:r>
+              <a:rPr lang="it-IT" b="1" dirty="0" smtClean="0"/>
+              <a:t>modificare un file dal </a:t>
+            </a:r>
+            <a:r>
+              <a:rPr lang="it-IT" b="1" dirty="0"/>
+              <a:t>Browser</a:t>
+            </a:r>
+            <a:endParaRPr lang="it-IT" b="1" dirty="0"/>
+          </a:p>
+        </p:txBody>
+      </p:sp>
+      <p:sp>
+        <p:nvSpPr>
+          <p:cNvPr id="3" name="Segnaposto contenuto 2"/>
+          <p:cNvSpPr>
+            <a:spLocks noGrp="1"/>
+          </p:cNvSpPr>
+          <p:nvPr>
+            <p:ph idx="1"/>
+          </p:nvPr>
+        </p:nvSpPr>
         <p:spPr/>
         <p:txBody>
-          <a:bodyPr/>
-          <a:lstStyle/>
-          <a:p>
-            <a:r>
-              <a:rPr lang="it-IT" b="1" dirty="0" smtClean="0"/>
-              <a:t>Che cosa è una </a:t>
-            </a:r>
-            <a:r>
-              <a:rPr lang="it-IT" b="1" smtClean="0"/>
-              <a:t>Repository</a:t>
-            </a:r>
-            <a:endParaRPr lang="it-IT"/>
-          </a:p>
-        </p:txBody>
-      </p:sp>
-      <p:sp>
-        <p:nvSpPr>
-          <p:cNvPr id="3" name="Segnaposto contenuto 2"/>
-          <p:cNvSpPr>
-            <a:spLocks noGrp="1"/>
-          </p:cNvSpPr>
-          <p:nvPr>
-            <p:ph idx="1"/>
-          </p:nvPr>
-        </p:nvSpPr>
-        <p:spPr/>
-        <p:txBody>
-          <a:bodyPr/>
-          <a:lstStyle/>
-          <a:p>
-            <a:r>
-              <a:rPr lang="it-IT" dirty="0" smtClean="0"/>
-              <a:t>https://guides.github.com/activities/hello-world/</a:t>
-            </a:r>
-            <a:endParaRPr lang="it-IT" dirty="0"/>
+          <a:bodyPr>
+            <a:normAutofit/>
+          </a:bodyPr>
+          <a:lstStyle/>
+          <a:p>
+            <a:pPr marL="457200" indent="-457200">
+              <a:buFont typeface="+mj-lt"/>
+              <a:buAutoNum type="arabicPeriod"/>
+            </a:pPr>
+            <a:r>
+              <a:rPr lang="it-IT" sz="2000" dirty="0"/>
+              <a:t>Fare clic sul file README.md</a:t>
+            </a:r>
+            <a:r>
+              <a:rPr lang="it-IT" sz="2000" dirty="0" smtClean="0"/>
+              <a:t>.</a:t>
+            </a:r>
+          </a:p>
+          <a:p>
+            <a:pPr marL="457200" indent="-457200">
+              <a:buFont typeface="+mj-lt"/>
+              <a:buAutoNum type="arabicPeriod"/>
+            </a:pPr>
+            <a:endParaRPr lang="it-IT" sz="2000" dirty="0" smtClean="0"/>
+          </a:p>
+          <a:p>
+            <a:pPr marL="457200" indent="-457200">
+              <a:buFont typeface="+mj-lt"/>
+              <a:buAutoNum type="arabicPeriod"/>
+            </a:pPr>
+            <a:r>
+              <a:rPr lang="it-IT" sz="2000" dirty="0"/>
+              <a:t>Fai clic sull'icona a forma di matita nell'angolo in alto a destra della visualizzazione del file per modificarla</a:t>
+            </a:r>
+            <a:r>
+              <a:rPr lang="it-IT" sz="2000" dirty="0" smtClean="0"/>
+              <a:t>.</a:t>
+            </a:r>
+          </a:p>
+          <a:p>
+            <a:pPr marL="457200" indent="-457200">
+              <a:buFont typeface="+mj-lt"/>
+              <a:buAutoNum type="arabicPeriod"/>
+            </a:pPr>
+            <a:endParaRPr lang="it-IT" sz="2000" dirty="0"/>
+          </a:p>
+          <a:p>
+            <a:pPr marL="457200" indent="-457200">
+              <a:buFont typeface="+mj-lt"/>
+              <a:buAutoNum type="arabicPeriod"/>
+            </a:pPr>
+            <a:r>
+              <a:rPr lang="it-IT" sz="2000" dirty="0"/>
+              <a:t>Nell'editor, </a:t>
+            </a:r>
+            <a:r>
+              <a:rPr lang="it-IT" sz="2000" dirty="0" smtClean="0"/>
+              <a:t>scrivi o fai qualche modifica.</a:t>
+            </a:r>
+          </a:p>
+          <a:p>
+            <a:pPr marL="457200" indent="-457200">
+              <a:buFont typeface="+mj-lt"/>
+              <a:buAutoNum type="arabicPeriod"/>
+            </a:pPr>
+            <a:endParaRPr lang="it-IT" sz="2000" dirty="0"/>
+          </a:p>
+          <a:p>
+            <a:pPr marL="457200" indent="-457200">
+              <a:buFont typeface="+mj-lt"/>
+              <a:buAutoNum type="arabicPeriod"/>
+            </a:pPr>
+            <a:r>
+              <a:rPr lang="it-IT" sz="2000" dirty="0"/>
+              <a:t>Scrivi un messaggio di </a:t>
+            </a:r>
+            <a:r>
+              <a:rPr lang="it-IT" sz="2000" dirty="0" err="1"/>
+              <a:t>commit</a:t>
+            </a:r>
+            <a:r>
+              <a:rPr lang="it-IT" sz="2000" dirty="0"/>
+              <a:t> che descriva le tue modifiche</a:t>
+            </a:r>
+            <a:r>
+              <a:rPr lang="it-IT" sz="2000" dirty="0" smtClean="0"/>
+              <a:t>.</a:t>
+            </a:r>
+          </a:p>
+          <a:p>
+            <a:pPr marL="457200" indent="-457200">
+              <a:buFont typeface="+mj-lt"/>
+              <a:buAutoNum type="arabicPeriod"/>
+            </a:pPr>
+            <a:endParaRPr lang="it-IT" sz="2000" dirty="0"/>
+          </a:p>
+          <a:p>
+            <a:pPr marL="457200" indent="-457200">
+              <a:buFont typeface="+mj-lt"/>
+              <a:buAutoNum type="arabicPeriod"/>
+            </a:pPr>
+            <a:r>
+              <a:rPr lang="it-IT" sz="2000" dirty="0"/>
+              <a:t>Fai clic sul pulsante Cambia modifiche</a:t>
+            </a:r>
+            <a:r>
+              <a:rPr lang="it-IT" sz="2000" dirty="0" smtClean="0"/>
+              <a:t>.</a:t>
+            </a:r>
+          </a:p>
+          <a:p>
+            <a:pPr marL="457200" indent="-457200">
+              <a:buFont typeface="+mj-lt"/>
+              <a:buAutoNum type="arabicPeriod"/>
+            </a:pPr>
+            <a:endParaRPr lang="it-IT" sz="2000" dirty="0"/>
+          </a:p>
+          <a:p>
+            <a:pPr marL="457200" indent="-457200">
+              <a:buFont typeface="+mj-lt"/>
+              <a:buAutoNum type="arabicPeriod"/>
+            </a:pPr>
+            <a:endParaRPr lang="it-IT" sz="2000" dirty="0" smtClean="0"/>
+          </a:p>
+          <a:p>
+            <a:pPr marL="0" indent="0">
+              <a:buNone/>
+            </a:pPr>
+            <a:endParaRPr lang="it-IT" sz="2000" dirty="0" smtClean="0"/>
           </a:p>
         </p:txBody>
       </p:sp>
     </p:spTree>
     <p:extLst>
       <p:ext uri="{BB962C8B-B14F-4D97-AF65-F5344CB8AC3E}">
-        <p14:creationId xmlns:p14="http://schemas.microsoft.com/office/powerpoint/2010/main" val="3242831035"/>
+        <p14:creationId xmlns:p14="http://schemas.microsoft.com/office/powerpoint/2010/main" val="87937213"/>
       </p:ext>
     </p:extLst>
   </p:cSld>
   <p:clrMapOvr>
     <a:masterClrMapping/>
   </p:clrMapOvr>
+  <p:timing>
+    <p:tnLst>
+      <p:par>
+        <p:cTn id="1" dur="indefinite" restart="never" nodeType="tmRoot"/>
+      </p:par>
+    </p:tnLst>
+  </p:timing>
 </p:sld>
 </file>
 
-<file path=ppt/slides/slide7.xml><?xml version="1.0" encoding="utf-8"?>
+<file path=ppt/slides/slide18.xml><?xml version="1.0" encoding="utf-8"?>
 <p:sld xmlns:a="http://schemas.openxmlformats.org/drawingml/2006/main" xmlns:r="http://schemas.openxmlformats.org/officeDocument/2006/relationships" xmlns:p="http://schemas.openxmlformats.org/presentationml/2006/main">
   <p:cSld>
     <p:spTree>
@@ -4389,46 +4923,9 @@
           <a:chExt cx="0" cy="0"/>
         </a:xfrm>
       </p:grpSpPr>
-      <p:sp>
-        <p:nvSpPr>
-          <p:cNvPr id="2" name="Titolo 1"/>
-          <p:cNvSpPr>
-            <a:spLocks noGrp="1"/>
-          </p:cNvSpPr>
-          <p:nvPr>
-            <p:ph type="title"/>
-          </p:nvPr>
-        </p:nvSpPr>
-        <p:spPr/>
-        <p:txBody>
-          <a:bodyPr>
-            <a:normAutofit fontScale="90000"/>
-          </a:bodyPr>
-          <a:lstStyle/>
-          <a:p>
-            <a:r>
-              <a:rPr lang="it-IT" b="1" dirty="0" smtClean="0"/>
-              <a:t>Come creare una </a:t>
-            </a:r>
-            <a:r>
-              <a:rPr lang="it-IT" b="1" dirty="0" err="1"/>
-              <a:t>R</a:t>
-            </a:r>
-            <a:r>
-              <a:rPr lang="it-IT" b="1" dirty="0" err="1" smtClean="0"/>
-              <a:t>epository</a:t>
-            </a:r>
-            <a:r>
-              <a:rPr lang="it-IT" b="1" dirty="0" smtClean="0"/>
-              <a:t> da Browser</a:t>
-            </a:r>
-            <a:endParaRPr lang="it-IT" b="1" dirty="0"/>
-          </a:p>
-        </p:txBody>
-      </p:sp>
       <p:pic>
         <p:nvPicPr>
-          <p:cNvPr id="1026" name="Picture 2"/>
+          <p:cNvPr id="4099" name="Picture 3"/>
           <p:cNvPicPr>
             <a:picLocks noGrp="1" noChangeAspect="1" noChangeArrowheads="1"/>
           </p:cNvPicPr>
@@ -4484,13 +4981,43 @@
       </p:pic>
       <p:sp>
         <p:nvSpPr>
+          <p:cNvPr id="2" name="Titolo 1"/>
+          <p:cNvSpPr>
+            <a:spLocks noGrp="1"/>
+          </p:cNvSpPr>
+          <p:nvPr>
+            <p:ph type="title"/>
+          </p:nvPr>
+        </p:nvSpPr>
+        <p:spPr>
+          <a:xfrm>
+            <a:off x="179512" y="274638"/>
+            <a:ext cx="8712968" cy="1143000"/>
+          </a:xfrm>
+        </p:spPr>
+        <p:txBody>
+          <a:bodyPr>
+            <a:normAutofit/>
+          </a:bodyPr>
+          <a:lstStyle/>
+          <a:p>
+            <a:r>
+              <a:rPr lang="it-IT" b="1" dirty="0"/>
+              <a:t>Come modificare un file dal Browser</a:t>
+            </a:r>
+            <a:endParaRPr lang="it-IT" b="1" dirty="0"/>
+          </a:p>
+        </p:txBody>
+      </p:sp>
+      <p:sp>
+        <p:nvSpPr>
           <p:cNvPr id="4" name="Ovale 3"/>
           <p:cNvSpPr/>
           <p:nvPr/>
         </p:nvSpPr>
         <p:spPr>
           <a:xfrm>
-            <a:off x="6948264" y="3356992"/>
+            <a:off x="1907704" y="4077072"/>
             <a:ext cx="648072" cy="432048"/>
           </a:xfrm>
           <a:prstGeom prst="ellipse">
@@ -4531,17 +5058,24 @@
     </p:spTree>
     <p:extLst>
       <p:ext uri="{BB962C8B-B14F-4D97-AF65-F5344CB8AC3E}">
-        <p14:creationId xmlns:p14="http://schemas.microsoft.com/office/powerpoint/2010/main" val="2629902479"/>
+        <p14:creationId xmlns:p14="http://schemas.microsoft.com/office/powerpoint/2010/main" val="4125569429"/>
       </p:ext>
     </p:extLst>
   </p:cSld>
   <p:clrMapOvr>
     <a:masterClrMapping/>
   </p:clrMapOvr>
+  <p:timing>
+    <p:tnLst>
+      <p:par>
+        <p:cTn id="1" dur="indefinite" restart="never" nodeType="tmRoot"/>
+      </p:par>
+    </p:tnLst>
+  </p:timing>
 </p:sld>
 </file>
 
-<file path=ppt/slides/slide8.xml><?xml version="1.0" encoding="utf-8"?>
+<file path=ppt/slides/slide19.xml><?xml version="1.0" encoding="utf-8"?>
 <p:sld xmlns:a="http://schemas.openxmlformats.org/drawingml/2006/main" xmlns:r="http://schemas.openxmlformats.org/officeDocument/2006/relationships" xmlns:p="http://schemas.openxmlformats.org/presentationml/2006/main">
   <p:cSld>
     <p:spTree>
@@ -4558,88 +5092,9 @@
           <a:chExt cx="0" cy="0"/>
         </a:xfrm>
       </p:grpSpPr>
-      <p:sp>
-        <p:nvSpPr>
-          <p:cNvPr id="2" name="Titolo 1"/>
-          <p:cNvSpPr>
-            <a:spLocks noGrp="1"/>
-          </p:cNvSpPr>
-          <p:nvPr>
-            <p:ph type="title"/>
-          </p:nvPr>
-        </p:nvSpPr>
-        <p:spPr/>
-        <p:txBody>
-          <a:bodyPr>
-            <a:normAutofit fontScale="90000"/>
-          </a:bodyPr>
-          <a:lstStyle/>
-          <a:p>
-            <a:r>
-              <a:rPr lang="it-IT" b="1" dirty="0" smtClean="0"/>
-              <a:t>Come creare una </a:t>
-            </a:r>
-            <a:r>
-              <a:rPr lang="it-IT" b="1" dirty="0" err="1" smtClean="0"/>
-              <a:t>repository</a:t>
-            </a:r>
-            <a:r>
-              <a:rPr lang="it-IT" b="1" dirty="0" smtClean="0"/>
-              <a:t> da Browser</a:t>
-            </a:r>
-            <a:endParaRPr lang="it-IT" b="1" dirty="0"/>
-          </a:p>
-        </p:txBody>
-      </p:sp>
-      <p:sp>
-        <p:nvSpPr>
-          <p:cNvPr id="4" name="Ovale 3"/>
-          <p:cNvSpPr/>
-          <p:nvPr/>
-        </p:nvSpPr>
-        <p:spPr>
-          <a:xfrm>
-            <a:off x="6948264" y="3356992"/>
-            <a:ext cx="648072" cy="432048"/>
-          </a:xfrm>
-          <a:prstGeom prst="ellipse">
-            <a:avLst/>
-          </a:prstGeom>
-          <a:noFill/>
-          <a:ln>
-            <a:solidFill>
-              <a:srgbClr val="FF0000"/>
-            </a:solidFill>
-          </a:ln>
-        </p:spPr>
-        <p:style>
-          <a:lnRef idx="2">
-            <a:schemeClr val="accent1">
-              <a:shade val="50000"/>
-            </a:schemeClr>
-          </a:lnRef>
-          <a:fillRef idx="1">
-            <a:schemeClr val="accent1"/>
-          </a:fillRef>
-          <a:effectRef idx="0">
-            <a:schemeClr val="accent1"/>
-          </a:effectRef>
-          <a:fontRef idx="minor">
-            <a:schemeClr val="lt1"/>
-          </a:fontRef>
-        </p:style>
-        <p:txBody>
-          <a:bodyPr rtlCol="0" anchor="ctr"/>
-          <a:lstStyle/>
-          <a:p>
-            <a:pPr algn="ctr"/>
-            <a:endParaRPr lang="it-IT"/>
-          </a:p>
-        </p:txBody>
-      </p:sp>
       <p:pic>
         <p:nvPicPr>
-          <p:cNvPr id="2050" name="Picture 2"/>
+          <p:cNvPr id="5122" name="Picture 2"/>
           <p:cNvPicPr>
             <a:picLocks noGrp="1" noChangeAspect="1" noChangeArrowheads="1"/>
           </p:cNvPicPr>
@@ -4695,6 +5150,2606 @@
       </p:pic>
       <p:sp>
         <p:nvSpPr>
+          <p:cNvPr id="2" name="Titolo 1"/>
+          <p:cNvSpPr>
+            <a:spLocks noGrp="1"/>
+          </p:cNvSpPr>
+          <p:nvPr>
+            <p:ph type="title"/>
+          </p:nvPr>
+        </p:nvSpPr>
+        <p:spPr>
+          <a:xfrm>
+            <a:off x="179512" y="274638"/>
+            <a:ext cx="8712968" cy="1143000"/>
+          </a:xfrm>
+        </p:spPr>
+        <p:txBody>
+          <a:bodyPr>
+            <a:normAutofit/>
+          </a:bodyPr>
+          <a:lstStyle/>
+          <a:p>
+            <a:r>
+              <a:rPr lang="it-IT" b="1" dirty="0"/>
+              <a:t>Come modificare un file dal Browser</a:t>
+            </a:r>
+            <a:endParaRPr lang="it-IT" b="1" dirty="0"/>
+          </a:p>
+        </p:txBody>
+      </p:sp>
+      <p:sp>
+        <p:nvSpPr>
+          <p:cNvPr id="4" name="Ovale 3"/>
+          <p:cNvSpPr/>
+          <p:nvPr/>
+        </p:nvSpPr>
+        <p:spPr>
+          <a:xfrm>
+            <a:off x="6588224" y="3501008"/>
+            <a:ext cx="648072" cy="432048"/>
+          </a:xfrm>
+          <a:prstGeom prst="ellipse">
+            <a:avLst/>
+          </a:prstGeom>
+          <a:noFill/>
+          <a:ln>
+            <a:solidFill>
+              <a:srgbClr val="FF0000"/>
+            </a:solidFill>
+          </a:ln>
+        </p:spPr>
+        <p:style>
+          <a:lnRef idx="2">
+            <a:schemeClr val="accent1">
+              <a:shade val="50000"/>
+            </a:schemeClr>
+          </a:lnRef>
+          <a:fillRef idx="1">
+            <a:schemeClr val="accent1"/>
+          </a:fillRef>
+          <a:effectRef idx="0">
+            <a:schemeClr val="accent1"/>
+          </a:effectRef>
+          <a:fontRef idx="minor">
+            <a:schemeClr val="lt1"/>
+          </a:fontRef>
+        </p:style>
+        <p:txBody>
+          <a:bodyPr rtlCol="0" anchor="ctr"/>
+          <a:lstStyle/>
+          <a:p>
+            <a:pPr algn="ctr"/>
+            <a:endParaRPr lang="it-IT"/>
+          </a:p>
+        </p:txBody>
+      </p:sp>
+    </p:spTree>
+    <p:extLst>
+      <p:ext uri="{BB962C8B-B14F-4D97-AF65-F5344CB8AC3E}">
+        <p14:creationId xmlns:p14="http://schemas.microsoft.com/office/powerpoint/2010/main" val="1485339441"/>
+      </p:ext>
+    </p:extLst>
+  </p:cSld>
+  <p:clrMapOvr>
+    <a:masterClrMapping/>
+  </p:clrMapOvr>
+  <p:timing>
+    <p:tnLst>
+      <p:par>
+        <p:cTn id="1" dur="indefinite" restart="never" nodeType="tmRoot"/>
+      </p:par>
+    </p:tnLst>
+  </p:timing>
+</p:sld>
+</file>
+
+<file path=ppt/slides/slide2.xml><?xml version="1.0" encoding="utf-8"?>
+<p:sld xmlns:a="http://schemas.openxmlformats.org/drawingml/2006/main" xmlns:r="http://schemas.openxmlformats.org/officeDocument/2006/relationships" xmlns:p="http://schemas.openxmlformats.org/presentationml/2006/main">
+  <p:cSld>
+    <p:spTree>
+      <p:nvGrpSpPr>
+        <p:cNvPr id="1" name=""/>
+        <p:cNvGrpSpPr/>
+        <p:nvPr/>
+      </p:nvGrpSpPr>
+      <p:grpSpPr>
+        <a:xfrm>
+          <a:off x="0" y="0"/>
+          <a:ext cx="0" cy="0"/>
+          <a:chOff x="0" y="0"/>
+          <a:chExt cx="0" cy="0"/>
+        </a:xfrm>
+      </p:grpSpPr>
+      <p:sp>
+        <p:nvSpPr>
+          <p:cNvPr id="2" name="Titolo 1"/>
+          <p:cNvSpPr>
+            <a:spLocks noGrp="1"/>
+          </p:cNvSpPr>
+          <p:nvPr>
+            <p:ph type="title"/>
+          </p:nvPr>
+        </p:nvSpPr>
+        <p:spPr/>
+        <p:txBody>
+          <a:bodyPr/>
+          <a:lstStyle/>
+          <a:p>
+            <a:r>
+              <a:rPr lang="it-IT" b="1" dirty="0" smtClean="0"/>
+              <a:t>Da dove nasce </a:t>
+            </a:r>
+            <a:r>
+              <a:rPr lang="it-IT" b="1" dirty="0" err="1" smtClean="0"/>
+              <a:t>GitHub</a:t>
+            </a:r>
+            <a:r>
+              <a:rPr lang="it-IT" b="1" dirty="0" smtClean="0"/>
+              <a:t>…</a:t>
+            </a:r>
+            <a:endParaRPr lang="it-IT" b="1" dirty="0"/>
+          </a:p>
+        </p:txBody>
+      </p:sp>
+      <p:sp>
+        <p:nvSpPr>
+          <p:cNvPr id="3" name="Segnaposto contenuto 2"/>
+          <p:cNvSpPr>
+            <a:spLocks noGrp="1"/>
+          </p:cNvSpPr>
+          <p:nvPr>
+            <p:ph idx="1"/>
+          </p:nvPr>
+        </p:nvSpPr>
+        <p:spPr/>
+        <p:txBody>
+          <a:bodyPr>
+            <a:normAutofit/>
+          </a:bodyPr>
+          <a:lstStyle/>
+          <a:p>
+            <a:r>
+              <a:rPr lang="it-IT" sz="2000" dirty="0" smtClean="0"/>
+              <a:t>Nel 2005 Linus </a:t>
+            </a:r>
+            <a:r>
+              <a:rPr lang="it-IT" sz="2000" dirty="0" err="1" smtClean="0"/>
+              <a:t>Torvalds</a:t>
+            </a:r>
+            <a:r>
+              <a:rPr lang="it-IT" sz="2000" dirty="0" smtClean="0"/>
+              <a:t> creò </a:t>
+            </a:r>
+            <a:r>
+              <a:rPr lang="it-IT" sz="2000" b="1" dirty="0" err="1" smtClean="0"/>
+              <a:t>Git</a:t>
+            </a:r>
+            <a:r>
+              <a:rPr lang="it-IT" sz="2000" dirty="0" smtClean="0"/>
+              <a:t>  ,che nello slang americano significa ‘’</a:t>
+            </a:r>
+            <a:r>
+              <a:rPr lang="it-IT" sz="2000" i="1" dirty="0" smtClean="0"/>
+              <a:t>idiota</a:t>
+            </a:r>
+            <a:r>
+              <a:rPr lang="it-IT" sz="2000" dirty="0" smtClean="0"/>
+              <a:t>’’</a:t>
+            </a:r>
+          </a:p>
+          <a:p>
+            <a:r>
+              <a:rPr lang="it-IT" sz="2000" dirty="0" err="1" smtClean="0"/>
+              <a:t>Git</a:t>
+            </a:r>
+            <a:r>
+              <a:rPr lang="it-IT" sz="2000" dirty="0" smtClean="0"/>
+              <a:t> è un </a:t>
+            </a:r>
+            <a:r>
+              <a:rPr lang="it-IT" sz="2000" b="1" dirty="0" smtClean="0"/>
+              <a:t>Software di Controllo </a:t>
+            </a:r>
+            <a:r>
+              <a:rPr lang="it-IT" sz="2000" b="1" dirty="0"/>
+              <a:t>V</a:t>
+            </a:r>
+            <a:r>
+              <a:rPr lang="it-IT" sz="2000" b="1" dirty="0" smtClean="0"/>
+              <a:t>ersione </a:t>
+            </a:r>
+            <a:r>
+              <a:rPr lang="it-IT" sz="2000" b="1" dirty="0"/>
+              <a:t>D</a:t>
+            </a:r>
+            <a:r>
+              <a:rPr lang="it-IT" sz="2000" b="1" dirty="0" smtClean="0"/>
+              <a:t>istribuito </a:t>
+            </a:r>
+            <a:r>
+              <a:rPr lang="it-IT" sz="2000" dirty="0" smtClean="0"/>
+              <a:t>e nacque per essere un semplice strumento per facilitare lo sviluppo del </a:t>
+            </a:r>
+            <a:r>
+              <a:rPr lang="it-IT" sz="2000" dirty="0" err="1" smtClean="0"/>
+              <a:t>kernel</a:t>
+            </a:r>
+            <a:r>
+              <a:rPr lang="it-IT" sz="2000" dirty="0" smtClean="0"/>
+              <a:t> Linux ed è diventato uno degli strumenti di controllo versione più diffusi.</a:t>
+            </a:r>
+          </a:p>
+          <a:p>
+            <a:r>
+              <a:rPr lang="it-IT" sz="2000" dirty="0" smtClean="0"/>
+              <a:t>Lo sviluppo di </a:t>
+            </a:r>
+            <a:r>
+              <a:rPr lang="it-IT" sz="2000" dirty="0" err="1" smtClean="0"/>
+              <a:t>Git</a:t>
+            </a:r>
+            <a:r>
+              <a:rPr lang="it-IT" sz="2000" dirty="0" smtClean="0"/>
+              <a:t> è iniziato dopo che molti sviluppatori del </a:t>
+            </a:r>
+            <a:r>
+              <a:rPr lang="it-IT" sz="2000" dirty="0" err="1" smtClean="0"/>
+              <a:t>kernel</a:t>
+            </a:r>
+            <a:r>
+              <a:rPr lang="it-IT" sz="2000" dirty="0" smtClean="0"/>
+              <a:t> di Linux sono stati costretti ad </a:t>
+            </a:r>
+            <a:r>
+              <a:rPr lang="it-IT" sz="2000" b="1" dirty="0" smtClean="0"/>
+              <a:t>abbandonare l'accesso al codice sorgente </a:t>
+            </a:r>
+            <a:r>
+              <a:rPr lang="it-IT" sz="2000" dirty="0" smtClean="0"/>
+              <a:t>tramite il sistema proprietario </a:t>
+            </a:r>
+            <a:r>
+              <a:rPr lang="it-IT" sz="2000" dirty="0" err="1" smtClean="0"/>
+              <a:t>BitKeeper</a:t>
+            </a:r>
+            <a:r>
+              <a:rPr lang="it-IT" sz="2000" dirty="0"/>
+              <a:t> </a:t>
+            </a:r>
+            <a:r>
+              <a:rPr lang="it-IT" sz="2000" dirty="0" smtClean="0"/>
+              <a:t>poiché </a:t>
+            </a:r>
+            <a:r>
+              <a:rPr lang="it-IT" sz="2000" dirty="0"/>
+              <a:t>l</a:t>
+            </a:r>
+            <a:r>
+              <a:rPr lang="it-IT" sz="2000" dirty="0" smtClean="0"/>
+              <a:t>a possibilità di utilizzare </a:t>
+            </a:r>
+            <a:r>
+              <a:rPr lang="it-IT" sz="2000" dirty="0" err="1" smtClean="0"/>
+              <a:t>BitKeeper</a:t>
+            </a:r>
+            <a:r>
+              <a:rPr lang="it-IT" sz="2000" dirty="0" smtClean="0"/>
+              <a:t> gratuitamente era stata ritirata dal detentore dei diritti d'autore Larry </a:t>
+            </a:r>
+            <a:r>
+              <a:rPr lang="it-IT" sz="2000" dirty="0" err="1" smtClean="0"/>
+              <a:t>McVoy</a:t>
+            </a:r>
+            <a:r>
+              <a:rPr lang="it-IT" sz="2000" dirty="0" smtClean="0"/>
+              <a:t>.</a:t>
+            </a:r>
+          </a:p>
+          <a:p>
+            <a:r>
+              <a:rPr lang="it-IT" sz="2000" b="1" dirty="0" err="1" smtClean="0"/>
+              <a:t>Torvalds</a:t>
+            </a:r>
+            <a:r>
+              <a:rPr lang="it-IT" sz="2000" dirty="0" smtClean="0"/>
+              <a:t> voleva un sistema distribuito che potesse usare come </a:t>
+            </a:r>
+            <a:r>
+              <a:rPr lang="it-IT" sz="2000" dirty="0" err="1" smtClean="0"/>
+              <a:t>BitKeeper</a:t>
+            </a:r>
+            <a:r>
+              <a:rPr lang="it-IT" sz="2000" dirty="0" smtClean="0"/>
+              <a:t>, ma nessuno dei sistemi disponibili gratuitamente soddisfaceva i suoi bisogni, particolarmente </a:t>
+            </a:r>
+            <a:r>
+              <a:rPr lang="it-IT" sz="2000" b="1" dirty="0" smtClean="0"/>
+              <a:t>il suo bisogno di velocità</a:t>
+            </a:r>
+            <a:r>
+              <a:rPr lang="it-IT" sz="2000" dirty="0" smtClean="0"/>
+              <a:t>.</a:t>
+            </a:r>
+          </a:p>
+          <a:p>
+            <a:endParaRPr lang="it-IT" sz="2000" dirty="0"/>
+          </a:p>
+        </p:txBody>
+      </p:sp>
+    </p:spTree>
+    <p:extLst>
+      <p:ext uri="{BB962C8B-B14F-4D97-AF65-F5344CB8AC3E}">
+        <p14:creationId xmlns:p14="http://schemas.microsoft.com/office/powerpoint/2010/main" val="2920935571"/>
+      </p:ext>
+    </p:extLst>
+  </p:cSld>
+  <p:clrMapOvr>
+    <a:masterClrMapping/>
+  </p:clrMapOvr>
+</p:sld>
+</file>
+
+<file path=ppt/slides/slide20.xml><?xml version="1.0" encoding="utf-8"?>
+<p:sld xmlns:a="http://schemas.openxmlformats.org/drawingml/2006/main" xmlns:r="http://schemas.openxmlformats.org/officeDocument/2006/relationships" xmlns:p="http://schemas.openxmlformats.org/presentationml/2006/main">
+  <p:cSld>
+    <p:spTree>
+      <p:nvGrpSpPr>
+        <p:cNvPr id="1" name=""/>
+        <p:cNvGrpSpPr/>
+        <p:nvPr/>
+      </p:nvGrpSpPr>
+      <p:grpSpPr>
+        <a:xfrm>
+          <a:off x="0" y="0"/>
+          <a:ext cx="0" cy="0"/>
+          <a:chOff x="0" y="0"/>
+          <a:chExt cx="0" cy="0"/>
+        </a:xfrm>
+      </p:grpSpPr>
+      <p:sp>
+        <p:nvSpPr>
+          <p:cNvPr id="2" name="Titolo 1"/>
+          <p:cNvSpPr>
+            <a:spLocks noGrp="1"/>
+          </p:cNvSpPr>
+          <p:nvPr>
+            <p:ph type="title"/>
+          </p:nvPr>
+        </p:nvSpPr>
+        <p:spPr>
+          <a:xfrm>
+            <a:off x="179512" y="274638"/>
+            <a:ext cx="8712968" cy="1143000"/>
+          </a:xfrm>
+        </p:spPr>
+        <p:txBody>
+          <a:bodyPr>
+            <a:normAutofit/>
+          </a:bodyPr>
+          <a:lstStyle/>
+          <a:p>
+            <a:r>
+              <a:rPr lang="it-IT" b="1" dirty="0"/>
+              <a:t>Come modificare un file dal Browser</a:t>
+            </a:r>
+            <a:endParaRPr lang="it-IT" b="1" dirty="0"/>
+          </a:p>
+        </p:txBody>
+      </p:sp>
+      <p:sp>
+        <p:nvSpPr>
+          <p:cNvPr id="4" name="Ovale 3"/>
+          <p:cNvSpPr/>
+          <p:nvPr/>
+        </p:nvSpPr>
+        <p:spPr>
+          <a:xfrm>
+            <a:off x="6588224" y="3501008"/>
+            <a:ext cx="648072" cy="432048"/>
+          </a:xfrm>
+          <a:prstGeom prst="ellipse">
+            <a:avLst/>
+          </a:prstGeom>
+          <a:noFill/>
+          <a:ln>
+            <a:solidFill>
+              <a:srgbClr val="FF0000"/>
+            </a:solidFill>
+          </a:ln>
+        </p:spPr>
+        <p:style>
+          <a:lnRef idx="2">
+            <a:schemeClr val="accent1">
+              <a:shade val="50000"/>
+            </a:schemeClr>
+          </a:lnRef>
+          <a:fillRef idx="1">
+            <a:schemeClr val="accent1"/>
+          </a:fillRef>
+          <a:effectRef idx="0">
+            <a:schemeClr val="accent1"/>
+          </a:effectRef>
+          <a:fontRef idx="minor">
+            <a:schemeClr val="lt1"/>
+          </a:fontRef>
+        </p:style>
+        <p:txBody>
+          <a:bodyPr rtlCol="0" anchor="ctr"/>
+          <a:lstStyle/>
+          <a:p>
+            <a:pPr algn="ctr"/>
+            <a:endParaRPr lang="it-IT"/>
+          </a:p>
+        </p:txBody>
+      </p:sp>
+      <p:pic>
+        <p:nvPicPr>
+          <p:cNvPr id="6146" name="Picture 2"/>
+          <p:cNvPicPr>
+            <a:picLocks noGrp="1" noChangeAspect="1" noChangeArrowheads="1"/>
+          </p:cNvPicPr>
+          <p:nvPr>
+            <p:ph idx="1"/>
+          </p:nvPr>
+        </p:nvPicPr>
+        <p:blipFill>
+          <a:blip r:embed="rId2">
+            <a:extLst>
+              <a:ext uri="{28A0092B-C50C-407E-A947-70E740481C1C}">
+                <a14:useLocalDpi xmlns:a14="http://schemas.microsoft.com/office/drawing/2010/main" val="0"/>
+              </a:ext>
+            </a:extLst>
+          </a:blip>
+          <a:srcRect/>
+          <a:stretch>
+            <a:fillRect/>
+          </a:stretch>
+        </p:blipFill>
+        <p:spPr bwMode="auto">
+          <a:xfrm>
+            <a:off x="546957" y="1600200"/>
+            <a:ext cx="8050085" cy="4525963"/>
+          </a:xfrm>
+          <a:prstGeom prst="rect">
+            <a:avLst/>
+          </a:prstGeom>
+          <a:noFill/>
+          <a:ln>
+            <a:noFill/>
+          </a:ln>
+          <a:extLst>
+            <a:ext uri="{909E8E84-426E-40DD-AFC4-6F175D3DCCD1}">
+              <a14:hiddenFill xmlns:a14="http://schemas.microsoft.com/office/drawing/2010/main">
+                <a:solidFill>
+                  <a:schemeClr val="accent1"/>
+                </a:solidFill>
+              </a14:hiddenFill>
+            </a:ext>
+            <a:ext uri="{91240B29-F687-4F45-9708-019B960494DF}">
+              <a14:hiddenLine xmlns:a14="http://schemas.microsoft.com/office/drawing/2010/main" w="9525">
+                <a:solidFill>
+                  <a:schemeClr val="tx1"/>
+                </a:solidFill>
+                <a:miter lim="800000"/>
+                <a:headEnd/>
+                <a:tailEnd/>
+              </a14:hiddenLine>
+            </a:ext>
+          </a:extLst>
+        </p:spPr>
+      </p:pic>
+      <p:cxnSp>
+        <p:nvCxnSpPr>
+          <p:cNvPr id="6" name="Connettore 1 5"/>
+          <p:cNvCxnSpPr/>
+          <p:nvPr/>
+        </p:nvCxnSpPr>
+        <p:spPr>
+          <a:xfrm>
+            <a:off x="2123728" y="3861048"/>
+            <a:ext cx="936104" cy="0"/>
+          </a:xfrm>
+          <a:prstGeom prst="line">
+            <a:avLst/>
+          </a:prstGeom>
+          <a:ln>
+            <a:solidFill>
+              <a:srgbClr val="FF0000"/>
+            </a:solidFill>
+          </a:ln>
+        </p:spPr>
+        <p:style>
+          <a:lnRef idx="1">
+            <a:schemeClr val="accent1"/>
+          </a:lnRef>
+          <a:fillRef idx="0">
+            <a:schemeClr val="accent1"/>
+          </a:fillRef>
+          <a:effectRef idx="0">
+            <a:schemeClr val="accent1"/>
+          </a:effectRef>
+          <a:fontRef idx="minor">
+            <a:schemeClr val="tx1"/>
+          </a:fontRef>
+        </p:style>
+      </p:cxnSp>
+    </p:spTree>
+    <p:extLst>
+      <p:ext uri="{BB962C8B-B14F-4D97-AF65-F5344CB8AC3E}">
+        <p14:creationId xmlns:p14="http://schemas.microsoft.com/office/powerpoint/2010/main" val="354978065"/>
+      </p:ext>
+    </p:extLst>
+  </p:cSld>
+  <p:clrMapOvr>
+    <a:masterClrMapping/>
+  </p:clrMapOvr>
+  <p:timing>
+    <p:tnLst>
+      <p:par>
+        <p:cTn id="1" dur="indefinite" restart="never" nodeType="tmRoot"/>
+      </p:par>
+    </p:tnLst>
+  </p:timing>
+</p:sld>
+</file>
+
+<file path=ppt/slides/slide21.xml><?xml version="1.0" encoding="utf-8"?>
+<p:sld xmlns:a="http://schemas.openxmlformats.org/drawingml/2006/main" xmlns:r="http://schemas.openxmlformats.org/officeDocument/2006/relationships" xmlns:p="http://schemas.openxmlformats.org/presentationml/2006/main">
+  <p:cSld>
+    <p:spTree>
+      <p:nvGrpSpPr>
+        <p:cNvPr id="1" name=""/>
+        <p:cNvGrpSpPr/>
+        <p:nvPr/>
+      </p:nvGrpSpPr>
+      <p:grpSpPr>
+        <a:xfrm>
+          <a:off x="0" y="0"/>
+          <a:ext cx="0" cy="0"/>
+          <a:chOff x="0" y="0"/>
+          <a:chExt cx="0" cy="0"/>
+        </a:xfrm>
+      </p:grpSpPr>
+      <p:pic>
+        <p:nvPicPr>
+          <p:cNvPr id="7170" name="Picture 2"/>
+          <p:cNvPicPr>
+            <a:picLocks noGrp="1" noChangeAspect="1" noChangeArrowheads="1"/>
+          </p:cNvPicPr>
+          <p:nvPr>
+            <p:ph idx="1"/>
+          </p:nvPr>
+        </p:nvPicPr>
+        <p:blipFill>
+          <a:blip r:embed="rId2">
+            <a:extLst>
+              <a:ext uri="{28A0092B-C50C-407E-A947-70E740481C1C}">
+                <a14:useLocalDpi xmlns:a14="http://schemas.microsoft.com/office/drawing/2010/main" val="0"/>
+              </a:ext>
+            </a:extLst>
+          </a:blip>
+          <a:srcRect/>
+          <a:stretch>
+            <a:fillRect/>
+          </a:stretch>
+        </p:blipFill>
+        <p:spPr bwMode="auto">
+          <a:xfrm>
+            <a:off x="546957" y="1600200"/>
+            <a:ext cx="8050085" cy="4525963"/>
+          </a:xfrm>
+          <a:prstGeom prst="rect">
+            <a:avLst/>
+          </a:prstGeom>
+          <a:noFill/>
+          <a:ln>
+            <a:noFill/>
+          </a:ln>
+          <a:extLst>
+            <a:ext uri="{909E8E84-426E-40DD-AFC4-6F175D3DCCD1}">
+              <a14:hiddenFill xmlns:a14="http://schemas.microsoft.com/office/drawing/2010/main">
+                <a:solidFill>
+                  <a:schemeClr val="accent1"/>
+                </a:solidFill>
+              </a14:hiddenFill>
+            </a:ext>
+            <a:ext uri="{91240B29-F687-4F45-9708-019B960494DF}">
+              <a14:hiddenLine xmlns:a14="http://schemas.microsoft.com/office/drawing/2010/main" w="9525">
+                <a:solidFill>
+                  <a:schemeClr val="tx1"/>
+                </a:solidFill>
+                <a:miter lim="800000"/>
+                <a:headEnd/>
+                <a:tailEnd/>
+              </a14:hiddenLine>
+            </a:ext>
+          </a:extLst>
+        </p:spPr>
+      </p:pic>
+      <p:sp>
+        <p:nvSpPr>
+          <p:cNvPr id="2" name="Titolo 1"/>
+          <p:cNvSpPr>
+            <a:spLocks noGrp="1"/>
+          </p:cNvSpPr>
+          <p:nvPr>
+            <p:ph type="title"/>
+          </p:nvPr>
+        </p:nvSpPr>
+        <p:spPr>
+          <a:xfrm>
+            <a:off x="179512" y="274638"/>
+            <a:ext cx="8712968" cy="1143000"/>
+          </a:xfrm>
+        </p:spPr>
+        <p:txBody>
+          <a:bodyPr>
+            <a:normAutofit/>
+          </a:bodyPr>
+          <a:lstStyle/>
+          <a:p>
+            <a:r>
+              <a:rPr lang="it-IT" b="1" dirty="0"/>
+              <a:t>Come modificare un file dal Browser</a:t>
+            </a:r>
+            <a:endParaRPr lang="it-IT" b="1" dirty="0"/>
+          </a:p>
+        </p:txBody>
+      </p:sp>
+      <p:sp>
+        <p:nvSpPr>
+          <p:cNvPr id="8" name="Freccia a destra 7"/>
+          <p:cNvSpPr/>
+          <p:nvPr/>
+        </p:nvSpPr>
+        <p:spPr>
+          <a:xfrm rot="10800000">
+            <a:off x="3539451" y="3717032"/>
+            <a:ext cx="432048" cy="144016"/>
+          </a:xfrm>
+          <a:prstGeom prst="rightArrow">
+            <a:avLst/>
+          </a:prstGeom>
+        </p:spPr>
+        <p:style>
+          <a:lnRef idx="2">
+            <a:schemeClr val="accent1">
+              <a:shade val="50000"/>
+            </a:schemeClr>
+          </a:lnRef>
+          <a:fillRef idx="1">
+            <a:schemeClr val="accent1"/>
+          </a:fillRef>
+          <a:effectRef idx="0">
+            <a:schemeClr val="accent1"/>
+          </a:effectRef>
+          <a:fontRef idx="minor">
+            <a:schemeClr val="lt1"/>
+          </a:fontRef>
+        </p:style>
+        <p:txBody>
+          <a:bodyPr rtlCol="0" anchor="ctr"/>
+          <a:lstStyle/>
+          <a:p>
+            <a:pPr algn="ctr"/>
+            <a:endParaRPr lang="it-IT"/>
+          </a:p>
+        </p:txBody>
+      </p:sp>
+      <p:sp>
+        <p:nvSpPr>
+          <p:cNvPr id="9" name="Freccia a destra 8"/>
+          <p:cNvSpPr/>
+          <p:nvPr/>
+        </p:nvSpPr>
+        <p:spPr>
+          <a:xfrm rot="10800000">
+            <a:off x="7164288" y="4149080"/>
+            <a:ext cx="432048" cy="144016"/>
+          </a:xfrm>
+          <a:prstGeom prst="rightArrow">
+            <a:avLst/>
+          </a:prstGeom>
+        </p:spPr>
+        <p:style>
+          <a:lnRef idx="2">
+            <a:schemeClr val="accent1">
+              <a:shade val="50000"/>
+            </a:schemeClr>
+          </a:lnRef>
+          <a:fillRef idx="1">
+            <a:schemeClr val="accent1"/>
+          </a:fillRef>
+          <a:effectRef idx="0">
+            <a:schemeClr val="accent1"/>
+          </a:effectRef>
+          <a:fontRef idx="minor">
+            <a:schemeClr val="lt1"/>
+          </a:fontRef>
+        </p:style>
+        <p:txBody>
+          <a:bodyPr rtlCol="0" anchor="ctr"/>
+          <a:lstStyle/>
+          <a:p>
+            <a:pPr algn="ctr"/>
+            <a:endParaRPr lang="it-IT"/>
+          </a:p>
+        </p:txBody>
+      </p:sp>
+      <p:sp>
+        <p:nvSpPr>
+          <p:cNvPr id="10" name="Freccia a destra 9"/>
+          <p:cNvSpPr/>
+          <p:nvPr/>
+        </p:nvSpPr>
+        <p:spPr>
+          <a:xfrm rot="10800000">
+            <a:off x="3491881" y="4941167"/>
+            <a:ext cx="432048" cy="144016"/>
+          </a:xfrm>
+          <a:prstGeom prst="rightArrow">
+            <a:avLst/>
+          </a:prstGeom>
+        </p:spPr>
+        <p:style>
+          <a:lnRef idx="2">
+            <a:schemeClr val="accent1">
+              <a:shade val="50000"/>
+            </a:schemeClr>
+          </a:lnRef>
+          <a:fillRef idx="1">
+            <a:schemeClr val="accent1"/>
+          </a:fillRef>
+          <a:effectRef idx="0">
+            <a:schemeClr val="accent1"/>
+          </a:effectRef>
+          <a:fontRef idx="minor">
+            <a:schemeClr val="lt1"/>
+          </a:fontRef>
+        </p:style>
+        <p:txBody>
+          <a:bodyPr rtlCol="0" anchor="ctr"/>
+          <a:lstStyle/>
+          <a:p>
+            <a:pPr algn="ctr"/>
+            <a:endParaRPr lang="it-IT"/>
+          </a:p>
+        </p:txBody>
+      </p:sp>
+    </p:spTree>
+    <p:extLst>
+      <p:ext uri="{BB962C8B-B14F-4D97-AF65-F5344CB8AC3E}">
+        <p14:creationId xmlns:p14="http://schemas.microsoft.com/office/powerpoint/2010/main" val="3153105818"/>
+      </p:ext>
+    </p:extLst>
+  </p:cSld>
+  <p:clrMapOvr>
+    <a:masterClrMapping/>
+  </p:clrMapOvr>
+  <p:timing>
+    <p:tnLst>
+      <p:par>
+        <p:cTn id="1" dur="indefinite" restart="never" nodeType="tmRoot"/>
+      </p:par>
+    </p:tnLst>
+  </p:timing>
+</p:sld>
+</file>
+
+<file path=ppt/slides/slide22.xml><?xml version="1.0" encoding="utf-8"?>
+<p:sld xmlns:a="http://schemas.openxmlformats.org/drawingml/2006/main" xmlns:r="http://schemas.openxmlformats.org/officeDocument/2006/relationships" xmlns:p="http://schemas.openxmlformats.org/presentationml/2006/main">
+  <p:cSld>
+    <p:spTree>
+      <p:nvGrpSpPr>
+        <p:cNvPr id="1" name=""/>
+        <p:cNvGrpSpPr/>
+        <p:nvPr/>
+      </p:nvGrpSpPr>
+      <p:grpSpPr>
+        <a:xfrm>
+          <a:off x="0" y="0"/>
+          <a:ext cx="0" cy="0"/>
+          <a:chOff x="0" y="0"/>
+          <a:chExt cx="0" cy="0"/>
+        </a:xfrm>
+      </p:grpSpPr>
+      <p:sp>
+        <p:nvSpPr>
+          <p:cNvPr id="2" name="Titolo 1"/>
+          <p:cNvSpPr>
+            <a:spLocks noGrp="1"/>
+          </p:cNvSpPr>
+          <p:nvPr>
+            <p:ph type="title"/>
+          </p:nvPr>
+        </p:nvSpPr>
+        <p:spPr>
+          <a:xfrm>
+            <a:off x="251520" y="274638"/>
+            <a:ext cx="8640960" cy="1143000"/>
+          </a:xfrm>
+        </p:spPr>
+        <p:txBody>
+          <a:bodyPr>
+            <a:normAutofit/>
+          </a:bodyPr>
+          <a:lstStyle/>
+          <a:p>
+            <a:r>
+              <a:rPr lang="it-IT" b="1" dirty="0"/>
+              <a:t>Come </a:t>
+            </a:r>
+            <a:r>
+              <a:rPr lang="it-IT" b="1" dirty="0" smtClean="0"/>
+              <a:t>modificare un file dal </a:t>
+            </a:r>
+            <a:r>
+              <a:rPr lang="it-IT" b="1" dirty="0"/>
+              <a:t>Browser</a:t>
+            </a:r>
+            <a:endParaRPr lang="it-IT" b="1" dirty="0"/>
+          </a:p>
+        </p:txBody>
+      </p:sp>
+      <p:sp>
+        <p:nvSpPr>
+          <p:cNvPr id="3" name="Segnaposto contenuto 2"/>
+          <p:cNvSpPr>
+            <a:spLocks noGrp="1"/>
+          </p:cNvSpPr>
+          <p:nvPr>
+            <p:ph idx="1"/>
+          </p:nvPr>
+        </p:nvSpPr>
+        <p:spPr/>
+        <p:txBody>
+          <a:bodyPr>
+            <a:normAutofit/>
+          </a:bodyPr>
+          <a:lstStyle/>
+          <a:p>
+            <a:r>
+              <a:rPr lang="it-IT" sz="2000" dirty="0"/>
+              <a:t>Queste </a:t>
+            </a:r>
+            <a:r>
+              <a:rPr lang="it-IT" sz="2000" b="1" dirty="0"/>
+              <a:t>modifiche</a:t>
+            </a:r>
+            <a:r>
+              <a:rPr lang="it-IT" sz="2000" dirty="0"/>
+              <a:t> verranno apportate </a:t>
+            </a:r>
+            <a:r>
+              <a:rPr lang="it-IT" sz="2000" b="1" dirty="0"/>
+              <a:t>solo al file README</a:t>
+            </a:r>
+            <a:r>
+              <a:rPr lang="it-IT" sz="2000" dirty="0"/>
+              <a:t> </a:t>
+            </a:r>
+            <a:r>
+              <a:rPr lang="it-IT" sz="2000" dirty="0" smtClean="0"/>
+              <a:t>sulla </a:t>
+            </a:r>
+            <a:r>
+              <a:rPr lang="it-IT" sz="2000" dirty="0" err="1"/>
+              <a:t>B</a:t>
+            </a:r>
+            <a:r>
+              <a:rPr lang="it-IT" sz="2000" dirty="0" err="1" smtClean="0"/>
+              <a:t>rench</a:t>
+            </a:r>
+            <a:r>
+              <a:rPr lang="it-IT" sz="2000" dirty="0" smtClean="0"/>
+              <a:t> ‘‘</a:t>
+            </a:r>
+            <a:r>
+              <a:rPr lang="it-IT" sz="2000" b="1" dirty="0" smtClean="0"/>
+              <a:t>Modifica</a:t>
+            </a:r>
+            <a:r>
+              <a:rPr lang="it-IT" sz="2000" dirty="0" smtClean="0"/>
+              <a:t>’’.</a:t>
+            </a:r>
+          </a:p>
+          <a:p>
+            <a:pPr marL="0" indent="0">
+              <a:buNone/>
+            </a:pPr>
+            <a:endParaRPr lang="it-IT" sz="2000" dirty="0"/>
+          </a:p>
+          <a:p>
+            <a:r>
+              <a:rPr lang="it-IT" sz="2000" dirty="0" smtClean="0"/>
+              <a:t>Quindi </a:t>
+            </a:r>
+            <a:r>
+              <a:rPr lang="it-IT" sz="2000" dirty="0"/>
+              <a:t>ora questo ramo contiene </a:t>
+            </a:r>
+            <a:r>
+              <a:rPr lang="it-IT" sz="2000" b="1" dirty="0"/>
+              <a:t>contenuti diversi dal master</a:t>
+            </a:r>
+            <a:r>
+              <a:rPr lang="it-IT" sz="2000" dirty="0"/>
+              <a:t>.</a:t>
+            </a:r>
+          </a:p>
+          <a:p>
+            <a:pPr marL="0" indent="0">
+              <a:buNone/>
+            </a:pPr>
+            <a:r>
+              <a:rPr lang="it-IT" sz="2000" dirty="0"/>
+              <a:t/>
+            </a:r>
+            <a:br>
+              <a:rPr lang="it-IT" sz="2000" dirty="0"/>
+            </a:br>
+            <a:endParaRPr lang="it-IT" sz="2000" dirty="0"/>
+          </a:p>
+          <a:p>
+            <a:pPr marL="457200" indent="-457200">
+              <a:buFont typeface="+mj-lt"/>
+              <a:buAutoNum type="arabicPeriod"/>
+            </a:pPr>
+            <a:endParaRPr lang="it-IT" sz="2000" dirty="0" smtClean="0"/>
+          </a:p>
+          <a:p>
+            <a:pPr marL="0" indent="0">
+              <a:buNone/>
+            </a:pPr>
+            <a:endParaRPr lang="it-IT" sz="2000" dirty="0" smtClean="0"/>
+          </a:p>
+        </p:txBody>
+      </p:sp>
+    </p:spTree>
+    <p:extLst>
+      <p:ext uri="{BB962C8B-B14F-4D97-AF65-F5344CB8AC3E}">
+        <p14:creationId xmlns:p14="http://schemas.microsoft.com/office/powerpoint/2010/main" val="1291649512"/>
+      </p:ext>
+    </p:extLst>
+  </p:cSld>
+  <p:clrMapOvr>
+    <a:masterClrMapping/>
+  </p:clrMapOvr>
+  <p:timing>
+    <p:tnLst>
+      <p:par>
+        <p:cTn id="1" dur="indefinite" restart="never" nodeType="tmRoot"/>
+      </p:par>
+    </p:tnLst>
+  </p:timing>
+</p:sld>
+</file>
+
+<file path=ppt/slides/slide23.xml><?xml version="1.0" encoding="utf-8"?>
+<p:sld xmlns:a="http://schemas.openxmlformats.org/drawingml/2006/main" xmlns:r="http://schemas.openxmlformats.org/officeDocument/2006/relationships" xmlns:p="http://schemas.openxmlformats.org/presentationml/2006/main">
+  <p:cSld>
+    <p:spTree>
+      <p:nvGrpSpPr>
+        <p:cNvPr id="1" name=""/>
+        <p:cNvGrpSpPr/>
+        <p:nvPr/>
+      </p:nvGrpSpPr>
+      <p:grpSpPr>
+        <a:xfrm>
+          <a:off x="0" y="0"/>
+          <a:ext cx="0" cy="0"/>
+          <a:chOff x="0" y="0"/>
+          <a:chExt cx="0" cy="0"/>
+        </a:xfrm>
+      </p:grpSpPr>
+      <p:sp>
+        <p:nvSpPr>
+          <p:cNvPr id="2" name="Titolo 1"/>
+          <p:cNvSpPr>
+            <a:spLocks noGrp="1"/>
+          </p:cNvSpPr>
+          <p:nvPr>
+            <p:ph type="title"/>
+          </p:nvPr>
+        </p:nvSpPr>
+        <p:spPr>
+          <a:xfrm>
+            <a:off x="0" y="274638"/>
+            <a:ext cx="9144000" cy="1138138"/>
+          </a:xfrm>
+        </p:spPr>
+        <p:txBody>
+          <a:bodyPr>
+            <a:normAutofit fontScale="90000"/>
+          </a:bodyPr>
+          <a:lstStyle/>
+          <a:p>
+            <a:r>
+              <a:rPr lang="it-IT" b="1" dirty="0"/>
+              <a:t>Come </a:t>
+            </a:r>
+            <a:r>
+              <a:rPr lang="it-IT" b="1" dirty="0" smtClean="0"/>
+              <a:t>creare una Pull </a:t>
+            </a:r>
+            <a:r>
+              <a:rPr lang="it-IT" b="1" dirty="0" err="1" smtClean="0"/>
+              <a:t>Request</a:t>
+            </a:r>
+            <a:r>
+              <a:rPr lang="it-IT" b="1" dirty="0" smtClean="0"/>
+              <a:t> dal </a:t>
+            </a:r>
+            <a:r>
+              <a:rPr lang="it-IT" b="1" dirty="0"/>
+              <a:t>Browser</a:t>
+            </a:r>
+            <a:endParaRPr lang="it-IT" b="1" dirty="0"/>
+          </a:p>
+        </p:txBody>
+      </p:sp>
+      <p:sp>
+        <p:nvSpPr>
+          <p:cNvPr id="3" name="Segnaposto contenuto 2"/>
+          <p:cNvSpPr>
+            <a:spLocks noGrp="1"/>
+          </p:cNvSpPr>
+          <p:nvPr>
+            <p:ph idx="1"/>
+          </p:nvPr>
+        </p:nvSpPr>
+        <p:spPr/>
+        <p:txBody>
+          <a:bodyPr>
+            <a:normAutofit/>
+          </a:bodyPr>
+          <a:lstStyle/>
+          <a:p>
+            <a:pPr marL="0" indent="0">
+              <a:buNone/>
+            </a:pPr>
+            <a:r>
+              <a:rPr lang="it-IT" sz="2000" dirty="0"/>
+              <a:t>Ora che hai delle modifiche in un ramo fuori dal master, puoi aprire una </a:t>
+            </a:r>
+            <a:r>
+              <a:rPr lang="it-IT" sz="2000" dirty="0" smtClean="0"/>
+              <a:t>Pull </a:t>
+            </a:r>
+            <a:r>
+              <a:rPr lang="it-IT" sz="2000" smtClean="0"/>
+              <a:t>Request. </a:t>
+            </a:r>
+            <a:r>
+              <a:rPr lang="it-IT" sz="2000" dirty="0"/>
+              <a:t>Pull </a:t>
+            </a:r>
+            <a:r>
+              <a:rPr lang="it-IT" sz="2000" dirty="0" err="1"/>
+              <a:t>Requests</a:t>
+            </a:r>
+            <a:r>
+              <a:rPr lang="it-IT" sz="2000" dirty="0"/>
+              <a:t> è il cuore della collaborazione su </a:t>
+            </a:r>
+            <a:r>
+              <a:rPr lang="it-IT" sz="2000" dirty="0" err="1"/>
+              <a:t>GitHub</a:t>
+            </a:r>
+            <a:r>
+              <a:rPr lang="it-IT" sz="2000" dirty="0"/>
+              <a:t>. Quando apri una richiesta di pull, stai proponendo le tue modifiche e richiedi che qualcuno riveda e aggiunga il tuo contributo e uniscilo nel loro ramo. Le richieste di pull mostrano differenze, o differenze, tra i contenuti di entrambi i rami. Le modifiche, le aggiunte e le sottrazioni sono mostrate in verde e rosso. Non appena esegui un </a:t>
+            </a:r>
+            <a:r>
+              <a:rPr lang="it-IT" sz="2000" dirty="0" err="1"/>
+              <a:t>commit</a:t>
+            </a:r>
+            <a:r>
+              <a:rPr lang="it-IT" sz="2000" dirty="0"/>
+              <a:t>, puoi aprire una richiesta di pull e avviare una discussione, anche prima che il codice sia finito. Usando il sistema @</a:t>
+            </a:r>
+            <a:r>
+              <a:rPr lang="it-IT" sz="2000" dirty="0" err="1"/>
+              <a:t>mention</a:t>
+            </a:r>
+            <a:r>
+              <a:rPr lang="it-IT" sz="2000" dirty="0"/>
+              <a:t> di </a:t>
+            </a:r>
+            <a:r>
+              <a:rPr lang="it-IT" sz="2000" dirty="0" err="1"/>
+              <a:t>GitHub</a:t>
+            </a:r>
+            <a:r>
+              <a:rPr lang="it-IT" sz="2000" dirty="0"/>
+              <a:t> nel tuo messaggio di richiesta di pull, puoi chiedere feedback a persone o team specifici, sia che si trovino in fondo al corridoio o in 10 fusi orari. Puoi persino aprire le richieste di pull nel tuo </a:t>
+            </a:r>
+            <a:r>
+              <a:rPr lang="it-IT" sz="2000" dirty="0" err="1"/>
+              <a:t>repository</a:t>
+            </a:r>
+            <a:r>
+              <a:rPr lang="it-IT" sz="2000" dirty="0"/>
+              <a:t> e unirle tu stesso. È un ottimo modo per imparare </a:t>
+            </a:r>
+            <a:r>
+              <a:rPr lang="it-IT" sz="2000" dirty="0" err="1"/>
+              <a:t>GitHub</a:t>
+            </a:r>
+            <a:r>
+              <a:rPr lang="it-IT" sz="2000" dirty="0"/>
+              <a:t> Flow prima di lavorare su progetti più grandi.</a:t>
+            </a:r>
+            <a:br>
+              <a:rPr lang="it-IT" sz="2000" dirty="0"/>
+            </a:br>
+            <a:endParaRPr lang="it-IT" sz="2000" dirty="0"/>
+          </a:p>
+          <a:p>
+            <a:pPr marL="457200" indent="-457200">
+              <a:buFont typeface="+mj-lt"/>
+              <a:buAutoNum type="arabicPeriod"/>
+            </a:pPr>
+            <a:endParaRPr lang="it-IT" sz="2000" dirty="0" smtClean="0"/>
+          </a:p>
+          <a:p>
+            <a:pPr marL="0" indent="0">
+              <a:buNone/>
+            </a:pPr>
+            <a:endParaRPr lang="it-IT" sz="2000" dirty="0" smtClean="0"/>
+          </a:p>
+        </p:txBody>
+      </p:sp>
+    </p:spTree>
+    <p:extLst>
+      <p:ext uri="{BB962C8B-B14F-4D97-AF65-F5344CB8AC3E}">
+        <p14:creationId xmlns:p14="http://schemas.microsoft.com/office/powerpoint/2010/main" val="2302407101"/>
+      </p:ext>
+    </p:extLst>
+  </p:cSld>
+  <p:clrMapOvr>
+    <a:masterClrMapping/>
+  </p:clrMapOvr>
+  <p:timing>
+    <p:tnLst>
+      <p:par>
+        <p:cTn id="1" dur="indefinite" restart="never" nodeType="tmRoot"/>
+      </p:par>
+    </p:tnLst>
+  </p:timing>
+</p:sld>
+</file>
+
+<file path=ppt/slides/slide24.xml><?xml version="1.0" encoding="utf-8"?>
+<p:sld xmlns:a="http://schemas.openxmlformats.org/drawingml/2006/main" xmlns:r="http://schemas.openxmlformats.org/officeDocument/2006/relationships" xmlns:p="http://schemas.openxmlformats.org/presentationml/2006/main">
+  <p:cSld>
+    <p:spTree>
+      <p:nvGrpSpPr>
+        <p:cNvPr id="1" name=""/>
+        <p:cNvGrpSpPr/>
+        <p:nvPr/>
+      </p:nvGrpSpPr>
+      <p:grpSpPr>
+        <a:xfrm>
+          <a:off x="0" y="0"/>
+          <a:ext cx="0" cy="0"/>
+          <a:chOff x="0" y="0"/>
+          <a:chExt cx="0" cy="0"/>
+        </a:xfrm>
+      </p:grpSpPr>
+      <p:sp>
+        <p:nvSpPr>
+          <p:cNvPr id="2" name="Titolo 1"/>
+          <p:cNvSpPr>
+            <a:spLocks noGrp="1"/>
+          </p:cNvSpPr>
+          <p:nvPr>
+            <p:ph type="title"/>
+          </p:nvPr>
+        </p:nvSpPr>
+        <p:spPr/>
+        <p:txBody>
+          <a:bodyPr/>
+          <a:lstStyle/>
+          <a:p>
+            <a:r>
+              <a:rPr lang="it-IT" b="1" dirty="0" smtClean="0"/>
+              <a:t>Glossario</a:t>
+            </a:r>
+            <a:endParaRPr lang="it-IT" b="1" dirty="0"/>
+          </a:p>
+        </p:txBody>
+      </p:sp>
+      <p:sp>
+        <p:nvSpPr>
+          <p:cNvPr id="3" name="Segnaposto contenuto 2"/>
+          <p:cNvSpPr>
+            <a:spLocks noGrp="1"/>
+          </p:cNvSpPr>
+          <p:nvPr>
+            <p:ph idx="1"/>
+          </p:nvPr>
+        </p:nvSpPr>
+        <p:spPr/>
+        <p:txBody>
+          <a:bodyPr>
+            <a:normAutofit/>
+          </a:bodyPr>
+          <a:lstStyle/>
+          <a:p>
+            <a:r>
+              <a:rPr lang="it-IT" sz="1800" b="1" dirty="0" err="1" smtClean="0"/>
+              <a:t>Kernel</a:t>
+            </a:r>
+            <a:r>
+              <a:rPr lang="it-IT" sz="1800" b="1" dirty="0" smtClean="0"/>
+              <a:t> : </a:t>
+            </a:r>
+            <a:r>
+              <a:rPr lang="it-IT" sz="1800" dirty="0" smtClean="0"/>
+              <a:t>in </a:t>
+            </a:r>
+            <a:r>
+              <a:rPr lang="it-IT" sz="1800" dirty="0"/>
+              <a:t>informatica, il nucleo di un sistema operativo, che gestisce le funzioni di controllo fondamentali del computer</a:t>
+            </a:r>
+            <a:r>
+              <a:rPr lang="it-IT" sz="1800" dirty="0" smtClean="0"/>
+              <a:t>.</a:t>
+            </a:r>
+          </a:p>
+          <a:p>
+            <a:r>
+              <a:rPr lang="it-IT" sz="1800" b="1" dirty="0"/>
+              <a:t>C</a:t>
+            </a:r>
+            <a:r>
+              <a:rPr lang="it-IT" sz="1800" b="1" dirty="0" smtClean="0"/>
+              <a:t>ontrollo versione distribuito  (o DVCS da Distributed Version Control System) : </a:t>
+            </a:r>
+            <a:r>
+              <a:rPr lang="it-IT" sz="1800" dirty="0" smtClean="0"/>
+              <a:t>permette di tenere traccia delle modifiche e delle versioni apportate al codice sorgente del software, senza la necessità di dover utilizzare un server centrale.</a:t>
+            </a:r>
+          </a:p>
+          <a:p>
+            <a:r>
+              <a:rPr lang="it-IT" sz="1800" b="1" dirty="0" err="1" smtClean="0"/>
+              <a:t>Concurrent</a:t>
+            </a:r>
+            <a:r>
+              <a:rPr lang="it-IT" sz="1800" b="1" dirty="0" smtClean="0"/>
+              <a:t> </a:t>
+            </a:r>
+            <a:r>
+              <a:rPr lang="it-IT" sz="1800" b="1" dirty="0" err="1" smtClean="0"/>
+              <a:t>Versions</a:t>
+            </a:r>
+            <a:r>
+              <a:rPr lang="it-IT" sz="1800" b="1" dirty="0" smtClean="0"/>
+              <a:t> System (CVS)</a:t>
+            </a:r>
+            <a:r>
+              <a:rPr lang="it-IT" sz="1800" dirty="0"/>
+              <a:t> </a:t>
+            </a:r>
+            <a:r>
+              <a:rPr lang="it-IT" sz="1800" dirty="0" smtClean="0"/>
+              <a:t> :  è un sistema software che implementa un sistema di controllo versione</a:t>
+            </a:r>
+            <a:r>
+              <a:rPr lang="it-IT" sz="1800" dirty="0" smtClean="0"/>
+              <a:t>.</a:t>
+            </a:r>
+          </a:p>
+          <a:p>
+            <a:r>
+              <a:rPr lang="it-IT" sz="1800" b="1" dirty="0" smtClean="0"/>
+              <a:t>Ordine </a:t>
+            </a:r>
+            <a:r>
+              <a:rPr lang="it-IT" sz="1800" b="1" dirty="0"/>
+              <a:t>di </a:t>
+            </a:r>
+            <a:r>
+              <a:rPr lang="it-IT" sz="1800" b="1" dirty="0" smtClean="0"/>
+              <a:t>grandezza </a:t>
+            </a:r>
+            <a:r>
+              <a:rPr lang="it-IT" sz="1800" dirty="0" smtClean="0"/>
+              <a:t>:</a:t>
+            </a:r>
+            <a:r>
+              <a:rPr lang="it-IT" sz="1800" b="1" dirty="0" smtClean="0"/>
+              <a:t> </a:t>
+            </a:r>
+            <a:r>
+              <a:rPr lang="it-IT" sz="1800" dirty="0" smtClean="0"/>
+              <a:t>è </a:t>
+            </a:r>
+            <a:r>
+              <a:rPr lang="it-IT" sz="1800" dirty="0"/>
+              <a:t>la classe di scala o grandezza di una quantità, dove ogni classe contiene valori aventi un rapporto fisso rispetto a quelli della classe precedente. I rapporti usati più frequentemente sono 1000, 10, 2, 1024 o </a:t>
+            </a:r>
+            <a:r>
+              <a:rPr lang="it-IT" sz="1800" i="1" dirty="0" smtClean="0"/>
+              <a:t>e</a:t>
+            </a:r>
+            <a:r>
+              <a:rPr lang="it-IT" sz="1800" dirty="0" smtClean="0"/>
+              <a:t>;</a:t>
+            </a:r>
+            <a:endParaRPr lang="it-IT" sz="1800" dirty="0"/>
+          </a:p>
+        </p:txBody>
+      </p:sp>
+    </p:spTree>
+    <p:extLst>
+      <p:ext uri="{BB962C8B-B14F-4D97-AF65-F5344CB8AC3E}">
+        <p14:creationId xmlns:p14="http://schemas.microsoft.com/office/powerpoint/2010/main" val="956342820"/>
+      </p:ext>
+    </p:extLst>
+  </p:cSld>
+  <p:clrMapOvr>
+    <a:masterClrMapping/>
+  </p:clrMapOvr>
+  <p:timing>
+    <p:tnLst>
+      <p:par>
+        <p:cTn id="1" dur="indefinite" restart="never" nodeType="tmRoot"/>
+      </p:par>
+    </p:tnLst>
+  </p:timing>
+</p:sld>
+</file>
+
+<file path=ppt/slides/slide3.xml><?xml version="1.0" encoding="utf-8"?>
+<p:sld xmlns:a="http://schemas.openxmlformats.org/drawingml/2006/main" xmlns:r="http://schemas.openxmlformats.org/officeDocument/2006/relationships" xmlns:p="http://schemas.openxmlformats.org/presentationml/2006/main">
+  <p:cSld>
+    <p:spTree>
+      <p:nvGrpSpPr>
+        <p:cNvPr id="1" name=""/>
+        <p:cNvGrpSpPr/>
+        <p:nvPr/>
+      </p:nvGrpSpPr>
+      <p:grpSpPr>
+        <a:xfrm>
+          <a:off x="0" y="0"/>
+          <a:ext cx="0" cy="0"/>
+          <a:chOff x="0" y="0"/>
+          <a:chExt cx="0" cy="0"/>
+        </a:xfrm>
+      </p:grpSpPr>
+      <p:sp>
+        <p:nvSpPr>
+          <p:cNvPr id="2" name="Titolo 1"/>
+          <p:cNvSpPr>
+            <a:spLocks noGrp="1"/>
+          </p:cNvSpPr>
+          <p:nvPr>
+            <p:ph type="title"/>
+          </p:nvPr>
+        </p:nvSpPr>
+        <p:spPr/>
+        <p:txBody>
+          <a:bodyPr/>
+          <a:lstStyle/>
+          <a:p>
+            <a:r>
+              <a:rPr lang="it-IT" b="1" dirty="0" smtClean="0"/>
+              <a:t>Da dove nasce </a:t>
+            </a:r>
+            <a:r>
+              <a:rPr lang="it-IT" b="1" dirty="0" err="1" smtClean="0"/>
+              <a:t>GitHub</a:t>
+            </a:r>
+            <a:r>
+              <a:rPr lang="it-IT" b="1" dirty="0" smtClean="0"/>
+              <a:t>…</a:t>
+            </a:r>
+            <a:endParaRPr lang="it-IT" b="1" dirty="0"/>
+          </a:p>
+        </p:txBody>
+      </p:sp>
+      <p:sp>
+        <p:nvSpPr>
+          <p:cNvPr id="3" name="Segnaposto contenuto 2"/>
+          <p:cNvSpPr>
+            <a:spLocks noGrp="1"/>
+          </p:cNvSpPr>
+          <p:nvPr>
+            <p:ph idx="1"/>
+          </p:nvPr>
+        </p:nvSpPr>
+        <p:spPr/>
+        <p:txBody>
+          <a:bodyPr>
+            <a:normAutofit/>
+          </a:bodyPr>
+          <a:lstStyle/>
+          <a:p>
+            <a:pPr marL="0" indent="0" algn="just">
+              <a:buNone/>
+            </a:pPr>
+            <a:r>
+              <a:rPr lang="it-IT" b="1" dirty="0" smtClean="0"/>
+              <a:t>Caratteristiche di </a:t>
+            </a:r>
+            <a:r>
+              <a:rPr lang="it-IT" b="1" dirty="0" err="1" smtClean="0"/>
+              <a:t>Git</a:t>
+            </a:r>
+            <a:r>
+              <a:rPr lang="it-IT" b="1" dirty="0" smtClean="0"/>
+              <a:t> :</a:t>
+            </a:r>
+            <a:endParaRPr lang="it-IT" b="1" dirty="0"/>
+          </a:p>
+          <a:p>
+            <a:pPr algn="just"/>
+            <a:r>
+              <a:rPr lang="it-IT" sz="2000" i="1" u="sng" dirty="0" smtClean="0"/>
+              <a:t>Forte supporto allo sviluppo non lineare</a:t>
+            </a:r>
+            <a:r>
+              <a:rPr lang="it-IT" sz="2200" i="1" dirty="0" smtClean="0"/>
+              <a:t> </a:t>
+            </a:r>
+            <a:r>
+              <a:rPr lang="it-IT" sz="2000" dirty="0"/>
+              <a:t>:</a:t>
+            </a:r>
+            <a:r>
+              <a:rPr lang="it-IT" sz="2000" dirty="0" smtClean="0"/>
+              <a:t> </a:t>
+            </a:r>
+            <a:r>
+              <a:rPr lang="it-IT" sz="2000" dirty="0" err="1" smtClean="0"/>
+              <a:t>Git</a:t>
+            </a:r>
+            <a:r>
+              <a:rPr lang="it-IT" sz="2000" dirty="0" smtClean="0"/>
+              <a:t> supporta diramazione e fusione (branching and </a:t>
+            </a:r>
+            <a:r>
+              <a:rPr lang="it-IT" sz="2000" dirty="0" err="1" smtClean="0"/>
+              <a:t>merging</a:t>
+            </a:r>
+            <a:r>
+              <a:rPr lang="it-IT" sz="2000" dirty="0" smtClean="0"/>
+              <a:t>) rapide e comode, e comprende strumenti specifici per visualizzare e navigare una cronologia di sviluppo non lineare.</a:t>
+            </a:r>
+          </a:p>
+          <a:p>
+            <a:pPr algn="just"/>
+            <a:r>
+              <a:rPr lang="it-IT" sz="2000" i="1" u="sng" dirty="0"/>
+              <a:t>Sviluppo </a:t>
+            </a:r>
+            <a:r>
+              <a:rPr lang="it-IT" sz="2000" i="1" u="sng" dirty="0" smtClean="0"/>
+              <a:t>distribuito</a:t>
+            </a:r>
+            <a:r>
+              <a:rPr lang="it-IT" sz="2000" dirty="0" smtClean="0"/>
+              <a:t> : </a:t>
+            </a:r>
+            <a:r>
+              <a:rPr lang="it-IT" sz="2000" dirty="0" err="1" smtClean="0"/>
+              <a:t>Git</a:t>
+            </a:r>
+            <a:r>
+              <a:rPr lang="it-IT" sz="2000" dirty="0" smtClean="0"/>
+              <a:t> dà a ogni sviluppatore una copia locale dell'intera cronologia di sviluppo e le modifiche vengono copiate da un tale </a:t>
+            </a:r>
+            <a:r>
+              <a:rPr lang="it-IT" sz="2000" dirty="0" err="1" smtClean="0"/>
+              <a:t>repository</a:t>
+            </a:r>
+            <a:r>
+              <a:rPr lang="it-IT" sz="2000" dirty="0" smtClean="0"/>
+              <a:t> a un altro. Queste modifiche vengono importate come diramazioni aggiuntive di sviluppo, e possono essere fuse allo stesso modo di una diramazione sviluppata localmente.</a:t>
+            </a:r>
+          </a:p>
+          <a:p>
+            <a:pPr algn="just"/>
+            <a:r>
+              <a:rPr lang="it-IT" sz="2000" i="1" u="sng" dirty="0" smtClean="0"/>
+              <a:t>I </a:t>
+            </a:r>
+            <a:r>
+              <a:rPr lang="it-IT" sz="2000" i="1" u="sng" dirty="0" err="1" smtClean="0"/>
+              <a:t>repository</a:t>
+            </a:r>
+            <a:r>
+              <a:rPr lang="it-IT" sz="2000" i="1" u="sng" dirty="0" smtClean="0"/>
+              <a:t> possono essere pubblicati facilmente</a:t>
+            </a:r>
+            <a:r>
+              <a:rPr lang="it-IT" sz="2000" dirty="0" smtClean="0"/>
+              <a:t> : tramite HTTP, FTP, </a:t>
+            </a:r>
+            <a:r>
+              <a:rPr lang="it-IT" sz="2000" dirty="0" err="1" smtClean="0"/>
+              <a:t>ssh</a:t>
+            </a:r>
+            <a:r>
+              <a:rPr lang="it-IT" sz="2000" dirty="0" smtClean="0"/>
+              <a:t>, </a:t>
+            </a:r>
+            <a:r>
+              <a:rPr lang="it-IT" sz="2000" dirty="0" err="1" smtClean="0"/>
+              <a:t>rsync</a:t>
+            </a:r>
+            <a:r>
+              <a:rPr lang="it-IT" sz="2000" dirty="0" smtClean="0"/>
+              <a:t>. </a:t>
+            </a:r>
+            <a:r>
+              <a:rPr lang="it-IT" sz="2000" dirty="0" err="1" smtClean="0"/>
+              <a:t>Git</a:t>
+            </a:r>
+            <a:r>
+              <a:rPr lang="it-IT" sz="2000" dirty="0" smtClean="0"/>
+              <a:t> ha anche un'emulazione del server CVS, che consente di usare gli esistenti client CVS e </a:t>
+            </a:r>
+            <a:r>
+              <a:rPr lang="it-IT" sz="2000" dirty="0" err="1" smtClean="0"/>
+              <a:t>plugin</a:t>
+            </a:r>
+            <a:r>
+              <a:rPr lang="it-IT" sz="2000" dirty="0" smtClean="0"/>
+              <a:t> per IDE per accedere ai </a:t>
+            </a:r>
+            <a:r>
+              <a:rPr lang="it-IT" sz="2000" dirty="0" err="1" smtClean="0"/>
+              <a:t>repository</a:t>
+            </a:r>
+            <a:r>
+              <a:rPr lang="it-IT" sz="2000" dirty="0" smtClean="0"/>
+              <a:t> </a:t>
+            </a:r>
+            <a:r>
+              <a:rPr lang="it-IT" sz="2000" dirty="0" err="1" smtClean="0"/>
+              <a:t>Git</a:t>
+            </a:r>
+            <a:r>
+              <a:rPr lang="it-IT" sz="2000" dirty="0" smtClean="0"/>
+              <a:t>.</a:t>
+            </a:r>
+            <a:endParaRPr lang="it-IT" sz="2000" i="1" u="sng" dirty="0" smtClean="0"/>
+          </a:p>
+        </p:txBody>
+      </p:sp>
+    </p:spTree>
+    <p:extLst>
+      <p:ext uri="{BB962C8B-B14F-4D97-AF65-F5344CB8AC3E}">
+        <p14:creationId xmlns:p14="http://schemas.microsoft.com/office/powerpoint/2010/main" val="1459526379"/>
+      </p:ext>
+    </p:extLst>
+  </p:cSld>
+  <p:clrMapOvr>
+    <a:masterClrMapping/>
+  </p:clrMapOvr>
+</p:sld>
+</file>
+
+<file path=ppt/slides/slide4.xml><?xml version="1.0" encoding="utf-8"?>
+<p:sld xmlns:a="http://schemas.openxmlformats.org/drawingml/2006/main" xmlns:r="http://schemas.openxmlformats.org/officeDocument/2006/relationships" xmlns:p="http://schemas.openxmlformats.org/presentationml/2006/main">
+  <p:cSld>
+    <p:spTree>
+      <p:nvGrpSpPr>
+        <p:cNvPr id="1" name=""/>
+        <p:cNvGrpSpPr/>
+        <p:nvPr/>
+      </p:nvGrpSpPr>
+      <p:grpSpPr>
+        <a:xfrm>
+          <a:off x="0" y="0"/>
+          <a:ext cx="0" cy="0"/>
+          <a:chOff x="0" y="0"/>
+          <a:chExt cx="0" cy="0"/>
+        </a:xfrm>
+      </p:grpSpPr>
+      <p:sp>
+        <p:nvSpPr>
+          <p:cNvPr id="2" name="Titolo 1"/>
+          <p:cNvSpPr>
+            <a:spLocks noGrp="1"/>
+          </p:cNvSpPr>
+          <p:nvPr>
+            <p:ph type="title"/>
+          </p:nvPr>
+        </p:nvSpPr>
+        <p:spPr/>
+        <p:txBody>
+          <a:bodyPr/>
+          <a:lstStyle/>
+          <a:p>
+            <a:r>
+              <a:rPr lang="it-IT" b="1" dirty="0" smtClean="0"/>
+              <a:t>Da dove nasce </a:t>
+            </a:r>
+            <a:r>
+              <a:rPr lang="it-IT" b="1" dirty="0" err="1" smtClean="0"/>
+              <a:t>GitHub</a:t>
+            </a:r>
+            <a:r>
+              <a:rPr lang="it-IT" b="1" dirty="0" smtClean="0"/>
+              <a:t>…</a:t>
+            </a:r>
+            <a:endParaRPr lang="it-IT" b="1" dirty="0"/>
+          </a:p>
+        </p:txBody>
+      </p:sp>
+      <p:sp>
+        <p:nvSpPr>
+          <p:cNvPr id="3" name="Segnaposto contenuto 2"/>
+          <p:cNvSpPr>
+            <a:spLocks noGrp="1"/>
+          </p:cNvSpPr>
+          <p:nvPr>
+            <p:ph idx="1"/>
+          </p:nvPr>
+        </p:nvSpPr>
+        <p:spPr/>
+        <p:txBody>
+          <a:bodyPr>
+            <a:normAutofit/>
+          </a:bodyPr>
+          <a:lstStyle/>
+          <a:p>
+            <a:pPr marL="0" indent="0" algn="just">
+              <a:buNone/>
+            </a:pPr>
+            <a:r>
+              <a:rPr lang="it-IT" b="1" dirty="0" smtClean="0"/>
+              <a:t>Caratteristiche di </a:t>
+            </a:r>
+            <a:r>
+              <a:rPr lang="it-IT" b="1" dirty="0" err="1" smtClean="0"/>
+              <a:t>Git</a:t>
+            </a:r>
+            <a:r>
+              <a:rPr lang="it-IT" b="1" dirty="0" smtClean="0"/>
+              <a:t> :</a:t>
+            </a:r>
+          </a:p>
+          <a:p>
+            <a:pPr algn="just"/>
+            <a:r>
+              <a:rPr lang="it-IT" sz="2000" i="1" u="sng" dirty="0"/>
+              <a:t>Gestione efficiente di grandi </a:t>
+            </a:r>
+            <a:r>
+              <a:rPr lang="it-IT" sz="2000" i="1" u="sng" dirty="0" smtClean="0"/>
+              <a:t>progetti</a:t>
+            </a:r>
+            <a:r>
+              <a:rPr lang="it-IT" sz="2000" dirty="0"/>
+              <a:t> </a:t>
+            </a:r>
+            <a:r>
+              <a:rPr lang="it-IT" sz="2000" dirty="0" smtClean="0"/>
+              <a:t>: </a:t>
+            </a:r>
+            <a:r>
+              <a:rPr lang="it-IT" sz="2000" dirty="0" err="1"/>
+              <a:t>Git</a:t>
+            </a:r>
+            <a:r>
+              <a:rPr lang="it-IT" sz="2000" dirty="0"/>
+              <a:t> è molto veloce e scalabile. </a:t>
+            </a:r>
+            <a:r>
+              <a:rPr lang="it-IT" sz="2000" dirty="0"/>
+              <a:t>È tipicamente un ordine di grandezza più veloce degli altri sistemi di controllo versione, e due ordini di grandezza più veloce per alcune </a:t>
+            </a:r>
+            <a:r>
+              <a:rPr lang="it-IT" sz="2000" dirty="0" smtClean="0"/>
+              <a:t>operazioni.</a:t>
+            </a:r>
+          </a:p>
+          <a:p>
+            <a:pPr algn="just"/>
+            <a:r>
+              <a:rPr lang="it-IT" sz="2000" i="1" u="sng" dirty="0"/>
+              <a:t>Autenticazione crittografica della </a:t>
+            </a:r>
+            <a:r>
+              <a:rPr lang="it-IT" sz="2000" i="1" u="sng" dirty="0" smtClean="0"/>
+              <a:t>cronologia</a:t>
+            </a:r>
+            <a:r>
+              <a:rPr lang="it-IT" sz="2000" dirty="0"/>
+              <a:t> </a:t>
+            </a:r>
+            <a:r>
+              <a:rPr lang="it-IT" sz="2000" dirty="0" smtClean="0"/>
+              <a:t>: </a:t>
+            </a:r>
+            <a:r>
+              <a:rPr lang="it-IT" sz="2000" dirty="0"/>
+              <a:t>La cronologia di </a:t>
+            </a:r>
+            <a:r>
+              <a:rPr lang="it-IT" sz="2000" dirty="0" err="1"/>
+              <a:t>Git</a:t>
+            </a:r>
+            <a:r>
+              <a:rPr lang="it-IT" sz="2000" dirty="0"/>
+              <a:t> viene memorizzata in modo tale che il nome di una revisione particolare (secondo la terminologia </a:t>
+            </a:r>
+            <a:r>
+              <a:rPr lang="it-IT" sz="2000" dirty="0" err="1"/>
+              <a:t>Git</a:t>
+            </a:r>
+            <a:r>
+              <a:rPr lang="it-IT" sz="2000" dirty="0"/>
+              <a:t>, una "</a:t>
+            </a:r>
+            <a:r>
+              <a:rPr lang="it-IT" sz="2000" dirty="0" err="1"/>
+              <a:t>commit</a:t>
+            </a:r>
+            <a:r>
+              <a:rPr lang="it-IT" sz="2000" dirty="0"/>
+              <a:t>") dipende dalla completa cronologia di sviluppo che conduce a tale </a:t>
+            </a:r>
+            <a:r>
+              <a:rPr lang="it-IT" sz="2000" dirty="0" err="1"/>
+              <a:t>commit</a:t>
+            </a:r>
+            <a:r>
+              <a:rPr lang="it-IT" sz="2000" dirty="0"/>
+              <a:t>. Una volta che è stata pubblicata, non è più possibile cambiare le vecchie versioni senza che ciò venga notato. </a:t>
+            </a:r>
+            <a:endParaRPr lang="it-IT" sz="2000" dirty="0" smtClean="0"/>
+          </a:p>
+          <a:p>
+            <a:pPr marL="0" indent="0" algn="just">
+              <a:buNone/>
+            </a:pPr>
+            <a:endParaRPr lang="it-IT" sz="2000" dirty="0"/>
+          </a:p>
+          <a:p>
+            <a:pPr marL="0" indent="0" algn="just">
+              <a:buNone/>
+            </a:pPr>
+            <a:endParaRPr lang="it-IT" b="1" dirty="0"/>
+          </a:p>
+          <a:p>
+            <a:pPr algn="just"/>
+            <a:endParaRPr lang="it-IT" sz="2000" dirty="0" smtClean="0"/>
+          </a:p>
+        </p:txBody>
+      </p:sp>
+    </p:spTree>
+    <p:extLst>
+      <p:ext uri="{BB962C8B-B14F-4D97-AF65-F5344CB8AC3E}">
+        <p14:creationId xmlns:p14="http://schemas.microsoft.com/office/powerpoint/2010/main" val="1115010207"/>
+      </p:ext>
+    </p:extLst>
+  </p:cSld>
+  <p:clrMapOvr>
+    <a:masterClrMapping/>
+  </p:clrMapOvr>
+</p:sld>
+</file>
+
+<file path=ppt/slides/slide5.xml><?xml version="1.0" encoding="utf-8"?>
+<p:sld xmlns:a="http://schemas.openxmlformats.org/drawingml/2006/main" xmlns:r="http://schemas.openxmlformats.org/officeDocument/2006/relationships" xmlns:p="http://schemas.openxmlformats.org/presentationml/2006/main">
+  <p:cSld>
+    <p:spTree>
+      <p:nvGrpSpPr>
+        <p:cNvPr id="1" name=""/>
+        <p:cNvGrpSpPr/>
+        <p:nvPr/>
+      </p:nvGrpSpPr>
+      <p:grpSpPr>
+        <a:xfrm>
+          <a:off x="0" y="0"/>
+          <a:ext cx="0" cy="0"/>
+          <a:chOff x="0" y="0"/>
+          <a:chExt cx="0" cy="0"/>
+        </a:xfrm>
+      </p:grpSpPr>
+      <p:sp>
+        <p:nvSpPr>
+          <p:cNvPr id="2" name="Titolo 1"/>
+          <p:cNvSpPr>
+            <a:spLocks noGrp="1"/>
+          </p:cNvSpPr>
+          <p:nvPr>
+            <p:ph type="title"/>
+          </p:nvPr>
+        </p:nvSpPr>
+        <p:spPr>
+          <a:xfrm>
+            <a:off x="457200" y="269776"/>
+            <a:ext cx="8229600" cy="1143000"/>
+          </a:xfrm>
+        </p:spPr>
+        <p:txBody>
+          <a:bodyPr/>
+          <a:lstStyle/>
+          <a:p>
+            <a:r>
+              <a:rPr lang="it-IT" b="1" dirty="0" smtClean="0"/>
+              <a:t>Da dove nasce </a:t>
+            </a:r>
+            <a:r>
+              <a:rPr lang="it-IT" b="1" dirty="0" err="1" smtClean="0"/>
+              <a:t>GitHub</a:t>
+            </a:r>
+            <a:r>
+              <a:rPr lang="it-IT" b="1" dirty="0" smtClean="0"/>
+              <a:t>…</a:t>
+            </a:r>
+            <a:endParaRPr lang="it-IT" b="1" dirty="0"/>
+          </a:p>
+        </p:txBody>
+      </p:sp>
+      <p:sp>
+        <p:nvSpPr>
+          <p:cNvPr id="3" name="Segnaposto contenuto 2"/>
+          <p:cNvSpPr>
+            <a:spLocks noGrp="1"/>
+          </p:cNvSpPr>
+          <p:nvPr>
+            <p:ph idx="1"/>
+          </p:nvPr>
+        </p:nvSpPr>
+        <p:spPr>
+          <a:xfrm>
+            <a:off x="457200" y="1268760"/>
+            <a:ext cx="8229600" cy="5256584"/>
+          </a:xfrm>
+        </p:spPr>
+        <p:txBody>
+          <a:bodyPr>
+            <a:normAutofit/>
+          </a:bodyPr>
+          <a:lstStyle/>
+          <a:p>
+            <a:pPr marL="0" indent="0" algn="just">
+              <a:buNone/>
+            </a:pPr>
+            <a:r>
+              <a:rPr lang="it-IT" sz="2200" b="1" dirty="0" err="1" smtClean="0"/>
+              <a:t>GitHub</a:t>
+            </a:r>
+            <a:r>
+              <a:rPr lang="it-IT" sz="2200" b="1" dirty="0" smtClean="0"/>
+              <a:t> </a:t>
+            </a:r>
+            <a:r>
+              <a:rPr lang="it-IT" sz="2200" dirty="0" smtClean="0"/>
+              <a:t>(nato nel 2008) </a:t>
+            </a:r>
+            <a:r>
+              <a:rPr lang="it-IT" sz="2200" dirty="0"/>
+              <a:t>è un </a:t>
+            </a:r>
+            <a:r>
+              <a:rPr lang="it-IT" sz="2200" b="1" dirty="0"/>
+              <a:t>servizio di hosting</a:t>
+            </a:r>
+            <a:r>
+              <a:rPr lang="it-IT" sz="2200" dirty="0"/>
+              <a:t> per progetti software. </a:t>
+            </a:r>
+            <a:endParaRPr lang="it-IT" sz="2200" dirty="0" smtClean="0"/>
+          </a:p>
+          <a:p>
+            <a:pPr marL="0" indent="0" algn="just">
+              <a:buNone/>
+            </a:pPr>
+            <a:endParaRPr lang="it-IT" sz="2000" dirty="0" smtClean="0"/>
+          </a:p>
+          <a:p>
+            <a:pPr marL="0" indent="0" algn="just">
+              <a:buNone/>
+            </a:pPr>
+            <a:r>
+              <a:rPr lang="it-IT" sz="2000" dirty="0" smtClean="0"/>
+              <a:t>Il </a:t>
+            </a:r>
+            <a:r>
+              <a:rPr lang="it-IT" sz="2000" dirty="0"/>
+              <a:t>nome "</a:t>
+            </a:r>
+            <a:r>
+              <a:rPr lang="it-IT" sz="2000" dirty="0" err="1"/>
+              <a:t>GitHub</a:t>
+            </a:r>
+            <a:r>
+              <a:rPr lang="it-IT" sz="2000" dirty="0"/>
+              <a:t>" deriva dal fatto che </a:t>
+            </a:r>
+            <a:r>
+              <a:rPr lang="it-IT" sz="2000" dirty="0" err="1"/>
+              <a:t>GitHub</a:t>
+            </a:r>
+            <a:r>
+              <a:rPr lang="it-IT" sz="2000" dirty="0"/>
+              <a:t> è una </a:t>
+            </a:r>
+            <a:r>
+              <a:rPr lang="it-IT" sz="2000" b="1" dirty="0"/>
+              <a:t>implementazione</a:t>
+            </a:r>
+            <a:r>
+              <a:rPr lang="it-IT" sz="2000" dirty="0"/>
+              <a:t> dello strumento di controllo versione distribuito </a:t>
+            </a:r>
+            <a:r>
+              <a:rPr lang="it-IT" sz="2000" b="1" dirty="0" err="1"/>
+              <a:t>Git</a:t>
+            </a:r>
+            <a:r>
+              <a:rPr lang="it-IT" sz="2000" dirty="0"/>
+              <a:t>.</a:t>
+            </a:r>
+          </a:p>
+          <a:p>
+            <a:pPr marL="0" indent="0" algn="just">
+              <a:buNone/>
+            </a:pPr>
+            <a:endParaRPr lang="it-IT" sz="2000" dirty="0"/>
+          </a:p>
+          <a:p>
+            <a:pPr marL="0" indent="0" algn="just">
+              <a:buNone/>
+            </a:pPr>
+            <a:r>
+              <a:rPr lang="it-IT" sz="2000" dirty="0"/>
+              <a:t>Il sito è principalmente utilizzato dagli sviluppatori, che caricano il codice sorgente dei loro programmi e lo rendono scaricabile dagli utenti</a:t>
+            </a:r>
+            <a:r>
+              <a:rPr lang="it-IT" sz="2000" dirty="0" smtClean="0"/>
+              <a:t>.</a:t>
+            </a:r>
+          </a:p>
+          <a:p>
+            <a:pPr marL="0" indent="0" algn="just">
+              <a:buNone/>
+            </a:pPr>
+            <a:endParaRPr lang="it-IT" sz="2000" dirty="0" smtClean="0"/>
+          </a:p>
+          <a:p>
+            <a:pPr marL="0" indent="0" algn="just">
+              <a:buNone/>
+            </a:pPr>
+            <a:r>
+              <a:rPr lang="it-IT" sz="2000" dirty="0" smtClean="0"/>
+              <a:t>Questi </a:t>
+            </a:r>
+            <a:r>
+              <a:rPr lang="it-IT" sz="2000" dirty="0"/>
+              <a:t>ultimi possono interagire con lo sviluppatore tramite un sistema di </a:t>
+            </a:r>
+            <a:r>
+              <a:rPr lang="it-IT" sz="2000" dirty="0" err="1"/>
+              <a:t>issue</a:t>
+            </a:r>
+            <a:r>
+              <a:rPr lang="it-IT" sz="2000" dirty="0"/>
+              <a:t> </a:t>
+            </a:r>
+            <a:r>
+              <a:rPr lang="it-IT" sz="2000" dirty="0" err="1"/>
+              <a:t>tracking</a:t>
+            </a:r>
+            <a:r>
+              <a:rPr lang="it-IT" sz="2000" dirty="0"/>
+              <a:t>, pull </a:t>
+            </a:r>
+            <a:r>
+              <a:rPr lang="it-IT" sz="2000" dirty="0" err="1"/>
+              <a:t>request</a:t>
+            </a:r>
+            <a:r>
+              <a:rPr lang="it-IT" sz="2000" dirty="0"/>
+              <a:t> e commenti che permette di migliorare il codice della </a:t>
+            </a:r>
+            <a:r>
+              <a:rPr lang="it-IT" sz="2000" dirty="0" err="1"/>
+              <a:t>repository</a:t>
+            </a:r>
+            <a:r>
+              <a:rPr lang="it-IT" sz="2000" dirty="0"/>
+              <a:t> risolvendo bug o aggiungendo funzionalità. </a:t>
+            </a:r>
+            <a:endParaRPr lang="it-IT" sz="2000" dirty="0" smtClean="0"/>
+          </a:p>
+          <a:p>
+            <a:pPr marL="0" indent="0" algn="just">
+              <a:buNone/>
+            </a:pPr>
+            <a:endParaRPr lang="it-IT" sz="2000" dirty="0" smtClean="0"/>
+          </a:p>
+          <a:p>
+            <a:pPr marL="0" indent="0" algn="just">
+              <a:buNone/>
+            </a:pPr>
+            <a:r>
+              <a:rPr lang="it-IT" sz="2000" dirty="0" smtClean="0"/>
+              <a:t>Inoltre </a:t>
+            </a:r>
+            <a:r>
+              <a:rPr lang="it-IT" sz="2000" dirty="0" err="1"/>
+              <a:t>Github</a:t>
+            </a:r>
+            <a:r>
+              <a:rPr lang="it-IT" sz="2000" dirty="0"/>
+              <a:t> elabora dettagliate pagine che riassumono come gli sviluppatori lavorano sulle varie versioni dei </a:t>
+            </a:r>
+            <a:r>
+              <a:rPr lang="it-IT" sz="2000" dirty="0" err="1"/>
+              <a:t>repository</a:t>
+            </a:r>
+            <a:r>
+              <a:rPr lang="it-IT" sz="2000" dirty="0"/>
+              <a:t>.</a:t>
+            </a:r>
+            <a:endParaRPr lang="it-IT" sz="2000" dirty="0"/>
+          </a:p>
+          <a:p>
+            <a:pPr marL="0" indent="0" algn="just">
+              <a:buNone/>
+            </a:pPr>
+            <a:endParaRPr lang="it-IT" b="1" dirty="0"/>
+          </a:p>
+          <a:p>
+            <a:pPr algn="just"/>
+            <a:endParaRPr lang="it-IT" sz="2000" dirty="0" smtClean="0"/>
+          </a:p>
+        </p:txBody>
+      </p:sp>
+    </p:spTree>
+    <p:extLst>
+      <p:ext uri="{BB962C8B-B14F-4D97-AF65-F5344CB8AC3E}">
+        <p14:creationId xmlns:p14="http://schemas.microsoft.com/office/powerpoint/2010/main" val="2247968796"/>
+      </p:ext>
+    </p:extLst>
+  </p:cSld>
+  <p:clrMapOvr>
+    <a:masterClrMapping/>
+  </p:clrMapOvr>
+</p:sld>
+</file>
+
+<file path=ppt/slides/slide6.xml><?xml version="1.0" encoding="utf-8"?>
+<p:sld xmlns:a="http://schemas.openxmlformats.org/drawingml/2006/main" xmlns:r="http://schemas.openxmlformats.org/officeDocument/2006/relationships" xmlns:p="http://schemas.openxmlformats.org/presentationml/2006/main">
+  <p:cSld>
+    <p:spTree>
+      <p:nvGrpSpPr>
+        <p:cNvPr id="1" name=""/>
+        <p:cNvGrpSpPr/>
+        <p:nvPr/>
+      </p:nvGrpSpPr>
+      <p:grpSpPr>
+        <a:xfrm>
+          <a:off x="0" y="0"/>
+          <a:ext cx="0" cy="0"/>
+          <a:chOff x="0" y="0"/>
+          <a:chExt cx="0" cy="0"/>
+        </a:xfrm>
+      </p:grpSpPr>
+      <p:sp>
+        <p:nvSpPr>
+          <p:cNvPr id="2" name="Titolo 1"/>
+          <p:cNvSpPr>
+            <a:spLocks noGrp="1"/>
+          </p:cNvSpPr>
+          <p:nvPr>
+            <p:ph type="title"/>
+          </p:nvPr>
+        </p:nvSpPr>
+        <p:spPr/>
+        <p:txBody>
+          <a:bodyPr/>
+          <a:lstStyle/>
+          <a:p>
+            <a:r>
+              <a:rPr lang="it-IT" b="1" dirty="0" smtClean="0"/>
+              <a:t>Che cosa è una </a:t>
+            </a:r>
+            <a:r>
+              <a:rPr lang="it-IT" b="1" dirty="0" err="1" smtClean="0"/>
+              <a:t>Repository</a:t>
+            </a:r>
+            <a:endParaRPr lang="it-IT" b="1" dirty="0"/>
+          </a:p>
+        </p:txBody>
+      </p:sp>
+      <p:sp>
+        <p:nvSpPr>
+          <p:cNvPr id="3" name="Segnaposto contenuto 2"/>
+          <p:cNvSpPr>
+            <a:spLocks noGrp="1"/>
+          </p:cNvSpPr>
+          <p:nvPr>
+            <p:ph idx="1"/>
+          </p:nvPr>
+        </p:nvSpPr>
+        <p:spPr/>
+        <p:txBody>
+          <a:bodyPr>
+            <a:normAutofit lnSpcReduction="10000"/>
+          </a:bodyPr>
+          <a:lstStyle/>
+          <a:p>
+            <a:r>
+              <a:rPr lang="it-IT" sz="2000" dirty="0" smtClean="0"/>
+              <a:t>Una </a:t>
+            </a:r>
+            <a:r>
+              <a:rPr lang="it-IT" sz="2000" dirty="0" err="1"/>
+              <a:t>repository</a:t>
+            </a:r>
+            <a:r>
+              <a:rPr lang="it-IT" sz="2000" dirty="0"/>
+              <a:t> viene solitamente </a:t>
+            </a:r>
+            <a:r>
+              <a:rPr lang="it-IT" sz="2000" dirty="0" smtClean="0"/>
+              <a:t>utilizzata </a:t>
+            </a:r>
+            <a:r>
+              <a:rPr lang="it-IT" sz="2000" dirty="0"/>
+              <a:t>per organizzare un singolo progetto. </a:t>
+            </a:r>
+            <a:endParaRPr lang="it-IT" sz="2000" dirty="0" smtClean="0"/>
+          </a:p>
+          <a:p>
+            <a:endParaRPr lang="it-IT" sz="2000" dirty="0" smtClean="0"/>
+          </a:p>
+          <a:p>
+            <a:r>
+              <a:rPr lang="it-IT" sz="2000" dirty="0" smtClean="0"/>
+              <a:t>Le </a:t>
+            </a:r>
+            <a:r>
+              <a:rPr lang="it-IT" sz="2000" dirty="0" err="1"/>
+              <a:t>repository</a:t>
+            </a:r>
+            <a:r>
+              <a:rPr lang="it-IT" sz="2000" dirty="0"/>
+              <a:t> possono contenere cartelle e file, immagini, video, fogli di calcolo e set di dati: tutto ciò di cui ha bisogno il tuo progetto. </a:t>
+            </a:r>
+            <a:endParaRPr lang="it-IT" sz="2000" dirty="0" smtClean="0"/>
+          </a:p>
+          <a:p>
+            <a:endParaRPr lang="it-IT" sz="2000" dirty="0" smtClean="0"/>
+          </a:p>
+          <a:p>
+            <a:r>
+              <a:rPr lang="it-IT" sz="2000" dirty="0" smtClean="0"/>
+              <a:t>Si consiglia </a:t>
+            </a:r>
+            <a:r>
+              <a:rPr lang="it-IT" sz="2000" dirty="0"/>
+              <a:t>di includere un README o un file con informazioni sul tuo progetto. </a:t>
+            </a:r>
+            <a:r>
+              <a:rPr lang="it-IT" sz="2000" dirty="0" err="1"/>
+              <a:t>GitHub</a:t>
+            </a:r>
+            <a:r>
+              <a:rPr lang="it-IT" sz="2000" dirty="0"/>
+              <a:t> ti consente di aggiungerne uno nello stesso momento in cui crei il tuo nuovo </a:t>
+            </a:r>
+            <a:r>
+              <a:rPr lang="it-IT" sz="2000" dirty="0" err="1"/>
+              <a:t>repository</a:t>
+            </a:r>
+            <a:r>
+              <a:rPr lang="it-IT" sz="2000" dirty="0"/>
+              <a:t>. </a:t>
+            </a:r>
+            <a:endParaRPr lang="it-IT" sz="2000" dirty="0" smtClean="0"/>
+          </a:p>
+          <a:p>
+            <a:endParaRPr lang="it-IT" sz="2000" dirty="0" smtClean="0"/>
+          </a:p>
+          <a:p>
+            <a:r>
+              <a:rPr lang="it-IT" sz="2000" dirty="0" smtClean="0"/>
+              <a:t>Offre </a:t>
+            </a:r>
+            <a:r>
+              <a:rPr lang="it-IT" sz="2000" dirty="0"/>
+              <a:t>anche altre opzioni comuni come un file di licenza. </a:t>
+            </a:r>
+            <a:endParaRPr lang="it-IT" sz="2000" dirty="0" smtClean="0"/>
+          </a:p>
+          <a:p>
+            <a:endParaRPr lang="it-IT" sz="2000" dirty="0" smtClean="0"/>
+          </a:p>
+          <a:p>
+            <a:r>
+              <a:rPr lang="it-IT" sz="2000" dirty="0" smtClean="0"/>
+              <a:t>Il </a:t>
+            </a:r>
+            <a:r>
+              <a:rPr lang="it-IT" sz="2000" dirty="0"/>
+              <a:t>tuo </a:t>
+            </a:r>
+            <a:r>
+              <a:rPr lang="it-IT" sz="2000" dirty="0" err="1"/>
+              <a:t>repository</a:t>
+            </a:r>
+            <a:r>
+              <a:rPr lang="it-IT" sz="2000" dirty="0"/>
+              <a:t> </a:t>
+            </a:r>
+            <a:r>
+              <a:rPr lang="it-IT" sz="2000" dirty="0" smtClean="0"/>
+              <a:t> </a:t>
+            </a:r>
+            <a:r>
+              <a:rPr lang="it-IT" sz="2000" dirty="0"/>
+              <a:t>può essere un luogo in cui archiviare idee, risorse o anche condividere e discutere le cose con gli altri.</a:t>
+            </a:r>
+            <a:endParaRPr lang="it-IT" sz="2000" dirty="0"/>
+          </a:p>
+        </p:txBody>
+      </p:sp>
+    </p:spTree>
+    <p:extLst>
+      <p:ext uri="{BB962C8B-B14F-4D97-AF65-F5344CB8AC3E}">
+        <p14:creationId xmlns:p14="http://schemas.microsoft.com/office/powerpoint/2010/main" val="3429087832"/>
+      </p:ext>
+    </p:extLst>
+  </p:cSld>
+  <p:clrMapOvr>
+    <a:masterClrMapping/>
+  </p:clrMapOvr>
+</p:sld>
+</file>
+
+<file path=ppt/slides/slide7.xml><?xml version="1.0" encoding="utf-8"?>
+<p:sld xmlns:a="http://schemas.openxmlformats.org/drawingml/2006/main" xmlns:r="http://schemas.openxmlformats.org/officeDocument/2006/relationships" xmlns:p="http://schemas.openxmlformats.org/presentationml/2006/main">
+  <p:cSld>
+    <p:spTree>
+      <p:nvGrpSpPr>
+        <p:cNvPr id="1" name=""/>
+        <p:cNvGrpSpPr/>
+        <p:nvPr/>
+      </p:nvGrpSpPr>
+      <p:grpSpPr>
+        <a:xfrm>
+          <a:off x="0" y="0"/>
+          <a:ext cx="0" cy="0"/>
+          <a:chOff x="0" y="0"/>
+          <a:chExt cx="0" cy="0"/>
+        </a:xfrm>
+      </p:grpSpPr>
+      <p:sp>
+        <p:nvSpPr>
+          <p:cNvPr id="2" name="Titolo 1"/>
+          <p:cNvSpPr>
+            <a:spLocks noGrp="1"/>
+          </p:cNvSpPr>
+          <p:nvPr>
+            <p:ph type="title"/>
+          </p:nvPr>
+        </p:nvSpPr>
+        <p:spPr/>
+        <p:txBody>
+          <a:bodyPr>
+            <a:normAutofit fontScale="90000"/>
+          </a:bodyPr>
+          <a:lstStyle/>
+          <a:p>
+            <a:r>
+              <a:rPr lang="it-IT" b="1" dirty="0" smtClean="0"/>
+              <a:t>Come creare una </a:t>
+            </a:r>
+            <a:r>
+              <a:rPr lang="it-IT" b="1" dirty="0" err="1"/>
+              <a:t>R</a:t>
+            </a:r>
+            <a:r>
+              <a:rPr lang="it-IT" b="1" dirty="0" err="1" smtClean="0"/>
+              <a:t>epository</a:t>
+            </a:r>
+            <a:r>
+              <a:rPr lang="it-IT" b="1" dirty="0" smtClean="0"/>
+              <a:t> </a:t>
+            </a:r>
+            <a:r>
+              <a:rPr lang="it-IT" b="1" dirty="0" smtClean="0"/>
+              <a:t>dal </a:t>
+            </a:r>
+            <a:r>
+              <a:rPr lang="it-IT" b="1" dirty="0" smtClean="0"/>
+              <a:t>Browser</a:t>
+            </a:r>
+            <a:endParaRPr lang="it-IT" b="1" dirty="0"/>
+          </a:p>
+        </p:txBody>
+      </p:sp>
+      <p:pic>
+        <p:nvPicPr>
+          <p:cNvPr id="1026" name="Picture 2"/>
+          <p:cNvPicPr>
+            <a:picLocks noGrp="1" noChangeAspect="1" noChangeArrowheads="1"/>
+          </p:cNvPicPr>
+          <p:nvPr>
+            <p:ph idx="1"/>
+          </p:nvPr>
+        </p:nvPicPr>
+        <p:blipFill>
+          <a:blip r:embed="rId2">
+            <a:extLst>
+              <a:ext uri="{28A0092B-C50C-407E-A947-70E740481C1C}">
+                <a14:useLocalDpi xmlns:a14="http://schemas.microsoft.com/office/drawing/2010/main" val="0"/>
+              </a:ext>
+            </a:extLst>
+          </a:blip>
+          <a:srcRect/>
+          <a:stretch>
+            <a:fillRect/>
+          </a:stretch>
+        </p:blipFill>
+        <p:spPr bwMode="auto">
+          <a:xfrm>
+            <a:off x="546957" y="1600200"/>
+            <a:ext cx="8050085" cy="4525963"/>
+          </a:xfrm>
+          <a:prstGeom prst="rect">
+            <a:avLst/>
+          </a:prstGeom>
+          <a:noFill/>
+          <a:ln>
+            <a:noFill/>
+          </a:ln>
+          <a:extLst>
+            <a:ext uri="{909E8E84-426E-40DD-AFC4-6F175D3DCCD1}">
+              <a14:hiddenFill xmlns:a14="http://schemas.microsoft.com/office/drawing/2010/main">
+                <a:solidFill>
+                  <a:schemeClr val="accent1"/>
+                </a:solidFill>
+              </a14:hiddenFill>
+            </a:ext>
+            <a:ext uri="{91240B29-F687-4F45-9708-019B960494DF}">
+              <a14:hiddenLine xmlns:a14="http://schemas.microsoft.com/office/drawing/2010/main" w="9525">
+                <a:solidFill>
+                  <a:schemeClr val="tx1"/>
+                </a:solidFill>
+                <a:miter lim="800000"/>
+                <a:headEnd/>
+                <a:tailEnd/>
+              </a14:hiddenLine>
+            </a:ext>
+          </a:extLst>
+        </p:spPr>
+      </p:pic>
+      <p:sp>
+        <p:nvSpPr>
+          <p:cNvPr id="4" name="Ovale 3"/>
+          <p:cNvSpPr/>
+          <p:nvPr/>
+        </p:nvSpPr>
+        <p:spPr>
+          <a:xfrm>
+            <a:off x="6948264" y="3356992"/>
+            <a:ext cx="648072" cy="432048"/>
+          </a:xfrm>
+          <a:prstGeom prst="ellipse">
+            <a:avLst/>
+          </a:prstGeom>
+          <a:noFill/>
+          <a:ln>
+            <a:solidFill>
+              <a:srgbClr val="FF0000"/>
+            </a:solidFill>
+          </a:ln>
+        </p:spPr>
+        <p:style>
+          <a:lnRef idx="2">
+            <a:schemeClr val="accent1">
+              <a:shade val="50000"/>
+            </a:schemeClr>
+          </a:lnRef>
+          <a:fillRef idx="1">
+            <a:schemeClr val="accent1"/>
+          </a:fillRef>
+          <a:effectRef idx="0">
+            <a:schemeClr val="accent1"/>
+          </a:effectRef>
+          <a:fontRef idx="minor">
+            <a:schemeClr val="lt1"/>
+          </a:fontRef>
+        </p:style>
+        <p:txBody>
+          <a:bodyPr rtlCol="0" anchor="ctr"/>
+          <a:lstStyle/>
+          <a:p>
+            <a:pPr algn="ctr"/>
+            <a:endParaRPr lang="it-IT"/>
+          </a:p>
+        </p:txBody>
+      </p:sp>
+    </p:spTree>
+    <p:extLst>
+      <p:ext uri="{BB962C8B-B14F-4D97-AF65-F5344CB8AC3E}">
+        <p14:creationId xmlns:p14="http://schemas.microsoft.com/office/powerpoint/2010/main" val="2629902479"/>
+      </p:ext>
+    </p:extLst>
+  </p:cSld>
+  <p:clrMapOvr>
+    <a:masterClrMapping/>
+  </p:clrMapOvr>
+</p:sld>
+</file>
+
+<file path=ppt/slides/slide8.xml><?xml version="1.0" encoding="utf-8"?>
+<p:sld xmlns:a="http://schemas.openxmlformats.org/drawingml/2006/main" xmlns:r="http://schemas.openxmlformats.org/officeDocument/2006/relationships" xmlns:p="http://schemas.openxmlformats.org/presentationml/2006/main">
+  <p:cSld>
+    <p:spTree>
+      <p:nvGrpSpPr>
+        <p:cNvPr id="1" name=""/>
+        <p:cNvGrpSpPr/>
+        <p:nvPr/>
+      </p:nvGrpSpPr>
+      <p:grpSpPr>
+        <a:xfrm>
+          <a:off x="0" y="0"/>
+          <a:ext cx="0" cy="0"/>
+          <a:chOff x="0" y="0"/>
+          <a:chExt cx="0" cy="0"/>
+        </a:xfrm>
+      </p:grpSpPr>
+      <p:sp>
+        <p:nvSpPr>
+          <p:cNvPr id="2" name="Titolo 1"/>
+          <p:cNvSpPr>
+            <a:spLocks noGrp="1"/>
+          </p:cNvSpPr>
+          <p:nvPr>
+            <p:ph type="title"/>
+          </p:nvPr>
+        </p:nvSpPr>
+        <p:spPr/>
+        <p:txBody>
+          <a:bodyPr>
+            <a:normAutofit fontScale="90000"/>
+          </a:bodyPr>
+          <a:lstStyle/>
+          <a:p>
+            <a:r>
+              <a:rPr lang="it-IT" b="1" dirty="0" smtClean="0"/>
+              <a:t>Come creare una </a:t>
+            </a:r>
+            <a:r>
+              <a:rPr lang="it-IT" b="1" dirty="0" err="1"/>
+              <a:t>R</a:t>
+            </a:r>
+            <a:r>
+              <a:rPr lang="it-IT" b="1" dirty="0" err="1" smtClean="0"/>
+              <a:t>epository</a:t>
+            </a:r>
+            <a:r>
+              <a:rPr lang="it-IT" b="1" dirty="0" smtClean="0"/>
+              <a:t> dal </a:t>
+            </a:r>
+            <a:r>
+              <a:rPr lang="it-IT" b="1" dirty="0" smtClean="0"/>
+              <a:t>Browser</a:t>
+            </a:r>
+            <a:endParaRPr lang="it-IT" b="1" dirty="0"/>
+          </a:p>
+        </p:txBody>
+      </p:sp>
+      <p:sp>
+        <p:nvSpPr>
+          <p:cNvPr id="4" name="Ovale 3"/>
+          <p:cNvSpPr/>
+          <p:nvPr/>
+        </p:nvSpPr>
+        <p:spPr>
+          <a:xfrm>
+            <a:off x="6948264" y="3356992"/>
+            <a:ext cx="648072" cy="432048"/>
+          </a:xfrm>
+          <a:prstGeom prst="ellipse">
+            <a:avLst/>
+          </a:prstGeom>
+          <a:noFill/>
+          <a:ln>
+            <a:solidFill>
+              <a:srgbClr val="FF0000"/>
+            </a:solidFill>
+          </a:ln>
+        </p:spPr>
+        <p:style>
+          <a:lnRef idx="2">
+            <a:schemeClr val="accent1">
+              <a:shade val="50000"/>
+            </a:schemeClr>
+          </a:lnRef>
+          <a:fillRef idx="1">
+            <a:schemeClr val="accent1"/>
+          </a:fillRef>
+          <a:effectRef idx="0">
+            <a:schemeClr val="accent1"/>
+          </a:effectRef>
+          <a:fontRef idx="minor">
+            <a:schemeClr val="lt1"/>
+          </a:fontRef>
+        </p:style>
+        <p:txBody>
+          <a:bodyPr rtlCol="0" anchor="ctr"/>
+          <a:lstStyle/>
+          <a:p>
+            <a:pPr algn="ctr"/>
+            <a:endParaRPr lang="it-IT"/>
+          </a:p>
+        </p:txBody>
+      </p:sp>
+      <p:pic>
+        <p:nvPicPr>
+          <p:cNvPr id="2050" name="Picture 2"/>
+          <p:cNvPicPr>
+            <a:picLocks noGrp="1" noChangeAspect="1" noChangeArrowheads="1"/>
+          </p:cNvPicPr>
+          <p:nvPr>
+            <p:ph idx="1"/>
+          </p:nvPr>
+        </p:nvPicPr>
+        <p:blipFill>
+          <a:blip r:embed="rId2">
+            <a:extLst>
+              <a:ext uri="{28A0092B-C50C-407E-A947-70E740481C1C}">
+                <a14:useLocalDpi xmlns:a14="http://schemas.microsoft.com/office/drawing/2010/main" val="0"/>
+              </a:ext>
+            </a:extLst>
+          </a:blip>
+          <a:srcRect/>
+          <a:stretch>
+            <a:fillRect/>
+          </a:stretch>
+        </p:blipFill>
+        <p:spPr bwMode="auto">
+          <a:xfrm>
+            <a:off x="546957" y="1600200"/>
+            <a:ext cx="8050085" cy="4525963"/>
+          </a:xfrm>
+          <a:prstGeom prst="rect">
+            <a:avLst/>
+          </a:prstGeom>
+          <a:noFill/>
+          <a:ln>
+            <a:noFill/>
+          </a:ln>
+          <a:extLst>
+            <a:ext uri="{909E8E84-426E-40DD-AFC4-6F175D3DCCD1}">
+              <a14:hiddenFill xmlns:a14="http://schemas.microsoft.com/office/drawing/2010/main">
+                <a:solidFill>
+                  <a:schemeClr val="accent1"/>
+                </a:solidFill>
+              </a14:hiddenFill>
+            </a:ext>
+            <a:ext uri="{91240B29-F687-4F45-9708-019B960494DF}">
+              <a14:hiddenLine xmlns:a14="http://schemas.microsoft.com/office/drawing/2010/main" w="9525">
+                <a:solidFill>
+                  <a:schemeClr val="tx1"/>
+                </a:solidFill>
+                <a:miter lim="800000"/>
+                <a:headEnd/>
+                <a:tailEnd/>
+              </a14:hiddenLine>
+            </a:ext>
+          </a:extLst>
+        </p:spPr>
+      </p:pic>
+      <p:sp>
+        <p:nvSpPr>
           <p:cNvPr id="6" name="Freccia a destra 5"/>
           <p:cNvSpPr/>
           <p:nvPr/>
@@ -4903,8 +7958,12 @@
               <a:t>Che cosa è una </a:t>
             </a:r>
             <a:r>
+              <a:rPr lang="it-IT" b="1" dirty="0" err="1"/>
+              <a:t>B</a:t>
+            </a:r>
+            <a:r>
               <a:rPr lang="it-IT" b="1" dirty="0" err="1" smtClean="0"/>
-              <a:t>brench</a:t>
+              <a:t>rench</a:t>
             </a:r>
             <a:endParaRPr lang="it-IT" b="1" dirty="0"/>
           </a:p>
@@ -4923,33 +7982,95 @@
         <p:spPr/>
         <p:txBody>
           <a:bodyPr>
-            <a:normAutofit fontScale="77500" lnSpcReduction="20000"/>
+            <a:noAutofit/>
           </a:bodyPr>
           <a:lstStyle/>
           <a:p>
             <a:r>
-              <a:rPr lang="en-US" dirty="0" smtClean="0"/>
-              <a:t>Branching is the way to work on different versions of a repository at one time.</a:t>
-            </a:r>
-          </a:p>
-          <a:p>
-            <a:endParaRPr lang="en-US" dirty="0" smtClean="0"/>
-          </a:p>
-          <a:p>
-            <a:r>
-              <a:rPr lang="en-US" dirty="0" smtClean="0"/>
-              <a:t>By default your repository has one branch named master which is considered to be the definitive branch. We use branches to experiment and make edits before committing them to master.</a:t>
-            </a:r>
-          </a:p>
-          <a:p>
-            <a:endParaRPr lang="en-US" dirty="0" smtClean="0"/>
-          </a:p>
-          <a:p>
-            <a:r>
-              <a:rPr lang="en-US" dirty="0" smtClean="0"/>
-              <a:t>When you create a branch off the master branch, you’re making a copy, or snapshot, of master as it was at that point in time. If someone else made changes to the master branch while you were working on your branch, you could pull in those updates.</a:t>
-            </a:r>
-            <a:endParaRPr lang="it-IT" dirty="0"/>
+              <a:rPr lang="it-IT" sz="2000" dirty="0"/>
+              <a:t>Branching è il modo di lavorare su diverse versioni di un </a:t>
+            </a:r>
+            <a:r>
+              <a:rPr lang="it-IT" sz="2000" dirty="0" err="1"/>
+              <a:t>repository</a:t>
+            </a:r>
+            <a:r>
+              <a:rPr lang="it-IT" sz="2000" dirty="0"/>
+              <a:t> contemporaneamente. </a:t>
+            </a:r>
+            <a:endParaRPr lang="it-IT" sz="2000" dirty="0" smtClean="0"/>
+          </a:p>
+          <a:p>
+            <a:endParaRPr lang="it-IT" sz="2000" dirty="0" smtClean="0"/>
+          </a:p>
+          <a:p>
+            <a:r>
+              <a:rPr lang="it-IT" sz="2000" dirty="0" smtClean="0"/>
+              <a:t>Di </a:t>
+            </a:r>
+            <a:r>
+              <a:rPr lang="it-IT" sz="2000" dirty="0"/>
+              <a:t>default il tuo </a:t>
+            </a:r>
+            <a:r>
+              <a:rPr lang="it-IT" sz="2000" dirty="0" err="1"/>
+              <a:t>repository</a:t>
+            </a:r>
+            <a:r>
+              <a:rPr lang="it-IT" sz="2000" dirty="0"/>
+              <a:t> ha un ramo chiamato master che è considerato il ramo definitivo. </a:t>
+            </a:r>
+            <a:endParaRPr lang="it-IT" sz="2000" dirty="0" smtClean="0"/>
+          </a:p>
+          <a:p>
+            <a:endParaRPr lang="it-IT" sz="2000" dirty="0" smtClean="0"/>
+          </a:p>
+          <a:p>
+            <a:r>
+              <a:rPr lang="it-IT" sz="2000" dirty="0" smtClean="0"/>
+              <a:t>Usiamo </a:t>
+            </a:r>
+            <a:r>
+              <a:rPr lang="it-IT" sz="2000" dirty="0"/>
+              <a:t>i </a:t>
+            </a:r>
+            <a:r>
+              <a:rPr lang="it-IT" sz="2000" dirty="0" err="1"/>
+              <a:t>branch</a:t>
+            </a:r>
+            <a:r>
+              <a:rPr lang="it-IT" sz="2000" dirty="0"/>
+              <a:t> per sperimentare e apportare modifiche prima di affidarli al master. </a:t>
+            </a:r>
+            <a:endParaRPr lang="it-IT" sz="2000" dirty="0" smtClean="0"/>
+          </a:p>
+          <a:p>
+            <a:endParaRPr lang="it-IT" sz="2000" dirty="0" smtClean="0"/>
+          </a:p>
+          <a:p>
+            <a:r>
+              <a:rPr lang="it-IT" sz="2000" dirty="0" smtClean="0"/>
+              <a:t>Quando </a:t>
+            </a:r>
+            <a:r>
+              <a:rPr lang="it-IT" sz="2000" dirty="0"/>
+              <a:t>crei un ramo fuori dal ramo principale, stai creando una copia, o istantanea, del master come era in quel momento. </a:t>
+            </a:r>
+            <a:endParaRPr lang="it-IT" sz="2000" dirty="0" smtClean="0"/>
+          </a:p>
+          <a:p>
+            <a:endParaRPr lang="it-IT" sz="2000" dirty="0" smtClean="0"/>
+          </a:p>
+          <a:p>
+            <a:r>
+              <a:rPr lang="it-IT" sz="2000" dirty="0" smtClean="0"/>
+              <a:t>Se </a:t>
+            </a:r>
+            <a:r>
+              <a:rPr lang="it-IT" sz="2000" dirty="0"/>
+              <a:t>qualcun altro ha apportato modifiche al ramo principale mentre stavi lavorando sul tuo ramo, è possibile inserire tali aggiornamenti.</a:t>
+            </a:r>
+            <a:endParaRPr lang="it-IT" sz="2000" dirty="0"/>
           </a:p>
         </p:txBody>
       </p:sp>

--- a/Primi passi su GitHub.pptx
+++ b/Primi passi su GitHub.pptx
@@ -28,7 +28,15 @@
     <p:sldId id="278" r:id="rId22"/>
     <p:sldId id="279" r:id="rId23"/>
     <p:sldId id="280" r:id="rId24"/>
-    <p:sldId id="258" r:id="rId25"/>
+    <p:sldId id="281" r:id="rId25"/>
+    <p:sldId id="282" r:id="rId26"/>
+    <p:sldId id="283" r:id="rId27"/>
+    <p:sldId id="284" r:id="rId28"/>
+    <p:sldId id="285" r:id="rId29"/>
+    <p:sldId id="286" r:id="rId30"/>
+    <p:sldId id="287" r:id="rId31"/>
+    <p:sldId id="288" r:id="rId32"/>
+    <p:sldId id="258" r:id="rId33"/>
   </p:sldIdLst>
   <p:sldSz cx="9144000" cy="6858000" type="screen4x3"/>
   <p:notesSz cx="6858000" cy="9144000"/>
@@ -3191,6 +3199,13 @@
   <p:clrMapOvr>
     <a:masterClrMapping/>
   </p:clrMapOvr>
+  <p:timing>
+    <p:tnLst>
+      <p:par>
+        <p:cTn id="1" dur="indefinite" restart="never" nodeType="tmRoot"/>
+      </p:par>
+    </p:tnLst>
+  </p:timing>
 </p:sld>
 </file>
 
@@ -3231,12 +3246,8 @@
               <a:t>Che cosa è una </a:t>
             </a:r>
             <a:r>
-              <a:rPr lang="it-IT" b="1" dirty="0" err="1"/>
-              <a:t>B</a:t>
-            </a:r>
-            <a:r>
               <a:rPr lang="it-IT" b="1" dirty="0" err="1" smtClean="0"/>
-              <a:t>rench</a:t>
+              <a:t>Branch</a:t>
             </a:r>
             <a:endParaRPr lang="it-IT" b="1" dirty="0"/>
           </a:p>
@@ -3303,7 +3314,7 @@
             </a:r>
             <a:r>
               <a:rPr lang="it-IT" sz="2000" dirty="0" err="1" smtClean="0"/>
-              <a:t>brench</a:t>
+              <a:t>branch</a:t>
             </a:r>
             <a:r>
               <a:rPr lang="it-IT" sz="2000" dirty="0" smtClean="0"/>
@@ -3411,6 +3422,13 @@
   <p:clrMapOvr>
     <a:masterClrMapping/>
   </p:clrMapOvr>
+  <p:timing>
+    <p:tnLst>
+      <p:par>
+        <p:cTn id="1" dur="indefinite" restart="never" nodeType="tmRoot"/>
+      </p:par>
+    </p:tnLst>
+  </p:timing>
 </p:sld>
 </file>
 
@@ -3451,12 +3469,8 @@
               <a:t>Che cosa è una </a:t>
             </a:r>
             <a:r>
-              <a:rPr lang="it-IT" b="1" dirty="0" err="1"/>
-              <a:t>B</a:t>
-            </a:r>
-            <a:r>
               <a:rPr lang="it-IT" b="1" dirty="0" err="1" smtClean="0"/>
-              <a:t>rench</a:t>
+              <a:t>Branch</a:t>
             </a:r>
             <a:endParaRPr lang="it-IT" b="1" dirty="0"/>
           </a:p>
@@ -3707,11 +3721,11 @@
               <a:t>Come creare una </a:t>
             </a:r>
             <a:r>
-              <a:rPr lang="it-IT" b="1" dirty="0" err="1"/>
-              <a:t>Brench</a:t>
-            </a:r>
-            <a:r>
-              <a:rPr lang="it-IT" b="1" dirty="0"/>
+              <a:rPr lang="it-IT" b="1" dirty="0" err="1" smtClean="0"/>
+              <a:t>Branch</a:t>
+            </a:r>
+            <a:r>
+              <a:rPr lang="it-IT" b="1" dirty="0" smtClean="0"/>
               <a:t> </a:t>
             </a:r>
             <a:r>
@@ -3722,7 +3736,6 @@
               <a:rPr lang="it-IT" b="1" dirty="0"/>
               <a:t>Browser</a:t>
             </a:r>
-            <a:endParaRPr lang="it-IT" b="1" dirty="0"/>
           </a:p>
         </p:txBody>
       </p:sp>
@@ -3847,7 +3860,6 @@
               <a:rPr lang="it-IT" sz="2000" dirty="0"/>
               <a:t>la casella blu Crea ramo o premi "Invio" sulla tastiera.</a:t>
             </a:r>
-            <a:endParaRPr lang="it-IT" sz="2000" dirty="0"/>
           </a:p>
         </p:txBody>
       </p:sp>
@@ -3967,15 +3979,15 @@
             </a:r>
             <a:r>
               <a:rPr lang="it-IT" b="1" dirty="0" err="1" smtClean="0"/>
-              <a:t>Brench</a:t>
+              <a:t>Branch</a:t>
             </a:r>
             <a:r>
               <a:rPr lang="it-IT" b="1" dirty="0" smtClean="0"/>
-              <a:t> dal </a:t>
+              <a:t> </a:t>
             </a:r>
             <a:r>
               <a:rPr lang="it-IT" b="1" dirty="0" smtClean="0"/>
-              <a:t>Browser</a:t>
+              <a:t>dal Browser</a:t>
             </a:r>
             <a:endParaRPr lang="it-IT" b="1" dirty="0"/>
           </a:p>
@@ -4143,7 +4155,7 @@
             </a:r>
             <a:r>
               <a:rPr lang="it-IT" b="1" dirty="0" err="1" smtClean="0"/>
-              <a:t>Brench</a:t>
+              <a:t>Branch</a:t>
             </a:r>
             <a:r>
               <a:rPr lang="it-IT" b="1" dirty="0" smtClean="0"/>
@@ -4313,15 +4325,15 @@
             </a:r>
             <a:r>
               <a:rPr lang="it-IT" b="1" dirty="0" err="1" smtClean="0"/>
-              <a:t>Brench</a:t>
+              <a:t>Branch</a:t>
             </a:r>
             <a:r>
               <a:rPr lang="it-IT" b="1" dirty="0" smtClean="0"/>
-              <a:t> dal </a:t>
+              <a:t> </a:t>
             </a:r>
             <a:r>
               <a:rPr lang="it-IT" b="1" dirty="0" smtClean="0"/>
-              <a:t>Browser</a:t>
+              <a:t>dal Browser</a:t>
             </a:r>
             <a:endParaRPr lang="it-IT" b="1" dirty="0"/>
           </a:p>
@@ -4490,7 +4502,6 @@
               <a:rPr lang="it-IT" b="1" dirty="0"/>
               <a:t>Browser</a:t>
             </a:r>
-            <a:endParaRPr lang="it-IT" b="1" dirty="0"/>
           </a:p>
         </p:txBody>
       </p:sp>
@@ -4527,16 +4538,16 @@
               <a:t>schermata code nella tua </a:t>
             </a:r>
             <a:r>
-              <a:rPr lang="it-IT" sz="2000" dirty="0" err="1"/>
-              <a:t>B</a:t>
-            </a:r>
-            <a:r>
               <a:rPr lang="it-IT" sz="2000" dirty="0" err="1" smtClean="0"/>
-              <a:t>rench</a:t>
-            </a:r>
-            <a:r>
-              <a:rPr lang="it-IT" sz="2000" dirty="0" smtClean="0"/>
-              <a:t> ‘‘Modifica’’, </a:t>
+              <a:t>Branch</a:t>
+            </a:r>
+            <a:r>
+              <a:rPr lang="it-IT" sz="2000" dirty="0" smtClean="0"/>
+              <a:t> </a:t>
+            </a:r>
+            <a:r>
+              <a:rPr lang="it-IT" sz="2000" dirty="0" smtClean="0"/>
+              <a:t>‘‘Modifica’’, </a:t>
             </a:r>
             <a:r>
               <a:rPr lang="it-IT" sz="2000" dirty="0"/>
@@ -4663,7 +4674,6 @@
               <a:rPr lang="it-IT" sz="2000" dirty="0"/>
               <a:t> catturano la cronologia delle tue modifiche, così gli altri contributori possono capire cosa hai fatto e perché.</a:t>
             </a:r>
-            <a:endParaRPr lang="it-IT" sz="2000" dirty="0"/>
           </a:p>
         </p:txBody>
       </p:sp>
@@ -4738,7 +4748,6 @@
               <a:rPr lang="it-IT" b="1" dirty="0"/>
               <a:t>Browser</a:t>
             </a:r>
-            <a:endParaRPr lang="it-IT" b="1" dirty="0"/>
           </a:p>
         </p:txBody>
       </p:sp>
@@ -5005,7 +5014,6 @@
               <a:rPr lang="it-IT" b="1" dirty="0"/>
               <a:t>Come modificare un file dal Browser</a:t>
             </a:r>
-            <a:endParaRPr lang="it-IT" b="1" dirty="0"/>
           </a:p>
         </p:txBody>
       </p:sp>
@@ -5174,7 +5182,6 @@
               <a:rPr lang="it-IT" b="1" dirty="0"/>
               <a:t>Come modificare un file dal Browser</a:t>
             </a:r>
-            <a:endParaRPr lang="it-IT" b="1" dirty="0"/>
           </a:p>
         </p:txBody>
       </p:sp>
@@ -5487,6 +5494,13 @@
   <p:clrMapOvr>
     <a:masterClrMapping/>
   </p:clrMapOvr>
+  <p:timing>
+    <p:tnLst>
+      <p:par>
+        <p:cTn id="1" dur="indefinite" restart="never" nodeType="tmRoot"/>
+      </p:par>
+    </p:tnLst>
+  </p:timing>
 </p:sld>
 </file>
 
@@ -5533,7 +5547,6 @@
               <a:rPr lang="it-IT" b="1" dirty="0"/>
               <a:t>Come modificare un file dal Browser</a:t>
             </a:r>
-            <a:endParaRPr lang="it-IT" b="1" dirty="0"/>
           </a:p>
         </p:txBody>
       </p:sp>
@@ -5793,7 +5806,6 @@
               <a:rPr lang="it-IT" b="1" dirty="0"/>
               <a:t>Come modificare un file dal Browser</a:t>
             </a:r>
-            <a:endParaRPr lang="it-IT" b="1" dirty="0"/>
           </a:p>
         </p:txBody>
       </p:sp>
@@ -5988,7 +6000,6 @@
               <a:rPr lang="it-IT" b="1" dirty="0"/>
               <a:t>Browser</a:t>
             </a:r>
-            <a:endParaRPr lang="it-IT" b="1" dirty="0"/>
           </a:p>
         </p:txBody>
       </p:sp>
@@ -6034,16 +6045,16 @@
               <a:t>sulla </a:t>
             </a:r>
             <a:r>
-              <a:rPr lang="it-IT" sz="2000" dirty="0" err="1"/>
-              <a:t>B</a:t>
-            </a:r>
-            <a:r>
               <a:rPr lang="it-IT" sz="2000" dirty="0" err="1" smtClean="0"/>
-              <a:t>rench</a:t>
-            </a:r>
-            <a:r>
-              <a:rPr lang="it-IT" sz="2000" dirty="0" smtClean="0"/>
-              <a:t> ‘‘</a:t>
+              <a:t>Branch</a:t>
+            </a:r>
+            <a:r>
+              <a:rPr lang="it-IT" sz="2000" dirty="0" smtClean="0"/>
+              <a:t> </a:t>
+            </a:r>
+            <a:r>
+              <a:rPr lang="it-IT" sz="2000" dirty="0" smtClean="0"/>
+              <a:t>‘‘</a:t>
             </a:r>
             <a:r>
               <a:rPr lang="it-IT" sz="2000" b="1" dirty="0" smtClean="0"/>
@@ -6185,7 +6196,6 @@
               <a:rPr lang="it-IT" b="1" dirty="0"/>
               <a:t>Browser</a:t>
             </a:r>
-            <a:endParaRPr lang="it-IT" b="1" dirty="0"/>
           </a:p>
         </p:txBody>
       </p:sp>
@@ -6202,13 +6212,10 @@
         <p:spPr/>
         <p:txBody>
           <a:bodyPr>
-            <a:normAutofit/>
+            <a:normAutofit lnSpcReduction="10000"/>
           </a:bodyPr>
           <a:lstStyle/>
           <a:p>
-            <a:pPr marL="0" indent="0">
-              <a:buNone/>
-            </a:pPr>
             <a:r>
               <a:rPr lang="it-IT" sz="2000" dirty="0"/>
               <a:t>Ora che hai delle modifiche in un ramo fuori dal master, puoi aprire una </a:t>
@@ -6218,11 +6225,20 @@
               <a:t>Pull </a:t>
             </a:r>
             <a:r>
-              <a:rPr lang="it-IT" sz="2000" smtClean="0"/>
-              <a:t>Request. </a:t>
-            </a:r>
-            <a:r>
-              <a:rPr lang="it-IT" sz="2000" dirty="0"/>
+              <a:rPr lang="it-IT" sz="2000" dirty="0" err="1" smtClean="0"/>
+              <a:t>Request</a:t>
+            </a:r>
+            <a:r>
+              <a:rPr lang="it-IT" sz="2000" dirty="0" smtClean="0"/>
+              <a:t>.</a:t>
+            </a:r>
+          </a:p>
+          <a:p>
+            <a:endParaRPr lang="it-IT" sz="2000" dirty="0" smtClean="0"/>
+          </a:p>
+          <a:p>
+            <a:r>
+              <a:rPr lang="it-IT" sz="2000" dirty="0" smtClean="0"/>
               <a:t>Pull </a:t>
             </a:r>
             <a:r>
@@ -6239,58 +6255,69 @@
             </a:r>
             <a:r>
               <a:rPr lang="it-IT" sz="2000" dirty="0"/>
-              <a:t>. Quando apri una richiesta di pull, stai proponendo le tue modifiche e richiedi che qualcuno riveda e aggiunga il tuo contributo e uniscilo nel loro ramo. Le richieste di pull mostrano differenze, o differenze, tra i contenuti di entrambi i rami. Le modifiche, le aggiunte e le sottrazioni sono mostrate in verde e rosso. Non appena esegui un </a:t>
-            </a:r>
-            <a:r>
-              <a:rPr lang="it-IT" sz="2000" dirty="0" err="1"/>
-              <a:t>commit</a:t>
-            </a:r>
-            <a:r>
-              <a:rPr lang="it-IT" sz="2000" dirty="0"/>
-              <a:t>, puoi aprire una richiesta di pull e avviare una discussione, anche prima che il codice sia finito. Usando il sistema @</a:t>
-            </a:r>
-            <a:r>
-              <a:rPr lang="it-IT" sz="2000" dirty="0" err="1"/>
-              <a:t>mention</a:t>
-            </a:r>
-            <a:r>
-              <a:rPr lang="it-IT" sz="2000" dirty="0"/>
-              <a:t> di </a:t>
-            </a:r>
-            <a:r>
-              <a:rPr lang="it-IT" sz="2000" dirty="0" err="1"/>
-              <a:t>GitHub</a:t>
-            </a:r>
-            <a:r>
-              <a:rPr lang="it-IT" sz="2000" dirty="0"/>
-              <a:t> nel tuo messaggio di richiesta di pull, puoi chiedere feedback a persone o team specifici, sia che si trovino in fondo al corridoio o in 10 fusi orari. Puoi persino aprire le richieste di pull nel tuo </a:t>
-            </a:r>
-            <a:r>
-              <a:rPr lang="it-IT" sz="2000" dirty="0" err="1"/>
-              <a:t>repository</a:t>
-            </a:r>
-            <a:r>
-              <a:rPr lang="it-IT" sz="2000" dirty="0"/>
-              <a:t> e unirle tu stesso. È un ottimo modo per imparare </a:t>
-            </a:r>
-            <a:r>
-              <a:rPr lang="it-IT" sz="2000" dirty="0" err="1"/>
-              <a:t>GitHub</a:t>
-            </a:r>
-            <a:r>
-              <a:rPr lang="it-IT" sz="2000" dirty="0"/>
-              <a:t> Flow prima di lavorare su progetti più grandi.</a:t>
-            </a:r>
-            <a:br>
-              <a:rPr lang="it-IT" sz="2000" dirty="0"/>
-            </a:br>
-            <a:endParaRPr lang="it-IT" sz="2000" dirty="0"/>
-          </a:p>
-          <a:p>
-            <a:pPr marL="457200" indent="-457200">
-              <a:buFont typeface="+mj-lt"/>
-              <a:buAutoNum type="arabicPeriod"/>
-            </a:pPr>
+              <a:t>. </a:t>
+            </a:r>
+            <a:endParaRPr lang="it-IT" sz="2000" dirty="0" smtClean="0"/>
+          </a:p>
+          <a:p>
+            <a:endParaRPr lang="it-IT" sz="2000" dirty="0" smtClean="0"/>
+          </a:p>
+          <a:p>
+            <a:r>
+              <a:rPr lang="it-IT" sz="2000" dirty="0" smtClean="0"/>
+              <a:t>Quando </a:t>
+            </a:r>
+            <a:r>
+              <a:rPr lang="it-IT" sz="2000" dirty="0"/>
+              <a:t>apri una richiesta di pull, stai proponendo le tue modifiche e richiedi che qualcuno riveda e aggiunga il tuo contributo e uniscilo nel loro ramo</a:t>
+            </a:r>
+            <a:r>
+              <a:rPr lang="it-IT" sz="2000" dirty="0" smtClean="0"/>
+              <a:t>.</a:t>
+            </a:r>
+          </a:p>
+          <a:p>
+            <a:endParaRPr lang="it-IT" sz="2000" dirty="0" smtClean="0"/>
+          </a:p>
+          <a:p>
+            <a:r>
+              <a:rPr lang="it-IT" sz="2000" dirty="0" smtClean="0"/>
+              <a:t>Le </a:t>
+            </a:r>
+            <a:r>
+              <a:rPr lang="it-IT" sz="2000" dirty="0"/>
+              <a:t>richieste di pull </a:t>
+            </a:r>
+            <a:r>
+              <a:rPr lang="it-IT" sz="2000" dirty="0" smtClean="0"/>
+              <a:t>mostrano le differenze</a:t>
+            </a:r>
+            <a:r>
+              <a:rPr lang="it-IT" sz="2000" dirty="0"/>
+              <a:t> </a:t>
+            </a:r>
+            <a:r>
+              <a:rPr lang="it-IT" sz="2000" dirty="0" smtClean="0"/>
+              <a:t> </a:t>
+            </a:r>
+            <a:r>
+              <a:rPr lang="it-IT" sz="2000" dirty="0"/>
+              <a:t>tra i contenuti di entrambi i rami. </a:t>
+            </a:r>
+            <a:endParaRPr lang="it-IT" sz="2000" dirty="0" smtClean="0"/>
+          </a:p>
+          <a:p>
+            <a:endParaRPr lang="it-IT" sz="2000" dirty="0" smtClean="0"/>
+          </a:p>
+          <a:p>
+            <a:r>
+              <a:rPr lang="it-IT" sz="2000" dirty="0" smtClean="0"/>
+              <a:t>Le </a:t>
+            </a:r>
+            <a:r>
+              <a:rPr lang="it-IT" sz="2000" dirty="0"/>
+              <a:t>modifiche, le aggiunte e le sottrazioni sono mostrate in verde e rosso. </a:t>
+            </a:r>
             <a:endParaRPr lang="it-IT" sz="2000" dirty="0" smtClean="0"/>
           </a:p>
           <a:p>
@@ -6348,16 +6375,38 @@
             <p:ph type="title"/>
           </p:nvPr>
         </p:nvSpPr>
-        <p:spPr/>
-        <p:txBody>
-          <a:bodyPr/>
-          <a:lstStyle/>
-          <a:p>
+        <p:spPr>
+          <a:xfrm>
+            <a:off x="0" y="274638"/>
+            <a:ext cx="9144000" cy="1138138"/>
+          </a:xfrm>
+        </p:spPr>
+        <p:txBody>
+          <a:bodyPr>
+            <a:normAutofit fontScale="90000"/>
+          </a:bodyPr>
+          <a:lstStyle/>
+          <a:p>
+            <a:r>
+              <a:rPr lang="it-IT" b="1" dirty="0"/>
+              <a:t>Come </a:t>
+            </a:r>
             <a:r>
               <a:rPr lang="it-IT" b="1" dirty="0" smtClean="0"/>
-              <a:t>Glossario</a:t>
-            </a:r>
-            <a:endParaRPr lang="it-IT" b="1" dirty="0"/>
+              <a:t>creare una Pull </a:t>
+            </a:r>
+            <a:r>
+              <a:rPr lang="it-IT" b="1" dirty="0" err="1" smtClean="0"/>
+              <a:t>Request</a:t>
+            </a:r>
+            <a:r>
+              <a:rPr lang="it-IT" b="1" dirty="0" smtClean="0"/>
+              <a:t> dal </a:t>
+            </a:r>
+            <a:r>
+              <a:rPr lang="it-IT" b="1" dirty="0"/>
+              <a:t>Browser</a:t>
+            </a:r>
           </a:p>
         </p:txBody>
       </p:sp>
@@ -6379,115 +6428,118 @@
           <a:lstStyle/>
           <a:p>
             <a:r>
-              <a:rPr lang="it-IT" sz="1800" b="1" dirty="0" err="1" smtClean="0"/>
-              <a:t>Kernel</a:t>
-            </a:r>
-            <a:r>
-              <a:rPr lang="it-IT" sz="1800" b="1" dirty="0" smtClean="0"/>
-              <a:t> : </a:t>
-            </a:r>
-            <a:r>
-              <a:rPr lang="it-IT" sz="1800" dirty="0" smtClean="0"/>
-              <a:t>in </a:t>
-            </a:r>
-            <a:r>
-              <a:rPr lang="it-IT" sz="1800" dirty="0"/>
-              <a:t>informatica, il nucleo di un sistema operativo, che gestisce le funzioni di controllo fondamentali del computer</a:t>
-            </a:r>
-            <a:r>
-              <a:rPr lang="it-IT" sz="1800" dirty="0" smtClean="0"/>
+              <a:rPr lang="it-IT" sz="2000" dirty="0"/>
+              <a:t>Non appena esegui un </a:t>
+            </a:r>
+            <a:r>
+              <a:rPr lang="it-IT" sz="2000" dirty="0" err="1"/>
+              <a:t>commit</a:t>
+            </a:r>
+            <a:r>
+              <a:rPr lang="it-IT" sz="2000" dirty="0"/>
+              <a:t>, puoi aprire una pull </a:t>
+            </a:r>
+            <a:r>
+              <a:rPr lang="it-IT" sz="2000" dirty="0" err="1"/>
+              <a:t>request</a:t>
+            </a:r>
+            <a:r>
+              <a:rPr lang="it-IT" sz="2000" dirty="0"/>
+              <a:t> e avviare una discussione, anche prima che il codice sia finito</a:t>
+            </a:r>
+            <a:r>
+              <a:rPr lang="it-IT" sz="2000" dirty="0" smtClean="0"/>
               <a:t>.</a:t>
             </a:r>
           </a:p>
           <a:p>
-            <a:r>
-              <a:rPr lang="it-IT" sz="1800" b="1" dirty="0"/>
-              <a:t>C</a:t>
-            </a:r>
-            <a:r>
-              <a:rPr lang="it-IT" sz="1800" b="1" dirty="0" smtClean="0"/>
-              <a:t>ontrollo versione distribuito  (o DVCS da Distributed Version Control System) : </a:t>
-            </a:r>
-            <a:r>
-              <a:rPr lang="it-IT" sz="1800" dirty="0" smtClean="0"/>
-              <a:t>permette di tenere traccia delle modifiche e delle versioni apportate al codice sorgente del software, senza la necessità di dover utilizzare un server centrale.</a:t>
-            </a:r>
-          </a:p>
-          <a:p>
-            <a:r>
-              <a:rPr lang="it-IT" sz="1800" b="1" dirty="0" err="1" smtClean="0"/>
-              <a:t>Concurrent</a:t>
-            </a:r>
-            <a:r>
-              <a:rPr lang="it-IT" sz="1800" b="1" dirty="0" smtClean="0"/>
-              <a:t> </a:t>
-            </a:r>
-            <a:r>
-              <a:rPr lang="it-IT" sz="1800" b="1" dirty="0" err="1" smtClean="0"/>
-              <a:t>Versions</a:t>
-            </a:r>
-            <a:r>
-              <a:rPr lang="it-IT" sz="1800" b="1" dirty="0" smtClean="0"/>
-              <a:t> System (CVS)</a:t>
-            </a:r>
-            <a:r>
-              <a:rPr lang="it-IT" sz="1800" dirty="0"/>
-              <a:t> </a:t>
-            </a:r>
-            <a:r>
-              <a:rPr lang="it-IT" sz="1800" dirty="0" smtClean="0"/>
-              <a:t> :  è un sistema software che implementa un sistema di controllo versione</a:t>
-            </a:r>
-            <a:r>
-              <a:rPr lang="it-IT" sz="1800" dirty="0" smtClean="0"/>
+            <a:endParaRPr lang="it-IT" sz="2000" dirty="0" smtClean="0"/>
+          </a:p>
+          <a:p>
+            <a:r>
+              <a:rPr lang="it-IT" sz="2000" dirty="0" smtClean="0"/>
+              <a:t>Usando </a:t>
+            </a:r>
+            <a:r>
+              <a:rPr lang="it-IT" sz="2000" dirty="0"/>
+              <a:t>il sistema @</a:t>
+            </a:r>
+            <a:r>
+              <a:rPr lang="it-IT" sz="2000" dirty="0" err="1"/>
+              <a:t>mention</a:t>
+            </a:r>
+            <a:r>
+              <a:rPr lang="it-IT" sz="2000" dirty="0"/>
+              <a:t> di </a:t>
+            </a:r>
+            <a:r>
+              <a:rPr lang="it-IT" sz="2000" dirty="0" err="1"/>
+              <a:t>GitHub</a:t>
+            </a:r>
+            <a:r>
+              <a:rPr lang="it-IT" sz="2000" dirty="0"/>
+              <a:t> nel tuo messaggio di richiesta di pull, puoi chiedere feedback a persone o team specifici</a:t>
+            </a:r>
+            <a:r>
+              <a:rPr lang="it-IT" sz="2000" dirty="0" smtClean="0"/>
               <a:t>.</a:t>
             </a:r>
           </a:p>
           <a:p>
-            <a:r>
-              <a:rPr lang="it-IT" sz="1800" b="1" dirty="0" smtClean="0"/>
-              <a:t>Ordine </a:t>
-            </a:r>
-            <a:r>
-              <a:rPr lang="it-IT" sz="1800" b="1" dirty="0"/>
-              <a:t>di </a:t>
-            </a:r>
-            <a:r>
-              <a:rPr lang="it-IT" sz="1800" b="1" dirty="0" smtClean="0"/>
-              <a:t>grandezza </a:t>
-            </a:r>
-            <a:r>
-              <a:rPr lang="it-IT" sz="1800" dirty="0" smtClean="0"/>
-              <a:t>:</a:t>
-            </a:r>
-            <a:r>
-              <a:rPr lang="it-IT" sz="1800" b="1" dirty="0" smtClean="0"/>
-              <a:t> </a:t>
-            </a:r>
-            <a:r>
-              <a:rPr lang="it-IT" sz="1800" dirty="0" smtClean="0"/>
-              <a:t>è </a:t>
-            </a:r>
-            <a:r>
-              <a:rPr lang="it-IT" sz="1800" dirty="0"/>
-              <a:t>la classe di scala o grandezza di una quantità, dove ogni classe contiene valori aventi un rapporto fisso rispetto a quelli della classe precedente. I rapporti usati più frequentemente sono 1000, 10, 2, 1024 o </a:t>
-            </a:r>
-            <a:r>
-              <a:rPr lang="it-IT" sz="1800" i="1" dirty="0" smtClean="0"/>
-              <a:t>e</a:t>
-            </a:r>
-            <a:r>
-              <a:rPr lang="it-IT" sz="1800" dirty="0" smtClean="0"/>
-              <a:t>;</a:t>
-            </a:r>
-            <a:endParaRPr lang="it-IT" sz="1800" dirty="0"/>
+            <a:endParaRPr lang="it-IT" sz="2000" dirty="0"/>
+          </a:p>
+          <a:p>
+            <a:r>
+              <a:rPr lang="it-IT" sz="2000" dirty="0"/>
+              <a:t>Puoi persino aprire le richieste di pull nel tuo </a:t>
+            </a:r>
+            <a:r>
+              <a:rPr lang="it-IT" sz="2000" dirty="0" err="1"/>
+              <a:t>repository</a:t>
+            </a:r>
+            <a:r>
+              <a:rPr lang="it-IT" sz="2000" dirty="0"/>
+              <a:t> e unirle tu stesso. </a:t>
+            </a:r>
+            <a:endParaRPr lang="it-IT" sz="2000" dirty="0" smtClean="0"/>
+          </a:p>
+          <a:p>
+            <a:endParaRPr lang="it-IT" sz="2000" dirty="0"/>
+          </a:p>
+          <a:p>
+            <a:r>
+              <a:rPr lang="it-IT" sz="2000" dirty="0" smtClean="0"/>
+              <a:t>È </a:t>
+            </a:r>
+            <a:r>
+              <a:rPr lang="it-IT" sz="2000" dirty="0"/>
+              <a:t>un ottimo modo per imparare </a:t>
+            </a:r>
+            <a:r>
+              <a:rPr lang="it-IT" sz="2000" dirty="0" err="1"/>
+              <a:t>GitHub</a:t>
+            </a:r>
+            <a:r>
+              <a:rPr lang="it-IT" sz="2000" dirty="0"/>
+              <a:t> Flow prima di lavorare su progetti più grandi.</a:t>
+            </a:r>
+            <a:br>
+              <a:rPr lang="it-IT" sz="2000" dirty="0"/>
+            </a:br>
+            <a:endParaRPr lang="it-IT" sz="2000" dirty="0"/>
+          </a:p>
+          <a:p>
+            <a:pPr marL="0" indent="0">
+              <a:buNone/>
+            </a:pPr>
+            <a:endParaRPr lang="it-IT" sz="2000" dirty="0" smtClean="0"/>
           </a:p>
         </p:txBody>
       </p:sp>
     </p:spTree>
     <p:extLst>
       <p:ext uri="{BB962C8B-B14F-4D97-AF65-F5344CB8AC3E}">
-        <p14:creationId xmlns:p14="http://schemas.microsoft.com/office/powerpoint/2010/main" val="956342820"/>
+        <p14:creationId xmlns:p14="http://schemas.microsoft.com/office/powerpoint/2010/main" val="2346234974"/>
       </p:ext>
     </p:extLst>
   </p:cSld>
@@ -6504,7 +6556,7 @@
 </p:sld>
 </file>
 
-<file path=ppt/slides/slide3.xml><?xml version="1.0" encoding="utf-8"?>
+<file path=ppt/slides/slide25.xml><?xml version="1.0" encoding="utf-8"?>
 <p:sld xmlns:a="http://schemas.openxmlformats.org/drawingml/2006/main" xmlns:r="http://schemas.openxmlformats.org/officeDocument/2006/relationships" xmlns:p="http://schemas.openxmlformats.org/presentationml/2006/main">
   <p:cSld>
     <p:spTree>
@@ -6531,24 +6583,38 @@
             <p:ph type="title"/>
           </p:nvPr>
         </p:nvSpPr>
-        <p:spPr/>
-        <p:txBody>
-          <a:bodyPr/>
-          <a:lstStyle/>
-          <a:p>
+        <p:spPr>
+          <a:xfrm>
+            <a:off x="0" y="274638"/>
+            <a:ext cx="9144000" cy="1138138"/>
+          </a:xfrm>
+        </p:spPr>
+        <p:txBody>
+          <a:bodyPr>
+            <a:normAutofit fontScale="90000"/>
+          </a:bodyPr>
+          <a:lstStyle/>
+          <a:p>
+            <a:r>
+              <a:rPr lang="it-IT" b="1" dirty="0"/>
+              <a:t>Come </a:t>
+            </a:r>
             <a:r>
               <a:rPr lang="it-IT" b="1" dirty="0" smtClean="0"/>
-              <a:t>Da dove nasce </a:t>
+              <a:t>creare una Pull </a:t>
             </a:r>
             <a:r>
               <a:rPr lang="it-IT" b="1" dirty="0" err="1" smtClean="0"/>
-              <a:t>GitHub</a:t>
+              <a:t>Request</a:t>
             </a:r>
             <a:r>
               <a:rPr lang="it-IT" b="1" dirty="0" smtClean="0"/>
-              <a:t>…</a:t>
-            </a:r>
-            <a:endParaRPr lang="it-IT" b="1" dirty="0"/>
+              <a:t> dal </a:t>
+            </a:r>
+            <a:r>
+              <a:rPr lang="it-IT" b="1" dirty="0"/>
+              <a:t>Browser</a:t>
+            </a:r>
           </a:p>
         </p:txBody>
       </p:sp>
@@ -6562,180 +6628,299 @@
             <p:ph idx="1"/>
           </p:nvPr>
         </p:nvSpPr>
-        <p:spPr/>
+        <p:spPr>
+          <a:xfrm>
+            <a:off x="179512" y="1412776"/>
+            <a:ext cx="8784976" cy="5400600"/>
+          </a:xfrm>
+        </p:spPr>
         <p:txBody>
           <a:bodyPr>
-            <a:normAutofit/>
+            <a:normAutofit fontScale="25000" lnSpcReduction="20000"/>
           </a:bodyPr>
           <a:lstStyle/>
           <a:p>
-            <a:pPr marL="0" indent="0" algn="just">
-              <a:buNone/>
+            <a:pPr marL="457200" indent="-457200">
+              <a:buFont typeface="+mj-lt"/>
+              <a:buAutoNum type="arabicPeriod"/>
             </a:pPr>
-            <a:r>
-              <a:rPr lang="it-IT" b="1" dirty="0" smtClean="0"/>
-              <a:t>Caratteristiche di </a:t>
-            </a:r>
-            <a:r>
-              <a:rPr lang="it-IT" b="1" dirty="0" err="1" smtClean="0"/>
-              <a:t>Git</a:t>
-            </a:r>
-            <a:r>
-              <a:rPr lang="it-IT" b="1" dirty="0" smtClean="0"/>
-              <a:t> :</a:t>
-            </a:r>
-            <a:endParaRPr lang="it-IT" b="1" dirty="0"/>
-          </a:p>
-          <a:p>
-            <a:pPr algn="just"/>
-            <a:r>
-              <a:rPr lang="it-IT" sz="2000" i="1" u="sng" dirty="0" smtClean="0"/>
-              <a:t>Forte supporto allo sviluppo non lineare</a:t>
-            </a:r>
-            <a:r>
-              <a:rPr lang="it-IT" sz="2200" i="1" dirty="0" smtClean="0"/>
+            <a:endParaRPr lang="it-IT" sz="2000" dirty="0" smtClean="0"/>
+          </a:p>
+          <a:p>
+            <a:pPr marL="457200" indent="-457200">
+              <a:buFont typeface="+mj-lt"/>
+              <a:buAutoNum type="arabicPeriod"/>
+            </a:pPr>
+            <a:endParaRPr lang="it-IT" sz="2000" dirty="0"/>
+          </a:p>
+          <a:p>
+            <a:pPr marL="457200" indent="-457200">
+              <a:buFont typeface="+mj-lt"/>
+              <a:buAutoNum type="arabicPeriod"/>
+            </a:pPr>
+            <a:endParaRPr lang="it-IT" sz="2000" dirty="0" smtClean="0"/>
+          </a:p>
+          <a:p>
+            <a:pPr marL="457200" indent="-457200">
+              <a:buFont typeface="+mj-lt"/>
+              <a:buAutoNum type="arabicPeriod"/>
+            </a:pPr>
+            <a:r>
+              <a:rPr lang="it-IT" sz="7200" dirty="0" smtClean="0"/>
+              <a:t>Fare </a:t>
+            </a:r>
+            <a:r>
+              <a:rPr lang="it-IT" sz="7200" dirty="0"/>
+              <a:t>clic sulla scheda </a:t>
+            </a:r>
+            <a:r>
+              <a:rPr lang="it-IT" sz="7200" dirty="0" smtClean="0"/>
+              <a:t>Pull </a:t>
+            </a:r>
+            <a:r>
+              <a:rPr lang="it-IT" sz="7200" dirty="0" err="1" smtClean="0"/>
+              <a:t>Requested</a:t>
+            </a:r>
+            <a:r>
+              <a:rPr lang="it-IT" sz="7200" dirty="0" smtClean="0"/>
+              <a:t>, </a:t>
+            </a:r>
+            <a:r>
+              <a:rPr lang="it-IT" sz="7200" dirty="0"/>
+              <a:t>quindi dalla pagina Richiesta di pull, fare clic sul pulsante verde Nuova richiesta di pull</a:t>
+            </a:r>
+            <a:r>
+              <a:rPr lang="it-IT" sz="7200" dirty="0" smtClean="0"/>
+              <a:t>.</a:t>
+            </a:r>
+          </a:p>
+          <a:p>
+            <a:pPr marL="457200" indent="-457200">
+              <a:buFont typeface="+mj-lt"/>
+              <a:buAutoNum type="arabicPeriod"/>
+            </a:pPr>
+            <a:endParaRPr lang="it-IT" sz="7200" dirty="0" smtClean="0"/>
+          </a:p>
+          <a:p>
+            <a:pPr marL="457200" indent="-457200">
+              <a:buFont typeface="+mj-lt"/>
+              <a:buAutoNum type="arabicPeriod"/>
+            </a:pPr>
+            <a:r>
+              <a:rPr lang="it-IT" sz="7200" dirty="0"/>
+              <a:t>Nella casella </a:t>
+            </a:r>
+            <a:r>
+              <a:rPr lang="it-IT" sz="7200" dirty="0" err="1"/>
+              <a:t>Comparing</a:t>
+            </a:r>
+            <a:r>
+              <a:rPr lang="it-IT" sz="7200" dirty="0"/>
               <a:t> </a:t>
             </a:r>
             <a:r>
-              <a:rPr lang="it-IT" sz="2000" dirty="0"/>
-              <a:t>:</a:t>
-            </a:r>
-            <a:r>
-              <a:rPr lang="it-IT" sz="2000" dirty="0" smtClean="0"/>
-              <a:t> </a:t>
-            </a:r>
-            <a:r>
-              <a:rPr lang="it-IT" sz="2000" dirty="0" err="1" smtClean="0"/>
-              <a:t>Git</a:t>
-            </a:r>
-            <a:r>
-              <a:rPr lang="it-IT" sz="2000" dirty="0" smtClean="0"/>
-              <a:t> supporta diramazione e fusione (branching and </a:t>
-            </a:r>
-            <a:r>
-              <a:rPr lang="it-IT" sz="2000" dirty="0" err="1" smtClean="0"/>
-              <a:t>merging</a:t>
-            </a:r>
-            <a:r>
-              <a:rPr lang="it-IT" sz="2000" dirty="0" smtClean="0"/>
-              <a:t>) rapide e comode, e comprende strumenti specifici per visualizzare e navigare una cronologia di sviluppo non lineare.</a:t>
-            </a:r>
-          </a:p>
-          <a:p>
-            <a:pPr algn="just"/>
-            <a:r>
-              <a:rPr lang="it-IT" sz="2000" i="1" u="sng" dirty="0"/>
-              <a:t>Sviluppo </a:t>
-            </a:r>
-            <a:r>
-              <a:rPr lang="it-IT" sz="2000" i="1" u="sng" dirty="0" smtClean="0"/>
-              <a:t>distribuito</a:t>
-            </a:r>
-            <a:r>
-              <a:rPr lang="it-IT" sz="2000" dirty="0" smtClean="0"/>
-              <a:t> : </a:t>
-            </a:r>
-            <a:r>
-              <a:rPr lang="it-IT" sz="2000" dirty="0" err="1" smtClean="0"/>
-              <a:t>Git</a:t>
-            </a:r>
-            <a:r>
-              <a:rPr lang="it-IT" sz="2000" dirty="0" smtClean="0"/>
-              <a:t> dà a ogni sviluppatore una copia locale dell'intera cronologia di sviluppo e le modifiche vengono copiate da un tale </a:t>
-            </a:r>
-            <a:r>
-              <a:rPr lang="it-IT" sz="2000" dirty="0" err="1" smtClean="0"/>
-              <a:t>repository</a:t>
-            </a:r>
-            <a:r>
-              <a:rPr lang="it-IT" sz="2000" dirty="0" smtClean="0"/>
-              <a:t> a un altro. Queste modifiche vengono importate come diramazioni aggiuntive di sviluppo, e possono essere fuse allo stesso modo di una diramazione sviluppata localmente.</a:t>
-            </a:r>
-          </a:p>
-          <a:p>
-            <a:pPr algn="just"/>
-            <a:r>
-              <a:rPr lang="it-IT" sz="2000" i="1" u="sng" dirty="0" smtClean="0"/>
-              <a:t>I </a:t>
-            </a:r>
-            <a:r>
-              <a:rPr lang="it-IT" sz="2000" i="1" u="sng" dirty="0" err="1" smtClean="0"/>
-              <a:t>repository</a:t>
-            </a:r>
-            <a:r>
-              <a:rPr lang="it-IT" sz="2000" i="1" u="sng" dirty="0" smtClean="0"/>
-              <a:t> possono essere pubblicati facilmente</a:t>
-            </a:r>
-            <a:r>
-              <a:rPr lang="it-IT" sz="2000" dirty="0" smtClean="0"/>
-              <a:t> : tramite HTTP, FTP, </a:t>
-            </a:r>
-            <a:r>
-              <a:rPr lang="it-IT" sz="2000" dirty="0" err="1" smtClean="0"/>
-              <a:t>ssh</a:t>
-            </a:r>
-            <a:r>
-              <a:rPr lang="it-IT" sz="2000" dirty="0" smtClean="0"/>
+              <a:rPr lang="it-IT" sz="7200" dirty="0" err="1"/>
+              <a:t>changes</a:t>
+            </a:r>
+            <a:r>
+              <a:rPr lang="it-IT" sz="7200" dirty="0"/>
+              <a:t>, seleziona il ramo che hai creato, </a:t>
+            </a:r>
+            <a:r>
+              <a:rPr lang="it-IT" sz="7200" dirty="0" smtClean="0"/>
+              <a:t>‘‘Modifica’’, e confrontalo </a:t>
+            </a:r>
+            <a:r>
+              <a:rPr lang="it-IT" sz="7200" dirty="0"/>
+              <a:t>con il master (l'originale</a:t>
+            </a:r>
+            <a:r>
+              <a:rPr lang="it-IT" sz="7200" dirty="0" smtClean="0"/>
+              <a:t>).</a:t>
+            </a:r>
+          </a:p>
+          <a:p>
+            <a:pPr marL="457200" indent="-457200">
+              <a:buFont typeface="+mj-lt"/>
+              <a:buAutoNum type="arabicPeriod"/>
+            </a:pPr>
+            <a:endParaRPr lang="it-IT" sz="7200" dirty="0" smtClean="0"/>
+          </a:p>
+          <a:p>
+            <a:pPr marL="457200" indent="-457200">
+              <a:buFont typeface="+mj-lt"/>
+              <a:buAutoNum type="arabicPeriod"/>
+            </a:pPr>
+            <a:r>
+              <a:rPr lang="it-IT" sz="7200" dirty="0"/>
+              <a:t>Controlla le </a:t>
+            </a:r>
+            <a:r>
+              <a:rPr lang="it-IT" sz="7200" dirty="0" smtClean="0"/>
+              <a:t>modifiche al fondo della </a:t>
+            </a:r>
+            <a:r>
+              <a:rPr lang="it-IT" sz="7200" dirty="0"/>
+              <a:t>pagina </a:t>
+            </a:r>
+            <a:r>
+              <a:rPr lang="it-IT" sz="7200" dirty="0" smtClean="0"/>
               <a:t>, </a:t>
             </a:r>
             <a:r>
-              <a:rPr lang="it-IT" sz="2000" dirty="0" err="1" smtClean="0"/>
-              <a:t>rsync</a:t>
-            </a:r>
-            <a:r>
-              <a:rPr lang="it-IT" sz="2000" dirty="0" smtClean="0"/>
-              <a:t>. </a:t>
-            </a:r>
-            <a:r>
-              <a:rPr lang="it-IT" sz="2000" dirty="0" err="1" smtClean="0"/>
-              <a:t>Git</a:t>
-            </a:r>
-            <a:r>
-              <a:rPr lang="it-IT" sz="2000" dirty="0" smtClean="0"/>
-              <a:t> ha anche un'emulazione del server CVS, che consente di usare gli esistenti client CVS e </a:t>
-            </a:r>
-            <a:r>
-              <a:rPr lang="it-IT" sz="2000" dirty="0" err="1" smtClean="0"/>
-              <a:t>plugin</a:t>
-            </a:r>
-            <a:r>
-              <a:rPr lang="it-IT" sz="2000" dirty="0" smtClean="0"/>
-              <a:t> per IDE per accedere ai </a:t>
-            </a:r>
-            <a:r>
-              <a:rPr lang="it-IT" sz="2000" dirty="0" err="1" smtClean="0"/>
-              <a:t>repository</a:t>
-            </a:r>
-            <a:r>
-              <a:rPr lang="it-IT" sz="2000" dirty="0" smtClean="0"/>
-              <a:t> </a:t>
-            </a:r>
-            <a:r>
-              <a:rPr lang="it-IT" sz="2000" dirty="0" err="1" smtClean="0"/>
-              <a:t>Git</a:t>
-            </a:r>
-            <a:r>
-              <a:rPr lang="it-IT" sz="2000" dirty="0" smtClean="0"/>
+              <a:rPr lang="it-IT" sz="7200" dirty="0"/>
+              <a:t>assicurati che siano ciò che vuoi inviare</a:t>
+            </a:r>
+            <a:r>
+              <a:rPr lang="it-IT" sz="7200" dirty="0" smtClean="0"/>
               <a:t>.</a:t>
             </a:r>
-            <a:endParaRPr lang="it-IT" sz="2000" i="1" u="sng" dirty="0" smtClean="0"/>
+          </a:p>
+          <a:p>
+            <a:pPr marL="457200" indent="-457200">
+              <a:buFont typeface="+mj-lt"/>
+              <a:buAutoNum type="arabicPeriod"/>
+            </a:pPr>
+            <a:endParaRPr lang="it-IT" sz="7200" dirty="0" smtClean="0"/>
+          </a:p>
+          <a:p>
+            <a:pPr marL="457200" indent="-457200">
+              <a:buFont typeface="+mj-lt"/>
+              <a:buAutoNum type="arabicPeriod"/>
+            </a:pPr>
+            <a:r>
+              <a:rPr lang="it-IT" sz="7200" dirty="0" smtClean="0"/>
+              <a:t>Quando </a:t>
+            </a:r>
+            <a:r>
+              <a:rPr lang="it-IT" sz="7200" dirty="0"/>
+              <a:t>sei soddisfatto del fatto che queste sono le modifiche che desideri inviare, fai clic sul pulsante verde Crea </a:t>
+            </a:r>
+            <a:r>
+              <a:rPr lang="it-IT" sz="7200" dirty="0" smtClean="0"/>
+              <a:t>Pull </a:t>
+            </a:r>
+            <a:r>
+              <a:rPr lang="it-IT" sz="7200" dirty="0" err="1" smtClean="0"/>
+              <a:t>Request</a:t>
+            </a:r>
+            <a:r>
+              <a:rPr lang="it-IT" sz="7200" dirty="0" smtClean="0"/>
+              <a:t>.</a:t>
+            </a:r>
+          </a:p>
+          <a:p>
+            <a:pPr marL="457200" indent="-457200">
+              <a:buFont typeface="+mj-lt"/>
+              <a:buAutoNum type="arabicPeriod"/>
+            </a:pPr>
+            <a:endParaRPr lang="it-IT" sz="7200" dirty="0"/>
+          </a:p>
+          <a:p>
+            <a:pPr marL="457200" indent="-457200">
+              <a:buFont typeface="+mj-lt"/>
+              <a:buAutoNum type="arabicPeriod"/>
+            </a:pPr>
+            <a:r>
+              <a:rPr lang="it-IT" sz="7200" dirty="0"/>
+              <a:t>Dai alla tua </a:t>
+            </a:r>
+            <a:r>
+              <a:rPr lang="it-IT" sz="7200" dirty="0" err="1" smtClean="0"/>
+              <a:t>Request</a:t>
+            </a:r>
+            <a:r>
+              <a:rPr lang="it-IT" sz="7200" dirty="0" smtClean="0"/>
+              <a:t> Pull </a:t>
+            </a:r>
+            <a:r>
+              <a:rPr lang="it-IT" sz="7200" dirty="0"/>
+              <a:t>un titolo e scrivi una breve descrizione delle tue </a:t>
+            </a:r>
+            <a:r>
+              <a:rPr lang="it-IT" sz="7200" dirty="0" smtClean="0"/>
+              <a:t>modifiche</a:t>
+            </a:r>
+          </a:p>
+          <a:p>
+            <a:pPr marL="457200" indent="-457200">
+              <a:buFont typeface="+mj-lt"/>
+              <a:buAutoNum type="arabicPeriod"/>
+            </a:pPr>
+            <a:endParaRPr lang="it-IT" sz="7200" dirty="0"/>
+          </a:p>
+          <a:p>
+            <a:pPr marL="457200" indent="-457200">
+              <a:buFont typeface="+mj-lt"/>
+              <a:buAutoNum type="arabicPeriod"/>
+            </a:pPr>
+            <a:r>
+              <a:rPr lang="it-IT" sz="7200" dirty="0"/>
+              <a:t>Quando hai finito con il tuo messaggio, fai clic su Crea richiesta </a:t>
+            </a:r>
+            <a:r>
+              <a:rPr lang="it-IT" sz="7200" dirty="0" smtClean="0"/>
+              <a:t>pull.</a:t>
+            </a:r>
+            <a:endParaRPr lang="it-IT" sz="7200" dirty="0"/>
+          </a:p>
+          <a:p>
+            <a:pPr marL="457200" indent="-457200">
+              <a:buFont typeface="+mj-lt"/>
+              <a:buAutoNum type="arabicPeriod"/>
+            </a:pPr>
+            <a:endParaRPr lang="it-IT" sz="2000" dirty="0" smtClean="0"/>
+          </a:p>
+          <a:p>
+            <a:pPr marL="457200" indent="-457200">
+              <a:buFont typeface="+mj-lt"/>
+              <a:buAutoNum type="arabicPeriod"/>
+            </a:pPr>
+            <a:endParaRPr lang="it-IT" sz="2000" dirty="0" smtClean="0"/>
+          </a:p>
+          <a:p>
+            <a:pPr marL="0" indent="0">
+              <a:buNone/>
+            </a:pPr>
+            <a:r>
+              <a:rPr lang="it-IT" sz="2000" dirty="0"/>
+              <a:t/>
+            </a:r>
+            <a:br>
+              <a:rPr lang="it-IT" sz="2000" dirty="0"/>
+            </a:br>
+            <a:r>
+              <a:rPr lang="it-IT" sz="2000" dirty="0"/>
+              <a:t/>
+            </a:r>
+            <a:br>
+              <a:rPr lang="it-IT" sz="2000" dirty="0"/>
+            </a:br>
+            <a:endParaRPr lang="it-IT" sz="2000" dirty="0" smtClean="0"/>
           </a:p>
         </p:txBody>
       </p:sp>
     </p:spTree>
     <p:extLst>
       <p:ext uri="{BB962C8B-B14F-4D97-AF65-F5344CB8AC3E}">
-        <p14:creationId xmlns:p14="http://schemas.microsoft.com/office/powerpoint/2010/main" val="1459526379"/>
+        <p14:creationId xmlns:p14="http://schemas.microsoft.com/office/powerpoint/2010/main" val="1815114363"/>
       </p:ext>
     </p:extLst>
   </p:cSld>
   <p:clrMapOvr>
     <a:masterClrMapping/>
   </p:clrMapOvr>
+  <p:timing>
+    <p:tnLst>
+      <p:par>
+        <p:cTn id="1" dur="indefinite" restart="never" nodeType="tmRoot"/>
+      </p:par>
+    </p:tnLst>
+  </p:timing>
 </p:sld>
 </file>
 
-<file path=ppt/slides/slide4.xml><?xml version="1.0" encoding="utf-8"?>
+<file path=ppt/slides/slide26.xml><?xml version="1.0" encoding="utf-8"?>
 <p:sld xmlns:a="http://schemas.openxmlformats.org/drawingml/2006/main" xmlns:r="http://schemas.openxmlformats.org/officeDocument/2006/relationships" xmlns:p="http://schemas.openxmlformats.org/presentationml/2006/main">
   <p:cSld>
     <p:spTree>
@@ -6762,683 +6947,12 @@
             <p:ph type="title"/>
           </p:nvPr>
         </p:nvSpPr>
-        <p:spPr/>
-        <p:txBody>
-          <a:bodyPr/>
-          <a:lstStyle/>
-          <a:p>
-            <a:r>
-              <a:rPr lang="it-IT" b="1" dirty="0" smtClean="0"/>
-              <a:t>Da dove nasce </a:t>
-            </a:r>
-            <a:r>
-              <a:rPr lang="it-IT" b="1" dirty="0" err="1" smtClean="0"/>
-              <a:t>GitHub</a:t>
-            </a:r>
-            <a:r>
-              <a:rPr lang="it-IT" b="1" dirty="0" smtClean="0"/>
-              <a:t>…</a:t>
-            </a:r>
-            <a:endParaRPr lang="it-IT" b="1" dirty="0"/>
-          </a:p>
-        </p:txBody>
-      </p:sp>
-      <p:sp>
-        <p:nvSpPr>
-          <p:cNvPr id="3" name="Segnaposto contenuto 2"/>
-          <p:cNvSpPr>
-            <a:spLocks noGrp="1"/>
-          </p:cNvSpPr>
-          <p:nvPr>
-            <p:ph idx="1"/>
-          </p:nvPr>
-        </p:nvSpPr>
-        <p:spPr/>
-        <p:txBody>
-          <a:bodyPr>
-            <a:normAutofit/>
-          </a:bodyPr>
-          <a:lstStyle/>
-          <a:p>
-            <a:pPr marL="0" indent="0" algn="just">
-              <a:buNone/>
-            </a:pPr>
-            <a:r>
-              <a:rPr lang="it-IT" b="1" dirty="0" smtClean="0"/>
-              <a:t>Caratteristiche di </a:t>
-            </a:r>
-            <a:r>
-              <a:rPr lang="it-IT" b="1" dirty="0" err="1" smtClean="0"/>
-              <a:t>Git</a:t>
-            </a:r>
-            <a:r>
-              <a:rPr lang="it-IT" b="1" dirty="0" smtClean="0"/>
-              <a:t> :</a:t>
-            </a:r>
-          </a:p>
-          <a:p>
-            <a:pPr algn="just"/>
-            <a:r>
-              <a:rPr lang="it-IT" sz="2000" i="1" u="sng" dirty="0"/>
-              <a:t>Gestione efficiente di grandi </a:t>
-            </a:r>
-            <a:r>
-              <a:rPr lang="it-IT" sz="2000" i="1" u="sng" dirty="0" smtClean="0"/>
-              <a:t>progetti</a:t>
-            </a:r>
-            <a:r>
-              <a:rPr lang="it-IT" sz="2000" dirty="0"/>
-              <a:t> </a:t>
-            </a:r>
-            <a:r>
-              <a:rPr lang="it-IT" sz="2000" dirty="0" smtClean="0"/>
-              <a:t>: </a:t>
-            </a:r>
-            <a:r>
-              <a:rPr lang="it-IT" sz="2000" dirty="0" err="1"/>
-              <a:t>Git</a:t>
-            </a:r>
-            <a:r>
-              <a:rPr lang="it-IT" sz="2000" dirty="0"/>
-              <a:t> è molto veloce e scalabile. </a:t>
-            </a:r>
-            <a:r>
-              <a:rPr lang="it-IT" sz="2000" dirty="0"/>
-              <a:t>È tipicamente un ordine di grandezza più veloce degli altri sistemi di controllo versione, e due ordini di grandezza più veloce per alcune </a:t>
-            </a:r>
-            <a:r>
-              <a:rPr lang="it-IT" sz="2000" dirty="0" smtClean="0"/>
-              <a:t>operazioni.</a:t>
-            </a:r>
-          </a:p>
-          <a:p>
-            <a:pPr algn="just"/>
-            <a:r>
-              <a:rPr lang="it-IT" sz="2000" i="1" u="sng" dirty="0"/>
-              <a:t>Autenticazione crittografica della </a:t>
-            </a:r>
-            <a:r>
-              <a:rPr lang="it-IT" sz="2000" i="1" u="sng" dirty="0" smtClean="0"/>
-              <a:t>cronologia</a:t>
-            </a:r>
-            <a:r>
-              <a:rPr lang="it-IT" sz="2000" dirty="0"/>
-              <a:t> </a:t>
-            </a:r>
-            <a:r>
-              <a:rPr lang="it-IT" sz="2000" dirty="0" smtClean="0"/>
-              <a:t>: </a:t>
-            </a:r>
-            <a:r>
-              <a:rPr lang="it-IT" sz="2000" dirty="0"/>
-              <a:t>La cronologia di </a:t>
-            </a:r>
-            <a:r>
-              <a:rPr lang="it-IT" sz="2000" dirty="0" err="1"/>
-              <a:t>Git</a:t>
-            </a:r>
-            <a:r>
-              <a:rPr lang="it-IT" sz="2000" dirty="0"/>
-              <a:t> viene memorizzata in modo tale che il nome di una revisione particolare (secondo la terminologia </a:t>
-            </a:r>
-            <a:r>
-              <a:rPr lang="it-IT" sz="2000" dirty="0" err="1"/>
-              <a:t>Git</a:t>
-            </a:r>
-            <a:r>
-              <a:rPr lang="it-IT" sz="2000" dirty="0"/>
-              <a:t>, una "</a:t>
-            </a:r>
-            <a:r>
-              <a:rPr lang="it-IT" sz="2000" dirty="0" err="1"/>
-              <a:t>commit</a:t>
-            </a:r>
-            <a:r>
-              <a:rPr lang="it-IT" sz="2000" dirty="0"/>
-              <a:t>") dipende dalla completa cronologia di sviluppo che conduce a tale </a:t>
-            </a:r>
-            <a:r>
-              <a:rPr lang="it-IT" sz="2000" dirty="0" err="1"/>
-              <a:t>commit</a:t>
-            </a:r>
-            <a:r>
-              <a:rPr lang="it-IT" sz="2000" dirty="0"/>
-              <a:t>. Una volta che è stata pubblicata, non è più possibile cambiare le vecchie versioni senza che ciò venga notato. </a:t>
-            </a:r>
-            <a:endParaRPr lang="it-IT" sz="2000" dirty="0" smtClean="0"/>
-          </a:p>
-          <a:p>
-            <a:pPr marL="0" indent="0" algn="just">
-              <a:buNone/>
-            </a:pPr>
-            <a:endParaRPr lang="it-IT" sz="2000" dirty="0"/>
-          </a:p>
-          <a:p>
-            <a:pPr marL="0" indent="0" algn="just">
-              <a:buNone/>
-            </a:pPr>
-            <a:endParaRPr lang="it-IT" b="1" dirty="0"/>
-          </a:p>
-          <a:p>
-            <a:pPr algn="just"/>
-            <a:endParaRPr lang="it-IT" sz="2000" dirty="0" smtClean="0"/>
-          </a:p>
-        </p:txBody>
-      </p:sp>
-    </p:spTree>
-    <p:extLst>
-      <p:ext uri="{BB962C8B-B14F-4D97-AF65-F5344CB8AC3E}">
-        <p14:creationId xmlns:p14="http://schemas.microsoft.com/office/powerpoint/2010/main" val="1115010207"/>
-      </p:ext>
-    </p:extLst>
-  </p:cSld>
-  <p:clrMapOvr>
-    <a:masterClrMapping/>
-  </p:clrMapOvr>
-</p:sld>
-</file>
-
-<file path=ppt/slides/slide5.xml><?xml version="1.0" encoding="utf-8"?>
-<p:sld xmlns:a="http://schemas.openxmlformats.org/drawingml/2006/main" xmlns:r="http://schemas.openxmlformats.org/officeDocument/2006/relationships" xmlns:p="http://schemas.openxmlformats.org/presentationml/2006/main">
-  <p:cSld>
-    <p:spTree>
-      <p:nvGrpSpPr>
-        <p:cNvPr id="1" name=""/>
-        <p:cNvGrpSpPr/>
-        <p:nvPr/>
-      </p:nvGrpSpPr>
-      <p:grpSpPr>
-        <a:xfrm>
-          <a:off x="0" y="0"/>
-          <a:ext cx="0" cy="0"/>
-          <a:chOff x="0" y="0"/>
-          <a:chExt cx="0" cy="0"/>
-        </a:xfrm>
-      </p:grpSpPr>
-      <p:sp>
-        <p:nvSpPr>
-          <p:cNvPr id="2" name="Titolo 1"/>
-          <p:cNvSpPr>
-            <a:spLocks noGrp="1"/>
-          </p:cNvSpPr>
-          <p:nvPr>
-            <p:ph type="title"/>
-          </p:nvPr>
-        </p:nvSpPr>
         <p:spPr>
           <a:xfrm>
-            <a:off x="457200" y="269776"/>
-            <a:ext cx="8229600" cy="1143000"/>
+            <a:off x="0" y="274638"/>
+            <a:ext cx="9144000" cy="1138138"/>
           </a:xfrm>
         </p:spPr>
-        <p:txBody>
-          <a:bodyPr/>
-          <a:lstStyle/>
-          <a:p>
-            <a:r>
-              <a:rPr lang="it-IT" b="1" dirty="0" smtClean="0"/>
-              <a:t>Da dove nasce </a:t>
-            </a:r>
-            <a:r>
-              <a:rPr lang="it-IT" b="1" dirty="0" err="1" smtClean="0"/>
-              <a:t>GitHub</a:t>
-            </a:r>
-            <a:r>
-              <a:rPr lang="it-IT" b="1" dirty="0" smtClean="0"/>
-              <a:t>…</a:t>
-            </a:r>
-            <a:endParaRPr lang="it-IT" b="1" dirty="0"/>
-          </a:p>
-        </p:txBody>
-      </p:sp>
-      <p:sp>
-        <p:nvSpPr>
-          <p:cNvPr id="3" name="Segnaposto contenuto 2"/>
-          <p:cNvSpPr>
-            <a:spLocks noGrp="1"/>
-          </p:cNvSpPr>
-          <p:nvPr>
-            <p:ph idx="1"/>
-          </p:nvPr>
-        </p:nvSpPr>
-        <p:spPr>
-          <a:xfrm>
-            <a:off x="457200" y="1268760"/>
-            <a:ext cx="8229600" cy="5256584"/>
-          </a:xfrm>
-        </p:spPr>
-        <p:txBody>
-          <a:bodyPr>
-            <a:normAutofit/>
-          </a:bodyPr>
-          <a:lstStyle/>
-          <a:p>
-            <a:pPr marL="0" indent="0" algn="just">
-              <a:buNone/>
-            </a:pPr>
-            <a:r>
-              <a:rPr lang="it-IT" sz="2200" b="1" dirty="0" err="1" smtClean="0"/>
-              <a:t>GitHub</a:t>
-            </a:r>
-            <a:r>
-              <a:rPr lang="it-IT" sz="2200" b="1" dirty="0" smtClean="0"/>
-              <a:t> </a:t>
-            </a:r>
-            <a:r>
-              <a:rPr lang="it-IT" sz="2200" dirty="0" smtClean="0"/>
-              <a:t>(nato nel 2008) </a:t>
-            </a:r>
-            <a:r>
-              <a:rPr lang="it-IT" sz="2200" dirty="0"/>
-              <a:t>è un </a:t>
-            </a:r>
-            <a:r>
-              <a:rPr lang="it-IT" sz="2200" b="1" dirty="0"/>
-              <a:t>servizio di hosting</a:t>
-            </a:r>
-            <a:r>
-              <a:rPr lang="it-IT" sz="2200" dirty="0"/>
-              <a:t> per progetti software. </a:t>
-            </a:r>
-            <a:endParaRPr lang="it-IT" sz="2200" dirty="0" smtClean="0"/>
-          </a:p>
-          <a:p>
-            <a:pPr marL="0" indent="0" algn="just">
-              <a:buNone/>
-            </a:pPr>
-            <a:endParaRPr lang="it-IT" sz="2000" dirty="0" smtClean="0"/>
-          </a:p>
-          <a:p>
-            <a:pPr marL="0" indent="0" algn="just">
-              <a:buNone/>
-            </a:pPr>
-            <a:r>
-              <a:rPr lang="it-IT" sz="2000" dirty="0" smtClean="0"/>
-              <a:t>Il </a:t>
-            </a:r>
-            <a:r>
-              <a:rPr lang="it-IT" sz="2000" dirty="0"/>
-              <a:t>nome "</a:t>
-            </a:r>
-            <a:r>
-              <a:rPr lang="it-IT" sz="2000" dirty="0" err="1"/>
-              <a:t>GitHub</a:t>
-            </a:r>
-            <a:r>
-              <a:rPr lang="it-IT" sz="2000" dirty="0"/>
-              <a:t>" deriva dal fatto che </a:t>
-            </a:r>
-            <a:r>
-              <a:rPr lang="it-IT" sz="2000" dirty="0" err="1"/>
-              <a:t>GitHub</a:t>
-            </a:r>
-            <a:r>
-              <a:rPr lang="it-IT" sz="2000" dirty="0"/>
-              <a:t> è una </a:t>
-            </a:r>
-            <a:r>
-              <a:rPr lang="it-IT" sz="2000" b="1" dirty="0"/>
-              <a:t>implementazione</a:t>
-            </a:r>
-            <a:r>
-              <a:rPr lang="it-IT" sz="2000" dirty="0"/>
-              <a:t> dello strumento di controllo versione distribuito </a:t>
-            </a:r>
-            <a:r>
-              <a:rPr lang="it-IT" sz="2000" b="1" dirty="0" err="1"/>
-              <a:t>Git</a:t>
-            </a:r>
-            <a:r>
-              <a:rPr lang="it-IT" sz="2000" dirty="0"/>
-              <a:t>.</a:t>
-            </a:r>
-          </a:p>
-          <a:p>
-            <a:pPr marL="0" indent="0" algn="just">
-              <a:buNone/>
-            </a:pPr>
-            <a:endParaRPr lang="it-IT" sz="2000" dirty="0"/>
-          </a:p>
-          <a:p>
-            <a:pPr marL="0" indent="0" algn="just">
-              <a:buNone/>
-            </a:pPr>
-            <a:r>
-              <a:rPr lang="it-IT" sz="2000" dirty="0"/>
-              <a:t>Il sito è principalmente utilizzato dagli sviluppatori, che caricano il codice sorgente dei loro programmi e lo rendono scaricabile dagli utenti</a:t>
-            </a:r>
-            <a:r>
-              <a:rPr lang="it-IT" sz="2000" dirty="0" smtClean="0"/>
-              <a:t>.</a:t>
-            </a:r>
-          </a:p>
-          <a:p>
-            <a:pPr marL="0" indent="0" algn="just">
-              <a:buNone/>
-            </a:pPr>
-            <a:endParaRPr lang="it-IT" sz="2000" dirty="0" smtClean="0"/>
-          </a:p>
-          <a:p>
-            <a:pPr marL="0" indent="0" algn="just">
-              <a:buNone/>
-            </a:pPr>
-            <a:r>
-              <a:rPr lang="it-IT" sz="2000" dirty="0" smtClean="0"/>
-              <a:t>Questi </a:t>
-            </a:r>
-            <a:r>
-              <a:rPr lang="it-IT" sz="2000" dirty="0"/>
-              <a:t>ultimi possono interagire con lo sviluppatore tramite un sistema di </a:t>
-            </a:r>
-            <a:r>
-              <a:rPr lang="it-IT" sz="2000" dirty="0" err="1"/>
-              <a:t>issue</a:t>
-            </a:r>
-            <a:r>
-              <a:rPr lang="it-IT" sz="2000" dirty="0"/>
-              <a:t> </a:t>
-            </a:r>
-            <a:r>
-              <a:rPr lang="it-IT" sz="2000" dirty="0" err="1"/>
-              <a:t>tracking</a:t>
-            </a:r>
-            <a:r>
-              <a:rPr lang="it-IT" sz="2000" dirty="0"/>
-              <a:t>, pull </a:t>
-            </a:r>
-            <a:r>
-              <a:rPr lang="it-IT" sz="2000" dirty="0" err="1"/>
-              <a:t>request</a:t>
-            </a:r>
-            <a:r>
-              <a:rPr lang="it-IT" sz="2000" dirty="0"/>
-              <a:t> e commenti che permette di migliorare il codice della </a:t>
-            </a:r>
-            <a:r>
-              <a:rPr lang="it-IT" sz="2000" dirty="0" err="1"/>
-              <a:t>repository</a:t>
-            </a:r>
-            <a:r>
-              <a:rPr lang="it-IT" sz="2000" dirty="0"/>
-              <a:t> risolvendo bug o aggiungendo funzionalità. </a:t>
-            </a:r>
-            <a:endParaRPr lang="it-IT" sz="2000" dirty="0" smtClean="0"/>
-          </a:p>
-          <a:p>
-            <a:pPr marL="0" indent="0" algn="just">
-              <a:buNone/>
-            </a:pPr>
-            <a:endParaRPr lang="it-IT" sz="2000" dirty="0" smtClean="0"/>
-          </a:p>
-          <a:p>
-            <a:pPr marL="0" indent="0" algn="just">
-              <a:buNone/>
-            </a:pPr>
-            <a:r>
-              <a:rPr lang="it-IT" sz="2000" dirty="0" smtClean="0"/>
-              <a:t>Inoltre </a:t>
-            </a:r>
-            <a:r>
-              <a:rPr lang="it-IT" sz="2000" dirty="0" err="1"/>
-              <a:t>Github</a:t>
-            </a:r>
-            <a:r>
-              <a:rPr lang="it-IT" sz="2000" dirty="0"/>
-              <a:t> elabora dettagliate pagine che riassumono come gli sviluppatori lavorano sulle varie versioni dei </a:t>
-            </a:r>
-            <a:r>
-              <a:rPr lang="it-IT" sz="2000" dirty="0" err="1"/>
-              <a:t>repository</a:t>
-            </a:r>
-            <a:r>
-              <a:rPr lang="it-IT" sz="2000" dirty="0"/>
-              <a:t>.</a:t>
-            </a:r>
-            <a:endParaRPr lang="it-IT" sz="2000" dirty="0"/>
-          </a:p>
-          <a:p>
-            <a:pPr marL="0" indent="0" algn="just">
-              <a:buNone/>
-            </a:pPr>
-            <a:endParaRPr lang="it-IT" b="1" dirty="0"/>
-          </a:p>
-          <a:p>
-            <a:pPr algn="just"/>
-            <a:endParaRPr lang="it-IT" sz="2000" dirty="0" smtClean="0"/>
-          </a:p>
-        </p:txBody>
-      </p:sp>
-    </p:spTree>
-    <p:extLst>
-      <p:ext uri="{BB962C8B-B14F-4D97-AF65-F5344CB8AC3E}">
-        <p14:creationId xmlns:p14="http://schemas.microsoft.com/office/powerpoint/2010/main" val="2247968796"/>
-      </p:ext>
-    </p:extLst>
-  </p:cSld>
-  <p:clrMapOvr>
-    <a:masterClrMapping/>
-  </p:clrMapOvr>
-</p:sld>
-</file>
-
-<file path=ppt/slides/slide6.xml><?xml version="1.0" encoding="utf-8"?>
-<p:sld xmlns:a="http://schemas.openxmlformats.org/drawingml/2006/main" xmlns:r="http://schemas.openxmlformats.org/officeDocument/2006/relationships" xmlns:p="http://schemas.openxmlformats.org/presentationml/2006/main">
-  <p:cSld>
-    <p:spTree>
-      <p:nvGrpSpPr>
-        <p:cNvPr id="1" name=""/>
-        <p:cNvGrpSpPr/>
-        <p:nvPr/>
-      </p:nvGrpSpPr>
-      <p:grpSpPr>
-        <a:xfrm>
-          <a:off x="0" y="0"/>
-          <a:ext cx="0" cy="0"/>
-          <a:chOff x="0" y="0"/>
-          <a:chExt cx="0" cy="0"/>
-        </a:xfrm>
-      </p:grpSpPr>
-      <p:sp>
-        <p:nvSpPr>
-          <p:cNvPr id="2" name="Titolo 1"/>
-          <p:cNvSpPr>
-            <a:spLocks noGrp="1"/>
-          </p:cNvSpPr>
-          <p:nvPr>
-            <p:ph type="title"/>
-          </p:nvPr>
-        </p:nvSpPr>
-        <p:spPr/>
-        <p:txBody>
-          <a:bodyPr/>
-          <a:lstStyle/>
-          <a:p>
-            <a:r>
-              <a:rPr lang="it-IT" b="1" dirty="0" smtClean="0"/>
-              <a:t>Che cosa è una </a:t>
-            </a:r>
-            <a:r>
-              <a:rPr lang="it-IT" b="1" dirty="0" err="1" smtClean="0"/>
-              <a:t>Repository</a:t>
-            </a:r>
-            <a:endParaRPr lang="it-IT" b="1" dirty="0"/>
-          </a:p>
-        </p:txBody>
-      </p:sp>
-      <p:sp>
-        <p:nvSpPr>
-          <p:cNvPr id="3" name="Segnaposto contenuto 2"/>
-          <p:cNvSpPr>
-            <a:spLocks noGrp="1"/>
-          </p:cNvSpPr>
-          <p:nvPr>
-            <p:ph idx="1"/>
-          </p:nvPr>
-        </p:nvSpPr>
-        <p:spPr/>
-        <p:txBody>
-          <a:bodyPr>
-            <a:normAutofit lnSpcReduction="10000"/>
-          </a:bodyPr>
-          <a:lstStyle/>
-          <a:p>
-            <a:r>
-              <a:rPr lang="it-IT" sz="2000" dirty="0" smtClean="0"/>
-              <a:t>Una </a:t>
-            </a:r>
-            <a:r>
-              <a:rPr lang="it-IT" sz="2000" dirty="0" err="1"/>
-              <a:t>repository</a:t>
-            </a:r>
-            <a:r>
-              <a:rPr lang="it-IT" sz="2000" dirty="0"/>
-              <a:t> viene solitamente </a:t>
-            </a:r>
-            <a:r>
-              <a:rPr lang="it-IT" sz="2000" dirty="0" smtClean="0"/>
-              <a:t>utilizzata </a:t>
-            </a:r>
-            <a:r>
-              <a:rPr lang="it-IT" sz="2000" dirty="0"/>
-              <a:t>per organizzare un singolo progetto. </a:t>
-            </a:r>
-            <a:endParaRPr lang="it-IT" sz="2000" dirty="0" smtClean="0"/>
-          </a:p>
-          <a:p>
-            <a:endParaRPr lang="it-IT" sz="2000" dirty="0" smtClean="0"/>
-          </a:p>
-          <a:p>
-            <a:r>
-              <a:rPr lang="it-IT" sz="2000" dirty="0" smtClean="0"/>
-              <a:t>Le </a:t>
-            </a:r>
-            <a:r>
-              <a:rPr lang="it-IT" sz="2000" dirty="0" err="1"/>
-              <a:t>repository</a:t>
-            </a:r>
-            <a:r>
-              <a:rPr lang="it-IT" sz="2000" dirty="0"/>
-              <a:t> possono contenere cartelle e file, immagini, video, fogli di calcolo e set di dati: tutto ciò di cui ha bisogno il tuo progetto. </a:t>
-            </a:r>
-            <a:endParaRPr lang="it-IT" sz="2000" dirty="0" smtClean="0"/>
-          </a:p>
-          <a:p>
-            <a:endParaRPr lang="it-IT" sz="2000" dirty="0" smtClean="0"/>
-          </a:p>
-          <a:p>
-            <a:r>
-              <a:rPr lang="it-IT" sz="2000" dirty="0" smtClean="0"/>
-              <a:t>Si consiglia </a:t>
-            </a:r>
-            <a:r>
-              <a:rPr lang="it-IT" sz="2000" dirty="0"/>
-              <a:t>di includere un README o un file con informazioni sul tuo progetto. </a:t>
-            </a:r>
-            <a:r>
-              <a:rPr lang="it-IT" sz="2000" dirty="0" err="1"/>
-              <a:t>GitHub</a:t>
-            </a:r>
-            <a:r>
-              <a:rPr lang="it-IT" sz="2000" dirty="0"/>
-              <a:t> ti consente di aggiungerne uno nello stesso momento in cui crei il tuo nuovo </a:t>
-            </a:r>
-            <a:r>
-              <a:rPr lang="it-IT" sz="2000" dirty="0" err="1"/>
-              <a:t>repository</a:t>
-            </a:r>
-            <a:r>
-              <a:rPr lang="it-IT" sz="2000" dirty="0"/>
-              <a:t>. </a:t>
-            </a:r>
-            <a:endParaRPr lang="it-IT" sz="2000" dirty="0" smtClean="0"/>
-          </a:p>
-          <a:p>
-            <a:endParaRPr lang="it-IT" sz="2000" dirty="0" smtClean="0"/>
-          </a:p>
-          <a:p>
-            <a:r>
-              <a:rPr lang="it-IT" sz="2000" dirty="0" smtClean="0"/>
-              <a:t>Offre </a:t>
-            </a:r>
-            <a:r>
-              <a:rPr lang="it-IT" sz="2000" dirty="0"/>
-              <a:t>anche altre opzioni comuni come un file di licenza. </a:t>
-            </a:r>
-            <a:endParaRPr lang="it-IT" sz="2000" dirty="0" smtClean="0"/>
-          </a:p>
-          <a:p>
-            <a:endParaRPr lang="it-IT" sz="2000" dirty="0" smtClean="0"/>
-          </a:p>
-          <a:p>
-            <a:r>
-              <a:rPr lang="it-IT" sz="2000" dirty="0" smtClean="0"/>
-              <a:t>Il </a:t>
-            </a:r>
-            <a:r>
-              <a:rPr lang="it-IT" sz="2000" dirty="0"/>
-              <a:t>tuo </a:t>
-            </a:r>
-            <a:r>
-              <a:rPr lang="it-IT" sz="2000" dirty="0" err="1"/>
-              <a:t>repository</a:t>
-            </a:r>
-            <a:r>
-              <a:rPr lang="it-IT" sz="2000" dirty="0"/>
-              <a:t> </a:t>
-            </a:r>
-            <a:r>
-              <a:rPr lang="it-IT" sz="2000" dirty="0" smtClean="0"/>
-              <a:t> </a:t>
-            </a:r>
-            <a:r>
-              <a:rPr lang="it-IT" sz="2000" dirty="0"/>
-              <a:t>può essere un luogo in cui archiviare idee, risorse o anche condividere e discutere le cose con gli altri.</a:t>
-            </a:r>
-            <a:endParaRPr lang="it-IT" sz="2000" dirty="0"/>
-          </a:p>
-        </p:txBody>
-      </p:sp>
-    </p:spTree>
-    <p:extLst>
-      <p:ext uri="{BB962C8B-B14F-4D97-AF65-F5344CB8AC3E}">
-        <p14:creationId xmlns:p14="http://schemas.microsoft.com/office/powerpoint/2010/main" val="3429087832"/>
-      </p:ext>
-    </p:extLst>
-  </p:cSld>
-  <p:clrMapOvr>
-    <a:masterClrMapping/>
-  </p:clrMapOvr>
-</p:sld>
-</file>
-
-<file path=ppt/slides/slide7.xml><?xml version="1.0" encoding="utf-8"?>
-<p:sld xmlns:a="http://schemas.openxmlformats.org/drawingml/2006/main" xmlns:r="http://schemas.openxmlformats.org/officeDocument/2006/relationships" xmlns:p="http://schemas.openxmlformats.org/presentationml/2006/main">
-  <p:cSld>
-    <p:spTree>
-      <p:nvGrpSpPr>
-        <p:cNvPr id="1" name=""/>
-        <p:cNvGrpSpPr/>
-        <p:nvPr/>
-      </p:nvGrpSpPr>
-      <p:grpSpPr>
-        <a:xfrm>
-          <a:off x="0" y="0"/>
-          <a:ext cx="0" cy="0"/>
-          <a:chOff x="0" y="0"/>
-          <a:chExt cx="0" cy="0"/>
-        </a:xfrm>
-      </p:grpSpPr>
-      <p:sp>
-        <p:nvSpPr>
-          <p:cNvPr id="2" name="Titolo 1"/>
-          <p:cNvSpPr>
-            <a:spLocks noGrp="1"/>
-          </p:cNvSpPr>
-          <p:nvPr>
-            <p:ph type="title"/>
-          </p:nvPr>
-        </p:nvSpPr>
-        <p:spPr/>
         <p:txBody>
           <a:bodyPr>
             <a:normAutofit fontScale="90000"/>
@@ -7446,30 +6960,25 @@
           <a:lstStyle/>
           <a:p>
             <a:r>
+              <a:rPr lang="it-IT" b="1" dirty="0"/>
+              <a:t>Come </a:t>
+            </a:r>
+            <a:r>
               <a:rPr lang="it-IT" b="1" dirty="0" smtClean="0"/>
-              <a:t>Come creare una </a:t>
-            </a:r>
-            <a:r>
-              <a:rPr lang="it-IT" b="1" dirty="0" err="1"/>
-              <a:t>R</a:t>
+              <a:t>creare una Pull </a:t>
             </a:r>
             <a:r>
               <a:rPr lang="it-IT" b="1" dirty="0" err="1" smtClean="0"/>
-              <a:t>epository</a:t>
+              <a:t>Request</a:t>
             </a:r>
             <a:r>
               <a:rPr lang="it-IT" b="1" dirty="0" smtClean="0"/>
-              <a:t> </a:t>
-            </a:r>
-            <a:r>
-              <a:rPr lang="it-IT" b="1" dirty="0" smtClean="0"/>
-              <a:t>dal </a:t>
-            </a:r>
-            <a:r>
-              <a:rPr lang="it-IT" b="1" dirty="0" smtClean="0"/>
+              <a:t> dal </a:t>
+            </a:r>
+            <a:r>
+              <a:rPr lang="it-IT" b="1" dirty="0"/>
               <a:t>Browser</a:t>
             </a:r>
-            <a:endParaRPr lang="it-IT" b="1" dirty="0"/>
           </a:p>
         </p:txBody>
       </p:sp>
@@ -7531,13 +7040,13 @@
       </p:pic>
       <p:sp>
         <p:nvSpPr>
-          <p:cNvPr id="4" name="Ovale 3"/>
+          <p:cNvPr id="5" name="Ovale 4"/>
           <p:cNvSpPr/>
           <p:nvPr/>
         </p:nvSpPr>
         <p:spPr>
           <a:xfrm>
-            <a:off x="6948264" y="3356992"/>
+            <a:off x="2987824" y="2492896"/>
             <a:ext cx="648072" cy="432048"/>
           </a:xfrm>
           <a:prstGeom prst="ellipse">
@@ -7575,97 +7084,20 @@
           </a:p>
         </p:txBody>
       </p:sp>
-    </p:spTree>
-    <p:extLst>
-      <p:ext uri="{BB962C8B-B14F-4D97-AF65-F5344CB8AC3E}">
-        <p14:creationId xmlns:p14="http://schemas.microsoft.com/office/powerpoint/2010/main" val="2629902479"/>
-      </p:ext>
-    </p:extLst>
-  </p:cSld>
-  <p:clrMapOvr>
-    <a:masterClrMapping/>
-  </p:clrMapOvr>
-</p:sld>
-</file>
-
-<file path=ppt/slides/slide8.xml><?xml version="1.0" encoding="utf-8"?>
-<p:sld xmlns:a="http://schemas.openxmlformats.org/drawingml/2006/main" xmlns:r="http://schemas.openxmlformats.org/officeDocument/2006/relationships" xmlns:p="http://schemas.openxmlformats.org/presentationml/2006/main">
-  <p:cSld>
-    <p:spTree>
-      <p:nvGrpSpPr>
-        <p:cNvPr id="1" name=""/>
-        <p:cNvGrpSpPr/>
-        <p:nvPr/>
-      </p:nvGrpSpPr>
-      <p:grpSpPr>
-        <a:xfrm>
-          <a:off x="0" y="0"/>
-          <a:ext cx="0" cy="0"/>
-          <a:chOff x="0" y="0"/>
-          <a:chExt cx="0" cy="0"/>
-        </a:xfrm>
-      </p:grpSpPr>
-      <p:sp>
-        <p:nvSpPr>
-          <p:cNvPr id="2" name="Titolo 1"/>
-          <p:cNvSpPr>
-            <a:spLocks noGrp="1"/>
-          </p:cNvSpPr>
-          <p:nvPr>
-            <p:ph type="title"/>
-          </p:nvPr>
-        </p:nvSpPr>
-        <p:spPr/>
-        <p:txBody>
-          <a:bodyPr>
-            <a:normAutofit fontScale="90000"/>
-          </a:bodyPr>
-          <a:lstStyle/>
-          <a:p>
-            <a:r>
-              <a:rPr lang="it-IT" b="1" dirty="0" smtClean="0"/>
-              <a:t>Come creare una </a:t>
-            </a:r>
-            <a:r>
-              <a:rPr lang="it-IT" b="1" dirty="0" err="1"/>
-              <a:t>R</a:t>
-            </a:r>
-            <a:r>
-              <a:rPr lang="it-IT" b="1" dirty="0" err="1" smtClean="0"/>
-              <a:t>epository</a:t>
-            </a:r>
-            <a:r>
-              <a:rPr lang="it-IT" b="1" dirty="0" smtClean="0"/>
-              <a:t> dal </a:t>
-            </a:r>
-            <a:r>
-              <a:rPr lang="it-IT" b="1" dirty="0" smtClean="0"/>
-              <a:t>Browser</a:t>
-            </a:r>
-            <a:endParaRPr lang="it-IT" b="1" dirty="0"/>
-          </a:p>
-        </p:txBody>
-      </p:sp>
-      <p:sp>
-        <p:nvSpPr>
-          <p:cNvPr id="4" name="Ovale 3"/>
+      <p:sp>
+        <p:nvSpPr>
+          <p:cNvPr id="6" name="Freccia a destra 5"/>
           <p:cNvSpPr/>
           <p:nvPr/>
         </p:nvSpPr>
         <p:spPr>
-          <a:xfrm>
-            <a:off x="6948264" y="3356992"/>
-            <a:ext cx="648072" cy="432048"/>
+          <a:xfrm rot="10800000">
+            <a:off x="7380312" y="3717032"/>
+            <a:ext cx="432048" cy="144016"/>
           </a:xfrm>
-          <a:prstGeom prst="ellipse">
+          <a:prstGeom prst="rightArrow">
             <a:avLst/>
           </a:prstGeom>
-          <a:noFill/>
-          <a:ln>
-            <a:solidFill>
-              <a:srgbClr val="FF0000"/>
-            </a:solidFill>
-          </a:ln>
         </p:spPr>
         <p:style>
           <a:lnRef idx="2">
@@ -7692,6 +7124,43 @@
           </a:p>
         </p:txBody>
       </p:sp>
+    </p:spTree>
+    <p:extLst>
+      <p:ext uri="{BB962C8B-B14F-4D97-AF65-F5344CB8AC3E}">
+        <p14:creationId xmlns:p14="http://schemas.microsoft.com/office/powerpoint/2010/main" val="1786528471"/>
+      </p:ext>
+    </p:extLst>
+  </p:cSld>
+  <p:clrMapOvr>
+    <a:masterClrMapping/>
+  </p:clrMapOvr>
+  <p:timing>
+    <p:tnLst>
+      <p:par>
+        <p:cTn id="1" dur="indefinite" restart="never" nodeType="tmRoot"/>
+      </p:par>
+    </p:tnLst>
+  </p:timing>
+</p:sld>
+</file>
+
+<file path=ppt/slides/slide27.xml><?xml version="1.0" encoding="utf-8"?>
+<p:sld xmlns:a="http://schemas.openxmlformats.org/drawingml/2006/main" xmlns:r="http://schemas.openxmlformats.org/officeDocument/2006/relationships" xmlns:p="http://schemas.openxmlformats.org/presentationml/2006/main">
+  <p:cSld>
+    <p:spTree>
+      <p:nvGrpSpPr>
+        <p:cNvPr id="1" name=""/>
+        <p:cNvGrpSpPr/>
+        <p:nvPr/>
+      </p:nvGrpSpPr>
+      <p:grpSpPr>
+        <a:xfrm>
+          <a:off x="0" y="0"/>
+          <a:ext cx="0" cy="0"/>
+          <a:chOff x="0" y="0"/>
+          <a:chExt cx="0" cy="0"/>
+        </a:xfrm>
+      </p:grpSpPr>
       <p:pic>
         <p:nvPicPr>
           <p:cNvPr id="2050" name="Picture 2"/>
@@ -7750,6 +7219,2252 @@
       </p:pic>
       <p:sp>
         <p:nvSpPr>
+          <p:cNvPr id="2" name="Titolo 1"/>
+          <p:cNvSpPr>
+            <a:spLocks noGrp="1"/>
+          </p:cNvSpPr>
+          <p:nvPr>
+            <p:ph type="title"/>
+          </p:nvPr>
+        </p:nvSpPr>
+        <p:spPr>
+          <a:xfrm>
+            <a:off x="0" y="274638"/>
+            <a:ext cx="9144000" cy="1138138"/>
+          </a:xfrm>
+        </p:spPr>
+        <p:txBody>
+          <a:bodyPr>
+            <a:normAutofit fontScale="90000"/>
+          </a:bodyPr>
+          <a:lstStyle/>
+          <a:p>
+            <a:r>
+              <a:rPr lang="it-IT" b="1" dirty="0"/>
+              <a:t>Come </a:t>
+            </a:r>
+            <a:r>
+              <a:rPr lang="it-IT" b="1" dirty="0" smtClean="0"/>
+              <a:t>creare una Pull </a:t>
+            </a:r>
+            <a:r>
+              <a:rPr lang="it-IT" b="1" dirty="0" err="1" smtClean="0"/>
+              <a:t>Request</a:t>
+            </a:r>
+            <a:r>
+              <a:rPr lang="it-IT" b="1" dirty="0" smtClean="0"/>
+              <a:t> dal </a:t>
+            </a:r>
+            <a:r>
+              <a:rPr lang="it-IT" b="1" dirty="0"/>
+              <a:t>Browser</a:t>
+            </a:r>
+          </a:p>
+        </p:txBody>
+      </p:sp>
+      <p:sp>
+        <p:nvSpPr>
+          <p:cNvPr id="6" name="Freccia a destra 5"/>
+          <p:cNvSpPr/>
+          <p:nvPr/>
+        </p:nvSpPr>
+        <p:spPr>
+          <a:xfrm rot="10800000">
+            <a:off x="5868144" y="3356992"/>
+            <a:ext cx="432048" cy="144016"/>
+          </a:xfrm>
+          <a:prstGeom prst="rightArrow">
+            <a:avLst/>
+          </a:prstGeom>
+        </p:spPr>
+        <p:style>
+          <a:lnRef idx="2">
+            <a:schemeClr val="accent1">
+              <a:shade val="50000"/>
+            </a:schemeClr>
+          </a:lnRef>
+          <a:fillRef idx="1">
+            <a:schemeClr val="accent1"/>
+          </a:fillRef>
+          <a:effectRef idx="0">
+            <a:schemeClr val="accent1"/>
+          </a:effectRef>
+          <a:fontRef idx="minor">
+            <a:schemeClr val="lt1"/>
+          </a:fontRef>
+        </p:style>
+        <p:txBody>
+          <a:bodyPr rtlCol="0" anchor="ctr"/>
+          <a:lstStyle/>
+          <a:p>
+            <a:pPr algn="ctr"/>
+            <a:endParaRPr lang="it-IT"/>
+          </a:p>
+        </p:txBody>
+      </p:sp>
+    </p:spTree>
+    <p:extLst>
+      <p:ext uri="{BB962C8B-B14F-4D97-AF65-F5344CB8AC3E}">
+        <p14:creationId xmlns:p14="http://schemas.microsoft.com/office/powerpoint/2010/main" val="4005547272"/>
+      </p:ext>
+    </p:extLst>
+  </p:cSld>
+  <p:clrMapOvr>
+    <a:masterClrMapping/>
+  </p:clrMapOvr>
+  <p:timing>
+    <p:tnLst>
+      <p:par>
+        <p:cTn id="1" dur="indefinite" restart="never" nodeType="tmRoot"/>
+      </p:par>
+    </p:tnLst>
+  </p:timing>
+</p:sld>
+</file>
+
+<file path=ppt/slides/slide28.xml><?xml version="1.0" encoding="utf-8"?>
+<p:sld xmlns:a="http://schemas.openxmlformats.org/drawingml/2006/main" xmlns:r="http://schemas.openxmlformats.org/officeDocument/2006/relationships" xmlns:p="http://schemas.openxmlformats.org/presentationml/2006/main">
+  <p:cSld>
+    <p:spTree>
+      <p:nvGrpSpPr>
+        <p:cNvPr id="1" name=""/>
+        <p:cNvGrpSpPr/>
+        <p:nvPr/>
+      </p:nvGrpSpPr>
+      <p:grpSpPr>
+        <a:xfrm>
+          <a:off x="0" y="0"/>
+          <a:ext cx="0" cy="0"/>
+          <a:chOff x="0" y="0"/>
+          <a:chExt cx="0" cy="0"/>
+        </a:xfrm>
+      </p:grpSpPr>
+      <p:pic>
+        <p:nvPicPr>
+          <p:cNvPr id="3074" name="Picture 2"/>
+          <p:cNvPicPr>
+            <a:picLocks noGrp="1" noChangeAspect="1" noChangeArrowheads="1"/>
+          </p:cNvPicPr>
+          <p:nvPr>
+            <p:ph idx="1"/>
+          </p:nvPr>
+        </p:nvPicPr>
+        <p:blipFill>
+          <a:blip r:embed="rId2">
+            <a:extLst>
+              <a:ext uri="{28A0092B-C50C-407E-A947-70E740481C1C}">
+                <a14:useLocalDpi xmlns:a14="http://schemas.microsoft.com/office/drawing/2010/main" val="0"/>
+              </a:ext>
+            </a:extLst>
+          </a:blip>
+          <a:srcRect/>
+          <a:stretch>
+            <a:fillRect/>
+          </a:stretch>
+        </p:blipFill>
+        <p:spPr bwMode="auto">
+          <a:xfrm>
+            <a:off x="546957" y="1600200"/>
+            <a:ext cx="8050085" cy="4525963"/>
+          </a:xfrm>
+          <a:prstGeom prst="rect">
+            <a:avLst/>
+          </a:prstGeom>
+          <a:noFill/>
+          <a:ln>
+            <a:noFill/>
+          </a:ln>
+          <a:extLst>
+            <a:ext uri="{909E8E84-426E-40DD-AFC4-6F175D3DCCD1}">
+              <a14:hiddenFill xmlns:a14="http://schemas.microsoft.com/office/drawing/2010/main">
+                <a:solidFill>
+                  <a:schemeClr val="accent1"/>
+                </a:solidFill>
+              </a14:hiddenFill>
+            </a:ext>
+            <a:ext uri="{91240B29-F687-4F45-9708-019B960494DF}">
+              <a14:hiddenLine xmlns:a14="http://schemas.microsoft.com/office/drawing/2010/main" w="9525">
+                <a:solidFill>
+                  <a:schemeClr val="tx1"/>
+                </a:solidFill>
+                <a:miter lim="800000"/>
+                <a:headEnd/>
+                <a:tailEnd/>
+              </a14:hiddenLine>
+            </a:ext>
+          </a:extLst>
+        </p:spPr>
+      </p:pic>
+      <p:sp>
+        <p:nvSpPr>
+          <p:cNvPr id="2" name="Titolo 1"/>
+          <p:cNvSpPr>
+            <a:spLocks noGrp="1"/>
+          </p:cNvSpPr>
+          <p:nvPr>
+            <p:ph type="title"/>
+          </p:nvPr>
+        </p:nvSpPr>
+        <p:spPr>
+          <a:xfrm>
+            <a:off x="0" y="274638"/>
+            <a:ext cx="9144000" cy="1138138"/>
+          </a:xfrm>
+        </p:spPr>
+        <p:txBody>
+          <a:bodyPr>
+            <a:normAutofit fontScale="90000"/>
+          </a:bodyPr>
+          <a:lstStyle/>
+          <a:p>
+            <a:r>
+              <a:rPr lang="it-IT" b="1" dirty="0"/>
+              <a:t>Come </a:t>
+            </a:r>
+            <a:r>
+              <a:rPr lang="it-IT" b="1" dirty="0" smtClean="0"/>
+              <a:t>creare una Pull </a:t>
+            </a:r>
+            <a:r>
+              <a:rPr lang="it-IT" b="1" dirty="0" err="1" smtClean="0"/>
+              <a:t>Request</a:t>
+            </a:r>
+            <a:r>
+              <a:rPr lang="it-IT" b="1" dirty="0" smtClean="0"/>
+              <a:t> dal </a:t>
+            </a:r>
+            <a:r>
+              <a:rPr lang="it-IT" b="1" dirty="0"/>
+              <a:t>Browser</a:t>
+            </a:r>
+          </a:p>
+        </p:txBody>
+      </p:sp>
+      <p:sp>
+        <p:nvSpPr>
+          <p:cNvPr id="6" name="Freccia a destra 5"/>
+          <p:cNvSpPr/>
+          <p:nvPr/>
+        </p:nvSpPr>
+        <p:spPr>
+          <a:xfrm rot="10800000">
+            <a:off x="7308304" y="4365104"/>
+            <a:ext cx="432048" cy="144016"/>
+          </a:xfrm>
+          <a:prstGeom prst="rightArrow">
+            <a:avLst/>
+          </a:prstGeom>
+        </p:spPr>
+        <p:style>
+          <a:lnRef idx="2">
+            <a:schemeClr val="accent1">
+              <a:shade val="50000"/>
+            </a:schemeClr>
+          </a:lnRef>
+          <a:fillRef idx="1">
+            <a:schemeClr val="accent1"/>
+          </a:fillRef>
+          <a:effectRef idx="0">
+            <a:schemeClr val="accent1"/>
+          </a:effectRef>
+          <a:fontRef idx="minor">
+            <a:schemeClr val="lt1"/>
+          </a:fontRef>
+        </p:style>
+        <p:txBody>
+          <a:bodyPr rtlCol="0" anchor="ctr"/>
+          <a:lstStyle/>
+          <a:p>
+            <a:pPr algn="ctr"/>
+            <a:endParaRPr lang="it-IT"/>
+          </a:p>
+        </p:txBody>
+      </p:sp>
+    </p:spTree>
+    <p:extLst>
+      <p:ext uri="{BB962C8B-B14F-4D97-AF65-F5344CB8AC3E}">
+        <p14:creationId xmlns:p14="http://schemas.microsoft.com/office/powerpoint/2010/main" val="1538728942"/>
+      </p:ext>
+    </p:extLst>
+  </p:cSld>
+  <p:clrMapOvr>
+    <a:masterClrMapping/>
+  </p:clrMapOvr>
+  <p:timing>
+    <p:tnLst>
+      <p:par>
+        <p:cTn id="1" dur="indefinite" restart="never" nodeType="tmRoot"/>
+      </p:par>
+    </p:tnLst>
+  </p:timing>
+</p:sld>
+</file>
+
+<file path=ppt/slides/slide29.xml><?xml version="1.0" encoding="utf-8"?>
+<p:sld xmlns:a="http://schemas.openxmlformats.org/drawingml/2006/main" xmlns:r="http://schemas.openxmlformats.org/officeDocument/2006/relationships" xmlns:p="http://schemas.openxmlformats.org/presentationml/2006/main">
+  <p:cSld>
+    <p:spTree>
+      <p:nvGrpSpPr>
+        <p:cNvPr id="1" name=""/>
+        <p:cNvGrpSpPr/>
+        <p:nvPr/>
+      </p:nvGrpSpPr>
+      <p:grpSpPr>
+        <a:xfrm>
+          <a:off x="0" y="0"/>
+          <a:ext cx="0" cy="0"/>
+          <a:chOff x="0" y="0"/>
+          <a:chExt cx="0" cy="0"/>
+        </a:xfrm>
+      </p:grpSpPr>
+      <p:pic>
+        <p:nvPicPr>
+          <p:cNvPr id="2050" name="Picture 2"/>
+          <p:cNvPicPr>
+            <a:picLocks noGrp="1" noChangeAspect="1" noChangeArrowheads="1"/>
+          </p:cNvPicPr>
+          <p:nvPr>
+            <p:ph idx="1"/>
+          </p:nvPr>
+        </p:nvPicPr>
+        <p:blipFill>
+          <a:blip r:embed="rId2">
+            <a:extLst>
+              <a:ext uri="{28A0092B-C50C-407E-A947-70E740481C1C}">
+                <a14:useLocalDpi xmlns:a14="http://schemas.microsoft.com/office/drawing/2010/main" val="0"/>
+              </a:ext>
+            </a:extLst>
+          </a:blip>
+          <a:srcRect/>
+          <a:stretch>
+            <a:fillRect/>
+          </a:stretch>
+        </p:blipFill>
+        <p:spPr bwMode="auto">
+          <a:xfrm>
+            <a:off x="546957" y="1600200"/>
+            <a:ext cx="8050085" cy="4525963"/>
+          </a:xfrm>
+          <a:prstGeom prst="rect">
+            <a:avLst/>
+          </a:prstGeom>
+          <a:noFill/>
+          <a:ln>
+            <a:noFill/>
+          </a:ln>
+          <a:extLst>
+            <a:ext uri="{909E8E84-426E-40DD-AFC4-6F175D3DCCD1}">
+              <a14:hiddenFill xmlns:a14="http://schemas.microsoft.com/office/drawing/2010/main">
+                <a:solidFill>
+                  <a:schemeClr val="accent1"/>
+                </a:solidFill>
+              </a14:hiddenFill>
+            </a:ext>
+            <a:ext uri="{91240B29-F687-4F45-9708-019B960494DF}">
+              <a14:hiddenLine xmlns:a14="http://schemas.microsoft.com/office/drawing/2010/main" w="9525">
+                <a:solidFill>
+                  <a:schemeClr val="tx1"/>
+                </a:solidFill>
+                <a:miter lim="800000"/>
+                <a:headEnd/>
+                <a:tailEnd/>
+              </a14:hiddenLine>
+            </a:ext>
+          </a:extLst>
+        </p:spPr>
+      </p:pic>
+      <p:sp>
+        <p:nvSpPr>
+          <p:cNvPr id="2" name="Titolo 1"/>
+          <p:cNvSpPr>
+            <a:spLocks noGrp="1"/>
+          </p:cNvSpPr>
+          <p:nvPr>
+            <p:ph type="title"/>
+          </p:nvPr>
+        </p:nvSpPr>
+        <p:spPr>
+          <a:xfrm>
+            <a:off x="0" y="274638"/>
+            <a:ext cx="9144000" cy="1138138"/>
+          </a:xfrm>
+        </p:spPr>
+        <p:txBody>
+          <a:bodyPr>
+            <a:normAutofit fontScale="90000"/>
+          </a:bodyPr>
+          <a:lstStyle/>
+          <a:p>
+            <a:r>
+              <a:rPr lang="it-IT" b="1" dirty="0"/>
+              <a:t>Come </a:t>
+            </a:r>
+            <a:r>
+              <a:rPr lang="it-IT" b="1" dirty="0" smtClean="0"/>
+              <a:t>creare una Pull </a:t>
+            </a:r>
+            <a:r>
+              <a:rPr lang="it-IT" b="1" dirty="0" err="1" smtClean="0"/>
+              <a:t>Request</a:t>
+            </a:r>
+            <a:r>
+              <a:rPr lang="it-IT" b="1" dirty="0" smtClean="0"/>
+              <a:t> dal </a:t>
+            </a:r>
+            <a:r>
+              <a:rPr lang="it-IT" b="1" dirty="0"/>
+              <a:t>Browser</a:t>
+            </a:r>
+          </a:p>
+        </p:txBody>
+      </p:sp>
+      <p:sp>
+        <p:nvSpPr>
+          <p:cNvPr id="5" name="Ovale 4"/>
+          <p:cNvSpPr/>
+          <p:nvPr/>
+        </p:nvSpPr>
+        <p:spPr>
+          <a:xfrm>
+            <a:off x="1979712" y="3645024"/>
+            <a:ext cx="936104" cy="432048"/>
+          </a:xfrm>
+          <a:prstGeom prst="ellipse">
+            <a:avLst/>
+          </a:prstGeom>
+          <a:noFill/>
+          <a:ln>
+            <a:solidFill>
+              <a:srgbClr val="FF0000"/>
+            </a:solidFill>
+          </a:ln>
+        </p:spPr>
+        <p:style>
+          <a:lnRef idx="2">
+            <a:schemeClr val="accent1">
+              <a:shade val="50000"/>
+            </a:schemeClr>
+          </a:lnRef>
+          <a:fillRef idx="1">
+            <a:schemeClr val="accent1"/>
+          </a:fillRef>
+          <a:effectRef idx="0">
+            <a:schemeClr val="accent1"/>
+          </a:effectRef>
+          <a:fontRef idx="minor">
+            <a:schemeClr val="lt1"/>
+          </a:fontRef>
+        </p:style>
+        <p:txBody>
+          <a:bodyPr rtlCol="0" anchor="ctr"/>
+          <a:lstStyle/>
+          <a:p>
+            <a:pPr algn="ctr"/>
+            <a:endParaRPr lang="it-IT"/>
+          </a:p>
+        </p:txBody>
+      </p:sp>
+    </p:spTree>
+    <p:extLst>
+      <p:ext uri="{BB962C8B-B14F-4D97-AF65-F5344CB8AC3E}">
+        <p14:creationId xmlns:p14="http://schemas.microsoft.com/office/powerpoint/2010/main" val="2210055014"/>
+      </p:ext>
+    </p:extLst>
+  </p:cSld>
+  <p:clrMapOvr>
+    <a:masterClrMapping/>
+  </p:clrMapOvr>
+  <p:timing>
+    <p:tnLst>
+      <p:par>
+        <p:cTn id="1" dur="indefinite" restart="never" nodeType="tmRoot"/>
+      </p:par>
+    </p:tnLst>
+  </p:timing>
+</p:sld>
+</file>
+
+<file path=ppt/slides/slide3.xml><?xml version="1.0" encoding="utf-8"?>
+<p:sld xmlns:a="http://schemas.openxmlformats.org/drawingml/2006/main" xmlns:r="http://schemas.openxmlformats.org/officeDocument/2006/relationships" xmlns:p="http://schemas.openxmlformats.org/presentationml/2006/main">
+  <p:cSld>
+    <p:spTree>
+      <p:nvGrpSpPr>
+        <p:cNvPr id="1" name=""/>
+        <p:cNvGrpSpPr/>
+        <p:nvPr/>
+      </p:nvGrpSpPr>
+      <p:grpSpPr>
+        <a:xfrm>
+          <a:off x="0" y="0"/>
+          <a:ext cx="0" cy="0"/>
+          <a:chOff x="0" y="0"/>
+          <a:chExt cx="0" cy="0"/>
+        </a:xfrm>
+      </p:grpSpPr>
+      <p:sp>
+        <p:nvSpPr>
+          <p:cNvPr id="2" name="Titolo 1"/>
+          <p:cNvSpPr>
+            <a:spLocks noGrp="1"/>
+          </p:cNvSpPr>
+          <p:nvPr>
+            <p:ph type="title"/>
+          </p:nvPr>
+        </p:nvSpPr>
+        <p:spPr/>
+        <p:txBody>
+          <a:bodyPr/>
+          <a:lstStyle/>
+          <a:p>
+            <a:r>
+              <a:rPr lang="it-IT" b="1" dirty="0" smtClean="0"/>
+              <a:t>Da dove nasce </a:t>
+            </a:r>
+            <a:r>
+              <a:rPr lang="it-IT" b="1" dirty="0" err="1" smtClean="0"/>
+              <a:t>GitHub</a:t>
+            </a:r>
+            <a:r>
+              <a:rPr lang="it-IT" b="1" dirty="0" smtClean="0"/>
+              <a:t>…</a:t>
+            </a:r>
+            <a:endParaRPr lang="it-IT" b="1" dirty="0"/>
+          </a:p>
+        </p:txBody>
+      </p:sp>
+      <p:sp>
+        <p:nvSpPr>
+          <p:cNvPr id="3" name="Segnaposto contenuto 2"/>
+          <p:cNvSpPr>
+            <a:spLocks noGrp="1"/>
+          </p:cNvSpPr>
+          <p:nvPr>
+            <p:ph idx="1"/>
+          </p:nvPr>
+        </p:nvSpPr>
+        <p:spPr/>
+        <p:txBody>
+          <a:bodyPr>
+            <a:normAutofit/>
+          </a:bodyPr>
+          <a:lstStyle/>
+          <a:p>
+            <a:pPr marL="0" indent="0" algn="just">
+              <a:buNone/>
+            </a:pPr>
+            <a:r>
+              <a:rPr lang="it-IT" b="1" dirty="0" smtClean="0"/>
+              <a:t>Caratteristiche di </a:t>
+            </a:r>
+            <a:r>
+              <a:rPr lang="it-IT" b="1" dirty="0" err="1" smtClean="0"/>
+              <a:t>Git</a:t>
+            </a:r>
+            <a:r>
+              <a:rPr lang="it-IT" b="1" dirty="0" smtClean="0"/>
+              <a:t> :</a:t>
+            </a:r>
+            <a:endParaRPr lang="it-IT" b="1" dirty="0"/>
+          </a:p>
+          <a:p>
+            <a:pPr algn="just"/>
+            <a:r>
+              <a:rPr lang="it-IT" sz="2000" i="1" u="sng" dirty="0" smtClean="0"/>
+              <a:t>Forte supporto allo sviluppo non lineare</a:t>
+            </a:r>
+            <a:r>
+              <a:rPr lang="it-IT" sz="2200" i="1" dirty="0" smtClean="0"/>
+              <a:t> </a:t>
+            </a:r>
+            <a:r>
+              <a:rPr lang="it-IT" sz="2000" dirty="0"/>
+              <a:t>:</a:t>
+            </a:r>
+            <a:r>
+              <a:rPr lang="it-IT" sz="2000" dirty="0" smtClean="0"/>
+              <a:t> </a:t>
+            </a:r>
+            <a:r>
+              <a:rPr lang="it-IT" sz="2000" dirty="0" err="1" smtClean="0"/>
+              <a:t>Git</a:t>
+            </a:r>
+            <a:r>
+              <a:rPr lang="it-IT" sz="2000" dirty="0" smtClean="0"/>
+              <a:t> supporta diramazione e fusione (branching and </a:t>
+            </a:r>
+            <a:r>
+              <a:rPr lang="it-IT" sz="2000" dirty="0" err="1" smtClean="0"/>
+              <a:t>merging</a:t>
+            </a:r>
+            <a:r>
+              <a:rPr lang="it-IT" sz="2000" dirty="0" smtClean="0"/>
+              <a:t>) rapide e comode, e comprende strumenti specifici per visualizzare e navigare una cronologia di sviluppo non lineare.</a:t>
+            </a:r>
+          </a:p>
+          <a:p>
+            <a:pPr algn="just"/>
+            <a:r>
+              <a:rPr lang="it-IT" sz="2000" i="1" u="sng" dirty="0"/>
+              <a:t>Sviluppo </a:t>
+            </a:r>
+            <a:r>
+              <a:rPr lang="it-IT" sz="2000" i="1" u="sng" dirty="0" smtClean="0"/>
+              <a:t>distribuito</a:t>
+            </a:r>
+            <a:r>
+              <a:rPr lang="it-IT" sz="2000" dirty="0" smtClean="0"/>
+              <a:t> : </a:t>
+            </a:r>
+            <a:r>
+              <a:rPr lang="it-IT" sz="2000" dirty="0" err="1" smtClean="0"/>
+              <a:t>Git</a:t>
+            </a:r>
+            <a:r>
+              <a:rPr lang="it-IT" sz="2000" dirty="0" smtClean="0"/>
+              <a:t> dà a ogni sviluppatore una copia locale dell'intera cronologia di sviluppo e le modifiche vengono copiate da un tale </a:t>
+            </a:r>
+            <a:r>
+              <a:rPr lang="it-IT" sz="2000" dirty="0" err="1" smtClean="0"/>
+              <a:t>repository</a:t>
+            </a:r>
+            <a:r>
+              <a:rPr lang="it-IT" sz="2000" dirty="0" smtClean="0"/>
+              <a:t> a un altro. Queste modifiche vengono importate come diramazioni aggiuntive di sviluppo, e possono essere fuse allo stesso modo di una diramazione sviluppata localmente.</a:t>
+            </a:r>
+          </a:p>
+          <a:p>
+            <a:pPr algn="just"/>
+            <a:r>
+              <a:rPr lang="it-IT" sz="2000" i="1" u="sng" dirty="0" smtClean="0"/>
+              <a:t>I </a:t>
+            </a:r>
+            <a:r>
+              <a:rPr lang="it-IT" sz="2000" i="1" u="sng" dirty="0" err="1" smtClean="0"/>
+              <a:t>repository</a:t>
+            </a:r>
+            <a:r>
+              <a:rPr lang="it-IT" sz="2000" i="1" u="sng" dirty="0" smtClean="0"/>
+              <a:t> possono essere pubblicati facilmente</a:t>
+            </a:r>
+            <a:r>
+              <a:rPr lang="it-IT" sz="2000" dirty="0" smtClean="0"/>
+              <a:t> : tramite HTTP, FTP, </a:t>
+            </a:r>
+            <a:r>
+              <a:rPr lang="it-IT" sz="2000" dirty="0" err="1" smtClean="0"/>
+              <a:t>ssh</a:t>
+            </a:r>
+            <a:r>
+              <a:rPr lang="it-IT" sz="2000" dirty="0" smtClean="0"/>
+              <a:t>, </a:t>
+            </a:r>
+            <a:r>
+              <a:rPr lang="it-IT" sz="2000" dirty="0" err="1" smtClean="0"/>
+              <a:t>rsync</a:t>
+            </a:r>
+            <a:r>
+              <a:rPr lang="it-IT" sz="2000" dirty="0" smtClean="0"/>
+              <a:t>. </a:t>
+            </a:r>
+            <a:r>
+              <a:rPr lang="it-IT" sz="2000" dirty="0" err="1" smtClean="0"/>
+              <a:t>Git</a:t>
+            </a:r>
+            <a:r>
+              <a:rPr lang="it-IT" sz="2000" dirty="0" smtClean="0"/>
+              <a:t> ha anche un'emulazione del server CVS, che consente di usare gli esistenti client CVS e </a:t>
+            </a:r>
+            <a:r>
+              <a:rPr lang="it-IT" sz="2000" dirty="0" err="1" smtClean="0"/>
+              <a:t>plugin</a:t>
+            </a:r>
+            <a:r>
+              <a:rPr lang="it-IT" sz="2000" dirty="0" smtClean="0"/>
+              <a:t> per IDE per accedere ai </a:t>
+            </a:r>
+            <a:r>
+              <a:rPr lang="it-IT" sz="2000" dirty="0" err="1" smtClean="0"/>
+              <a:t>repository</a:t>
+            </a:r>
+            <a:r>
+              <a:rPr lang="it-IT" sz="2000" dirty="0" smtClean="0"/>
+              <a:t> </a:t>
+            </a:r>
+            <a:r>
+              <a:rPr lang="it-IT" sz="2000" dirty="0" err="1" smtClean="0"/>
+              <a:t>Git</a:t>
+            </a:r>
+            <a:r>
+              <a:rPr lang="it-IT" sz="2000" dirty="0" smtClean="0"/>
+              <a:t>.</a:t>
+            </a:r>
+            <a:endParaRPr lang="it-IT" sz="2000" i="1" u="sng" dirty="0" smtClean="0"/>
+          </a:p>
+        </p:txBody>
+      </p:sp>
+    </p:spTree>
+    <p:extLst>
+      <p:ext uri="{BB962C8B-B14F-4D97-AF65-F5344CB8AC3E}">
+        <p14:creationId xmlns:p14="http://schemas.microsoft.com/office/powerpoint/2010/main" val="1459526379"/>
+      </p:ext>
+    </p:extLst>
+  </p:cSld>
+  <p:clrMapOvr>
+    <a:masterClrMapping/>
+  </p:clrMapOvr>
+  <p:timing>
+    <p:tnLst>
+      <p:par>
+        <p:cTn id="1" dur="indefinite" restart="never" nodeType="tmRoot"/>
+      </p:par>
+    </p:tnLst>
+  </p:timing>
+</p:sld>
+</file>
+
+<file path=ppt/slides/slide30.xml><?xml version="1.0" encoding="utf-8"?>
+<p:sld xmlns:a="http://schemas.openxmlformats.org/drawingml/2006/main" xmlns:r="http://schemas.openxmlformats.org/officeDocument/2006/relationships" xmlns:p="http://schemas.openxmlformats.org/presentationml/2006/main">
+  <p:cSld>
+    <p:spTree>
+      <p:nvGrpSpPr>
+        <p:cNvPr id="1" name=""/>
+        <p:cNvGrpSpPr/>
+        <p:nvPr/>
+      </p:nvGrpSpPr>
+      <p:grpSpPr>
+        <a:xfrm>
+          <a:off x="0" y="0"/>
+          <a:ext cx="0" cy="0"/>
+          <a:chOff x="0" y="0"/>
+          <a:chExt cx="0" cy="0"/>
+        </a:xfrm>
+      </p:grpSpPr>
+      <p:pic>
+        <p:nvPicPr>
+          <p:cNvPr id="4098" name="Picture 2"/>
+          <p:cNvPicPr>
+            <a:picLocks noGrp="1" noChangeAspect="1" noChangeArrowheads="1"/>
+          </p:cNvPicPr>
+          <p:nvPr>
+            <p:ph idx="1"/>
+          </p:nvPr>
+        </p:nvPicPr>
+        <p:blipFill>
+          <a:blip r:embed="rId2">
+            <a:extLst>
+              <a:ext uri="{28A0092B-C50C-407E-A947-70E740481C1C}">
+                <a14:useLocalDpi xmlns:a14="http://schemas.microsoft.com/office/drawing/2010/main" val="0"/>
+              </a:ext>
+            </a:extLst>
+          </a:blip>
+          <a:srcRect/>
+          <a:stretch>
+            <a:fillRect/>
+          </a:stretch>
+        </p:blipFill>
+        <p:spPr bwMode="auto">
+          <a:xfrm>
+            <a:off x="546957" y="1600200"/>
+            <a:ext cx="8050085" cy="4525963"/>
+          </a:xfrm>
+          <a:prstGeom prst="rect">
+            <a:avLst/>
+          </a:prstGeom>
+          <a:noFill/>
+          <a:ln>
+            <a:noFill/>
+          </a:ln>
+          <a:extLst>
+            <a:ext uri="{909E8E84-426E-40DD-AFC4-6F175D3DCCD1}">
+              <a14:hiddenFill xmlns:a14="http://schemas.microsoft.com/office/drawing/2010/main">
+                <a:solidFill>
+                  <a:schemeClr val="accent1"/>
+                </a:solidFill>
+              </a14:hiddenFill>
+            </a:ext>
+            <a:ext uri="{91240B29-F687-4F45-9708-019B960494DF}">
+              <a14:hiddenLine xmlns:a14="http://schemas.microsoft.com/office/drawing/2010/main" w="9525">
+                <a:solidFill>
+                  <a:schemeClr val="tx1"/>
+                </a:solidFill>
+                <a:miter lim="800000"/>
+                <a:headEnd/>
+                <a:tailEnd/>
+              </a14:hiddenLine>
+            </a:ext>
+          </a:extLst>
+        </p:spPr>
+      </p:pic>
+      <p:sp>
+        <p:nvSpPr>
+          <p:cNvPr id="2" name="Titolo 1"/>
+          <p:cNvSpPr>
+            <a:spLocks noGrp="1"/>
+          </p:cNvSpPr>
+          <p:nvPr>
+            <p:ph type="title"/>
+          </p:nvPr>
+        </p:nvSpPr>
+        <p:spPr>
+          <a:xfrm>
+            <a:off x="0" y="274638"/>
+            <a:ext cx="9144000" cy="1138138"/>
+          </a:xfrm>
+        </p:spPr>
+        <p:txBody>
+          <a:bodyPr>
+            <a:normAutofit fontScale="90000"/>
+          </a:bodyPr>
+          <a:lstStyle/>
+          <a:p>
+            <a:r>
+              <a:rPr lang="it-IT" b="1" dirty="0"/>
+              <a:t>Come </a:t>
+            </a:r>
+            <a:r>
+              <a:rPr lang="it-IT" b="1" dirty="0" smtClean="0"/>
+              <a:t>creare una Pull </a:t>
+            </a:r>
+            <a:r>
+              <a:rPr lang="it-IT" b="1" dirty="0" err="1" smtClean="0"/>
+              <a:t>Request</a:t>
+            </a:r>
+            <a:r>
+              <a:rPr lang="it-IT" b="1" dirty="0" smtClean="0"/>
+              <a:t> dal </a:t>
+            </a:r>
+            <a:r>
+              <a:rPr lang="it-IT" b="1" dirty="0"/>
+              <a:t>Browser</a:t>
+            </a:r>
+          </a:p>
+        </p:txBody>
+      </p:sp>
+      <p:sp>
+        <p:nvSpPr>
+          <p:cNvPr id="5" name="Ovale 4"/>
+          <p:cNvSpPr/>
+          <p:nvPr/>
+        </p:nvSpPr>
+        <p:spPr>
+          <a:xfrm>
+            <a:off x="5042258" y="5373216"/>
+            <a:ext cx="936104" cy="432048"/>
+          </a:xfrm>
+          <a:prstGeom prst="ellipse">
+            <a:avLst/>
+          </a:prstGeom>
+          <a:noFill/>
+          <a:ln>
+            <a:solidFill>
+              <a:srgbClr val="FF0000"/>
+            </a:solidFill>
+          </a:ln>
+        </p:spPr>
+        <p:style>
+          <a:lnRef idx="2">
+            <a:schemeClr val="accent1">
+              <a:shade val="50000"/>
+            </a:schemeClr>
+          </a:lnRef>
+          <a:fillRef idx="1">
+            <a:schemeClr val="accent1"/>
+          </a:fillRef>
+          <a:effectRef idx="0">
+            <a:schemeClr val="accent1"/>
+          </a:effectRef>
+          <a:fontRef idx="minor">
+            <a:schemeClr val="lt1"/>
+          </a:fontRef>
+        </p:style>
+        <p:txBody>
+          <a:bodyPr rtlCol="0" anchor="ctr"/>
+          <a:lstStyle/>
+          <a:p>
+            <a:pPr algn="ctr"/>
+            <a:endParaRPr lang="it-IT"/>
+          </a:p>
+        </p:txBody>
+      </p:sp>
+    </p:spTree>
+    <p:extLst>
+      <p:ext uri="{BB962C8B-B14F-4D97-AF65-F5344CB8AC3E}">
+        <p14:creationId xmlns:p14="http://schemas.microsoft.com/office/powerpoint/2010/main" val="3149869723"/>
+      </p:ext>
+    </p:extLst>
+  </p:cSld>
+  <p:clrMapOvr>
+    <a:masterClrMapping/>
+  </p:clrMapOvr>
+  <p:timing>
+    <p:tnLst>
+      <p:par>
+        <p:cTn id="1" dur="indefinite" restart="never" nodeType="tmRoot"/>
+      </p:par>
+    </p:tnLst>
+  </p:timing>
+</p:sld>
+</file>
+
+<file path=ppt/slides/slide31.xml><?xml version="1.0" encoding="utf-8"?>
+<p:sld xmlns:a="http://schemas.openxmlformats.org/drawingml/2006/main" xmlns:r="http://schemas.openxmlformats.org/officeDocument/2006/relationships" xmlns:p="http://schemas.openxmlformats.org/presentationml/2006/main">
+  <p:cSld>
+    <p:spTree>
+      <p:nvGrpSpPr>
+        <p:cNvPr id="1" name=""/>
+        <p:cNvGrpSpPr/>
+        <p:nvPr/>
+      </p:nvGrpSpPr>
+      <p:grpSpPr>
+        <a:xfrm>
+          <a:off x="0" y="0"/>
+          <a:ext cx="0" cy="0"/>
+          <a:chOff x="0" y="0"/>
+          <a:chExt cx="0" cy="0"/>
+        </a:xfrm>
+      </p:grpSpPr>
+      <p:sp>
+        <p:nvSpPr>
+          <p:cNvPr id="2" name="Titolo 1"/>
+          <p:cNvSpPr>
+            <a:spLocks noGrp="1"/>
+          </p:cNvSpPr>
+          <p:nvPr>
+            <p:ph type="title"/>
+          </p:nvPr>
+        </p:nvSpPr>
+        <p:spPr>
+          <a:xfrm>
+            <a:off x="0" y="274638"/>
+            <a:ext cx="9144000" cy="1138138"/>
+          </a:xfrm>
+        </p:spPr>
+        <p:txBody>
+          <a:bodyPr>
+            <a:normAutofit/>
+          </a:bodyPr>
+          <a:lstStyle/>
+          <a:p>
+            <a:r>
+              <a:rPr lang="it-IT" b="1" dirty="0"/>
+              <a:t>Come </a:t>
+            </a:r>
+            <a:r>
+              <a:rPr lang="it-IT" b="1" dirty="0" smtClean="0"/>
+              <a:t>fare </a:t>
+            </a:r>
+            <a:r>
+              <a:rPr lang="it-IT" b="1" dirty="0" smtClean="0"/>
+              <a:t>una </a:t>
+            </a:r>
+            <a:r>
+              <a:rPr lang="it-IT" b="1" dirty="0" smtClean="0"/>
+              <a:t>Merge</a:t>
+            </a:r>
+            <a:r>
+              <a:rPr lang="it-IT" b="1" dirty="0" smtClean="0"/>
+              <a:t> </a:t>
+            </a:r>
+            <a:r>
+              <a:rPr lang="it-IT" b="1" dirty="0" smtClean="0"/>
+              <a:t>dal </a:t>
+            </a:r>
+            <a:r>
+              <a:rPr lang="it-IT" b="1" dirty="0"/>
+              <a:t>Browser</a:t>
+            </a:r>
+          </a:p>
+        </p:txBody>
+      </p:sp>
+      <p:sp>
+        <p:nvSpPr>
+          <p:cNvPr id="5" name="Ovale 4"/>
+          <p:cNvSpPr/>
+          <p:nvPr/>
+        </p:nvSpPr>
+        <p:spPr>
+          <a:xfrm>
+            <a:off x="5042258" y="5373216"/>
+            <a:ext cx="936104" cy="432048"/>
+          </a:xfrm>
+          <a:prstGeom prst="ellipse">
+            <a:avLst/>
+          </a:prstGeom>
+          <a:noFill/>
+          <a:ln>
+            <a:solidFill>
+              <a:srgbClr val="FF0000"/>
+            </a:solidFill>
+          </a:ln>
+        </p:spPr>
+        <p:style>
+          <a:lnRef idx="2">
+            <a:schemeClr val="accent1">
+              <a:shade val="50000"/>
+            </a:schemeClr>
+          </a:lnRef>
+          <a:fillRef idx="1">
+            <a:schemeClr val="accent1"/>
+          </a:fillRef>
+          <a:effectRef idx="0">
+            <a:schemeClr val="accent1"/>
+          </a:effectRef>
+          <a:fontRef idx="minor">
+            <a:schemeClr val="lt1"/>
+          </a:fontRef>
+        </p:style>
+        <p:txBody>
+          <a:bodyPr rtlCol="0" anchor="ctr"/>
+          <a:lstStyle/>
+          <a:p>
+            <a:pPr algn="ctr"/>
+            <a:endParaRPr lang="it-IT"/>
+          </a:p>
+        </p:txBody>
+      </p:sp>
+      <p:sp>
+        <p:nvSpPr>
+          <p:cNvPr id="3" name="Segnaposto contenuto 2"/>
+          <p:cNvSpPr>
+            <a:spLocks noGrp="1"/>
+          </p:cNvSpPr>
+          <p:nvPr>
+            <p:ph idx="1"/>
+          </p:nvPr>
+        </p:nvSpPr>
+        <p:spPr/>
+        <p:txBody>
+          <a:bodyPr/>
+          <a:lstStyle/>
+          <a:p>
+            <a:endParaRPr lang="it-IT"/>
+          </a:p>
+        </p:txBody>
+      </p:sp>
+    </p:spTree>
+    <p:extLst>
+      <p:ext uri="{BB962C8B-B14F-4D97-AF65-F5344CB8AC3E}">
+        <p14:creationId xmlns:p14="http://schemas.microsoft.com/office/powerpoint/2010/main" val="944605307"/>
+      </p:ext>
+    </p:extLst>
+  </p:cSld>
+  <p:clrMapOvr>
+    <a:masterClrMapping/>
+  </p:clrMapOvr>
+  <p:timing>
+    <p:tnLst>
+      <p:par>
+        <p:cTn id="1" dur="indefinite" restart="never" nodeType="tmRoot"/>
+      </p:par>
+    </p:tnLst>
+  </p:timing>
+</p:sld>
+</file>
+
+<file path=ppt/slides/slide32.xml><?xml version="1.0" encoding="utf-8"?>
+<p:sld xmlns:a="http://schemas.openxmlformats.org/drawingml/2006/main" xmlns:r="http://schemas.openxmlformats.org/officeDocument/2006/relationships" xmlns:p="http://schemas.openxmlformats.org/presentationml/2006/main">
+  <p:cSld>
+    <p:spTree>
+      <p:nvGrpSpPr>
+        <p:cNvPr id="1" name=""/>
+        <p:cNvGrpSpPr/>
+        <p:nvPr/>
+      </p:nvGrpSpPr>
+      <p:grpSpPr>
+        <a:xfrm>
+          <a:off x="0" y="0"/>
+          <a:ext cx="0" cy="0"/>
+          <a:chOff x="0" y="0"/>
+          <a:chExt cx="0" cy="0"/>
+        </a:xfrm>
+      </p:grpSpPr>
+      <p:sp>
+        <p:nvSpPr>
+          <p:cNvPr id="2" name="Titolo 1"/>
+          <p:cNvSpPr>
+            <a:spLocks noGrp="1"/>
+          </p:cNvSpPr>
+          <p:nvPr>
+            <p:ph type="title"/>
+          </p:nvPr>
+        </p:nvSpPr>
+        <p:spPr/>
+        <p:txBody>
+          <a:bodyPr/>
+          <a:lstStyle/>
+          <a:p>
+            <a:r>
+              <a:rPr lang="it-IT" b="1" dirty="0" smtClean="0"/>
+              <a:t>Glossario</a:t>
+            </a:r>
+            <a:endParaRPr lang="it-IT" b="1" dirty="0"/>
+          </a:p>
+        </p:txBody>
+      </p:sp>
+      <p:sp>
+        <p:nvSpPr>
+          <p:cNvPr id="3" name="Segnaposto contenuto 2"/>
+          <p:cNvSpPr>
+            <a:spLocks noGrp="1"/>
+          </p:cNvSpPr>
+          <p:nvPr>
+            <p:ph idx="1"/>
+          </p:nvPr>
+        </p:nvSpPr>
+        <p:spPr/>
+        <p:txBody>
+          <a:bodyPr>
+            <a:normAutofit/>
+          </a:bodyPr>
+          <a:lstStyle/>
+          <a:p>
+            <a:r>
+              <a:rPr lang="it-IT" sz="1800" b="1" dirty="0" err="1" smtClean="0"/>
+              <a:t>Kernel</a:t>
+            </a:r>
+            <a:r>
+              <a:rPr lang="it-IT" sz="1800" b="1" dirty="0" smtClean="0"/>
+              <a:t> : </a:t>
+            </a:r>
+            <a:r>
+              <a:rPr lang="it-IT" sz="1800" dirty="0" smtClean="0"/>
+              <a:t>in </a:t>
+            </a:r>
+            <a:r>
+              <a:rPr lang="it-IT" sz="1800" dirty="0"/>
+              <a:t>informatica, il nucleo di un sistema operativo, che gestisce le funzioni di controllo fondamentali del computer</a:t>
+            </a:r>
+            <a:r>
+              <a:rPr lang="it-IT" sz="1800" dirty="0" smtClean="0"/>
+              <a:t>.</a:t>
+            </a:r>
+          </a:p>
+          <a:p>
+            <a:r>
+              <a:rPr lang="it-IT" sz="1800" b="1" dirty="0"/>
+              <a:t>C</a:t>
+            </a:r>
+            <a:r>
+              <a:rPr lang="it-IT" sz="1800" b="1" dirty="0" smtClean="0"/>
+              <a:t>ontrollo versione distribuito  (o DVCS da Distributed Version Control System) : </a:t>
+            </a:r>
+            <a:r>
+              <a:rPr lang="it-IT" sz="1800" dirty="0" smtClean="0"/>
+              <a:t>permette di tenere traccia delle modifiche e delle versioni apportate al codice sorgente del software, senza la necessità di dover utilizzare un server centrale.</a:t>
+            </a:r>
+          </a:p>
+          <a:p>
+            <a:r>
+              <a:rPr lang="it-IT" sz="1800" b="1" dirty="0" err="1" smtClean="0"/>
+              <a:t>Concurrent</a:t>
+            </a:r>
+            <a:r>
+              <a:rPr lang="it-IT" sz="1800" b="1" dirty="0" smtClean="0"/>
+              <a:t> </a:t>
+            </a:r>
+            <a:r>
+              <a:rPr lang="it-IT" sz="1800" b="1" dirty="0" err="1" smtClean="0"/>
+              <a:t>Versions</a:t>
+            </a:r>
+            <a:r>
+              <a:rPr lang="it-IT" sz="1800" b="1" dirty="0" smtClean="0"/>
+              <a:t> System (CVS)</a:t>
+            </a:r>
+            <a:r>
+              <a:rPr lang="it-IT" sz="1800" dirty="0"/>
+              <a:t> </a:t>
+            </a:r>
+            <a:r>
+              <a:rPr lang="it-IT" sz="1800" dirty="0" smtClean="0"/>
+              <a:t> :  è un sistema software che implementa un sistema di controllo versione.</a:t>
+            </a:r>
+          </a:p>
+          <a:p>
+            <a:r>
+              <a:rPr lang="it-IT" sz="1800" b="1" dirty="0" smtClean="0"/>
+              <a:t>Ordine </a:t>
+            </a:r>
+            <a:r>
+              <a:rPr lang="it-IT" sz="1800" b="1" dirty="0"/>
+              <a:t>di </a:t>
+            </a:r>
+            <a:r>
+              <a:rPr lang="it-IT" sz="1800" b="1" dirty="0" smtClean="0"/>
+              <a:t>grandezza </a:t>
+            </a:r>
+            <a:r>
+              <a:rPr lang="it-IT" sz="1800" dirty="0" smtClean="0"/>
+              <a:t>:</a:t>
+            </a:r>
+            <a:r>
+              <a:rPr lang="it-IT" sz="1800" b="1" dirty="0" smtClean="0"/>
+              <a:t> </a:t>
+            </a:r>
+            <a:r>
+              <a:rPr lang="it-IT" sz="1800" dirty="0" smtClean="0"/>
+              <a:t>è </a:t>
+            </a:r>
+            <a:r>
+              <a:rPr lang="it-IT" sz="1800" dirty="0"/>
+              <a:t>la classe di scala o grandezza di una quantità, dove ogni classe contiene valori aventi un rapporto fisso rispetto a quelli della classe precedente. I rapporti usati più frequentemente sono 1000, 10, 2, 1024 o </a:t>
+            </a:r>
+            <a:r>
+              <a:rPr lang="it-IT" sz="1800" i="1" dirty="0" smtClean="0"/>
+              <a:t>e</a:t>
+            </a:r>
+            <a:r>
+              <a:rPr lang="it-IT" sz="1800" dirty="0" smtClean="0"/>
+              <a:t>;</a:t>
+            </a:r>
+            <a:endParaRPr lang="it-IT" sz="1800" dirty="0"/>
+          </a:p>
+        </p:txBody>
+      </p:sp>
+    </p:spTree>
+    <p:extLst>
+      <p:ext uri="{BB962C8B-B14F-4D97-AF65-F5344CB8AC3E}">
+        <p14:creationId xmlns:p14="http://schemas.microsoft.com/office/powerpoint/2010/main" val="956342820"/>
+      </p:ext>
+    </p:extLst>
+  </p:cSld>
+  <p:clrMapOvr>
+    <a:masterClrMapping/>
+  </p:clrMapOvr>
+  <p:timing>
+    <p:tnLst>
+      <p:par>
+        <p:cTn id="1" dur="indefinite" restart="never" nodeType="tmRoot"/>
+      </p:par>
+    </p:tnLst>
+  </p:timing>
+</p:sld>
+</file>
+
+<file path=ppt/slides/slide4.xml><?xml version="1.0" encoding="utf-8"?>
+<p:sld xmlns:a="http://schemas.openxmlformats.org/drawingml/2006/main" xmlns:r="http://schemas.openxmlformats.org/officeDocument/2006/relationships" xmlns:p="http://schemas.openxmlformats.org/presentationml/2006/main">
+  <p:cSld>
+    <p:spTree>
+      <p:nvGrpSpPr>
+        <p:cNvPr id="1" name=""/>
+        <p:cNvGrpSpPr/>
+        <p:nvPr/>
+      </p:nvGrpSpPr>
+      <p:grpSpPr>
+        <a:xfrm>
+          <a:off x="0" y="0"/>
+          <a:ext cx="0" cy="0"/>
+          <a:chOff x="0" y="0"/>
+          <a:chExt cx="0" cy="0"/>
+        </a:xfrm>
+      </p:grpSpPr>
+      <p:sp>
+        <p:nvSpPr>
+          <p:cNvPr id="2" name="Titolo 1"/>
+          <p:cNvSpPr>
+            <a:spLocks noGrp="1"/>
+          </p:cNvSpPr>
+          <p:nvPr>
+            <p:ph type="title"/>
+          </p:nvPr>
+        </p:nvSpPr>
+        <p:spPr/>
+        <p:txBody>
+          <a:bodyPr/>
+          <a:lstStyle/>
+          <a:p>
+            <a:r>
+              <a:rPr lang="it-IT" b="1" dirty="0" smtClean="0"/>
+              <a:t>Da dove nasce </a:t>
+            </a:r>
+            <a:r>
+              <a:rPr lang="it-IT" b="1" dirty="0" err="1" smtClean="0"/>
+              <a:t>GitHub</a:t>
+            </a:r>
+            <a:r>
+              <a:rPr lang="it-IT" b="1" dirty="0" smtClean="0"/>
+              <a:t>…</a:t>
+            </a:r>
+            <a:endParaRPr lang="it-IT" b="1" dirty="0"/>
+          </a:p>
+        </p:txBody>
+      </p:sp>
+      <p:sp>
+        <p:nvSpPr>
+          <p:cNvPr id="3" name="Segnaposto contenuto 2"/>
+          <p:cNvSpPr>
+            <a:spLocks noGrp="1"/>
+          </p:cNvSpPr>
+          <p:nvPr>
+            <p:ph idx="1"/>
+          </p:nvPr>
+        </p:nvSpPr>
+        <p:spPr/>
+        <p:txBody>
+          <a:bodyPr>
+            <a:normAutofit/>
+          </a:bodyPr>
+          <a:lstStyle/>
+          <a:p>
+            <a:pPr marL="0" indent="0" algn="just">
+              <a:buNone/>
+            </a:pPr>
+            <a:r>
+              <a:rPr lang="it-IT" b="1" dirty="0" smtClean="0"/>
+              <a:t>Caratteristiche di </a:t>
+            </a:r>
+            <a:r>
+              <a:rPr lang="it-IT" b="1" dirty="0" err="1" smtClean="0"/>
+              <a:t>Git</a:t>
+            </a:r>
+            <a:r>
+              <a:rPr lang="it-IT" b="1" dirty="0" smtClean="0"/>
+              <a:t> :</a:t>
+            </a:r>
+          </a:p>
+          <a:p>
+            <a:pPr algn="just"/>
+            <a:r>
+              <a:rPr lang="it-IT" sz="2000" i="1" u="sng" dirty="0"/>
+              <a:t>Gestione efficiente di grandi </a:t>
+            </a:r>
+            <a:r>
+              <a:rPr lang="it-IT" sz="2000" i="1" u="sng" dirty="0" smtClean="0"/>
+              <a:t>progetti</a:t>
+            </a:r>
+            <a:r>
+              <a:rPr lang="it-IT" sz="2000" dirty="0"/>
+              <a:t> </a:t>
+            </a:r>
+            <a:r>
+              <a:rPr lang="it-IT" sz="2000" dirty="0" smtClean="0"/>
+              <a:t>: </a:t>
+            </a:r>
+            <a:r>
+              <a:rPr lang="it-IT" sz="2000" dirty="0" err="1"/>
+              <a:t>Git</a:t>
+            </a:r>
+            <a:r>
+              <a:rPr lang="it-IT" sz="2000" dirty="0"/>
+              <a:t> è molto veloce e scalabile. È tipicamente un ordine di grandezza più veloce degli altri sistemi di controllo versione, e due ordini di grandezza più veloce per alcune </a:t>
+            </a:r>
+            <a:r>
+              <a:rPr lang="it-IT" sz="2000" dirty="0" smtClean="0"/>
+              <a:t>operazioni.</a:t>
+            </a:r>
+          </a:p>
+          <a:p>
+            <a:pPr algn="just"/>
+            <a:r>
+              <a:rPr lang="it-IT" sz="2000" i="1" u="sng" dirty="0"/>
+              <a:t>Autenticazione crittografica della </a:t>
+            </a:r>
+            <a:r>
+              <a:rPr lang="it-IT" sz="2000" i="1" u="sng" dirty="0" smtClean="0"/>
+              <a:t>cronologia</a:t>
+            </a:r>
+            <a:r>
+              <a:rPr lang="it-IT" sz="2000" dirty="0"/>
+              <a:t> </a:t>
+            </a:r>
+            <a:r>
+              <a:rPr lang="it-IT" sz="2000" dirty="0" smtClean="0"/>
+              <a:t>: </a:t>
+            </a:r>
+            <a:r>
+              <a:rPr lang="it-IT" sz="2000" dirty="0"/>
+              <a:t>La cronologia di </a:t>
+            </a:r>
+            <a:r>
+              <a:rPr lang="it-IT" sz="2000" dirty="0" err="1"/>
+              <a:t>Git</a:t>
+            </a:r>
+            <a:r>
+              <a:rPr lang="it-IT" sz="2000" dirty="0"/>
+              <a:t> viene memorizzata in modo tale che il nome di una revisione particolare (secondo la terminologia </a:t>
+            </a:r>
+            <a:r>
+              <a:rPr lang="it-IT" sz="2000" dirty="0" err="1"/>
+              <a:t>Git</a:t>
+            </a:r>
+            <a:r>
+              <a:rPr lang="it-IT" sz="2000" dirty="0"/>
+              <a:t>, una "</a:t>
+            </a:r>
+            <a:r>
+              <a:rPr lang="it-IT" sz="2000" dirty="0" err="1"/>
+              <a:t>commit</a:t>
+            </a:r>
+            <a:r>
+              <a:rPr lang="it-IT" sz="2000" dirty="0"/>
+              <a:t>") dipende dalla completa cronologia di sviluppo che conduce a tale </a:t>
+            </a:r>
+            <a:r>
+              <a:rPr lang="it-IT" sz="2000" dirty="0" err="1"/>
+              <a:t>commit</a:t>
+            </a:r>
+            <a:r>
+              <a:rPr lang="it-IT" sz="2000" dirty="0"/>
+              <a:t>. Una volta che è stata pubblicata, non è più possibile cambiare le vecchie versioni senza che ciò venga notato. </a:t>
+            </a:r>
+            <a:endParaRPr lang="it-IT" sz="2000" dirty="0" smtClean="0"/>
+          </a:p>
+          <a:p>
+            <a:pPr marL="0" indent="0" algn="just">
+              <a:buNone/>
+            </a:pPr>
+            <a:endParaRPr lang="it-IT" sz="2000" dirty="0"/>
+          </a:p>
+          <a:p>
+            <a:pPr marL="0" indent="0" algn="just">
+              <a:buNone/>
+            </a:pPr>
+            <a:endParaRPr lang="it-IT" b="1" dirty="0"/>
+          </a:p>
+          <a:p>
+            <a:pPr algn="just"/>
+            <a:endParaRPr lang="it-IT" sz="2000" dirty="0" smtClean="0"/>
+          </a:p>
+        </p:txBody>
+      </p:sp>
+    </p:spTree>
+    <p:extLst>
+      <p:ext uri="{BB962C8B-B14F-4D97-AF65-F5344CB8AC3E}">
+        <p14:creationId xmlns:p14="http://schemas.microsoft.com/office/powerpoint/2010/main" val="1115010207"/>
+      </p:ext>
+    </p:extLst>
+  </p:cSld>
+  <p:clrMapOvr>
+    <a:masterClrMapping/>
+  </p:clrMapOvr>
+  <p:timing>
+    <p:tnLst>
+      <p:par>
+        <p:cTn id="1" dur="indefinite" restart="never" nodeType="tmRoot"/>
+      </p:par>
+    </p:tnLst>
+  </p:timing>
+</p:sld>
+</file>
+
+<file path=ppt/slides/slide5.xml><?xml version="1.0" encoding="utf-8"?>
+<p:sld xmlns:a="http://schemas.openxmlformats.org/drawingml/2006/main" xmlns:r="http://schemas.openxmlformats.org/officeDocument/2006/relationships" xmlns:p="http://schemas.openxmlformats.org/presentationml/2006/main">
+  <p:cSld>
+    <p:spTree>
+      <p:nvGrpSpPr>
+        <p:cNvPr id="1" name=""/>
+        <p:cNvGrpSpPr/>
+        <p:nvPr/>
+      </p:nvGrpSpPr>
+      <p:grpSpPr>
+        <a:xfrm>
+          <a:off x="0" y="0"/>
+          <a:ext cx="0" cy="0"/>
+          <a:chOff x="0" y="0"/>
+          <a:chExt cx="0" cy="0"/>
+        </a:xfrm>
+      </p:grpSpPr>
+      <p:sp>
+        <p:nvSpPr>
+          <p:cNvPr id="2" name="Titolo 1"/>
+          <p:cNvSpPr>
+            <a:spLocks noGrp="1"/>
+          </p:cNvSpPr>
+          <p:nvPr>
+            <p:ph type="title"/>
+          </p:nvPr>
+        </p:nvSpPr>
+        <p:spPr>
+          <a:xfrm>
+            <a:off x="457200" y="269776"/>
+            <a:ext cx="8229600" cy="1143000"/>
+          </a:xfrm>
+        </p:spPr>
+        <p:txBody>
+          <a:bodyPr/>
+          <a:lstStyle/>
+          <a:p>
+            <a:r>
+              <a:rPr lang="it-IT" b="1" dirty="0" smtClean="0"/>
+              <a:t>Da dove nasce </a:t>
+            </a:r>
+            <a:r>
+              <a:rPr lang="it-IT" b="1" dirty="0" err="1" smtClean="0"/>
+              <a:t>GitHub</a:t>
+            </a:r>
+            <a:r>
+              <a:rPr lang="it-IT" b="1" dirty="0" smtClean="0"/>
+              <a:t>…</a:t>
+            </a:r>
+            <a:endParaRPr lang="it-IT" b="1" dirty="0"/>
+          </a:p>
+        </p:txBody>
+      </p:sp>
+      <p:sp>
+        <p:nvSpPr>
+          <p:cNvPr id="3" name="Segnaposto contenuto 2"/>
+          <p:cNvSpPr>
+            <a:spLocks noGrp="1"/>
+          </p:cNvSpPr>
+          <p:nvPr>
+            <p:ph idx="1"/>
+          </p:nvPr>
+        </p:nvSpPr>
+        <p:spPr>
+          <a:xfrm>
+            <a:off x="457200" y="1268760"/>
+            <a:ext cx="8229600" cy="5256584"/>
+          </a:xfrm>
+        </p:spPr>
+        <p:txBody>
+          <a:bodyPr>
+            <a:normAutofit/>
+          </a:bodyPr>
+          <a:lstStyle/>
+          <a:p>
+            <a:pPr marL="0" indent="0" algn="just">
+              <a:buNone/>
+            </a:pPr>
+            <a:r>
+              <a:rPr lang="it-IT" sz="2200" b="1" dirty="0" err="1" smtClean="0"/>
+              <a:t>GitHub</a:t>
+            </a:r>
+            <a:r>
+              <a:rPr lang="it-IT" sz="2200" b="1" dirty="0" smtClean="0"/>
+              <a:t> </a:t>
+            </a:r>
+            <a:r>
+              <a:rPr lang="it-IT" sz="2200" dirty="0" smtClean="0"/>
+              <a:t>(nato nel 2008) </a:t>
+            </a:r>
+            <a:r>
+              <a:rPr lang="it-IT" sz="2200" dirty="0"/>
+              <a:t>è un </a:t>
+            </a:r>
+            <a:r>
+              <a:rPr lang="it-IT" sz="2200" b="1" dirty="0"/>
+              <a:t>servizio di hosting</a:t>
+            </a:r>
+            <a:r>
+              <a:rPr lang="it-IT" sz="2200" dirty="0"/>
+              <a:t> per progetti software. </a:t>
+            </a:r>
+            <a:endParaRPr lang="it-IT" sz="2200" dirty="0" smtClean="0"/>
+          </a:p>
+          <a:p>
+            <a:pPr marL="0" indent="0" algn="just">
+              <a:buNone/>
+            </a:pPr>
+            <a:endParaRPr lang="it-IT" sz="2000" dirty="0" smtClean="0"/>
+          </a:p>
+          <a:p>
+            <a:pPr marL="0" indent="0" algn="just">
+              <a:buNone/>
+            </a:pPr>
+            <a:r>
+              <a:rPr lang="it-IT" sz="2000" dirty="0" smtClean="0"/>
+              <a:t>Il </a:t>
+            </a:r>
+            <a:r>
+              <a:rPr lang="it-IT" sz="2000" dirty="0"/>
+              <a:t>nome "</a:t>
+            </a:r>
+            <a:r>
+              <a:rPr lang="it-IT" sz="2000" dirty="0" err="1"/>
+              <a:t>GitHub</a:t>
+            </a:r>
+            <a:r>
+              <a:rPr lang="it-IT" sz="2000" dirty="0"/>
+              <a:t>" deriva dal fatto che </a:t>
+            </a:r>
+            <a:r>
+              <a:rPr lang="it-IT" sz="2000" dirty="0" err="1"/>
+              <a:t>GitHub</a:t>
+            </a:r>
+            <a:r>
+              <a:rPr lang="it-IT" sz="2000" dirty="0"/>
+              <a:t> è una </a:t>
+            </a:r>
+            <a:r>
+              <a:rPr lang="it-IT" sz="2000" b="1" dirty="0"/>
+              <a:t>implementazione</a:t>
+            </a:r>
+            <a:r>
+              <a:rPr lang="it-IT" sz="2000" dirty="0"/>
+              <a:t> dello strumento di controllo versione distribuito </a:t>
+            </a:r>
+            <a:r>
+              <a:rPr lang="it-IT" sz="2000" b="1" dirty="0" err="1"/>
+              <a:t>Git</a:t>
+            </a:r>
+            <a:r>
+              <a:rPr lang="it-IT" sz="2000" dirty="0"/>
+              <a:t>.</a:t>
+            </a:r>
+          </a:p>
+          <a:p>
+            <a:pPr marL="0" indent="0" algn="just">
+              <a:buNone/>
+            </a:pPr>
+            <a:endParaRPr lang="it-IT" sz="2000" dirty="0"/>
+          </a:p>
+          <a:p>
+            <a:pPr marL="0" indent="0" algn="just">
+              <a:buNone/>
+            </a:pPr>
+            <a:r>
+              <a:rPr lang="it-IT" sz="2000" dirty="0"/>
+              <a:t>Il sito è principalmente utilizzato dagli sviluppatori, che caricano il codice sorgente dei loro programmi e lo rendono scaricabile dagli utenti</a:t>
+            </a:r>
+            <a:r>
+              <a:rPr lang="it-IT" sz="2000" dirty="0" smtClean="0"/>
+              <a:t>.</a:t>
+            </a:r>
+          </a:p>
+          <a:p>
+            <a:pPr marL="0" indent="0" algn="just">
+              <a:buNone/>
+            </a:pPr>
+            <a:endParaRPr lang="it-IT" sz="2000" dirty="0" smtClean="0"/>
+          </a:p>
+          <a:p>
+            <a:pPr marL="0" indent="0" algn="just">
+              <a:buNone/>
+            </a:pPr>
+            <a:r>
+              <a:rPr lang="it-IT" sz="2000" dirty="0" smtClean="0"/>
+              <a:t>Questi </a:t>
+            </a:r>
+            <a:r>
+              <a:rPr lang="it-IT" sz="2000" dirty="0"/>
+              <a:t>ultimi possono interagire con lo sviluppatore tramite un sistema di </a:t>
+            </a:r>
+            <a:r>
+              <a:rPr lang="it-IT" sz="2000" dirty="0" err="1"/>
+              <a:t>issue</a:t>
+            </a:r>
+            <a:r>
+              <a:rPr lang="it-IT" sz="2000" dirty="0"/>
+              <a:t> </a:t>
+            </a:r>
+            <a:r>
+              <a:rPr lang="it-IT" sz="2000" dirty="0" err="1"/>
+              <a:t>tracking</a:t>
+            </a:r>
+            <a:r>
+              <a:rPr lang="it-IT" sz="2000" dirty="0"/>
+              <a:t>, pull </a:t>
+            </a:r>
+            <a:r>
+              <a:rPr lang="it-IT" sz="2000" dirty="0" err="1"/>
+              <a:t>request</a:t>
+            </a:r>
+            <a:r>
+              <a:rPr lang="it-IT" sz="2000" dirty="0"/>
+              <a:t> e commenti che permette di migliorare il codice della </a:t>
+            </a:r>
+            <a:r>
+              <a:rPr lang="it-IT" sz="2000" dirty="0" err="1"/>
+              <a:t>repository</a:t>
+            </a:r>
+            <a:r>
+              <a:rPr lang="it-IT" sz="2000" dirty="0"/>
+              <a:t> risolvendo bug o aggiungendo funzionalità. </a:t>
+            </a:r>
+            <a:endParaRPr lang="it-IT" sz="2000" dirty="0" smtClean="0"/>
+          </a:p>
+          <a:p>
+            <a:pPr marL="0" indent="0" algn="just">
+              <a:buNone/>
+            </a:pPr>
+            <a:endParaRPr lang="it-IT" sz="2000" dirty="0" smtClean="0"/>
+          </a:p>
+          <a:p>
+            <a:pPr marL="0" indent="0" algn="just">
+              <a:buNone/>
+            </a:pPr>
+            <a:r>
+              <a:rPr lang="it-IT" sz="2000" dirty="0" smtClean="0"/>
+              <a:t>Inoltre </a:t>
+            </a:r>
+            <a:r>
+              <a:rPr lang="it-IT" sz="2000" dirty="0" err="1"/>
+              <a:t>Github</a:t>
+            </a:r>
+            <a:r>
+              <a:rPr lang="it-IT" sz="2000" dirty="0"/>
+              <a:t> elabora dettagliate pagine che riassumono come gli sviluppatori lavorano sulle varie versioni dei </a:t>
+            </a:r>
+            <a:r>
+              <a:rPr lang="it-IT" sz="2000" dirty="0" err="1"/>
+              <a:t>repository</a:t>
+            </a:r>
+            <a:r>
+              <a:rPr lang="it-IT" sz="2000" dirty="0"/>
+              <a:t>.</a:t>
+            </a:r>
+          </a:p>
+          <a:p>
+            <a:pPr marL="0" indent="0" algn="just">
+              <a:buNone/>
+            </a:pPr>
+            <a:endParaRPr lang="it-IT" b="1" dirty="0"/>
+          </a:p>
+          <a:p>
+            <a:pPr algn="just"/>
+            <a:endParaRPr lang="it-IT" sz="2000" dirty="0" smtClean="0"/>
+          </a:p>
+        </p:txBody>
+      </p:sp>
+    </p:spTree>
+    <p:extLst>
+      <p:ext uri="{BB962C8B-B14F-4D97-AF65-F5344CB8AC3E}">
+        <p14:creationId xmlns:p14="http://schemas.microsoft.com/office/powerpoint/2010/main" val="2247968796"/>
+      </p:ext>
+    </p:extLst>
+  </p:cSld>
+  <p:clrMapOvr>
+    <a:masterClrMapping/>
+  </p:clrMapOvr>
+  <p:timing>
+    <p:tnLst>
+      <p:par>
+        <p:cTn id="1" dur="indefinite" restart="never" nodeType="tmRoot"/>
+      </p:par>
+    </p:tnLst>
+  </p:timing>
+</p:sld>
+</file>
+
+<file path=ppt/slides/slide6.xml><?xml version="1.0" encoding="utf-8"?>
+<p:sld xmlns:a="http://schemas.openxmlformats.org/drawingml/2006/main" xmlns:r="http://schemas.openxmlformats.org/officeDocument/2006/relationships" xmlns:p="http://schemas.openxmlformats.org/presentationml/2006/main">
+  <p:cSld>
+    <p:spTree>
+      <p:nvGrpSpPr>
+        <p:cNvPr id="1" name=""/>
+        <p:cNvGrpSpPr/>
+        <p:nvPr/>
+      </p:nvGrpSpPr>
+      <p:grpSpPr>
+        <a:xfrm>
+          <a:off x="0" y="0"/>
+          <a:ext cx="0" cy="0"/>
+          <a:chOff x="0" y="0"/>
+          <a:chExt cx="0" cy="0"/>
+        </a:xfrm>
+      </p:grpSpPr>
+      <p:sp>
+        <p:nvSpPr>
+          <p:cNvPr id="2" name="Titolo 1"/>
+          <p:cNvSpPr>
+            <a:spLocks noGrp="1"/>
+          </p:cNvSpPr>
+          <p:nvPr>
+            <p:ph type="title"/>
+          </p:nvPr>
+        </p:nvSpPr>
+        <p:spPr/>
+        <p:txBody>
+          <a:bodyPr/>
+          <a:lstStyle/>
+          <a:p>
+            <a:r>
+              <a:rPr lang="it-IT" b="1" dirty="0" smtClean="0"/>
+              <a:t>Che cosa è una </a:t>
+            </a:r>
+            <a:r>
+              <a:rPr lang="it-IT" b="1" dirty="0" err="1" smtClean="0"/>
+              <a:t>Repository</a:t>
+            </a:r>
+            <a:endParaRPr lang="it-IT" b="1" dirty="0"/>
+          </a:p>
+        </p:txBody>
+      </p:sp>
+      <p:sp>
+        <p:nvSpPr>
+          <p:cNvPr id="3" name="Segnaposto contenuto 2"/>
+          <p:cNvSpPr>
+            <a:spLocks noGrp="1"/>
+          </p:cNvSpPr>
+          <p:nvPr>
+            <p:ph idx="1"/>
+          </p:nvPr>
+        </p:nvSpPr>
+        <p:spPr/>
+        <p:txBody>
+          <a:bodyPr>
+            <a:normAutofit lnSpcReduction="10000"/>
+          </a:bodyPr>
+          <a:lstStyle/>
+          <a:p>
+            <a:r>
+              <a:rPr lang="it-IT" sz="2000" dirty="0" smtClean="0"/>
+              <a:t>Una </a:t>
+            </a:r>
+            <a:r>
+              <a:rPr lang="it-IT" sz="2000" dirty="0" err="1"/>
+              <a:t>repository</a:t>
+            </a:r>
+            <a:r>
+              <a:rPr lang="it-IT" sz="2000" dirty="0"/>
+              <a:t> viene solitamente </a:t>
+            </a:r>
+            <a:r>
+              <a:rPr lang="it-IT" sz="2000" dirty="0" smtClean="0"/>
+              <a:t>utilizzata </a:t>
+            </a:r>
+            <a:r>
+              <a:rPr lang="it-IT" sz="2000" dirty="0"/>
+              <a:t>per organizzare un singolo progetto. </a:t>
+            </a:r>
+            <a:endParaRPr lang="it-IT" sz="2000" dirty="0" smtClean="0"/>
+          </a:p>
+          <a:p>
+            <a:endParaRPr lang="it-IT" sz="2000" dirty="0" smtClean="0"/>
+          </a:p>
+          <a:p>
+            <a:r>
+              <a:rPr lang="it-IT" sz="2000" dirty="0" smtClean="0"/>
+              <a:t>Le </a:t>
+            </a:r>
+            <a:r>
+              <a:rPr lang="it-IT" sz="2000" dirty="0" err="1"/>
+              <a:t>repository</a:t>
+            </a:r>
+            <a:r>
+              <a:rPr lang="it-IT" sz="2000" dirty="0"/>
+              <a:t> possono contenere cartelle e file, immagini, video, fogli di calcolo e set di dati: tutto ciò di cui ha bisogno il tuo progetto. </a:t>
+            </a:r>
+            <a:endParaRPr lang="it-IT" sz="2000" dirty="0" smtClean="0"/>
+          </a:p>
+          <a:p>
+            <a:endParaRPr lang="it-IT" sz="2000" dirty="0" smtClean="0"/>
+          </a:p>
+          <a:p>
+            <a:r>
+              <a:rPr lang="it-IT" sz="2000" dirty="0" smtClean="0"/>
+              <a:t>Si consiglia </a:t>
+            </a:r>
+            <a:r>
+              <a:rPr lang="it-IT" sz="2000" dirty="0"/>
+              <a:t>di includere un README o un file con informazioni sul tuo progetto. </a:t>
+            </a:r>
+            <a:r>
+              <a:rPr lang="it-IT" sz="2000" dirty="0" err="1"/>
+              <a:t>GitHub</a:t>
+            </a:r>
+            <a:r>
+              <a:rPr lang="it-IT" sz="2000" dirty="0"/>
+              <a:t> ti consente di aggiungerne uno nello stesso momento in cui crei il tuo nuovo </a:t>
+            </a:r>
+            <a:r>
+              <a:rPr lang="it-IT" sz="2000" dirty="0" err="1"/>
+              <a:t>repository</a:t>
+            </a:r>
+            <a:r>
+              <a:rPr lang="it-IT" sz="2000" dirty="0"/>
+              <a:t>. </a:t>
+            </a:r>
+            <a:endParaRPr lang="it-IT" sz="2000" dirty="0" smtClean="0"/>
+          </a:p>
+          <a:p>
+            <a:endParaRPr lang="it-IT" sz="2000" dirty="0" smtClean="0"/>
+          </a:p>
+          <a:p>
+            <a:r>
+              <a:rPr lang="it-IT" sz="2000" dirty="0" smtClean="0"/>
+              <a:t>Offre </a:t>
+            </a:r>
+            <a:r>
+              <a:rPr lang="it-IT" sz="2000" dirty="0"/>
+              <a:t>anche altre opzioni comuni come un file di licenza. </a:t>
+            </a:r>
+            <a:endParaRPr lang="it-IT" sz="2000" dirty="0" smtClean="0"/>
+          </a:p>
+          <a:p>
+            <a:endParaRPr lang="it-IT" sz="2000" dirty="0" smtClean="0"/>
+          </a:p>
+          <a:p>
+            <a:r>
+              <a:rPr lang="it-IT" sz="2000" dirty="0" smtClean="0"/>
+              <a:t>Il </a:t>
+            </a:r>
+            <a:r>
+              <a:rPr lang="it-IT" sz="2000" dirty="0"/>
+              <a:t>tuo </a:t>
+            </a:r>
+            <a:r>
+              <a:rPr lang="it-IT" sz="2000" dirty="0" err="1"/>
+              <a:t>repository</a:t>
+            </a:r>
+            <a:r>
+              <a:rPr lang="it-IT" sz="2000" dirty="0"/>
+              <a:t> </a:t>
+            </a:r>
+            <a:r>
+              <a:rPr lang="it-IT" sz="2000" dirty="0" smtClean="0"/>
+              <a:t> </a:t>
+            </a:r>
+            <a:r>
+              <a:rPr lang="it-IT" sz="2000" dirty="0"/>
+              <a:t>può essere un luogo in cui archiviare idee, risorse o anche condividere e discutere le cose con gli altri.</a:t>
+            </a:r>
+          </a:p>
+        </p:txBody>
+      </p:sp>
+    </p:spTree>
+    <p:extLst>
+      <p:ext uri="{BB962C8B-B14F-4D97-AF65-F5344CB8AC3E}">
+        <p14:creationId xmlns:p14="http://schemas.microsoft.com/office/powerpoint/2010/main" val="3429087832"/>
+      </p:ext>
+    </p:extLst>
+  </p:cSld>
+  <p:clrMapOvr>
+    <a:masterClrMapping/>
+  </p:clrMapOvr>
+  <p:timing>
+    <p:tnLst>
+      <p:par>
+        <p:cTn id="1" dur="indefinite" restart="never" nodeType="tmRoot"/>
+      </p:par>
+    </p:tnLst>
+  </p:timing>
+</p:sld>
+</file>
+
+<file path=ppt/slides/slide7.xml><?xml version="1.0" encoding="utf-8"?>
+<p:sld xmlns:a="http://schemas.openxmlformats.org/drawingml/2006/main" xmlns:r="http://schemas.openxmlformats.org/officeDocument/2006/relationships" xmlns:p="http://schemas.openxmlformats.org/presentationml/2006/main">
+  <p:cSld>
+    <p:spTree>
+      <p:nvGrpSpPr>
+        <p:cNvPr id="1" name=""/>
+        <p:cNvGrpSpPr/>
+        <p:nvPr/>
+      </p:nvGrpSpPr>
+      <p:grpSpPr>
+        <a:xfrm>
+          <a:off x="0" y="0"/>
+          <a:ext cx="0" cy="0"/>
+          <a:chOff x="0" y="0"/>
+          <a:chExt cx="0" cy="0"/>
+        </a:xfrm>
+      </p:grpSpPr>
+      <p:sp>
+        <p:nvSpPr>
+          <p:cNvPr id="2" name="Titolo 1"/>
+          <p:cNvSpPr>
+            <a:spLocks noGrp="1"/>
+          </p:cNvSpPr>
+          <p:nvPr>
+            <p:ph type="title"/>
+          </p:nvPr>
+        </p:nvSpPr>
+        <p:spPr/>
+        <p:txBody>
+          <a:bodyPr>
+            <a:normAutofit fontScale="90000"/>
+          </a:bodyPr>
+          <a:lstStyle/>
+          <a:p>
+            <a:r>
+              <a:rPr lang="it-IT" b="1" dirty="0" smtClean="0"/>
+              <a:t>Come creare una </a:t>
+            </a:r>
+            <a:r>
+              <a:rPr lang="it-IT" b="1" dirty="0" err="1"/>
+              <a:t>R</a:t>
+            </a:r>
+            <a:r>
+              <a:rPr lang="it-IT" b="1" dirty="0" err="1" smtClean="0"/>
+              <a:t>epository</a:t>
+            </a:r>
+            <a:r>
+              <a:rPr lang="it-IT" b="1" dirty="0" smtClean="0"/>
+              <a:t> dal Browser</a:t>
+            </a:r>
+            <a:endParaRPr lang="it-IT" b="1" dirty="0"/>
+          </a:p>
+        </p:txBody>
+      </p:sp>
+      <p:pic>
+        <p:nvPicPr>
+          <p:cNvPr id="1026" name="Picture 2"/>
+          <p:cNvPicPr>
+            <a:picLocks noGrp="1" noChangeAspect="1" noChangeArrowheads="1"/>
+          </p:cNvPicPr>
+          <p:nvPr>
+            <p:ph idx="1"/>
+          </p:nvPr>
+        </p:nvPicPr>
+        <p:blipFill>
+          <a:blip r:embed="rId2">
+            <a:extLst>
+              <a:ext uri="{28A0092B-C50C-407E-A947-70E740481C1C}">
+                <a14:useLocalDpi xmlns:a14="http://schemas.microsoft.com/office/drawing/2010/main" val="0"/>
+              </a:ext>
+            </a:extLst>
+          </a:blip>
+          <a:srcRect/>
+          <a:stretch>
+            <a:fillRect/>
+          </a:stretch>
+        </p:blipFill>
+        <p:spPr bwMode="auto">
+          <a:xfrm>
+            <a:off x="546957" y="1600200"/>
+            <a:ext cx="8050085" cy="4525963"/>
+          </a:xfrm>
+          <a:prstGeom prst="rect">
+            <a:avLst/>
+          </a:prstGeom>
+          <a:noFill/>
+          <a:ln>
+            <a:noFill/>
+          </a:ln>
+          <a:extLst>
+            <a:ext uri="{909E8E84-426E-40DD-AFC4-6F175D3DCCD1}">
+              <a14:hiddenFill xmlns:a14="http://schemas.microsoft.com/office/drawing/2010/main">
+                <a:solidFill>
+                  <a:schemeClr val="accent1"/>
+                </a:solidFill>
+              </a14:hiddenFill>
+            </a:ext>
+            <a:ext uri="{91240B29-F687-4F45-9708-019B960494DF}">
+              <a14:hiddenLine xmlns:a14="http://schemas.microsoft.com/office/drawing/2010/main" w="9525">
+                <a:solidFill>
+                  <a:schemeClr val="tx1"/>
+                </a:solidFill>
+                <a:miter lim="800000"/>
+                <a:headEnd/>
+                <a:tailEnd/>
+              </a14:hiddenLine>
+            </a:ext>
+          </a:extLst>
+        </p:spPr>
+      </p:pic>
+      <p:sp>
+        <p:nvSpPr>
+          <p:cNvPr id="4" name="Ovale 3"/>
+          <p:cNvSpPr/>
+          <p:nvPr/>
+        </p:nvSpPr>
+        <p:spPr>
+          <a:xfrm>
+            <a:off x="6948264" y="3356992"/>
+            <a:ext cx="648072" cy="432048"/>
+          </a:xfrm>
+          <a:prstGeom prst="ellipse">
+            <a:avLst/>
+          </a:prstGeom>
+          <a:noFill/>
+          <a:ln>
+            <a:solidFill>
+              <a:srgbClr val="FF0000"/>
+            </a:solidFill>
+          </a:ln>
+        </p:spPr>
+        <p:style>
+          <a:lnRef idx="2">
+            <a:schemeClr val="accent1">
+              <a:shade val="50000"/>
+            </a:schemeClr>
+          </a:lnRef>
+          <a:fillRef idx="1">
+            <a:schemeClr val="accent1"/>
+          </a:fillRef>
+          <a:effectRef idx="0">
+            <a:schemeClr val="accent1"/>
+          </a:effectRef>
+          <a:fontRef idx="minor">
+            <a:schemeClr val="lt1"/>
+          </a:fontRef>
+        </p:style>
+        <p:txBody>
+          <a:bodyPr rtlCol="0" anchor="ctr"/>
+          <a:lstStyle/>
+          <a:p>
+            <a:pPr algn="ctr"/>
+            <a:endParaRPr lang="it-IT"/>
+          </a:p>
+        </p:txBody>
+      </p:sp>
+    </p:spTree>
+    <p:extLst>
+      <p:ext uri="{BB962C8B-B14F-4D97-AF65-F5344CB8AC3E}">
+        <p14:creationId xmlns:p14="http://schemas.microsoft.com/office/powerpoint/2010/main" val="2629902479"/>
+      </p:ext>
+    </p:extLst>
+  </p:cSld>
+  <p:clrMapOvr>
+    <a:masterClrMapping/>
+  </p:clrMapOvr>
+  <p:timing>
+    <p:tnLst>
+      <p:par>
+        <p:cTn id="1" dur="indefinite" restart="never" nodeType="tmRoot"/>
+      </p:par>
+    </p:tnLst>
+  </p:timing>
+</p:sld>
+</file>
+
+<file path=ppt/slides/slide8.xml><?xml version="1.0" encoding="utf-8"?>
+<p:sld xmlns:a="http://schemas.openxmlformats.org/drawingml/2006/main" xmlns:r="http://schemas.openxmlformats.org/officeDocument/2006/relationships" xmlns:p="http://schemas.openxmlformats.org/presentationml/2006/main">
+  <p:cSld>
+    <p:spTree>
+      <p:nvGrpSpPr>
+        <p:cNvPr id="1" name=""/>
+        <p:cNvGrpSpPr/>
+        <p:nvPr/>
+      </p:nvGrpSpPr>
+      <p:grpSpPr>
+        <a:xfrm>
+          <a:off x="0" y="0"/>
+          <a:ext cx="0" cy="0"/>
+          <a:chOff x="0" y="0"/>
+          <a:chExt cx="0" cy="0"/>
+        </a:xfrm>
+      </p:grpSpPr>
+      <p:sp>
+        <p:nvSpPr>
+          <p:cNvPr id="2" name="Titolo 1"/>
+          <p:cNvSpPr>
+            <a:spLocks noGrp="1"/>
+          </p:cNvSpPr>
+          <p:nvPr>
+            <p:ph type="title"/>
+          </p:nvPr>
+        </p:nvSpPr>
+        <p:spPr/>
+        <p:txBody>
+          <a:bodyPr>
+            <a:normAutofit fontScale="90000"/>
+          </a:bodyPr>
+          <a:lstStyle/>
+          <a:p>
+            <a:r>
+              <a:rPr lang="it-IT" b="1" dirty="0" smtClean="0"/>
+              <a:t>Come creare una </a:t>
+            </a:r>
+            <a:r>
+              <a:rPr lang="it-IT" b="1" dirty="0" err="1"/>
+              <a:t>R</a:t>
+            </a:r>
+            <a:r>
+              <a:rPr lang="it-IT" b="1" dirty="0" err="1" smtClean="0"/>
+              <a:t>epository</a:t>
+            </a:r>
+            <a:r>
+              <a:rPr lang="it-IT" b="1" dirty="0" smtClean="0"/>
+              <a:t> dal Browser</a:t>
+            </a:r>
+            <a:endParaRPr lang="it-IT" b="1" dirty="0"/>
+          </a:p>
+        </p:txBody>
+      </p:sp>
+      <p:sp>
+        <p:nvSpPr>
+          <p:cNvPr id="4" name="Ovale 3"/>
+          <p:cNvSpPr/>
+          <p:nvPr/>
+        </p:nvSpPr>
+        <p:spPr>
+          <a:xfrm>
+            <a:off x="6948264" y="3356992"/>
+            <a:ext cx="648072" cy="432048"/>
+          </a:xfrm>
+          <a:prstGeom prst="ellipse">
+            <a:avLst/>
+          </a:prstGeom>
+          <a:noFill/>
+          <a:ln>
+            <a:solidFill>
+              <a:srgbClr val="FF0000"/>
+            </a:solidFill>
+          </a:ln>
+        </p:spPr>
+        <p:style>
+          <a:lnRef idx="2">
+            <a:schemeClr val="accent1">
+              <a:shade val="50000"/>
+            </a:schemeClr>
+          </a:lnRef>
+          <a:fillRef idx="1">
+            <a:schemeClr val="accent1"/>
+          </a:fillRef>
+          <a:effectRef idx="0">
+            <a:schemeClr val="accent1"/>
+          </a:effectRef>
+          <a:fontRef idx="minor">
+            <a:schemeClr val="lt1"/>
+          </a:fontRef>
+        </p:style>
+        <p:txBody>
+          <a:bodyPr rtlCol="0" anchor="ctr"/>
+          <a:lstStyle/>
+          <a:p>
+            <a:pPr algn="ctr"/>
+            <a:endParaRPr lang="it-IT"/>
+          </a:p>
+        </p:txBody>
+      </p:sp>
+      <p:pic>
+        <p:nvPicPr>
+          <p:cNvPr id="2050" name="Picture 2"/>
+          <p:cNvPicPr>
+            <a:picLocks noGrp="1" noChangeAspect="1" noChangeArrowheads="1"/>
+          </p:cNvPicPr>
+          <p:nvPr>
+            <p:ph idx="1"/>
+          </p:nvPr>
+        </p:nvPicPr>
+        <p:blipFill>
+          <a:blip r:embed="rId2">
+            <a:extLst>
+              <a:ext uri="{28A0092B-C50C-407E-A947-70E740481C1C}">
+                <a14:useLocalDpi xmlns:a14="http://schemas.microsoft.com/office/drawing/2010/main" val="0"/>
+              </a:ext>
+            </a:extLst>
+          </a:blip>
+          <a:srcRect/>
+          <a:stretch>
+            <a:fillRect/>
+          </a:stretch>
+        </p:blipFill>
+        <p:spPr bwMode="auto">
+          <a:xfrm>
+            <a:off x="546957" y="1600200"/>
+            <a:ext cx="8050085" cy="4525963"/>
+          </a:xfrm>
+          <a:prstGeom prst="rect">
+            <a:avLst/>
+          </a:prstGeom>
+          <a:noFill/>
+          <a:ln>
+            <a:noFill/>
+          </a:ln>
+          <a:extLst>
+            <a:ext uri="{909E8E84-426E-40DD-AFC4-6F175D3DCCD1}">
+              <a14:hiddenFill xmlns:a14="http://schemas.microsoft.com/office/drawing/2010/main">
+                <a:solidFill>
+                  <a:schemeClr val="accent1"/>
+                </a:solidFill>
+              </a14:hiddenFill>
+            </a:ext>
+            <a:ext uri="{91240B29-F687-4F45-9708-019B960494DF}">
+              <a14:hiddenLine xmlns:a14="http://schemas.microsoft.com/office/drawing/2010/main" w="9525">
+                <a:solidFill>
+                  <a:schemeClr val="tx1"/>
+                </a:solidFill>
+                <a:miter lim="800000"/>
+                <a:headEnd/>
+                <a:tailEnd/>
+              </a14:hiddenLine>
+            </a:ext>
+          </a:extLst>
+        </p:spPr>
+      </p:pic>
+      <p:sp>
+        <p:nvSpPr>
           <p:cNvPr id="6" name="Freccia a destra 5"/>
           <p:cNvSpPr/>
           <p:nvPr/>
@@ -7918,6 +9633,13 @@
   <p:clrMapOvr>
     <a:masterClrMapping/>
   </p:clrMapOvr>
+  <p:timing>
+    <p:tnLst>
+      <p:par>
+        <p:cTn id="1" dur="indefinite" restart="never" nodeType="tmRoot"/>
+      </p:par>
+    </p:tnLst>
+  </p:timing>
 </p:sld>
 </file>
 
@@ -7958,12 +9680,8 @@
               <a:t>Che cosa è una </a:t>
             </a:r>
             <a:r>
-              <a:rPr lang="it-IT" b="1" dirty="0" err="1"/>
-              <a:t>B</a:t>
-            </a:r>
-            <a:r>
               <a:rPr lang="it-IT" b="1" dirty="0" err="1" smtClean="0"/>
-              <a:t>rench</a:t>
+              <a:t>Branch</a:t>
             </a:r>
             <a:endParaRPr lang="it-IT" b="1" dirty="0"/>
           </a:p>
@@ -8070,7 +9788,6 @@
               <a:rPr lang="it-IT" sz="2000" dirty="0"/>
               <a:t>qualcun altro ha apportato modifiche al ramo principale mentre stavi lavorando sul tuo ramo, è possibile inserire tali aggiornamenti.</a:t>
             </a:r>
-            <a:endParaRPr lang="it-IT" sz="2000" dirty="0"/>
           </a:p>
         </p:txBody>
       </p:sp>
@@ -8084,6 +9801,13 @@
   <p:clrMapOvr>
     <a:masterClrMapping/>
   </p:clrMapOvr>
+  <p:timing>
+    <p:tnLst>
+      <p:par>
+        <p:cTn id="1" dur="indefinite" restart="never" nodeType="tmRoot"/>
+      </p:par>
+    </p:tnLst>
+  </p:timing>
 </p:sld>
 </file>
 

--- a/Primi passi su GitHub.pptx
+++ b/Primi passi su GitHub.pptx
@@ -9,14 +9,37 @@
     <p:sldId id="257" r:id="rId3"/>
     <p:sldId id="259" r:id="rId4"/>
     <p:sldId id="260" r:id="rId5"/>
-    <p:sldId id="263" r:id="rId6"/>
-    <p:sldId id="267" r:id="rId7"/>
+    <p:sldId id="268" r:id="rId6"/>
+    <p:sldId id="263" r:id="rId7"/>
     <p:sldId id="261" r:id="rId8"/>
     <p:sldId id="262" r:id="rId9"/>
     <p:sldId id="264" r:id="rId10"/>
     <p:sldId id="265" r:id="rId11"/>
     <p:sldId id="266" r:id="rId12"/>
-    <p:sldId id="258" r:id="rId13"/>
+    <p:sldId id="272" r:id="rId13"/>
+    <p:sldId id="269" r:id="rId14"/>
+    <p:sldId id="270" r:id="rId15"/>
+    <p:sldId id="271" r:id="rId16"/>
+    <p:sldId id="273" r:id="rId17"/>
+    <p:sldId id="274" r:id="rId18"/>
+    <p:sldId id="275" r:id="rId19"/>
+    <p:sldId id="276" r:id="rId20"/>
+    <p:sldId id="277" r:id="rId21"/>
+    <p:sldId id="278" r:id="rId22"/>
+    <p:sldId id="279" r:id="rId23"/>
+    <p:sldId id="280" r:id="rId24"/>
+    <p:sldId id="281" r:id="rId25"/>
+    <p:sldId id="282" r:id="rId26"/>
+    <p:sldId id="283" r:id="rId27"/>
+    <p:sldId id="284" r:id="rId28"/>
+    <p:sldId id="285" r:id="rId29"/>
+    <p:sldId id="286" r:id="rId30"/>
+    <p:sldId id="287" r:id="rId31"/>
+    <p:sldId id="288" r:id="rId32"/>
+    <p:sldId id="289" r:id="rId33"/>
+    <p:sldId id="290" r:id="rId34"/>
+    <p:sldId id="291" r:id="rId35"/>
+    <p:sldId id="258" r:id="rId36"/>
   </p:sldIdLst>
   <p:sldSz cx="9144000" cy="6858000" type="screen4x3"/>
   <p:notesSz cx="6858000" cy="9144000"/>
@@ -299,7 +322,7 @@
           <a:p>
             <a:fld id="{5635A7EC-2111-4D0D-BEBC-32ED59C0768E}" type="datetimeFigureOut">
               <a:rPr lang="it-IT" smtClean="0"/>
-              <a:t>01/02/2018</a:t>
+              <a:t>06/02/2018</a:t>
             </a:fld>
             <a:endParaRPr lang="it-IT"/>
           </a:p>
@@ -469,7 +492,7 @@
           <a:p>
             <a:fld id="{5635A7EC-2111-4D0D-BEBC-32ED59C0768E}" type="datetimeFigureOut">
               <a:rPr lang="it-IT" smtClean="0"/>
-              <a:t>01/02/2018</a:t>
+              <a:t>06/02/2018</a:t>
             </a:fld>
             <a:endParaRPr lang="it-IT"/>
           </a:p>
@@ -649,7 +672,7 @@
           <a:p>
             <a:fld id="{5635A7EC-2111-4D0D-BEBC-32ED59C0768E}" type="datetimeFigureOut">
               <a:rPr lang="it-IT" smtClean="0"/>
-              <a:t>01/02/2018</a:t>
+              <a:t>06/02/2018</a:t>
             </a:fld>
             <a:endParaRPr lang="it-IT"/>
           </a:p>
@@ -819,7 +842,7 @@
           <a:p>
             <a:fld id="{5635A7EC-2111-4D0D-BEBC-32ED59C0768E}" type="datetimeFigureOut">
               <a:rPr lang="it-IT" smtClean="0"/>
-              <a:t>01/02/2018</a:t>
+              <a:t>06/02/2018</a:t>
             </a:fld>
             <a:endParaRPr lang="it-IT"/>
           </a:p>
@@ -1065,7 +1088,7 @@
           <a:p>
             <a:fld id="{5635A7EC-2111-4D0D-BEBC-32ED59C0768E}" type="datetimeFigureOut">
               <a:rPr lang="it-IT" smtClean="0"/>
-              <a:t>01/02/2018</a:t>
+              <a:t>06/02/2018</a:t>
             </a:fld>
             <a:endParaRPr lang="it-IT"/>
           </a:p>
@@ -1353,7 +1376,7 @@
           <a:p>
             <a:fld id="{5635A7EC-2111-4D0D-BEBC-32ED59C0768E}" type="datetimeFigureOut">
               <a:rPr lang="it-IT" smtClean="0"/>
-              <a:t>01/02/2018</a:t>
+              <a:t>06/02/2018</a:t>
             </a:fld>
             <a:endParaRPr lang="it-IT"/>
           </a:p>
@@ -1775,7 +1798,7 @@
           <a:p>
             <a:fld id="{5635A7EC-2111-4D0D-BEBC-32ED59C0768E}" type="datetimeFigureOut">
               <a:rPr lang="it-IT" smtClean="0"/>
-              <a:t>01/02/2018</a:t>
+              <a:t>06/02/2018</a:t>
             </a:fld>
             <a:endParaRPr lang="it-IT"/>
           </a:p>
@@ -1893,7 +1916,7 @@
           <a:p>
             <a:fld id="{5635A7EC-2111-4D0D-BEBC-32ED59C0768E}" type="datetimeFigureOut">
               <a:rPr lang="it-IT" smtClean="0"/>
-              <a:t>01/02/2018</a:t>
+              <a:t>06/02/2018</a:t>
             </a:fld>
             <a:endParaRPr lang="it-IT"/>
           </a:p>
@@ -1988,7 +2011,7 @@
           <a:p>
             <a:fld id="{5635A7EC-2111-4D0D-BEBC-32ED59C0768E}" type="datetimeFigureOut">
               <a:rPr lang="it-IT" smtClean="0"/>
-              <a:t>01/02/2018</a:t>
+              <a:t>06/02/2018</a:t>
             </a:fld>
             <a:endParaRPr lang="it-IT"/>
           </a:p>
@@ -2265,7 +2288,7 @@
           <a:p>
             <a:fld id="{5635A7EC-2111-4D0D-BEBC-32ED59C0768E}" type="datetimeFigureOut">
               <a:rPr lang="it-IT" smtClean="0"/>
-              <a:t>01/02/2018</a:t>
+              <a:t>06/02/2018</a:t>
             </a:fld>
             <a:endParaRPr lang="it-IT"/>
           </a:p>
@@ -2518,7 +2541,7 @@
           <a:p>
             <a:fld id="{5635A7EC-2111-4D0D-BEBC-32ED59C0768E}" type="datetimeFigureOut">
               <a:rPr lang="it-IT" smtClean="0"/>
-              <a:t>01/02/2018</a:t>
+              <a:t>06/02/2018</a:t>
             </a:fld>
             <a:endParaRPr lang="it-IT"/>
           </a:p>
@@ -2731,7 +2754,7 @@
           <a:p>
             <a:fld id="{5635A7EC-2111-4D0D-BEBC-32ED59C0768E}" type="datetimeFigureOut">
               <a:rPr lang="it-IT" smtClean="0"/>
-              <a:t>01/02/2018</a:t>
+              <a:t>06/02/2018</a:t>
             </a:fld>
             <a:endParaRPr lang="it-IT"/>
           </a:p>
@@ -3179,6 +3202,13 @@
   <p:clrMapOvr>
     <a:masterClrMapping/>
   </p:clrMapOvr>
+  <p:timing>
+    <p:tnLst>
+      <p:par>
+        <p:cTn id="1" dur="indefinite" restart="never" nodeType="tmRoot"/>
+      </p:par>
+    </p:tnLst>
+  </p:timing>
 </p:sld>
 </file>
 
@@ -3220,7 +3250,7 @@
             </a:r>
             <a:r>
               <a:rPr lang="it-IT" b="1" dirty="0" err="1" smtClean="0"/>
-              <a:t>brench</a:t>
+              <a:t>Branch</a:t>
             </a:r>
             <a:endParaRPr lang="it-IT" b="1" dirty="0"/>
           </a:p>
@@ -3243,30 +3273,90 @@
           </a:bodyPr>
           <a:lstStyle/>
           <a:p>
-            <a:r>
-              <a:rPr lang="en-US" sz="2000" dirty="0" smtClean="0"/>
-              <a:t>This diagram shows:</a:t>
-            </a:r>
-          </a:p>
-          <a:p>
-            <a:r>
-              <a:rPr lang="en-US" sz="2000" dirty="0" smtClean="0"/>
-              <a:t>The master branch</a:t>
-            </a:r>
-          </a:p>
-          <a:p>
-            <a:r>
-              <a:rPr lang="en-US" sz="2000" dirty="0" smtClean="0"/>
-              <a:t>A new branch called feature (because we’re doing ‘feature work’ on this branch)</a:t>
-            </a:r>
-          </a:p>
-          <a:p>
-            <a:r>
-              <a:rPr lang="en-US" sz="2000" dirty="0" smtClean="0"/>
-              <a:t>The journey that feature takes before it’s merged into master</a:t>
-            </a:r>
-          </a:p>
-          <a:p>
+            <a:pPr marL="0" indent="0">
+              <a:buNone/>
+            </a:pPr>
+            <a:r>
+              <a:rPr lang="it-IT" sz="2000" dirty="0"/>
+              <a:t>Questo diagramma mostra: </a:t>
+            </a:r>
+            <a:endParaRPr lang="it-IT" sz="2000" dirty="0" smtClean="0"/>
+          </a:p>
+          <a:p>
+            <a:pPr marL="0" indent="0">
+              <a:buNone/>
+            </a:pPr>
+            <a:endParaRPr lang="it-IT" sz="2000" dirty="0" smtClean="0"/>
+          </a:p>
+          <a:p>
+            <a:r>
+              <a:rPr lang="it-IT" sz="2000" dirty="0" smtClean="0"/>
+              <a:t>Il </a:t>
+            </a:r>
+            <a:r>
+              <a:rPr lang="it-IT" sz="2000" dirty="0"/>
+              <a:t>ramo principale </a:t>
+            </a:r>
+            <a:endParaRPr lang="it-IT" sz="2000" dirty="0" smtClean="0"/>
+          </a:p>
+          <a:p>
+            <a:endParaRPr lang="it-IT" sz="2000" dirty="0" smtClean="0"/>
+          </a:p>
+          <a:p>
+            <a:r>
+              <a:rPr lang="it-IT" sz="2000" dirty="0" smtClean="0"/>
+              <a:t>Un </a:t>
+            </a:r>
+            <a:r>
+              <a:rPr lang="it-IT" sz="2000" dirty="0"/>
+              <a:t>nuovo </a:t>
+            </a:r>
+            <a:r>
+              <a:rPr lang="it-IT" sz="2000" dirty="0" smtClean="0"/>
+              <a:t>ramo(</a:t>
+            </a:r>
+            <a:r>
+              <a:rPr lang="it-IT" sz="2000" dirty="0" err="1" smtClean="0"/>
+              <a:t>branch</a:t>
+            </a:r>
+            <a:r>
+              <a:rPr lang="it-IT" sz="2000" dirty="0" smtClean="0"/>
+              <a:t>) </a:t>
+            </a:r>
+            <a:r>
+              <a:rPr lang="it-IT" sz="2000" dirty="0"/>
+              <a:t>chiamato </a:t>
+            </a:r>
+            <a:r>
+              <a:rPr lang="it-IT" sz="2000" dirty="0" err="1"/>
+              <a:t>feature</a:t>
+            </a:r>
+            <a:r>
+              <a:rPr lang="it-IT" sz="2000" dirty="0"/>
+              <a:t> (perché stiamo facendo '</a:t>
+            </a:r>
+            <a:r>
+              <a:rPr lang="it-IT" sz="2000" dirty="0" err="1"/>
+              <a:t>feature</a:t>
+            </a:r>
+            <a:r>
+              <a:rPr lang="it-IT" sz="2000" dirty="0"/>
+              <a:t> work' su questo ramo) </a:t>
+            </a:r>
+            <a:endParaRPr lang="it-IT" sz="2000" dirty="0" smtClean="0"/>
+          </a:p>
+          <a:p>
+            <a:endParaRPr lang="it-IT" sz="2000" dirty="0" smtClean="0"/>
+          </a:p>
+          <a:p>
+            <a:r>
+              <a:rPr lang="it-IT" sz="2000" dirty="0" smtClean="0"/>
+              <a:t>Il </a:t>
+            </a:r>
+            <a:r>
+              <a:rPr lang="it-IT" sz="2000" dirty="0"/>
+              <a:t>viaggio che questa funzione impiega prima di essere fuso in un master</a:t>
+            </a:r>
             <a:endParaRPr lang="it-IT" dirty="0"/>
           </a:p>
         </p:txBody>
@@ -3294,7 +3384,7 @@
         </p:blipFill>
         <p:spPr bwMode="auto">
           <a:xfrm>
-            <a:off x="189262" y="3722712"/>
+            <a:off x="189262" y="4509120"/>
             <a:ext cx="8847234" cy="2226568"/>
           </a:xfrm>
           <a:prstGeom prst="rect">
@@ -3335,6 +3425,13 @@
   <p:clrMapOvr>
     <a:masterClrMapping/>
   </p:clrMapOvr>
+  <p:timing>
+    <p:tnLst>
+      <p:par>
+        <p:cTn id="1" dur="indefinite" restart="never" nodeType="tmRoot"/>
+      </p:par>
+    </p:tnLst>
+  </p:timing>
 </p:sld>
 </file>
 
@@ -3376,7 +3473,7 @@
             </a:r>
             <a:r>
               <a:rPr lang="it-IT" b="1" dirty="0" err="1" smtClean="0"/>
-              <a:t>brench</a:t>
+              <a:t>Branch</a:t>
             </a:r>
             <a:endParaRPr lang="it-IT" b="1" dirty="0"/>
           </a:p>
@@ -3395,51 +3492,176 @@
         <p:spPr/>
         <p:txBody>
           <a:bodyPr>
-            <a:normAutofit fontScale="77500" lnSpcReduction="20000"/>
+            <a:normAutofit fontScale="92500"/>
           </a:bodyPr>
           <a:lstStyle/>
           <a:p>
-            <a:r>
-              <a:rPr lang="en-US" dirty="0" smtClean="0"/>
-              <a:t>Have you ever saved different versions of a file? Something like:</a:t>
-            </a:r>
-          </a:p>
-          <a:p>
-            <a:endParaRPr lang="en-US" dirty="0" smtClean="0"/>
-          </a:p>
-          <a:p>
-            <a:r>
-              <a:rPr lang="en-US" dirty="0" smtClean="0"/>
-              <a:t>story.txt</a:t>
-            </a:r>
-          </a:p>
-          <a:p>
-            <a:r>
-              <a:rPr lang="en-US" dirty="0" smtClean="0"/>
-              <a:t>story-joe-edit.txt</a:t>
-            </a:r>
-          </a:p>
-          <a:p>
-            <a:r>
-              <a:rPr lang="en-US" dirty="0" smtClean="0"/>
-              <a:t>story-joe-edit-reviewed.txt</a:t>
-            </a:r>
-          </a:p>
-          <a:p>
-            <a:r>
-              <a:rPr lang="en-US" dirty="0" smtClean="0"/>
-              <a:t>Branches accomplish similar goals in GitHub repositories.</a:t>
-            </a:r>
-          </a:p>
-          <a:p>
-            <a:endParaRPr lang="en-US" dirty="0" smtClean="0"/>
-          </a:p>
-          <a:p>
-            <a:r>
-              <a:rPr lang="en-US" dirty="0" smtClean="0"/>
-              <a:t>Here at GitHub, our developers, writers, and designers use branches for keeping bug fixes and feature work separate from our master (production) branch. When a change is ready, they merge their branch into master.</a:t>
-            </a:r>
-            <a:endParaRPr lang="it-IT" dirty="0"/>
+            <a:pPr marL="0" indent="0">
+              <a:buNone/>
+            </a:pPr>
+            <a:r>
+              <a:rPr lang="it-IT" sz="2000" dirty="0" smtClean="0"/>
+              <a:t>Immagina di salvare </a:t>
+            </a:r>
+            <a:r>
+              <a:rPr lang="it-IT" sz="2000" dirty="0"/>
+              <a:t>diverse versioni di un </a:t>
+            </a:r>
+            <a:r>
+              <a:rPr lang="it-IT" sz="2000" dirty="0" smtClean="0"/>
+              <a:t>file </a:t>
+            </a:r>
+          </a:p>
+          <a:p>
+            <a:pPr marL="0" indent="0">
+              <a:buNone/>
+            </a:pPr>
+            <a:r>
+              <a:rPr lang="it-IT" sz="2000" dirty="0" smtClean="0"/>
+              <a:t>Qualcosa </a:t>
+            </a:r>
+            <a:r>
+              <a:rPr lang="it-IT" sz="2000" dirty="0"/>
+              <a:t>di simile a: </a:t>
+            </a:r>
+            <a:endParaRPr lang="it-IT" sz="2000" dirty="0" smtClean="0"/>
+          </a:p>
+          <a:p>
+            <a:r>
+              <a:rPr lang="it-IT" sz="2000" dirty="0" smtClean="0"/>
+              <a:t>storia.txt</a:t>
+            </a:r>
+          </a:p>
+          <a:p>
+            <a:r>
+              <a:rPr lang="it-IT" sz="2000" dirty="0" smtClean="0"/>
+              <a:t>storia-modificata.txt</a:t>
+            </a:r>
+          </a:p>
+          <a:p>
+            <a:r>
+              <a:rPr lang="it-IT" sz="2000" dirty="0" smtClean="0"/>
+              <a:t>storia-modificata-rivista.txt </a:t>
+            </a:r>
+          </a:p>
+          <a:p>
+            <a:pPr marL="0" indent="0">
+              <a:buNone/>
+            </a:pPr>
+            <a:endParaRPr lang="it-IT" sz="2000" dirty="0"/>
+          </a:p>
+          <a:p>
+            <a:pPr marL="0" indent="0">
+              <a:buNone/>
+            </a:pPr>
+            <a:r>
+              <a:rPr lang="it-IT" sz="2000" dirty="0" smtClean="0"/>
+              <a:t>I </a:t>
+            </a:r>
+            <a:r>
+              <a:rPr lang="it-IT" sz="2000" dirty="0"/>
+              <a:t>rami raggiungono obiettivi simili nei </a:t>
+            </a:r>
+            <a:r>
+              <a:rPr lang="it-IT" sz="2000" dirty="0" err="1"/>
+              <a:t>repository</a:t>
+            </a:r>
+            <a:r>
+              <a:rPr lang="it-IT" sz="2000" dirty="0"/>
+              <a:t> </a:t>
+            </a:r>
+            <a:r>
+              <a:rPr lang="it-IT" sz="2000" dirty="0" err="1"/>
+              <a:t>GitHub</a:t>
+            </a:r>
+            <a:r>
+              <a:rPr lang="it-IT" sz="2000" dirty="0"/>
+              <a:t>. </a:t>
+            </a:r>
+            <a:endParaRPr lang="it-IT" sz="2000" dirty="0" smtClean="0"/>
+          </a:p>
+          <a:p>
+            <a:pPr marL="0" indent="0">
+              <a:buNone/>
+            </a:pPr>
+            <a:endParaRPr lang="it-IT" sz="2000" dirty="0" smtClean="0"/>
+          </a:p>
+          <a:p>
+            <a:pPr marL="0" indent="0">
+              <a:buNone/>
+            </a:pPr>
+            <a:r>
+              <a:rPr lang="it-IT" sz="2000" dirty="0" smtClean="0"/>
+              <a:t>Su </a:t>
+            </a:r>
+            <a:r>
+              <a:rPr lang="it-IT" sz="2000" dirty="0" err="1"/>
+              <a:t>GitHub</a:t>
+            </a:r>
+            <a:r>
+              <a:rPr lang="it-IT" sz="2000" dirty="0"/>
+              <a:t>, </a:t>
+            </a:r>
+            <a:r>
+              <a:rPr lang="it-IT" sz="2000" dirty="0" smtClean="0"/>
+              <a:t>gli </a:t>
+            </a:r>
+            <a:r>
+              <a:rPr lang="it-IT" sz="2000" dirty="0"/>
+              <a:t>sviluppatori, scrittori e progettisti utilizzano i rami per </a:t>
+            </a:r>
+            <a:r>
+              <a:rPr lang="it-IT" sz="2000" dirty="0" smtClean="0"/>
+              <a:t>mantenere le </a:t>
+            </a:r>
+            <a:r>
+              <a:rPr lang="it-IT" sz="2000" dirty="0"/>
+              <a:t>correzioni di bug </a:t>
+            </a:r>
+            <a:r>
+              <a:rPr lang="it-IT" sz="2000" dirty="0" smtClean="0"/>
+              <a:t>e di </a:t>
+            </a:r>
+            <a:r>
+              <a:rPr lang="it-IT" sz="2000" dirty="0"/>
+              <a:t>funzioni separate </a:t>
+            </a:r>
+            <a:r>
+              <a:rPr lang="it-IT" sz="2000" dirty="0" smtClean="0"/>
+              <a:t>dal </a:t>
+            </a:r>
+            <a:r>
+              <a:rPr lang="it-IT" sz="2000" dirty="0"/>
+              <a:t>ramo principale </a:t>
+            </a:r>
+            <a:r>
+              <a:rPr lang="it-IT" sz="2000" dirty="0" smtClean="0"/>
+              <a:t>di produzione. </a:t>
+            </a:r>
+          </a:p>
+          <a:p>
+            <a:pPr marL="0" indent="0">
+              <a:buNone/>
+            </a:pPr>
+            <a:endParaRPr lang="it-IT" sz="2000" dirty="0"/>
+          </a:p>
+          <a:p>
+            <a:pPr marL="0" indent="0">
+              <a:buNone/>
+            </a:pPr>
+            <a:r>
+              <a:rPr lang="it-IT" sz="2000" dirty="0" smtClean="0"/>
+              <a:t>Quando </a:t>
+            </a:r>
+            <a:r>
+              <a:rPr lang="it-IT" sz="2000" dirty="0"/>
+              <a:t>un cambiamento è pronto, uniscono il loro ramo </a:t>
+            </a:r>
+            <a:r>
+              <a:rPr lang="it-IT" sz="2000" dirty="0" smtClean="0"/>
+              <a:t>nel master(ramo principale).</a:t>
+            </a:r>
+            <a:endParaRPr lang="it-IT" sz="2000" dirty="0"/>
           </a:p>
         </p:txBody>
       </p:sp>
@@ -3453,6 +3675,13 @@
   <p:clrMapOvr>
     <a:masterClrMapping/>
   </p:clrMapOvr>
+  <p:timing>
+    <p:tnLst>
+      <p:par>
+        <p:cTn id="1" dur="indefinite" restart="never" nodeType="tmRoot"/>
+      </p:par>
+    </p:tnLst>
+  </p:timing>
 </p:sld>
 </file>
 
@@ -3485,14 +3714,27 @@
         </p:nvSpPr>
         <p:spPr/>
         <p:txBody>
-          <a:bodyPr/>
-          <a:lstStyle/>
-          <a:p>
+          <a:bodyPr>
+            <a:normAutofit fontScale="90000"/>
+          </a:bodyPr>
+          <a:lstStyle/>
+          <a:p>
+            <a:r>
+              <a:rPr lang="it-IT" b="1" dirty="0"/>
+              <a:t>Come creare una </a:t>
+            </a:r>
+            <a:r>
+              <a:rPr lang="it-IT" b="1" dirty="0" err="1" smtClean="0"/>
+              <a:t>Branch</a:t>
+            </a:r>
             <a:r>
               <a:rPr lang="it-IT" b="1" dirty="0" smtClean="0"/>
-              <a:t>Glossario</a:t>
-            </a:r>
-            <a:endParaRPr lang="it-IT" b="1" dirty="0"/>
+              <a:t> dal </a:t>
+            </a:r>
+            <a:r>
+              <a:rPr lang="it-IT" b="1" dirty="0"/>
+              <a:t>Browser</a:t>
+            </a:r>
           </a:p>
         </p:txBody>
       </p:sp>
@@ -3513,84 +3755,134 @@
           </a:bodyPr>
           <a:lstStyle/>
           <a:p>
-            <a:r>
-              <a:rPr lang="it-IT" sz="1800" b="1" dirty="0" err="1" smtClean="0"/>
-              <a:t>Kernel</a:t>
-            </a:r>
-            <a:r>
-              <a:rPr lang="it-IT" sz="1800" b="1" dirty="0" smtClean="0"/>
-              <a:t> : </a:t>
-            </a:r>
-            <a:r>
-              <a:rPr lang="it-IT" sz="1800" dirty="0" smtClean="0"/>
-              <a:t>in </a:t>
-            </a:r>
-            <a:r>
-              <a:rPr lang="it-IT" sz="1800" dirty="0"/>
-              <a:t>informatica, il nucleo di un sistema operativo, che gestisce le funzioni di controllo fondamentali del computer</a:t>
-            </a:r>
-            <a:r>
-              <a:rPr lang="it-IT" sz="1800" dirty="0" smtClean="0"/>
+            <a:pPr marL="457200" indent="-457200">
+              <a:buFont typeface="+mj-lt"/>
+              <a:buAutoNum type="arabicPeriod"/>
+            </a:pPr>
+            <a:r>
+              <a:rPr lang="it-IT" sz="2000" dirty="0" smtClean="0"/>
+              <a:t>Vai </a:t>
+            </a:r>
+            <a:r>
+              <a:rPr lang="it-IT" sz="2000" dirty="0"/>
+              <a:t>al tuo nuovo </a:t>
+            </a:r>
+            <a:r>
+              <a:rPr lang="it-IT" sz="2000" dirty="0" err="1" smtClean="0"/>
+              <a:t>repository</a:t>
+            </a:r>
+            <a:r>
+              <a:rPr lang="it-IT" sz="2000" dirty="0" smtClean="0"/>
+              <a:t>. </a:t>
+            </a:r>
+          </a:p>
+          <a:p>
+            <a:pPr marL="457200" indent="-457200">
+              <a:buFont typeface="+mj-lt"/>
+              <a:buAutoNum type="arabicPeriod"/>
+            </a:pPr>
+            <a:endParaRPr lang="it-IT" sz="2000" dirty="0" smtClean="0"/>
+          </a:p>
+          <a:p>
+            <a:pPr marL="457200" indent="-457200">
+              <a:buFont typeface="+mj-lt"/>
+              <a:buAutoNum type="arabicPeriod"/>
+            </a:pPr>
+            <a:r>
+              <a:rPr lang="it-IT" sz="2000" dirty="0" smtClean="0"/>
+              <a:t>Fare </a:t>
+            </a:r>
+            <a:r>
+              <a:rPr lang="it-IT" sz="2000" dirty="0"/>
+              <a:t>clic sul menu a discesa nella parte superiore dell'elenco dei file che dice </a:t>
+            </a:r>
+            <a:r>
+              <a:rPr lang="it-IT" sz="2000" dirty="0" err="1"/>
+              <a:t>branch</a:t>
+            </a:r>
+            <a:r>
+              <a:rPr lang="it-IT" sz="2000" dirty="0"/>
+              <a:t>: master</a:t>
+            </a:r>
+            <a:r>
+              <a:rPr lang="it-IT" sz="2000" dirty="0" smtClean="0"/>
               <a:t>.</a:t>
             </a:r>
           </a:p>
           <a:p>
-            <a:r>
-              <a:rPr lang="it-IT" sz="1800" b="1" dirty="0"/>
-              <a:t>C</a:t>
-            </a:r>
-            <a:r>
-              <a:rPr lang="it-IT" sz="1800" b="1" dirty="0" smtClean="0"/>
-              <a:t>ontrollo versione distribuito  (o DVCS da Distributed Version Control System) : </a:t>
-            </a:r>
-            <a:r>
-              <a:rPr lang="it-IT" sz="1800" dirty="0" smtClean="0"/>
-              <a:t>permette di tenere traccia delle modifiche e delle versioni apportate al codice sorgente del software, senza la necessità di dover utilizzare un server centrale.</a:t>
-            </a:r>
-          </a:p>
-          <a:p>
-            <a:r>
-              <a:rPr lang="it-IT" sz="1800" b="1" dirty="0" err="1" smtClean="0"/>
-              <a:t>Concurrent</a:t>
-            </a:r>
-            <a:r>
-              <a:rPr lang="it-IT" sz="1800" b="1" dirty="0" smtClean="0"/>
-              <a:t> </a:t>
-            </a:r>
-            <a:r>
-              <a:rPr lang="it-IT" sz="1800" b="1" dirty="0" err="1" smtClean="0"/>
-              <a:t>Versions</a:t>
-            </a:r>
-            <a:r>
-              <a:rPr lang="it-IT" sz="1800" b="1" dirty="0" smtClean="0"/>
-              <a:t> System (CVS)</a:t>
-            </a:r>
-            <a:r>
-              <a:rPr lang="it-IT" sz="1800" dirty="0"/>
-              <a:t> </a:t>
-            </a:r>
-            <a:r>
-              <a:rPr lang="it-IT" sz="1800" dirty="0" smtClean="0"/>
-              <a:t> :  è un sistema software che implementa un sistema di controllo versione.</a:t>
-            </a:r>
-            <a:endParaRPr lang="it-IT" sz="1800" dirty="0"/>
+            <a:pPr marL="457200" indent="-457200">
+              <a:buFont typeface="+mj-lt"/>
+              <a:buAutoNum type="arabicPeriod"/>
+            </a:pPr>
+            <a:endParaRPr lang="it-IT" sz="2000" dirty="0" smtClean="0"/>
+          </a:p>
+          <a:p>
+            <a:pPr marL="457200" indent="-457200">
+              <a:buFont typeface="+mj-lt"/>
+              <a:buAutoNum type="arabicPeriod"/>
+            </a:pPr>
+            <a:r>
+              <a:rPr lang="it-IT" sz="2000" dirty="0" smtClean="0"/>
+              <a:t>Digitare </a:t>
+            </a:r>
+            <a:r>
+              <a:rPr lang="it-IT" sz="2000" dirty="0"/>
+              <a:t>un nome di ramo, </a:t>
+            </a:r>
+            <a:r>
+              <a:rPr lang="it-IT" sz="2000" dirty="0" smtClean="0"/>
+              <a:t>ad es. Modifica, </a:t>
+            </a:r>
+            <a:r>
+              <a:rPr lang="it-IT" sz="2000" dirty="0"/>
+              <a:t>nella nuova casella di testo del ramo. </a:t>
+            </a:r>
+            <a:endParaRPr lang="it-IT" sz="2000" dirty="0" smtClean="0"/>
+          </a:p>
+          <a:p>
+            <a:pPr marL="457200" indent="-457200">
+              <a:buFont typeface="+mj-lt"/>
+              <a:buAutoNum type="arabicPeriod"/>
+            </a:pPr>
+            <a:endParaRPr lang="it-IT" sz="2000" dirty="0" smtClean="0"/>
+          </a:p>
+          <a:p>
+            <a:pPr marL="457200" indent="-457200">
+              <a:buFont typeface="+mj-lt"/>
+              <a:buAutoNum type="arabicPeriod"/>
+            </a:pPr>
+            <a:r>
+              <a:rPr lang="it-IT" sz="2000" dirty="0" smtClean="0"/>
+              <a:t>Seleziona </a:t>
+            </a:r>
+            <a:r>
+              <a:rPr lang="it-IT" sz="2000" dirty="0"/>
+              <a:t>la casella blu Crea ramo o premi "Invio" sulla tastiera.</a:t>
+            </a:r>
           </a:p>
         </p:txBody>
       </p:sp>
     </p:spTree>
     <p:extLst>
       <p:ext uri="{BB962C8B-B14F-4D97-AF65-F5344CB8AC3E}">
-        <p14:creationId xmlns:p14="http://schemas.microsoft.com/office/powerpoint/2010/main" val="956342820"/>
+        <p14:creationId xmlns:p14="http://schemas.microsoft.com/office/powerpoint/2010/main" val="1612225305"/>
       </p:ext>
     </p:extLst>
   </p:cSld>
   <p:clrMapOvr>
     <a:masterClrMapping/>
   </p:clrMapOvr>
+  <p:timing>
+    <p:tnLst>
+      <p:par>
+        <p:cTn id="1" dur="indefinite" restart="never" nodeType="tmRoot"/>
+      </p:par>
+    </p:tnLst>
+  </p:timing>
 </p:sld>
 </file>
 
-<file path=ppt/slides/slide2.xml><?xml version="1.0" encoding="utf-8"?>
+<file path=ppt/slides/slide13.xml><?xml version="1.0" encoding="utf-8"?>
 <p:sld xmlns:a="http://schemas.openxmlformats.org/drawingml/2006/main" xmlns:r="http://schemas.openxmlformats.org/officeDocument/2006/relationships" xmlns:p="http://schemas.openxmlformats.org/presentationml/2006/main">
   <p:cSld>
     <p:spTree>
@@ -3607,6 +3899,62 @@
           <a:chExt cx="0" cy="0"/>
         </a:xfrm>
       </p:grpSpPr>
+      <p:pic>
+        <p:nvPicPr>
+          <p:cNvPr id="1027" name="Picture 3"/>
+          <p:cNvPicPr>
+            <a:picLocks noGrp="1" noChangeAspect="1" noChangeArrowheads="1"/>
+          </p:cNvPicPr>
+          <p:nvPr>
+            <p:ph idx="1"/>
+          </p:nvPr>
+        </p:nvPicPr>
+        <p:blipFill>
+          <a:blip r:embed="rId2">
+            <a:extLst>
+              <a:ext uri="{28A0092B-C50C-407E-A947-70E740481C1C}">
+                <a14:useLocalDpi xmlns:a14="http://schemas.microsoft.com/office/drawing/2010/main" val="0"/>
+              </a:ext>
+            </a:extLst>
+          </a:blip>
+          <a:srcRect/>
+          <a:stretch>
+            <a:fillRect/>
+          </a:stretch>
+        </p:blipFill>
+        <p:spPr bwMode="auto">
+          <a:xfrm>
+            <a:off x="251520" y="1451917"/>
+            <a:ext cx="8639599" cy="4857403"/>
+          </a:xfrm>
+          <a:prstGeom prst="rect">
+            <a:avLst/>
+          </a:prstGeom>
+          <a:noFill/>
+          <a:ln>
+            <a:noFill/>
+          </a:ln>
+          <a:extLst>
+            <a:ext uri="{909E8E84-426E-40DD-AFC4-6F175D3DCCD1}">
+              <a14:hiddenFill xmlns:a14="http://schemas.microsoft.com/office/drawing/2010/main">
+                <a:solidFill>
+                  <a:schemeClr val="accent1"/>
+                </a:solidFill>
+              </a14:hiddenFill>
+            </a:ext>
+            <a:ext uri="{91240B29-F687-4F45-9708-019B960494DF}">
+              <a14:hiddenLine xmlns:a14="http://schemas.microsoft.com/office/drawing/2010/main" w="9525">
+                <a:solidFill>
+                  <a:schemeClr val="tx1"/>
+                </a:solidFill>
+                <a:miter lim="800000"/>
+                <a:headEnd/>
+                <a:tailEnd/>
+              </a14:hiddenLine>
+            </a:ext>
+          </a:extLst>
+        </p:spPr>
+      </p:pic>
       <p:sp>
         <p:nvSpPr>
           <p:cNvPr id="2" name="Titolo 1"/>
@@ -3619,20 +3967,22 @@
         </p:nvSpPr>
         <p:spPr/>
         <p:txBody>
-          <a:bodyPr/>
+          <a:bodyPr>
+            <a:normAutofit fontScale="90000"/>
+          </a:bodyPr>
           <a:lstStyle/>
           <a:p>
             <a:r>
               <a:rPr lang="it-IT" b="1" dirty="0" smtClean="0"/>
-              <a:t>Da dove nasce </a:t>
+              <a:t>Come creare una </a:t>
             </a:r>
             <a:r>
               <a:rPr lang="it-IT" b="1" dirty="0" err="1" smtClean="0"/>
-              <a:t>GitHub</a:t>
+              <a:t>Branch</a:t>
             </a:r>
             <a:r>
               <a:rPr lang="it-IT" b="1" dirty="0" smtClean="0"/>
-              <a:t>…</a:t>
+              <a:t> dal Browser</a:t>
             </a:r>
             <a:endParaRPr lang="it-IT" b="1" dirty="0"/>
           </a:p>
@@ -3640,203 +3990,71 @@
       </p:sp>
       <p:sp>
         <p:nvSpPr>
-          <p:cNvPr id="3" name="Segnaposto contenuto 2"/>
-          <p:cNvSpPr>
-            <a:spLocks noGrp="1"/>
-          </p:cNvSpPr>
-          <p:nvPr>
-            <p:ph idx="1"/>
-          </p:nvPr>
-        </p:nvSpPr>
-        <p:spPr/>
-        <p:txBody>
-          <a:bodyPr>
-            <a:normAutofit/>
-          </a:bodyPr>
-          <a:lstStyle/>
-          <a:p>
-            <a:r>
-              <a:rPr lang="it-IT" sz="2000" dirty="0" smtClean="0"/>
-              <a:t>Nel 2005 Linus </a:t>
-            </a:r>
-            <a:r>
-              <a:rPr lang="it-IT" sz="2000" dirty="0" err="1" smtClean="0"/>
-              <a:t>Torvalds</a:t>
-            </a:r>
-            <a:r>
-              <a:rPr lang="it-IT" sz="2000" dirty="0" smtClean="0"/>
-              <a:t> creò </a:t>
-            </a:r>
-            <a:r>
-              <a:rPr lang="it-IT" sz="2000" b="1" dirty="0" err="1" smtClean="0"/>
-              <a:t>Git</a:t>
-            </a:r>
-            <a:r>
-              <a:rPr lang="it-IT" sz="2000" dirty="0" smtClean="0"/>
-              <a:t>  ,che nello slang americano significa ‘’</a:t>
-            </a:r>
-            <a:r>
-              <a:rPr lang="it-IT" sz="2000" i="1" dirty="0" smtClean="0"/>
-              <a:t>idiota</a:t>
-            </a:r>
-            <a:r>
-              <a:rPr lang="it-IT" sz="2000" dirty="0" smtClean="0"/>
-              <a:t>’’</a:t>
-            </a:r>
-          </a:p>
-          <a:p>
-            <a:r>
-              <a:rPr lang="it-IT" sz="2000" dirty="0" err="1" smtClean="0"/>
-              <a:t>Git</a:t>
-            </a:r>
-            <a:r>
-              <a:rPr lang="it-IT" sz="2000" dirty="0" smtClean="0"/>
-              <a:t> è un </a:t>
-            </a:r>
-            <a:r>
-              <a:rPr lang="it-IT" sz="2000" b="1" dirty="0" smtClean="0"/>
-              <a:t>Software di Controllo </a:t>
-            </a:r>
-            <a:r>
-              <a:rPr lang="it-IT" sz="2000" b="1" dirty="0"/>
-              <a:t>V</a:t>
-            </a:r>
-            <a:r>
-              <a:rPr lang="it-IT" sz="2000" b="1" dirty="0" smtClean="0"/>
-              <a:t>ersione </a:t>
-            </a:r>
-            <a:r>
-              <a:rPr lang="it-IT" sz="2000" b="1" dirty="0"/>
-              <a:t>D</a:t>
-            </a:r>
-            <a:r>
-              <a:rPr lang="it-IT" sz="2000" b="1" dirty="0" smtClean="0"/>
-              <a:t>istribuito </a:t>
-            </a:r>
-            <a:r>
-              <a:rPr lang="it-IT" sz="2000" dirty="0" smtClean="0"/>
-              <a:t>e nacque per essere un semplice strumento per facilitare lo sviluppo del </a:t>
-            </a:r>
-            <a:r>
-              <a:rPr lang="it-IT" sz="2000" dirty="0" err="1" smtClean="0"/>
-              <a:t>kernel</a:t>
-            </a:r>
-            <a:r>
-              <a:rPr lang="it-IT" sz="2000" dirty="0" smtClean="0"/>
-              <a:t> Linux ed è diventato uno degli strumenti di controllo versione più diffusi.</a:t>
-            </a:r>
-          </a:p>
-          <a:p>
-            <a:r>
-              <a:rPr lang="it-IT" sz="2000" dirty="0" smtClean="0"/>
-              <a:t>Lo sviluppo di </a:t>
-            </a:r>
-            <a:r>
-              <a:rPr lang="it-IT" sz="2000" dirty="0" err="1" smtClean="0"/>
-              <a:t>Git</a:t>
-            </a:r>
-            <a:r>
-              <a:rPr lang="it-IT" sz="2000" dirty="0" smtClean="0"/>
-              <a:t> è iniziato dopo che molti sviluppatori del </a:t>
-            </a:r>
-            <a:r>
-              <a:rPr lang="it-IT" sz="2000" dirty="0" err="1" smtClean="0"/>
-              <a:t>kernel</a:t>
-            </a:r>
-            <a:r>
-              <a:rPr lang="it-IT" sz="2000" dirty="0" smtClean="0"/>
-              <a:t> di Linux sono stati costretti ad </a:t>
-            </a:r>
-            <a:r>
-              <a:rPr lang="it-IT" sz="2000" b="1" dirty="0" smtClean="0"/>
-              <a:t>abbandonare l'accesso al codice sorgente </a:t>
-            </a:r>
-            <a:r>
-              <a:rPr lang="it-IT" sz="2000" dirty="0" smtClean="0"/>
-              <a:t>tramite il sistema proprietario </a:t>
-            </a:r>
-            <a:r>
-              <a:rPr lang="it-IT" sz="2000" dirty="0" err="1" smtClean="0"/>
-              <a:t>BitKeeper</a:t>
-            </a:r>
-            <a:r>
-              <a:rPr lang="it-IT" sz="2000" dirty="0"/>
-              <a:t> </a:t>
-            </a:r>
-            <a:r>
-              <a:rPr lang="it-IT" sz="2000" dirty="0" smtClean="0"/>
-              <a:t>poiché </a:t>
-            </a:r>
-            <a:r>
-              <a:rPr lang="it-IT" sz="2000" dirty="0"/>
-              <a:t>l</a:t>
-            </a:r>
-            <a:r>
-              <a:rPr lang="it-IT" sz="2000" dirty="0" smtClean="0"/>
-              <a:t>a possibilità di utilizzare </a:t>
-            </a:r>
-            <a:r>
-              <a:rPr lang="it-IT" sz="2000" dirty="0" err="1" smtClean="0"/>
-              <a:t>BitKeeper</a:t>
-            </a:r>
-            <a:r>
-              <a:rPr lang="it-IT" sz="2000" dirty="0" smtClean="0"/>
-              <a:t> gratuitamente era stata ritirata dal detentore dei diritti d'autore Larry </a:t>
-            </a:r>
-            <a:r>
-              <a:rPr lang="it-IT" sz="2000" dirty="0" err="1" smtClean="0"/>
-              <a:t>McVoy</a:t>
-            </a:r>
-            <a:r>
-              <a:rPr lang="it-IT" sz="2000" dirty="0" smtClean="0"/>
-              <a:t>.</a:t>
-            </a:r>
-          </a:p>
-          <a:p>
-            <a:r>
-              <a:rPr lang="it-IT" sz="2000" b="1" dirty="0" err="1" smtClean="0"/>
-              <a:t>Torvalds</a:t>
-            </a:r>
-            <a:r>
-              <a:rPr lang="it-IT" sz="2000" dirty="0" smtClean="0"/>
-              <a:t> voleva un sistema distribuito che potesse usare come </a:t>
-            </a:r>
-            <a:r>
-              <a:rPr lang="it-IT" sz="2000" dirty="0" err="1" smtClean="0"/>
-              <a:t>BitKeeper</a:t>
-            </a:r>
-            <a:r>
-              <a:rPr lang="it-IT" sz="2000" dirty="0" smtClean="0"/>
-              <a:t>, ma nessuno dei sistemi disponibili gratuitamente soddisfaceva i suoi bisogni, particolarmente </a:t>
-            </a:r>
-            <a:r>
-              <a:rPr lang="it-IT" sz="2000" b="1" dirty="0" smtClean="0"/>
-              <a:t>il suo bisogno di velocità</a:t>
-            </a:r>
-            <a:r>
-              <a:rPr lang="it-IT" sz="2000" dirty="0" smtClean="0"/>
-              <a:t>.</a:t>
-            </a:r>
-          </a:p>
-          <a:p>
-            <a:endParaRPr lang="it-IT" sz="2000" dirty="0"/>
+          <p:cNvPr id="4" name="Ovale 3"/>
+          <p:cNvSpPr/>
+          <p:nvPr/>
+        </p:nvSpPr>
+        <p:spPr>
+          <a:xfrm>
+            <a:off x="1700005" y="3444632"/>
+            <a:ext cx="648072" cy="432048"/>
+          </a:xfrm>
+          <a:prstGeom prst="ellipse">
+            <a:avLst/>
+          </a:prstGeom>
+          <a:noFill/>
+          <a:ln>
+            <a:solidFill>
+              <a:srgbClr val="FF0000"/>
+            </a:solidFill>
+          </a:ln>
+        </p:spPr>
+        <p:style>
+          <a:lnRef idx="2">
+            <a:schemeClr val="accent1">
+              <a:shade val="50000"/>
+            </a:schemeClr>
+          </a:lnRef>
+          <a:fillRef idx="1">
+            <a:schemeClr val="accent1"/>
+          </a:fillRef>
+          <a:effectRef idx="0">
+            <a:schemeClr val="accent1"/>
+          </a:effectRef>
+          <a:fontRef idx="minor">
+            <a:schemeClr val="lt1"/>
+          </a:fontRef>
+        </p:style>
+        <p:txBody>
+          <a:bodyPr rtlCol="0" anchor="ctr"/>
+          <a:lstStyle/>
+          <a:p>
+            <a:pPr algn="ctr"/>
+            <a:endParaRPr lang="it-IT"/>
           </a:p>
         </p:txBody>
       </p:sp>
     </p:spTree>
     <p:extLst>
       <p:ext uri="{BB962C8B-B14F-4D97-AF65-F5344CB8AC3E}">
-        <p14:creationId xmlns:p14="http://schemas.microsoft.com/office/powerpoint/2010/main" val="2920935571"/>
+        <p14:creationId xmlns:p14="http://schemas.microsoft.com/office/powerpoint/2010/main" val="2968430293"/>
       </p:ext>
     </p:extLst>
   </p:cSld>
   <p:clrMapOvr>
     <a:masterClrMapping/>
   </p:clrMapOvr>
+  <p:timing>
+    <p:tnLst>
+      <p:par>
+        <p:cTn id="1" dur="indefinite" restart="never" nodeType="tmRoot"/>
+      </p:par>
+    </p:tnLst>
+  </p:timing>
 </p:sld>
 </file>
 
-<file path=ppt/slides/slide3.xml><?xml version="1.0" encoding="utf-8"?>
+<file path=ppt/slides/slide14.xml><?xml version="1.0" encoding="utf-8"?>
 <p:sld xmlns:a="http://schemas.openxmlformats.org/drawingml/2006/main" xmlns:r="http://schemas.openxmlformats.org/officeDocument/2006/relationships" xmlns:p="http://schemas.openxmlformats.org/presentationml/2006/main">
   <p:cSld>
     <p:spTree>
@@ -3853,6 +4071,62 @@
           <a:chExt cx="0" cy="0"/>
         </a:xfrm>
       </p:grpSpPr>
+      <p:pic>
+        <p:nvPicPr>
+          <p:cNvPr id="2050" name="Picture 2"/>
+          <p:cNvPicPr>
+            <a:picLocks noGrp="1" noChangeAspect="1" noChangeArrowheads="1"/>
+          </p:cNvPicPr>
+          <p:nvPr>
+            <p:ph idx="1"/>
+          </p:nvPr>
+        </p:nvPicPr>
+        <p:blipFill>
+          <a:blip r:embed="rId2">
+            <a:extLst>
+              <a:ext uri="{28A0092B-C50C-407E-A947-70E740481C1C}">
+                <a14:useLocalDpi xmlns:a14="http://schemas.microsoft.com/office/drawing/2010/main" val="0"/>
+              </a:ext>
+            </a:extLst>
+          </a:blip>
+          <a:srcRect/>
+          <a:stretch>
+            <a:fillRect/>
+          </a:stretch>
+        </p:blipFill>
+        <p:spPr bwMode="auto">
+          <a:xfrm>
+            <a:off x="251520" y="1451694"/>
+            <a:ext cx="8640000" cy="4857626"/>
+          </a:xfrm>
+          <a:prstGeom prst="rect">
+            <a:avLst/>
+          </a:prstGeom>
+          <a:noFill/>
+          <a:ln>
+            <a:noFill/>
+          </a:ln>
+          <a:extLst>
+            <a:ext uri="{909E8E84-426E-40DD-AFC4-6F175D3DCCD1}">
+              <a14:hiddenFill xmlns:a14="http://schemas.microsoft.com/office/drawing/2010/main">
+                <a:solidFill>
+                  <a:schemeClr val="accent1"/>
+                </a:solidFill>
+              </a14:hiddenFill>
+            </a:ext>
+            <a:ext uri="{91240B29-F687-4F45-9708-019B960494DF}">
+              <a14:hiddenLine xmlns:a14="http://schemas.microsoft.com/office/drawing/2010/main" w="9525">
+                <a:solidFill>
+                  <a:schemeClr val="tx1"/>
+                </a:solidFill>
+                <a:miter lim="800000"/>
+                <a:headEnd/>
+                <a:tailEnd/>
+              </a14:hiddenLine>
+            </a:ext>
+          </a:extLst>
+        </p:spPr>
+      </p:pic>
       <p:sp>
         <p:nvSpPr>
           <p:cNvPr id="2" name="Titolo 1"/>
@@ -3865,20 +4139,22 @@
         </p:nvSpPr>
         <p:spPr/>
         <p:txBody>
-          <a:bodyPr/>
+          <a:bodyPr>
+            <a:normAutofit fontScale="90000"/>
+          </a:bodyPr>
           <a:lstStyle/>
           <a:p>
             <a:r>
               <a:rPr lang="it-IT" b="1" dirty="0" smtClean="0"/>
-              <a:t>Da dove nasce </a:t>
+              <a:t>Come creare una </a:t>
             </a:r>
             <a:r>
               <a:rPr lang="it-IT" b="1" dirty="0" err="1" smtClean="0"/>
-              <a:t>GitHub</a:t>
+              <a:t>Branch</a:t>
             </a:r>
             <a:r>
               <a:rPr lang="it-IT" b="1" dirty="0" smtClean="0"/>
-              <a:t>…</a:t>
+              <a:t> da Browser</a:t>
             </a:r>
             <a:endParaRPr lang="it-IT" b="1" dirty="0"/>
           </a:p>
@@ -3886,200 +4162,65 @@
       </p:sp>
       <p:sp>
         <p:nvSpPr>
-          <p:cNvPr id="3" name="Segnaposto contenuto 2"/>
-          <p:cNvSpPr>
-            <a:spLocks noGrp="1"/>
-          </p:cNvSpPr>
-          <p:nvPr>
-            <p:ph idx="1"/>
-          </p:nvPr>
-        </p:nvSpPr>
-        <p:spPr/>
-        <p:txBody>
-          <a:bodyPr>
-            <a:normAutofit lnSpcReduction="10000"/>
-          </a:bodyPr>
-          <a:lstStyle/>
-          <a:p>
-            <a:pPr marL="0" indent="0" algn="just">
-              <a:buNone/>
-            </a:pPr>
-            <a:r>
-              <a:rPr lang="it-IT" b="1" dirty="0" smtClean="0"/>
-              <a:t>Caratteristiche di </a:t>
-            </a:r>
-            <a:r>
-              <a:rPr lang="it-IT" b="1" dirty="0" err="1" smtClean="0"/>
-              <a:t>Git</a:t>
-            </a:r>
-            <a:r>
-              <a:rPr lang="it-IT" b="1" dirty="0" smtClean="0"/>
-              <a:t> :</a:t>
-            </a:r>
-            <a:endParaRPr lang="it-IT" b="1" dirty="0"/>
-          </a:p>
-          <a:p>
-            <a:pPr algn="just"/>
-            <a:r>
-              <a:rPr lang="it-IT" sz="2200" i="1" u="sng" dirty="0" smtClean="0"/>
-              <a:t>Forte supporto allo sviluppo non lineare</a:t>
-            </a:r>
-            <a:r>
-              <a:rPr lang="it-IT" sz="2200" i="1" dirty="0" smtClean="0"/>
-              <a:t> </a:t>
-            </a:r>
-            <a:r>
-              <a:rPr lang="it-IT" sz="2000" dirty="0"/>
-              <a:t>:</a:t>
-            </a:r>
-            <a:r>
-              <a:rPr lang="it-IT" sz="2000" dirty="0" smtClean="0"/>
-              <a:t> </a:t>
-            </a:r>
-            <a:r>
-              <a:rPr lang="it-IT" sz="2000" dirty="0" err="1" smtClean="0"/>
-              <a:t>Git</a:t>
-            </a:r>
-            <a:r>
-              <a:rPr lang="it-IT" sz="2000" dirty="0" smtClean="0"/>
-              <a:t> supporta diramazione e fusione (branching and </a:t>
-            </a:r>
-            <a:r>
-              <a:rPr lang="it-IT" sz="2000" dirty="0" err="1" smtClean="0"/>
-              <a:t>merging</a:t>
-            </a:r>
-            <a:r>
-              <a:rPr lang="it-IT" sz="2000" dirty="0" smtClean="0"/>
-              <a:t>) rapide e comode, e comprende strumenti specifici per visualizzare e navigare una cronologia di sviluppo non lineare.</a:t>
-            </a:r>
-          </a:p>
-          <a:p>
-            <a:pPr algn="just"/>
-            <a:r>
-              <a:rPr lang="it-IT" sz="2200" i="1" u="sng" dirty="0"/>
-              <a:t>Sviluppo </a:t>
-            </a:r>
-            <a:r>
-              <a:rPr lang="it-IT" sz="2200" i="1" u="sng" dirty="0" smtClean="0"/>
-              <a:t>distribuito</a:t>
-            </a:r>
-            <a:r>
-              <a:rPr lang="it-IT" sz="2400" dirty="0" smtClean="0"/>
-              <a:t> </a:t>
-            </a:r>
-            <a:r>
-              <a:rPr lang="it-IT" sz="2000" dirty="0" smtClean="0"/>
-              <a:t>:</a:t>
-            </a:r>
-            <a:r>
-              <a:rPr lang="it-IT" sz="2400" dirty="0" smtClean="0"/>
-              <a:t> </a:t>
-            </a:r>
-            <a:r>
-              <a:rPr lang="it-IT" sz="2000" dirty="0" err="1" smtClean="0"/>
-              <a:t>Git</a:t>
-            </a:r>
-            <a:r>
-              <a:rPr lang="it-IT" sz="2000" dirty="0" smtClean="0"/>
-              <a:t> dà a ogni sviluppatore una copia locale dell'intera cronologia di sviluppo e le modifiche vengono copiate da un tale </a:t>
-            </a:r>
-            <a:r>
-              <a:rPr lang="it-IT" sz="2000" dirty="0" err="1" smtClean="0"/>
-              <a:t>repository</a:t>
-            </a:r>
-            <a:r>
-              <a:rPr lang="it-IT" sz="2000" dirty="0" smtClean="0"/>
-              <a:t> a un altro. Queste modifiche vengono importate come diramazioni aggiuntive di sviluppo, e possono essere fuse allo stesso modo di una diramazione sviluppata localmente.</a:t>
-            </a:r>
-          </a:p>
-          <a:p>
-            <a:pPr algn="just"/>
-            <a:r>
-              <a:rPr lang="it-IT" sz="2200" i="1" u="sng" dirty="0" smtClean="0"/>
-              <a:t>I </a:t>
-            </a:r>
-            <a:r>
-              <a:rPr lang="it-IT" sz="2200" i="1" u="sng" dirty="0" err="1" smtClean="0"/>
-              <a:t>repository</a:t>
-            </a:r>
-            <a:r>
-              <a:rPr lang="it-IT" sz="2200" i="1" u="sng" dirty="0" smtClean="0"/>
-              <a:t> possono essere pubblicati facilmente</a:t>
-            </a:r>
-            <a:r>
-              <a:rPr lang="it-IT" sz="2200" dirty="0" smtClean="0"/>
-              <a:t> </a:t>
-            </a:r>
-            <a:r>
-              <a:rPr lang="it-IT" sz="2000" dirty="0" smtClean="0"/>
-              <a:t>: tramite HTTP, FTP, </a:t>
-            </a:r>
-            <a:r>
-              <a:rPr lang="it-IT" sz="2000" dirty="0" err="1" smtClean="0"/>
-              <a:t>ssh</a:t>
-            </a:r>
-            <a:r>
-              <a:rPr lang="it-IT" sz="2000" dirty="0" smtClean="0"/>
-              <a:t>, </a:t>
-            </a:r>
-            <a:r>
-              <a:rPr lang="it-IT" sz="2000" dirty="0" err="1" smtClean="0"/>
-              <a:t>rsync</a:t>
-            </a:r>
-            <a:r>
-              <a:rPr lang="it-IT" sz="2000" dirty="0" smtClean="0"/>
-              <a:t>. </a:t>
-            </a:r>
-            <a:r>
-              <a:rPr lang="it-IT" sz="2000" dirty="0" err="1" smtClean="0"/>
-              <a:t>Git</a:t>
-            </a:r>
-            <a:r>
-              <a:rPr lang="it-IT" sz="2000" dirty="0" smtClean="0"/>
-              <a:t> ha anche un'emulazione del server CVS, che consente di usare gli esistenti client CVS e </a:t>
-            </a:r>
-            <a:r>
-              <a:rPr lang="it-IT" sz="2000" dirty="0" err="1" smtClean="0"/>
-              <a:t>plugin</a:t>
-            </a:r>
-            <a:r>
-              <a:rPr lang="it-IT" sz="2000" dirty="0" smtClean="0"/>
-              <a:t> per IDE per accedere ai </a:t>
-            </a:r>
-            <a:r>
-              <a:rPr lang="it-IT" sz="2000" dirty="0" err="1" smtClean="0"/>
-              <a:t>repository</a:t>
-            </a:r>
-            <a:r>
-              <a:rPr lang="it-IT" sz="2000" dirty="0" smtClean="0"/>
-              <a:t> </a:t>
-            </a:r>
-            <a:r>
-              <a:rPr lang="it-IT" sz="2000" dirty="0" err="1" smtClean="0"/>
-              <a:t>Git</a:t>
-            </a:r>
-            <a:r>
-              <a:rPr lang="it-IT" sz="2000" dirty="0" smtClean="0"/>
-              <a:t>.</a:t>
-            </a:r>
-            <a:endParaRPr lang="it-IT" sz="2200" i="1" u="sng" dirty="0" smtClean="0"/>
+          <p:cNvPr id="6" name="Freccia a destra 5"/>
+          <p:cNvSpPr/>
+          <p:nvPr/>
+        </p:nvSpPr>
+        <p:spPr>
+          <a:xfrm rot="10800000">
+            <a:off x="3539451" y="4005064"/>
+            <a:ext cx="432048" cy="144016"/>
+          </a:xfrm>
+          <a:prstGeom prst="rightArrow">
+            <a:avLst/>
+          </a:prstGeom>
+        </p:spPr>
+        <p:style>
+          <a:lnRef idx="2">
+            <a:schemeClr val="accent1">
+              <a:shade val="50000"/>
+            </a:schemeClr>
+          </a:lnRef>
+          <a:fillRef idx="1">
+            <a:schemeClr val="accent1"/>
+          </a:fillRef>
+          <a:effectRef idx="0">
+            <a:schemeClr val="accent1"/>
+          </a:effectRef>
+          <a:fontRef idx="minor">
+            <a:schemeClr val="lt1"/>
+          </a:fontRef>
+        </p:style>
+        <p:txBody>
+          <a:bodyPr rtlCol="0" anchor="ctr"/>
+          <a:lstStyle/>
+          <a:p>
+            <a:pPr algn="ctr"/>
+            <a:endParaRPr lang="it-IT"/>
           </a:p>
         </p:txBody>
       </p:sp>
     </p:spTree>
     <p:extLst>
       <p:ext uri="{BB962C8B-B14F-4D97-AF65-F5344CB8AC3E}">
-        <p14:creationId xmlns:p14="http://schemas.microsoft.com/office/powerpoint/2010/main" val="1459526379"/>
+        <p14:creationId xmlns:p14="http://schemas.microsoft.com/office/powerpoint/2010/main" val="4133319688"/>
       </p:ext>
     </p:extLst>
   </p:cSld>
   <p:clrMapOvr>
     <a:masterClrMapping/>
   </p:clrMapOvr>
+  <p:timing>
+    <p:tnLst>
+      <p:par>
+        <p:cTn id="1" dur="indefinite" restart="never" nodeType="tmRoot"/>
+      </p:par>
+    </p:tnLst>
+  </p:timing>
 </p:sld>
 </file>
 
-<file path=ppt/slides/slide4.xml><?xml version="1.0" encoding="utf-8"?>
+<file path=ppt/slides/slide15.xml><?xml version="1.0" encoding="utf-8"?>
 <p:sld xmlns:a="http://schemas.openxmlformats.org/drawingml/2006/main" xmlns:r="http://schemas.openxmlformats.org/officeDocument/2006/relationships" xmlns:p="http://schemas.openxmlformats.org/presentationml/2006/main">
   <p:cSld>
     <p:spTree>
@@ -4096,6 +4237,62 @@
           <a:chExt cx="0" cy="0"/>
         </a:xfrm>
       </p:grpSpPr>
+      <p:pic>
+        <p:nvPicPr>
+          <p:cNvPr id="3074" name="Picture 2"/>
+          <p:cNvPicPr>
+            <a:picLocks noGrp="1" noChangeAspect="1" noChangeArrowheads="1"/>
+          </p:cNvPicPr>
+          <p:nvPr>
+            <p:ph idx="1"/>
+          </p:nvPr>
+        </p:nvPicPr>
+        <p:blipFill>
+          <a:blip r:embed="rId2">
+            <a:extLst>
+              <a:ext uri="{28A0092B-C50C-407E-A947-70E740481C1C}">
+                <a14:useLocalDpi xmlns:a14="http://schemas.microsoft.com/office/drawing/2010/main" val="0"/>
+              </a:ext>
+            </a:extLst>
+          </a:blip>
+          <a:srcRect/>
+          <a:stretch>
+            <a:fillRect/>
+          </a:stretch>
+        </p:blipFill>
+        <p:spPr bwMode="auto">
+          <a:xfrm>
+            <a:off x="251520" y="1451694"/>
+            <a:ext cx="8640000" cy="4857626"/>
+          </a:xfrm>
+          <a:prstGeom prst="rect">
+            <a:avLst/>
+          </a:prstGeom>
+          <a:noFill/>
+          <a:ln>
+            <a:noFill/>
+          </a:ln>
+          <a:extLst>
+            <a:ext uri="{909E8E84-426E-40DD-AFC4-6F175D3DCCD1}">
+              <a14:hiddenFill xmlns:a14="http://schemas.microsoft.com/office/drawing/2010/main">
+                <a:solidFill>
+                  <a:schemeClr val="accent1"/>
+                </a:solidFill>
+              </a14:hiddenFill>
+            </a:ext>
+            <a:ext uri="{91240B29-F687-4F45-9708-019B960494DF}">
+              <a14:hiddenLine xmlns:a14="http://schemas.microsoft.com/office/drawing/2010/main" w="9525">
+                <a:solidFill>
+                  <a:schemeClr val="tx1"/>
+                </a:solidFill>
+                <a:miter lim="800000"/>
+                <a:headEnd/>
+                <a:tailEnd/>
+              </a14:hiddenLine>
+            </a:ext>
+          </a:extLst>
+        </p:spPr>
+      </p:pic>
       <p:sp>
         <p:nvSpPr>
           <p:cNvPr id="2" name="Titolo 1"/>
@@ -4108,20 +4305,22 @@
         </p:nvSpPr>
         <p:spPr/>
         <p:txBody>
-          <a:bodyPr/>
+          <a:bodyPr>
+            <a:normAutofit fontScale="90000"/>
+          </a:bodyPr>
           <a:lstStyle/>
           <a:p>
             <a:r>
               <a:rPr lang="it-IT" b="1" dirty="0" smtClean="0"/>
-              <a:t>Da dove nasce </a:t>
+              <a:t>Come creare una </a:t>
             </a:r>
             <a:r>
               <a:rPr lang="it-IT" b="1" dirty="0" err="1" smtClean="0"/>
-              <a:t>GitHub</a:t>
+              <a:t>Branch</a:t>
             </a:r>
             <a:r>
               <a:rPr lang="it-IT" b="1" dirty="0" smtClean="0"/>
-              <a:t>…</a:t>
+              <a:t> dal Browser</a:t>
             </a:r>
             <a:endParaRPr lang="it-IT" b="1" dirty="0"/>
           </a:p>
@@ -4129,90 +4328,117 @@
       </p:sp>
       <p:sp>
         <p:nvSpPr>
-          <p:cNvPr id="3" name="Segnaposto contenuto 2"/>
-          <p:cNvSpPr>
-            <a:spLocks noGrp="1"/>
-          </p:cNvSpPr>
-          <p:nvPr>
-            <p:ph idx="1"/>
-          </p:nvPr>
-        </p:nvSpPr>
-        <p:spPr/>
-        <p:txBody>
-          <a:bodyPr>
-            <a:normAutofit/>
-          </a:bodyPr>
-          <a:lstStyle/>
-          <a:p>
-            <a:pPr marL="0" indent="0" algn="just">
-              <a:buNone/>
-            </a:pPr>
-            <a:r>
-              <a:rPr lang="it-IT" b="1" dirty="0" smtClean="0"/>
-              <a:t>Caratteristiche di </a:t>
-            </a:r>
-            <a:r>
-              <a:rPr lang="it-IT" b="1" dirty="0" err="1" smtClean="0"/>
-              <a:t>Git</a:t>
-            </a:r>
-            <a:r>
-              <a:rPr lang="it-IT" b="1" dirty="0" smtClean="0"/>
-              <a:t> :</a:t>
-            </a:r>
-          </a:p>
-          <a:p>
-            <a:pPr marL="0" indent="0" algn="just">
-              <a:buNone/>
-            </a:pPr>
-            <a:endParaRPr lang="it-IT" b="1" dirty="0"/>
-          </a:p>
-          <a:p>
-            <a:pPr marL="0" indent="0" algn="just">
-              <a:buNone/>
-            </a:pPr>
-            <a:r>
-              <a:rPr lang="it-IT" b="1" dirty="0" smtClean="0">
-                <a:hlinkClick r:id="rId2"/>
-              </a:rPr>
-              <a:t>https://it.wikipedia.org/wiki/Concurrent_Versions_System</a:t>
-            </a:r>
-            <a:endParaRPr lang="it-IT" b="1" dirty="0" smtClean="0"/>
-          </a:p>
-          <a:p>
-            <a:pPr marL="0" indent="0" algn="just">
-              <a:buNone/>
-            </a:pPr>
-            <a:endParaRPr lang="it-IT" b="1" dirty="0"/>
-          </a:p>
-          <a:p>
-            <a:pPr marL="0" indent="0" algn="just">
-              <a:buNone/>
-            </a:pPr>
-            <a:r>
-              <a:rPr lang="it-IT" b="1" dirty="0" smtClean="0"/>
-              <a:t>https://it.wikipedia.org/wiki/Git_(software)</a:t>
-            </a:r>
-          </a:p>
-          <a:p>
-            <a:pPr algn="just"/>
-            <a:endParaRPr lang="it-IT" sz="2000" dirty="0" smtClean="0"/>
+          <p:cNvPr id="4" name="Ovale 3"/>
+          <p:cNvSpPr/>
+          <p:nvPr/>
+        </p:nvSpPr>
+        <p:spPr>
+          <a:xfrm>
+            <a:off x="1727684" y="3717032"/>
+            <a:ext cx="648072" cy="432048"/>
+          </a:xfrm>
+          <a:prstGeom prst="ellipse">
+            <a:avLst/>
+          </a:prstGeom>
+          <a:noFill/>
+          <a:ln>
+            <a:solidFill>
+              <a:srgbClr val="FF0000"/>
+            </a:solidFill>
+          </a:ln>
+        </p:spPr>
+        <p:style>
+          <a:lnRef idx="2">
+            <a:schemeClr val="accent1">
+              <a:shade val="50000"/>
+            </a:schemeClr>
+          </a:lnRef>
+          <a:fillRef idx="1">
+            <a:schemeClr val="accent1"/>
+          </a:fillRef>
+          <a:effectRef idx="0">
+            <a:schemeClr val="accent1"/>
+          </a:effectRef>
+          <a:fontRef idx="minor">
+            <a:schemeClr val="lt1"/>
+          </a:fontRef>
+        </p:style>
+        <p:txBody>
+          <a:bodyPr rtlCol="0" anchor="ctr"/>
+          <a:lstStyle/>
+          <a:p>
+            <a:pPr algn="ctr"/>
+            <a:endParaRPr lang="it-IT"/>
+          </a:p>
+        </p:txBody>
+      </p:sp>
+      <p:sp>
+        <p:nvSpPr>
+          <p:cNvPr id="7" name="Ovale 6"/>
+          <p:cNvSpPr/>
+          <p:nvPr/>
+        </p:nvSpPr>
+        <p:spPr>
+          <a:xfrm>
+            <a:off x="3461985" y="3447042"/>
+            <a:ext cx="648072" cy="432048"/>
+          </a:xfrm>
+          <a:prstGeom prst="ellipse">
+            <a:avLst/>
+          </a:prstGeom>
+          <a:noFill/>
+          <a:ln>
+            <a:solidFill>
+              <a:srgbClr val="FF0000"/>
+            </a:solidFill>
+          </a:ln>
+        </p:spPr>
+        <p:style>
+          <a:lnRef idx="2">
+            <a:schemeClr val="accent1">
+              <a:shade val="50000"/>
+            </a:schemeClr>
+          </a:lnRef>
+          <a:fillRef idx="1">
+            <a:schemeClr val="accent1"/>
+          </a:fillRef>
+          <a:effectRef idx="0">
+            <a:schemeClr val="accent1"/>
+          </a:effectRef>
+          <a:fontRef idx="minor">
+            <a:schemeClr val="lt1"/>
+          </a:fontRef>
+        </p:style>
+        <p:txBody>
+          <a:bodyPr rtlCol="0" anchor="ctr"/>
+          <a:lstStyle/>
+          <a:p>
+            <a:pPr algn="ctr"/>
+            <a:endParaRPr lang="it-IT"/>
           </a:p>
         </p:txBody>
       </p:sp>
     </p:spTree>
     <p:extLst>
       <p:ext uri="{BB962C8B-B14F-4D97-AF65-F5344CB8AC3E}">
-        <p14:creationId xmlns:p14="http://schemas.microsoft.com/office/powerpoint/2010/main" val="1115010207"/>
+        <p14:creationId xmlns:p14="http://schemas.microsoft.com/office/powerpoint/2010/main" val="327127436"/>
       </p:ext>
     </p:extLst>
   </p:cSld>
   <p:clrMapOvr>
     <a:masterClrMapping/>
   </p:clrMapOvr>
+  <p:timing>
+    <p:tnLst>
+      <p:par>
+        <p:cTn id="1" dur="indefinite" restart="never" nodeType="tmRoot"/>
+      </p:par>
+    </p:tnLst>
+  </p:timing>
 </p:sld>
 </file>
 
-<file path=ppt/slides/slide5.xml><?xml version="1.0" encoding="utf-8"?>
+<file path=ppt/slides/slide16.xml><?xml version="1.0" encoding="utf-8"?>
 <p:sld xmlns:a="http://schemas.openxmlformats.org/drawingml/2006/main" xmlns:r="http://schemas.openxmlformats.org/officeDocument/2006/relationships" xmlns:p="http://schemas.openxmlformats.org/presentationml/2006/main">
   <p:cSld>
     <p:spTree>
@@ -4239,60 +4465,222 @@
             <p:ph type="title"/>
           </p:nvPr>
         </p:nvSpPr>
+        <p:spPr>
+          <a:xfrm>
+            <a:off x="251520" y="274638"/>
+            <a:ext cx="8640960" cy="1143000"/>
+          </a:xfrm>
+        </p:spPr>
+        <p:txBody>
+          <a:bodyPr>
+            <a:normAutofit/>
+          </a:bodyPr>
+          <a:lstStyle/>
+          <a:p>
+            <a:r>
+              <a:rPr lang="it-IT" b="1" dirty="0"/>
+              <a:t>Come </a:t>
+            </a:r>
+            <a:r>
+              <a:rPr lang="it-IT" b="1" dirty="0" smtClean="0"/>
+              <a:t>modificare un file dal </a:t>
+            </a:r>
+            <a:r>
+              <a:rPr lang="it-IT" b="1" dirty="0"/>
+              <a:t>Browser</a:t>
+            </a:r>
+          </a:p>
+        </p:txBody>
+      </p:sp>
+      <p:sp>
+        <p:nvSpPr>
+          <p:cNvPr id="3" name="Segnaposto contenuto 2"/>
+          <p:cNvSpPr>
+            <a:spLocks noGrp="1"/>
+          </p:cNvSpPr>
+          <p:nvPr>
+            <p:ph idx="1"/>
+          </p:nvPr>
+        </p:nvSpPr>
         <p:spPr/>
         <p:txBody>
-          <a:bodyPr/>
-          <a:lstStyle/>
-          <a:p>
-            <a:r>
-              <a:rPr lang="it-IT" b="1" dirty="0" smtClean="0"/>
-              <a:t>Che cosa è una </a:t>
-            </a:r>
-            <a:r>
-              <a:rPr lang="it-IT" b="1" dirty="0" err="1" smtClean="0"/>
-              <a:t>Repository</a:t>
-            </a:r>
-            <a:endParaRPr lang="it-IT" b="1" dirty="0"/>
-          </a:p>
-        </p:txBody>
-      </p:sp>
-      <p:sp>
-        <p:nvSpPr>
-          <p:cNvPr id="3" name="Segnaposto contenuto 2"/>
-          <p:cNvSpPr>
-            <a:spLocks noGrp="1"/>
-          </p:cNvSpPr>
-          <p:nvPr>
-            <p:ph idx="1"/>
-          </p:nvPr>
-        </p:nvSpPr>
-        <p:spPr/>
-        <p:txBody>
-          <a:bodyPr/>
-          <a:lstStyle/>
-          <a:p>
-            <a:r>
-              <a:rPr lang="en-US" dirty="0" smtClean="0"/>
-              <a:t>A repository is usually used to organize a single project. Repositories can contain folders and files, images, videos, spreadsheets, and data sets – anything your project needs. We recommend including a README, or a file with information about your project. GitHub makes it easy to add one at the same time you create your new repository. It also offers other common options such as a license file.</a:t>
-            </a:r>
-            <a:endParaRPr lang="it-IT" dirty="0"/>
+          <a:bodyPr>
+            <a:normAutofit/>
+          </a:bodyPr>
+          <a:lstStyle/>
+          <a:p>
+            <a:pPr marL="0" indent="0">
+              <a:buNone/>
+            </a:pPr>
+            <a:r>
+              <a:rPr lang="it-IT" sz="2000" dirty="0" smtClean="0"/>
+              <a:t>Ora </a:t>
+            </a:r>
+            <a:r>
+              <a:rPr lang="it-IT" sz="2000" dirty="0"/>
+              <a:t>sei nella </a:t>
+            </a:r>
+            <a:r>
+              <a:rPr lang="it-IT" sz="2000" dirty="0" smtClean="0"/>
+              <a:t>schermata code nella tua </a:t>
+            </a:r>
+            <a:r>
+              <a:rPr lang="it-IT" sz="2000" dirty="0" err="1" smtClean="0"/>
+              <a:t>Branch</a:t>
+            </a:r>
+            <a:r>
+              <a:rPr lang="it-IT" sz="2000" dirty="0" smtClean="0"/>
+              <a:t> ‘‘Modifica’’, </a:t>
+            </a:r>
+            <a:r>
+              <a:rPr lang="it-IT" sz="2000" dirty="0"/>
+              <a:t>che è una copia del master</a:t>
+            </a:r>
+            <a:r>
+              <a:rPr lang="it-IT" sz="2000" dirty="0" smtClean="0"/>
+              <a:t>.</a:t>
+            </a:r>
+          </a:p>
+          <a:p>
+            <a:pPr marL="0" indent="0">
+              <a:buNone/>
+            </a:pPr>
+            <a:endParaRPr lang="it-IT" sz="2000" dirty="0" smtClean="0"/>
+          </a:p>
+          <a:p>
+            <a:pPr marL="0" indent="0">
+              <a:buNone/>
+            </a:pPr>
+            <a:r>
+              <a:rPr lang="it-IT" sz="2000" dirty="0" smtClean="0"/>
+              <a:t>Qui si possono fare </a:t>
+            </a:r>
+            <a:r>
+              <a:rPr lang="it-IT" sz="2000" dirty="0"/>
+              <a:t>alcune modifiche</a:t>
+            </a:r>
+            <a:r>
+              <a:rPr lang="it-IT" sz="2000" dirty="0" smtClean="0"/>
+              <a:t>.</a:t>
+            </a:r>
+          </a:p>
+          <a:p>
+            <a:pPr marL="0" indent="0">
+              <a:buNone/>
+            </a:pPr>
+            <a:endParaRPr lang="it-IT" sz="2000" dirty="0" smtClean="0"/>
+          </a:p>
+          <a:p>
+            <a:pPr marL="0" indent="0">
+              <a:buNone/>
+            </a:pPr>
+            <a:r>
+              <a:rPr lang="it-IT" sz="2000" dirty="0" smtClean="0"/>
+              <a:t>Su </a:t>
+            </a:r>
+            <a:r>
+              <a:rPr lang="it-IT" sz="2000" dirty="0" err="1"/>
+              <a:t>GitHub</a:t>
+            </a:r>
+            <a:r>
+              <a:rPr lang="it-IT" sz="2000" dirty="0"/>
+              <a:t>, le modifiche salvate sono chiamate </a:t>
+            </a:r>
+            <a:r>
+              <a:rPr lang="it-IT" sz="2000" dirty="0" err="1"/>
+              <a:t>commit</a:t>
+            </a:r>
+            <a:r>
+              <a:rPr lang="it-IT" sz="2000" dirty="0"/>
+              <a:t>. </a:t>
+            </a:r>
+            <a:endParaRPr lang="it-IT" sz="2000" dirty="0" smtClean="0"/>
+          </a:p>
+          <a:p>
+            <a:pPr marL="0" indent="0">
+              <a:buNone/>
+            </a:pPr>
+            <a:endParaRPr lang="it-IT" sz="2000" dirty="0" smtClean="0"/>
+          </a:p>
+          <a:p>
+            <a:pPr marL="0" indent="0">
+              <a:buNone/>
+            </a:pPr>
+            <a:r>
+              <a:rPr lang="it-IT" sz="2000" dirty="0" smtClean="0"/>
+              <a:t>Ogni </a:t>
+            </a:r>
+            <a:r>
+              <a:rPr lang="it-IT" sz="2000" dirty="0" err="1"/>
+              <a:t>commit</a:t>
+            </a:r>
+            <a:r>
+              <a:rPr lang="it-IT" sz="2000" dirty="0"/>
+              <a:t> ha un messaggio di </a:t>
+            </a:r>
+            <a:r>
+              <a:rPr lang="it-IT" sz="2000" dirty="0" err="1"/>
+              <a:t>commit</a:t>
+            </a:r>
+            <a:r>
+              <a:rPr lang="it-IT" sz="2000" dirty="0"/>
+              <a:t> associato, che è una descrizione che spiega perché è stata apportata una particolare modifica</a:t>
+            </a:r>
+            <a:r>
+              <a:rPr lang="it-IT" sz="2000" dirty="0" smtClean="0"/>
+              <a:t>.</a:t>
+            </a:r>
+          </a:p>
+          <a:p>
+            <a:pPr marL="0" indent="0">
+              <a:buNone/>
+            </a:pPr>
+            <a:endParaRPr lang="it-IT" sz="2000" dirty="0" smtClean="0"/>
+          </a:p>
+          <a:p>
+            <a:pPr marL="0" indent="0">
+              <a:buNone/>
+            </a:pPr>
+            <a:r>
+              <a:rPr lang="it-IT" sz="2000" dirty="0" smtClean="0"/>
+              <a:t>I </a:t>
+            </a:r>
+            <a:r>
+              <a:rPr lang="it-IT" sz="2000" dirty="0"/>
+              <a:t>messaggi di </a:t>
+            </a:r>
+            <a:r>
+              <a:rPr lang="it-IT" sz="2000" dirty="0" err="1"/>
+              <a:t>commit</a:t>
+            </a:r>
+            <a:r>
+              <a:rPr lang="it-IT" sz="2000" dirty="0"/>
+              <a:t> catturano la cronologia delle tue modifiche, così gli altri contributori possono capire cosa hai fatto e perché.</a:t>
+            </a:r>
           </a:p>
         </p:txBody>
       </p:sp>
     </p:spTree>
     <p:extLst>
       <p:ext uri="{BB962C8B-B14F-4D97-AF65-F5344CB8AC3E}">
-        <p14:creationId xmlns:p14="http://schemas.microsoft.com/office/powerpoint/2010/main" val="3429087832"/>
+        <p14:creationId xmlns:p14="http://schemas.microsoft.com/office/powerpoint/2010/main" val="2398251435"/>
       </p:ext>
     </p:extLst>
   </p:cSld>
   <p:clrMapOvr>
     <a:masterClrMapping/>
   </p:clrMapOvr>
+  <p:timing>
+    <p:tnLst>
+      <p:par>
+        <p:cTn id="1" dur="indefinite" restart="never" nodeType="tmRoot"/>
+      </p:par>
+    </p:tnLst>
+  </p:timing>
 </p:sld>
 </file>
 
-<file path=ppt/slides/slide6.xml><?xml version="1.0" encoding="utf-8"?>
+<file path=ppt/slides/slide17.xml><?xml version="1.0" encoding="utf-8"?>
 <p:sld xmlns:a="http://schemas.openxmlformats.org/drawingml/2006/main" xmlns:r="http://schemas.openxmlformats.org/officeDocument/2006/relationships" xmlns:p="http://schemas.openxmlformats.org/presentationml/2006/main">
   <p:cSld>
     <p:spTree>
@@ -4319,60 +4707,198 @@
             <p:ph type="title"/>
           </p:nvPr>
         </p:nvSpPr>
+        <p:spPr>
+          <a:xfrm>
+            <a:off x="251520" y="274638"/>
+            <a:ext cx="8640960" cy="1143000"/>
+          </a:xfrm>
+        </p:spPr>
+        <p:txBody>
+          <a:bodyPr>
+            <a:normAutofit/>
+          </a:bodyPr>
+          <a:lstStyle/>
+          <a:p>
+            <a:r>
+              <a:rPr lang="it-IT" b="1" dirty="0"/>
+              <a:t>Come </a:t>
+            </a:r>
+            <a:r>
+              <a:rPr lang="it-IT" b="1" dirty="0" smtClean="0"/>
+              <a:t>modificare un file dal </a:t>
+            </a:r>
+            <a:r>
+              <a:rPr lang="it-IT" b="1" dirty="0"/>
+              <a:t>Browser</a:t>
+            </a:r>
+          </a:p>
+        </p:txBody>
+      </p:sp>
+      <p:sp>
+        <p:nvSpPr>
+          <p:cNvPr id="3" name="Segnaposto contenuto 2"/>
+          <p:cNvSpPr>
+            <a:spLocks noGrp="1"/>
+          </p:cNvSpPr>
+          <p:nvPr>
+            <p:ph idx="1"/>
+          </p:nvPr>
+        </p:nvSpPr>
         <p:spPr/>
         <p:txBody>
-          <a:bodyPr/>
-          <a:lstStyle/>
-          <a:p>
-            <a:r>
-              <a:rPr lang="it-IT" b="1" dirty="0" smtClean="0"/>
-              <a:t>Che cosa è una </a:t>
-            </a:r>
-            <a:r>
-              <a:rPr lang="it-IT" b="1" smtClean="0"/>
-              <a:t>Repository</a:t>
-            </a:r>
-            <a:endParaRPr lang="it-IT"/>
-          </a:p>
-        </p:txBody>
-      </p:sp>
-      <p:sp>
-        <p:nvSpPr>
-          <p:cNvPr id="3" name="Segnaposto contenuto 2"/>
-          <p:cNvSpPr>
-            <a:spLocks noGrp="1"/>
-          </p:cNvSpPr>
-          <p:nvPr>
-            <p:ph idx="1"/>
-          </p:nvPr>
-        </p:nvSpPr>
-        <p:spPr/>
-        <p:txBody>
-          <a:bodyPr/>
-          <a:lstStyle/>
-          <a:p>
-            <a:r>
-              <a:rPr lang="it-IT" dirty="0" smtClean="0"/>
-              <a:t>https://guides.github.com/activities/hello-world/</a:t>
-            </a:r>
-            <a:endParaRPr lang="it-IT" dirty="0"/>
+          <a:bodyPr>
+            <a:normAutofit/>
+          </a:bodyPr>
+          <a:lstStyle/>
+          <a:p>
+            <a:pPr marL="457200" indent="-457200">
+              <a:buFont typeface="+mj-lt"/>
+              <a:buAutoNum type="arabicPeriod"/>
+            </a:pPr>
+            <a:r>
+              <a:rPr lang="it-IT" sz="2000" dirty="0"/>
+              <a:t>Fare clic sul file README.md</a:t>
+            </a:r>
+            <a:r>
+              <a:rPr lang="it-IT" sz="2000" dirty="0" smtClean="0"/>
+              <a:t>.</a:t>
+            </a:r>
+          </a:p>
+          <a:p>
+            <a:pPr marL="457200" indent="-457200">
+              <a:buFont typeface="+mj-lt"/>
+              <a:buAutoNum type="arabicPeriod"/>
+            </a:pPr>
+            <a:endParaRPr lang="it-IT" sz="2000" dirty="0" smtClean="0"/>
+          </a:p>
+          <a:p>
+            <a:pPr marL="457200" indent="-457200">
+              <a:buFont typeface="+mj-lt"/>
+              <a:buAutoNum type="arabicPeriod"/>
+            </a:pPr>
+            <a:r>
+              <a:rPr lang="it-IT" sz="2000" dirty="0"/>
+              <a:t>Fai clic sull'icona a forma di matita nell'angolo in alto a destra della visualizzazione del file per modificarla</a:t>
+            </a:r>
+            <a:r>
+              <a:rPr lang="it-IT" sz="2000" dirty="0" smtClean="0"/>
+              <a:t>.</a:t>
+            </a:r>
+          </a:p>
+          <a:p>
+            <a:pPr marL="457200" indent="-457200">
+              <a:buFont typeface="+mj-lt"/>
+              <a:buAutoNum type="arabicPeriod"/>
+            </a:pPr>
+            <a:endParaRPr lang="it-IT" sz="2000" dirty="0"/>
+          </a:p>
+          <a:p>
+            <a:pPr marL="457200" indent="-457200">
+              <a:buFont typeface="+mj-lt"/>
+              <a:buAutoNum type="arabicPeriod"/>
+            </a:pPr>
+            <a:r>
+              <a:rPr lang="it-IT" sz="2000" dirty="0"/>
+              <a:t>Nell'editor, </a:t>
+            </a:r>
+            <a:r>
+              <a:rPr lang="it-IT" sz="2000" dirty="0" smtClean="0"/>
+              <a:t>scrivi o fai qualche modifica.</a:t>
+            </a:r>
+          </a:p>
+          <a:p>
+            <a:pPr marL="457200" indent="-457200">
+              <a:buFont typeface="+mj-lt"/>
+              <a:buAutoNum type="arabicPeriod"/>
+            </a:pPr>
+            <a:endParaRPr lang="it-IT" sz="2000" dirty="0"/>
+          </a:p>
+          <a:p>
+            <a:pPr marL="457200" indent="-457200">
+              <a:buFont typeface="+mj-lt"/>
+              <a:buAutoNum type="arabicPeriod"/>
+            </a:pPr>
+            <a:r>
+              <a:rPr lang="it-IT" sz="2000" dirty="0"/>
+              <a:t>Scrivi un messaggio di </a:t>
+            </a:r>
+            <a:r>
+              <a:rPr lang="it-IT" sz="2000" dirty="0" err="1"/>
+              <a:t>commit</a:t>
+            </a:r>
+            <a:r>
+              <a:rPr lang="it-IT" sz="2000" dirty="0"/>
+              <a:t> che descriva le tue modifiche</a:t>
+            </a:r>
+            <a:r>
+              <a:rPr lang="it-IT" sz="2000" dirty="0" smtClean="0"/>
+              <a:t>.</a:t>
+            </a:r>
+          </a:p>
+          <a:p>
+            <a:pPr marL="457200" indent="-457200">
+              <a:buFont typeface="+mj-lt"/>
+              <a:buAutoNum type="arabicPeriod"/>
+            </a:pPr>
+            <a:endParaRPr lang="it-IT" sz="2000" dirty="0"/>
+          </a:p>
+          <a:p>
+            <a:pPr marL="457200" indent="-457200">
+              <a:buFont typeface="+mj-lt"/>
+              <a:buAutoNum type="arabicPeriod"/>
+            </a:pPr>
+            <a:r>
+              <a:rPr lang="it-IT" sz="2000" dirty="0"/>
+              <a:t>Fai clic sul pulsante Cambia modifiche</a:t>
+            </a:r>
+            <a:r>
+              <a:rPr lang="it-IT" sz="2000" dirty="0" smtClean="0"/>
+              <a:t>.</a:t>
+            </a:r>
+          </a:p>
+          <a:p>
+            <a:pPr marL="457200" indent="-457200">
+              <a:buFont typeface="+mj-lt"/>
+              <a:buAutoNum type="arabicPeriod"/>
+            </a:pPr>
+            <a:endParaRPr lang="it-IT" sz="2000" dirty="0"/>
+          </a:p>
+          <a:p>
+            <a:pPr marL="457200" indent="-457200">
+              <a:buFont typeface="+mj-lt"/>
+              <a:buAutoNum type="arabicPeriod"/>
+            </a:pPr>
+            <a:endParaRPr lang="it-IT" sz="2000" dirty="0" smtClean="0"/>
+          </a:p>
+          <a:p>
+            <a:pPr marL="0" indent="0">
+              <a:buNone/>
+            </a:pPr>
+            <a:endParaRPr lang="it-IT" sz="2000" dirty="0" smtClean="0"/>
           </a:p>
         </p:txBody>
       </p:sp>
     </p:spTree>
     <p:extLst>
       <p:ext uri="{BB962C8B-B14F-4D97-AF65-F5344CB8AC3E}">
-        <p14:creationId xmlns:p14="http://schemas.microsoft.com/office/powerpoint/2010/main" val="3242831035"/>
+        <p14:creationId xmlns:p14="http://schemas.microsoft.com/office/powerpoint/2010/main" val="87937213"/>
       </p:ext>
     </p:extLst>
   </p:cSld>
   <p:clrMapOvr>
     <a:masterClrMapping/>
   </p:clrMapOvr>
+  <p:timing>
+    <p:tnLst>
+      <p:par>
+        <p:cTn id="1" dur="indefinite" restart="never" nodeType="tmRoot"/>
+      </p:par>
+    </p:tnLst>
+  </p:timing>
 </p:sld>
 </file>
 
-<file path=ppt/slides/slide7.xml><?xml version="1.0" encoding="utf-8"?>
+<file path=ppt/slides/slide18.xml><?xml version="1.0" encoding="utf-8"?>
 <p:sld xmlns:a="http://schemas.openxmlformats.org/drawingml/2006/main" xmlns:r="http://schemas.openxmlformats.org/officeDocument/2006/relationships" xmlns:p="http://schemas.openxmlformats.org/presentationml/2006/main">
   <p:cSld>
     <p:spTree>
@@ -4389,46 +4915,9 @@
           <a:chExt cx="0" cy="0"/>
         </a:xfrm>
       </p:grpSpPr>
-      <p:sp>
-        <p:nvSpPr>
-          <p:cNvPr id="2" name="Titolo 1"/>
-          <p:cNvSpPr>
-            <a:spLocks noGrp="1"/>
-          </p:cNvSpPr>
-          <p:nvPr>
-            <p:ph type="title"/>
-          </p:nvPr>
-        </p:nvSpPr>
-        <p:spPr/>
-        <p:txBody>
-          <a:bodyPr>
-            <a:normAutofit fontScale="90000"/>
-          </a:bodyPr>
-          <a:lstStyle/>
-          <a:p>
-            <a:r>
-              <a:rPr lang="it-IT" b="1" dirty="0" smtClean="0"/>
-              <a:t>Come creare una </a:t>
-            </a:r>
-            <a:r>
-              <a:rPr lang="it-IT" b="1" dirty="0" err="1"/>
-              <a:t>R</a:t>
-            </a:r>
-            <a:r>
-              <a:rPr lang="it-IT" b="1" dirty="0" err="1" smtClean="0"/>
-              <a:t>epository</a:t>
-            </a:r>
-            <a:r>
-              <a:rPr lang="it-IT" b="1" dirty="0" smtClean="0"/>
-              <a:t> da Browser</a:t>
-            </a:r>
-            <a:endParaRPr lang="it-IT" b="1" dirty="0"/>
-          </a:p>
-        </p:txBody>
-      </p:sp>
       <p:pic>
         <p:nvPicPr>
-          <p:cNvPr id="1026" name="Picture 2"/>
+          <p:cNvPr id="4099" name="Picture 3"/>
           <p:cNvPicPr>
             <a:picLocks noGrp="1" noChangeAspect="1" noChangeArrowheads="1"/>
           </p:cNvPicPr>
@@ -4484,13 +4973,42 @@
       </p:pic>
       <p:sp>
         <p:nvSpPr>
+          <p:cNvPr id="2" name="Titolo 1"/>
+          <p:cNvSpPr>
+            <a:spLocks noGrp="1"/>
+          </p:cNvSpPr>
+          <p:nvPr>
+            <p:ph type="title"/>
+          </p:nvPr>
+        </p:nvSpPr>
+        <p:spPr>
+          <a:xfrm>
+            <a:off x="179512" y="274638"/>
+            <a:ext cx="8712968" cy="1143000"/>
+          </a:xfrm>
+        </p:spPr>
+        <p:txBody>
+          <a:bodyPr>
+            <a:normAutofit/>
+          </a:bodyPr>
+          <a:lstStyle/>
+          <a:p>
+            <a:r>
+              <a:rPr lang="it-IT" b="1" dirty="0"/>
+              <a:t>Come modificare un file dal Browser</a:t>
+            </a:r>
+          </a:p>
+        </p:txBody>
+      </p:sp>
+      <p:sp>
+        <p:nvSpPr>
           <p:cNvPr id="4" name="Ovale 3"/>
           <p:cNvSpPr/>
           <p:nvPr/>
         </p:nvSpPr>
         <p:spPr>
           <a:xfrm>
-            <a:off x="6948264" y="3356992"/>
+            <a:off x="1907704" y="4077072"/>
             <a:ext cx="648072" cy="432048"/>
           </a:xfrm>
           <a:prstGeom prst="ellipse">
@@ -4531,17 +5049,24 @@
     </p:spTree>
     <p:extLst>
       <p:ext uri="{BB962C8B-B14F-4D97-AF65-F5344CB8AC3E}">
-        <p14:creationId xmlns:p14="http://schemas.microsoft.com/office/powerpoint/2010/main" val="2629902479"/>
+        <p14:creationId xmlns:p14="http://schemas.microsoft.com/office/powerpoint/2010/main" val="4125569429"/>
       </p:ext>
     </p:extLst>
   </p:cSld>
   <p:clrMapOvr>
     <a:masterClrMapping/>
   </p:clrMapOvr>
+  <p:timing>
+    <p:tnLst>
+      <p:par>
+        <p:cTn id="1" dur="indefinite" restart="never" nodeType="tmRoot"/>
+      </p:par>
+    </p:tnLst>
+  </p:timing>
 </p:sld>
 </file>
 
-<file path=ppt/slides/slide8.xml><?xml version="1.0" encoding="utf-8"?>
+<file path=ppt/slides/slide19.xml><?xml version="1.0" encoding="utf-8"?>
 <p:sld xmlns:a="http://schemas.openxmlformats.org/drawingml/2006/main" xmlns:r="http://schemas.openxmlformats.org/officeDocument/2006/relationships" xmlns:p="http://schemas.openxmlformats.org/presentationml/2006/main">
   <p:cSld>
     <p:spTree>
@@ -4558,88 +5083,9 @@
           <a:chExt cx="0" cy="0"/>
         </a:xfrm>
       </p:grpSpPr>
-      <p:sp>
-        <p:nvSpPr>
-          <p:cNvPr id="2" name="Titolo 1"/>
-          <p:cNvSpPr>
-            <a:spLocks noGrp="1"/>
-          </p:cNvSpPr>
-          <p:nvPr>
-            <p:ph type="title"/>
-          </p:nvPr>
-        </p:nvSpPr>
-        <p:spPr/>
-        <p:txBody>
-          <a:bodyPr>
-            <a:normAutofit fontScale="90000"/>
-          </a:bodyPr>
-          <a:lstStyle/>
-          <a:p>
-            <a:r>
-              <a:rPr lang="it-IT" b="1" dirty="0" smtClean="0"/>
-              <a:t>Come creare una </a:t>
-            </a:r>
-            <a:r>
-              <a:rPr lang="it-IT" b="1" dirty="0" err="1" smtClean="0"/>
-              <a:t>repository</a:t>
-            </a:r>
-            <a:r>
-              <a:rPr lang="it-IT" b="1" dirty="0" smtClean="0"/>
-              <a:t> da Browser</a:t>
-            </a:r>
-            <a:endParaRPr lang="it-IT" b="1" dirty="0"/>
-          </a:p>
-        </p:txBody>
-      </p:sp>
-      <p:sp>
-        <p:nvSpPr>
-          <p:cNvPr id="4" name="Ovale 3"/>
-          <p:cNvSpPr/>
-          <p:nvPr/>
-        </p:nvSpPr>
-        <p:spPr>
-          <a:xfrm>
-            <a:off x="6948264" y="3356992"/>
-            <a:ext cx="648072" cy="432048"/>
-          </a:xfrm>
-          <a:prstGeom prst="ellipse">
-            <a:avLst/>
-          </a:prstGeom>
-          <a:noFill/>
-          <a:ln>
-            <a:solidFill>
-              <a:srgbClr val="FF0000"/>
-            </a:solidFill>
-          </a:ln>
-        </p:spPr>
-        <p:style>
-          <a:lnRef idx="2">
-            <a:schemeClr val="accent1">
-              <a:shade val="50000"/>
-            </a:schemeClr>
-          </a:lnRef>
-          <a:fillRef idx="1">
-            <a:schemeClr val="accent1"/>
-          </a:fillRef>
-          <a:effectRef idx="0">
-            <a:schemeClr val="accent1"/>
-          </a:effectRef>
-          <a:fontRef idx="minor">
-            <a:schemeClr val="lt1"/>
-          </a:fontRef>
-        </p:style>
-        <p:txBody>
-          <a:bodyPr rtlCol="0" anchor="ctr"/>
-          <a:lstStyle/>
-          <a:p>
-            <a:pPr algn="ctr"/>
-            <a:endParaRPr lang="it-IT"/>
-          </a:p>
-        </p:txBody>
-      </p:sp>
       <p:pic>
         <p:nvPicPr>
-          <p:cNvPr id="2050" name="Picture 2"/>
+          <p:cNvPr id="5122" name="Picture 2"/>
           <p:cNvPicPr>
             <a:picLocks noGrp="1" noChangeAspect="1" noChangeArrowheads="1"/>
           </p:cNvPicPr>
@@ -4695,6 +5141,5036 @@
       </p:pic>
       <p:sp>
         <p:nvSpPr>
+          <p:cNvPr id="2" name="Titolo 1"/>
+          <p:cNvSpPr>
+            <a:spLocks noGrp="1"/>
+          </p:cNvSpPr>
+          <p:nvPr>
+            <p:ph type="title"/>
+          </p:nvPr>
+        </p:nvSpPr>
+        <p:spPr>
+          <a:xfrm>
+            <a:off x="179512" y="274638"/>
+            <a:ext cx="8712968" cy="1143000"/>
+          </a:xfrm>
+        </p:spPr>
+        <p:txBody>
+          <a:bodyPr>
+            <a:normAutofit/>
+          </a:bodyPr>
+          <a:lstStyle/>
+          <a:p>
+            <a:r>
+              <a:rPr lang="it-IT" b="1" dirty="0"/>
+              <a:t>Come modificare un file dal Browser</a:t>
+            </a:r>
+          </a:p>
+        </p:txBody>
+      </p:sp>
+      <p:sp>
+        <p:nvSpPr>
+          <p:cNvPr id="4" name="Ovale 3"/>
+          <p:cNvSpPr/>
+          <p:nvPr/>
+        </p:nvSpPr>
+        <p:spPr>
+          <a:xfrm>
+            <a:off x="6588224" y="3501008"/>
+            <a:ext cx="648072" cy="432048"/>
+          </a:xfrm>
+          <a:prstGeom prst="ellipse">
+            <a:avLst/>
+          </a:prstGeom>
+          <a:noFill/>
+          <a:ln>
+            <a:solidFill>
+              <a:srgbClr val="FF0000"/>
+            </a:solidFill>
+          </a:ln>
+        </p:spPr>
+        <p:style>
+          <a:lnRef idx="2">
+            <a:schemeClr val="accent1">
+              <a:shade val="50000"/>
+            </a:schemeClr>
+          </a:lnRef>
+          <a:fillRef idx="1">
+            <a:schemeClr val="accent1"/>
+          </a:fillRef>
+          <a:effectRef idx="0">
+            <a:schemeClr val="accent1"/>
+          </a:effectRef>
+          <a:fontRef idx="minor">
+            <a:schemeClr val="lt1"/>
+          </a:fontRef>
+        </p:style>
+        <p:txBody>
+          <a:bodyPr rtlCol="0" anchor="ctr"/>
+          <a:lstStyle/>
+          <a:p>
+            <a:pPr algn="ctr"/>
+            <a:endParaRPr lang="it-IT"/>
+          </a:p>
+        </p:txBody>
+      </p:sp>
+    </p:spTree>
+    <p:extLst>
+      <p:ext uri="{BB962C8B-B14F-4D97-AF65-F5344CB8AC3E}">
+        <p14:creationId xmlns:p14="http://schemas.microsoft.com/office/powerpoint/2010/main" val="1485339441"/>
+      </p:ext>
+    </p:extLst>
+  </p:cSld>
+  <p:clrMapOvr>
+    <a:masterClrMapping/>
+  </p:clrMapOvr>
+  <p:timing>
+    <p:tnLst>
+      <p:par>
+        <p:cTn id="1" dur="indefinite" restart="never" nodeType="tmRoot"/>
+      </p:par>
+    </p:tnLst>
+  </p:timing>
+</p:sld>
+</file>
+
+<file path=ppt/slides/slide2.xml><?xml version="1.0" encoding="utf-8"?>
+<p:sld xmlns:a="http://schemas.openxmlformats.org/drawingml/2006/main" xmlns:r="http://schemas.openxmlformats.org/officeDocument/2006/relationships" xmlns:p="http://schemas.openxmlformats.org/presentationml/2006/main">
+  <p:cSld>
+    <p:spTree>
+      <p:nvGrpSpPr>
+        <p:cNvPr id="1" name=""/>
+        <p:cNvGrpSpPr/>
+        <p:nvPr/>
+      </p:nvGrpSpPr>
+      <p:grpSpPr>
+        <a:xfrm>
+          <a:off x="0" y="0"/>
+          <a:ext cx="0" cy="0"/>
+          <a:chOff x="0" y="0"/>
+          <a:chExt cx="0" cy="0"/>
+        </a:xfrm>
+      </p:grpSpPr>
+      <p:sp>
+        <p:nvSpPr>
+          <p:cNvPr id="2" name="Titolo 1"/>
+          <p:cNvSpPr>
+            <a:spLocks noGrp="1"/>
+          </p:cNvSpPr>
+          <p:nvPr>
+            <p:ph type="title"/>
+          </p:nvPr>
+        </p:nvSpPr>
+        <p:spPr/>
+        <p:txBody>
+          <a:bodyPr/>
+          <a:lstStyle/>
+          <a:p>
+            <a:r>
+              <a:rPr lang="it-IT" b="1" dirty="0" smtClean="0"/>
+              <a:t>Da dove nasce </a:t>
+            </a:r>
+            <a:r>
+              <a:rPr lang="it-IT" b="1" dirty="0" err="1" smtClean="0"/>
+              <a:t>GitHub</a:t>
+            </a:r>
+            <a:r>
+              <a:rPr lang="it-IT" b="1" dirty="0" smtClean="0"/>
+              <a:t>…</a:t>
+            </a:r>
+            <a:endParaRPr lang="it-IT" b="1" dirty="0"/>
+          </a:p>
+        </p:txBody>
+      </p:sp>
+      <p:sp>
+        <p:nvSpPr>
+          <p:cNvPr id="3" name="Segnaposto contenuto 2"/>
+          <p:cNvSpPr>
+            <a:spLocks noGrp="1"/>
+          </p:cNvSpPr>
+          <p:nvPr>
+            <p:ph idx="1"/>
+          </p:nvPr>
+        </p:nvSpPr>
+        <p:spPr/>
+        <p:txBody>
+          <a:bodyPr>
+            <a:normAutofit/>
+          </a:bodyPr>
+          <a:lstStyle/>
+          <a:p>
+            <a:r>
+              <a:rPr lang="it-IT" sz="2000" dirty="0" smtClean="0"/>
+              <a:t>Nel 2005 Linus </a:t>
+            </a:r>
+            <a:r>
+              <a:rPr lang="it-IT" sz="2000" dirty="0" err="1" smtClean="0"/>
+              <a:t>Torvalds</a:t>
+            </a:r>
+            <a:r>
+              <a:rPr lang="it-IT" sz="2000" dirty="0" smtClean="0"/>
+              <a:t> creò </a:t>
+            </a:r>
+            <a:r>
+              <a:rPr lang="it-IT" sz="2000" b="1" dirty="0" err="1" smtClean="0"/>
+              <a:t>Git</a:t>
+            </a:r>
+            <a:r>
+              <a:rPr lang="it-IT" sz="2000" dirty="0" smtClean="0"/>
+              <a:t>  ,che nello slang americano significa ‘’</a:t>
+            </a:r>
+            <a:r>
+              <a:rPr lang="it-IT" sz="2000" i="1" dirty="0" smtClean="0"/>
+              <a:t>idiota</a:t>
+            </a:r>
+            <a:r>
+              <a:rPr lang="it-IT" sz="2000" dirty="0" smtClean="0"/>
+              <a:t>’’</a:t>
+            </a:r>
+          </a:p>
+          <a:p>
+            <a:r>
+              <a:rPr lang="it-IT" sz="2000" dirty="0" err="1" smtClean="0"/>
+              <a:t>Git</a:t>
+            </a:r>
+            <a:r>
+              <a:rPr lang="it-IT" sz="2000" dirty="0" smtClean="0"/>
+              <a:t> è un </a:t>
+            </a:r>
+            <a:r>
+              <a:rPr lang="it-IT" sz="2000" b="1" dirty="0" smtClean="0"/>
+              <a:t>Software di Controllo </a:t>
+            </a:r>
+            <a:r>
+              <a:rPr lang="it-IT" sz="2000" b="1" dirty="0"/>
+              <a:t>V</a:t>
+            </a:r>
+            <a:r>
+              <a:rPr lang="it-IT" sz="2000" b="1" dirty="0" smtClean="0"/>
+              <a:t>ersione </a:t>
+            </a:r>
+            <a:r>
+              <a:rPr lang="it-IT" sz="2000" b="1" dirty="0"/>
+              <a:t>D</a:t>
+            </a:r>
+            <a:r>
+              <a:rPr lang="it-IT" sz="2000" b="1" dirty="0" smtClean="0"/>
+              <a:t>istribuito </a:t>
+            </a:r>
+            <a:r>
+              <a:rPr lang="it-IT" sz="2000" dirty="0" smtClean="0"/>
+              <a:t>e nacque per essere un semplice strumento per facilitare lo sviluppo del </a:t>
+            </a:r>
+            <a:r>
+              <a:rPr lang="it-IT" sz="2000" dirty="0" err="1" smtClean="0"/>
+              <a:t>kernel</a:t>
+            </a:r>
+            <a:r>
+              <a:rPr lang="it-IT" sz="2000" dirty="0" smtClean="0"/>
+              <a:t> Linux ed è diventato uno degli strumenti di controllo versione più diffusi.</a:t>
+            </a:r>
+          </a:p>
+          <a:p>
+            <a:r>
+              <a:rPr lang="it-IT" sz="2000" dirty="0" smtClean="0"/>
+              <a:t>Lo sviluppo di </a:t>
+            </a:r>
+            <a:r>
+              <a:rPr lang="it-IT" sz="2000" dirty="0" err="1" smtClean="0"/>
+              <a:t>Git</a:t>
+            </a:r>
+            <a:r>
+              <a:rPr lang="it-IT" sz="2000" dirty="0" smtClean="0"/>
+              <a:t> è iniziato dopo che molti sviluppatori del </a:t>
+            </a:r>
+            <a:r>
+              <a:rPr lang="it-IT" sz="2000" dirty="0" err="1" smtClean="0"/>
+              <a:t>kernel</a:t>
+            </a:r>
+            <a:r>
+              <a:rPr lang="it-IT" sz="2000" dirty="0" smtClean="0"/>
+              <a:t> di Linux sono stati costretti ad </a:t>
+            </a:r>
+            <a:r>
+              <a:rPr lang="it-IT" sz="2000" b="1" dirty="0" smtClean="0"/>
+              <a:t>abbandonare l'accesso al codice sorgente </a:t>
+            </a:r>
+            <a:r>
+              <a:rPr lang="it-IT" sz="2000" dirty="0" smtClean="0"/>
+              <a:t>tramite il sistema proprietario </a:t>
+            </a:r>
+            <a:r>
+              <a:rPr lang="it-IT" sz="2000" dirty="0" err="1" smtClean="0"/>
+              <a:t>BitKeeper</a:t>
+            </a:r>
+            <a:r>
+              <a:rPr lang="it-IT" sz="2000" dirty="0"/>
+              <a:t> </a:t>
+            </a:r>
+            <a:r>
+              <a:rPr lang="it-IT" sz="2000" dirty="0" smtClean="0"/>
+              <a:t>poiché </a:t>
+            </a:r>
+            <a:r>
+              <a:rPr lang="it-IT" sz="2000" dirty="0"/>
+              <a:t>l</a:t>
+            </a:r>
+            <a:r>
+              <a:rPr lang="it-IT" sz="2000" dirty="0" smtClean="0"/>
+              <a:t>a possibilità di utilizzare </a:t>
+            </a:r>
+            <a:r>
+              <a:rPr lang="it-IT" sz="2000" dirty="0" err="1" smtClean="0"/>
+              <a:t>BitKeeper</a:t>
+            </a:r>
+            <a:r>
+              <a:rPr lang="it-IT" sz="2000" dirty="0" smtClean="0"/>
+              <a:t> gratuitamente era stata ritirata dal detentore dei diritti d'autore Larry </a:t>
+            </a:r>
+            <a:r>
+              <a:rPr lang="it-IT" sz="2000" dirty="0" err="1" smtClean="0"/>
+              <a:t>McVoy</a:t>
+            </a:r>
+            <a:r>
+              <a:rPr lang="it-IT" sz="2000" dirty="0" smtClean="0"/>
+              <a:t>.</a:t>
+            </a:r>
+          </a:p>
+          <a:p>
+            <a:r>
+              <a:rPr lang="it-IT" sz="2000" b="1" dirty="0" err="1" smtClean="0"/>
+              <a:t>Torvalds</a:t>
+            </a:r>
+            <a:r>
+              <a:rPr lang="it-IT" sz="2000" dirty="0" smtClean="0"/>
+              <a:t> voleva un sistema distribuito che potesse usare come </a:t>
+            </a:r>
+            <a:r>
+              <a:rPr lang="it-IT" sz="2000" dirty="0" err="1" smtClean="0"/>
+              <a:t>BitKeeper</a:t>
+            </a:r>
+            <a:r>
+              <a:rPr lang="it-IT" sz="2000" dirty="0" smtClean="0"/>
+              <a:t>, ma nessuno dei sistemi disponibili gratuitamente soddisfaceva i suoi bisogni, particolarmente </a:t>
+            </a:r>
+            <a:r>
+              <a:rPr lang="it-IT" sz="2000" b="1" dirty="0" smtClean="0"/>
+              <a:t>il suo bisogno di velocità</a:t>
+            </a:r>
+            <a:r>
+              <a:rPr lang="it-IT" sz="2000" dirty="0" smtClean="0"/>
+              <a:t>.</a:t>
+            </a:r>
+          </a:p>
+          <a:p>
+            <a:endParaRPr lang="it-IT" sz="2000" dirty="0"/>
+          </a:p>
+        </p:txBody>
+      </p:sp>
+    </p:spTree>
+    <p:extLst>
+      <p:ext uri="{BB962C8B-B14F-4D97-AF65-F5344CB8AC3E}">
+        <p14:creationId xmlns:p14="http://schemas.microsoft.com/office/powerpoint/2010/main" val="2920935571"/>
+      </p:ext>
+    </p:extLst>
+  </p:cSld>
+  <p:clrMapOvr>
+    <a:masterClrMapping/>
+  </p:clrMapOvr>
+  <p:timing>
+    <p:tnLst>
+      <p:par>
+        <p:cTn id="1" dur="indefinite" restart="never" nodeType="tmRoot"/>
+      </p:par>
+    </p:tnLst>
+  </p:timing>
+</p:sld>
+</file>
+
+<file path=ppt/slides/slide20.xml><?xml version="1.0" encoding="utf-8"?>
+<p:sld xmlns:a="http://schemas.openxmlformats.org/drawingml/2006/main" xmlns:r="http://schemas.openxmlformats.org/officeDocument/2006/relationships" xmlns:p="http://schemas.openxmlformats.org/presentationml/2006/main">
+  <p:cSld>
+    <p:spTree>
+      <p:nvGrpSpPr>
+        <p:cNvPr id="1" name=""/>
+        <p:cNvGrpSpPr/>
+        <p:nvPr/>
+      </p:nvGrpSpPr>
+      <p:grpSpPr>
+        <a:xfrm>
+          <a:off x="0" y="0"/>
+          <a:ext cx="0" cy="0"/>
+          <a:chOff x="0" y="0"/>
+          <a:chExt cx="0" cy="0"/>
+        </a:xfrm>
+      </p:grpSpPr>
+      <p:sp>
+        <p:nvSpPr>
+          <p:cNvPr id="2" name="Titolo 1"/>
+          <p:cNvSpPr>
+            <a:spLocks noGrp="1"/>
+          </p:cNvSpPr>
+          <p:nvPr>
+            <p:ph type="title"/>
+          </p:nvPr>
+        </p:nvSpPr>
+        <p:spPr>
+          <a:xfrm>
+            <a:off x="179512" y="274638"/>
+            <a:ext cx="8712968" cy="1143000"/>
+          </a:xfrm>
+        </p:spPr>
+        <p:txBody>
+          <a:bodyPr>
+            <a:normAutofit/>
+          </a:bodyPr>
+          <a:lstStyle/>
+          <a:p>
+            <a:r>
+              <a:rPr lang="it-IT" b="1" dirty="0"/>
+              <a:t>Come modificare un file dal Browser</a:t>
+            </a:r>
+          </a:p>
+        </p:txBody>
+      </p:sp>
+      <p:sp>
+        <p:nvSpPr>
+          <p:cNvPr id="4" name="Ovale 3"/>
+          <p:cNvSpPr/>
+          <p:nvPr/>
+        </p:nvSpPr>
+        <p:spPr>
+          <a:xfrm>
+            <a:off x="6588224" y="3501008"/>
+            <a:ext cx="648072" cy="432048"/>
+          </a:xfrm>
+          <a:prstGeom prst="ellipse">
+            <a:avLst/>
+          </a:prstGeom>
+          <a:noFill/>
+          <a:ln>
+            <a:solidFill>
+              <a:srgbClr val="FF0000"/>
+            </a:solidFill>
+          </a:ln>
+        </p:spPr>
+        <p:style>
+          <a:lnRef idx="2">
+            <a:schemeClr val="accent1">
+              <a:shade val="50000"/>
+            </a:schemeClr>
+          </a:lnRef>
+          <a:fillRef idx="1">
+            <a:schemeClr val="accent1"/>
+          </a:fillRef>
+          <a:effectRef idx="0">
+            <a:schemeClr val="accent1"/>
+          </a:effectRef>
+          <a:fontRef idx="minor">
+            <a:schemeClr val="lt1"/>
+          </a:fontRef>
+        </p:style>
+        <p:txBody>
+          <a:bodyPr rtlCol="0" anchor="ctr"/>
+          <a:lstStyle/>
+          <a:p>
+            <a:pPr algn="ctr"/>
+            <a:endParaRPr lang="it-IT"/>
+          </a:p>
+        </p:txBody>
+      </p:sp>
+      <p:pic>
+        <p:nvPicPr>
+          <p:cNvPr id="6146" name="Picture 2"/>
+          <p:cNvPicPr>
+            <a:picLocks noGrp="1" noChangeAspect="1" noChangeArrowheads="1"/>
+          </p:cNvPicPr>
+          <p:nvPr>
+            <p:ph idx="1"/>
+          </p:nvPr>
+        </p:nvPicPr>
+        <p:blipFill>
+          <a:blip r:embed="rId2">
+            <a:extLst>
+              <a:ext uri="{28A0092B-C50C-407E-A947-70E740481C1C}">
+                <a14:useLocalDpi xmlns:a14="http://schemas.microsoft.com/office/drawing/2010/main" val="0"/>
+              </a:ext>
+            </a:extLst>
+          </a:blip>
+          <a:srcRect/>
+          <a:stretch>
+            <a:fillRect/>
+          </a:stretch>
+        </p:blipFill>
+        <p:spPr bwMode="auto">
+          <a:xfrm>
+            <a:off x="546957" y="1600200"/>
+            <a:ext cx="8050085" cy="4525963"/>
+          </a:xfrm>
+          <a:prstGeom prst="rect">
+            <a:avLst/>
+          </a:prstGeom>
+          <a:noFill/>
+          <a:ln>
+            <a:noFill/>
+          </a:ln>
+          <a:extLst>
+            <a:ext uri="{909E8E84-426E-40DD-AFC4-6F175D3DCCD1}">
+              <a14:hiddenFill xmlns:a14="http://schemas.microsoft.com/office/drawing/2010/main">
+                <a:solidFill>
+                  <a:schemeClr val="accent1"/>
+                </a:solidFill>
+              </a14:hiddenFill>
+            </a:ext>
+            <a:ext uri="{91240B29-F687-4F45-9708-019B960494DF}">
+              <a14:hiddenLine xmlns:a14="http://schemas.microsoft.com/office/drawing/2010/main" w="9525">
+                <a:solidFill>
+                  <a:schemeClr val="tx1"/>
+                </a:solidFill>
+                <a:miter lim="800000"/>
+                <a:headEnd/>
+                <a:tailEnd/>
+              </a14:hiddenLine>
+            </a:ext>
+          </a:extLst>
+        </p:spPr>
+      </p:pic>
+      <p:cxnSp>
+        <p:nvCxnSpPr>
+          <p:cNvPr id="6" name="Connettore 1 5"/>
+          <p:cNvCxnSpPr/>
+          <p:nvPr/>
+        </p:nvCxnSpPr>
+        <p:spPr>
+          <a:xfrm>
+            <a:off x="2123728" y="3861048"/>
+            <a:ext cx="936104" cy="0"/>
+          </a:xfrm>
+          <a:prstGeom prst="line">
+            <a:avLst/>
+          </a:prstGeom>
+          <a:ln>
+            <a:solidFill>
+              <a:srgbClr val="FF0000"/>
+            </a:solidFill>
+          </a:ln>
+        </p:spPr>
+        <p:style>
+          <a:lnRef idx="1">
+            <a:schemeClr val="accent1"/>
+          </a:lnRef>
+          <a:fillRef idx="0">
+            <a:schemeClr val="accent1"/>
+          </a:fillRef>
+          <a:effectRef idx="0">
+            <a:schemeClr val="accent1"/>
+          </a:effectRef>
+          <a:fontRef idx="minor">
+            <a:schemeClr val="tx1"/>
+          </a:fontRef>
+        </p:style>
+      </p:cxnSp>
+    </p:spTree>
+    <p:extLst>
+      <p:ext uri="{BB962C8B-B14F-4D97-AF65-F5344CB8AC3E}">
+        <p14:creationId xmlns:p14="http://schemas.microsoft.com/office/powerpoint/2010/main" val="354978065"/>
+      </p:ext>
+    </p:extLst>
+  </p:cSld>
+  <p:clrMapOvr>
+    <a:masterClrMapping/>
+  </p:clrMapOvr>
+  <p:timing>
+    <p:tnLst>
+      <p:par>
+        <p:cTn id="1" dur="indefinite" restart="never" nodeType="tmRoot"/>
+      </p:par>
+    </p:tnLst>
+  </p:timing>
+</p:sld>
+</file>
+
+<file path=ppt/slides/slide21.xml><?xml version="1.0" encoding="utf-8"?>
+<p:sld xmlns:a="http://schemas.openxmlformats.org/drawingml/2006/main" xmlns:r="http://schemas.openxmlformats.org/officeDocument/2006/relationships" xmlns:p="http://schemas.openxmlformats.org/presentationml/2006/main">
+  <p:cSld>
+    <p:spTree>
+      <p:nvGrpSpPr>
+        <p:cNvPr id="1" name=""/>
+        <p:cNvGrpSpPr/>
+        <p:nvPr/>
+      </p:nvGrpSpPr>
+      <p:grpSpPr>
+        <a:xfrm>
+          <a:off x="0" y="0"/>
+          <a:ext cx="0" cy="0"/>
+          <a:chOff x="0" y="0"/>
+          <a:chExt cx="0" cy="0"/>
+        </a:xfrm>
+      </p:grpSpPr>
+      <p:pic>
+        <p:nvPicPr>
+          <p:cNvPr id="7170" name="Picture 2"/>
+          <p:cNvPicPr>
+            <a:picLocks noGrp="1" noChangeAspect="1" noChangeArrowheads="1"/>
+          </p:cNvPicPr>
+          <p:nvPr>
+            <p:ph idx="1"/>
+          </p:nvPr>
+        </p:nvPicPr>
+        <p:blipFill>
+          <a:blip r:embed="rId2">
+            <a:extLst>
+              <a:ext uri="{28A0092B-C50C-407E-A947-70E740481C1C}">
+                <a14:useLocalDpi xmlns:a14="http://schemas.microsoft.com/office/drawing/2010/main" val="0"/>
+              </a:ext>
+            </a:extLst>
+          </a:blip>
+          <a:srcRect/>
+          <a:stretch>
+            <a:fillRect/>
+          </a:stretch>
+        </p:blipFill>
+        <p:spPr bwMode="auto">
+          <a:xfrm>
+            <a:off x="546957" y="1600200"/>
+            <a:ext cx="8050085" cy="4525963"/>
+          </a:xfrm>
+          <a:prstGeom prst="rect">
+            <a:avLst/>
+          </a:prstGeom>
+          <a:noFill/>
+          <a:ln>
+            <a:noFill/>
+          </a:ln>
+          <a:extLst>
+            <a:ext uri="{909E8E84-426E-40DD-AFC4-6F175D3DCCD1}">
+              <a14:hiddenFill xmlns:a14="http://schemas.microsoft.com/office/drawing/2010/main">
+                <a:solidFill>
+                  <a:schemeClr val="accent1"/>
+                </a:solidFill>
+              </a14:hiddenFill>
+            </a:ext>
+            <a:ext uri="{91240B29-F687-4F45-9708-019B960494DF}">
+              <a14:hiddenLine xmlns:a14="http://schemas.microsoft.com/office/drawing/2010/main" w="9525">
+                <a:solidFill>
+                  <a:schemeClr val="tx1"/>
+                </a:solidFill>
+                <a:miter lim="800000"/>
+                <a:headEnd/>
+                <a:tailEnd/>
+              </a14:hiddenLine>
+            </a:ext>
+          </a:extLst>
+        </p:spPr>
+      </p:pic>
+      <p:sp>
+        <p:nvSpPr>
+          <p:cNvPr id="2" name="Titolo 1"/>
+          <p:cNvSpPr>
+            <a:spLocks noGrp="1"/>
+          </p:cNvSpPr>
+          <p:nvPr>
+            <p:ph type="title"/>
+          </p:nvPr>
+        </p:nvSpPr>
+        <p:spPr>
+          <a:xfrm>
+            <a:off x="179512" y="274638"/>
+            <a:ext cx="8712968" cy="1143000"/>
+          </a:xfrm>
+        </p:spPr>
+        <p:txBody>
+          <a:bodyPr>
+            <a:normAutofit/>
+          </a:bodyPr>
+          <a:lstStyle/>
+          <a:p>
+            <a:r>
+              <a:rPr lang="it-IT" b="1" dirty="0"/>
+              <a:t>Come modificare un file dal Browser</a:t>
+            </a:r>
+          </a:p>
+        </p:txBody>
+      </p:sp>
+      <p:sp>
+        <p:nvSpPr>
+          <p:cNvPr id="8" name="Freccia a destra 7"/>
+          <p:cNvSpPr/>
+          <p:nvPr/>
+        </p:nvSpPr>
+        <p:spPr>
+          <a:xfrm rot="10800000">
+            <a:off x="3539451" y="3717032"/>
+            <a:ext cx="432048" cy="144016"/>
+          </a:xfrm>
+          <a:prstGeom prst="rightArrow">
+            <a:avLst/>
+          </a:prstGeom>
+        </p:spPr>
+        <p:style>
+          <a:lnRef idx="2">
+            <a:schemeClr val="accent1">
+              <a:shade val="50000"/>
+            </a:schemeClr>
+          </a:lnRef>
+          <a:fillRef idx="1">
+            <a:schemeClr val="accent1"/>
+          </a:fillRef>
+          <a:effectRef idx="0">
+            <a:schemeClr val="accent1"/>
+          </a:effectRef>
+          <a:fontRef idx="minor">
+            <a:schemeClr val="lt1"/>
+          </a:fontRef>
+        </p:style>
+        <p:txBody>
+          <a:bodyPr rtlCol="0" anchor="ctr"/>
+          <a:lstStyle/>
+          <a:p>
+            <a:pPr algn="ctr"/>
+            <a:endParaRPr lang="it-IT"/>
+          </a:p>
+        </p:txBody>
+      </p:sp>
+      <p:sp>
+        <p:nvSpPr>
+          <p:cNvPr id="9" name="Freccia a destra 8"/>
+          <p:cNvSpPr/>
+          <p:nvPr/>
+        </p:nvSpPr>
+        <p:spPr>
+          <a:xfrm rot="10800000">
+            <a:off x="7164288" y="4149080"/>
+            <a:ext cx="432048" cy="144016"/>
+          </a:xfrm>
+          <a:prstGeom prst="rightArrow">
+            <a:avLst/>
+          </a:prstGeom>
+        </p:spPr>
+        <p:style>
+          <a:lnRef idx="2">
+            <a:schemeClr val="accent1">
+              <a:shade val="50000"/>
+            </a:schemeClr>
+          </a:lnRef>
+          <a:fillRef idx="1">
+            <a:schemeClr val="accent1"/>
+          </a:fillRef>
+          <a:effectRef idx="0">
+            <a:schemeClr val="accent1"/>
+          </a:effectRef>
+          <a:fontRef idx="minor">
+            <a:schemeClr val="lt1"/>
+          </a:fontRef>
+        </p:style>
+        <p:txBody>
+          <a:bodyPr rtlCol="0" anchor="ctr"/>
+          <a:lstStyle/>
+          <a:p>
+            <a:pPr algn="ctr"/>
+            <a:endParaRPr lang="it-IT"/>
+          </a:p>
+        </p:txBody>
+      </p:sp>
+      <p:sp>
+        <p:nvSpPr>
+          <p:cNvPr id="10" name="Freccia a destra 9"/>
+          <p:cNvSpPr/>
+          <p:nvPr/>
+        </p:nvSpPr>
+        <p:spPr>
+          <a:xfrm rot="10800000">
+            <a:off x="3491881" y="4941167"/>
+            <a:ext cx="432048" cy="144016"/>
+          </a:xfrm>
+          <a:prstGeom prst="rightArrow">
+            <a:avLst/>
+          </a:prstGeom>
+        </p:spPr>
+        <p:style>
+          <a:lnRef idx="2">
+            <a:schemeClr val="accent1">
+              <a:shade val="50000"/>
+            </a:schemeClr>
+          </a:lnRef>
+          <a:fillRef idx="1">
+            <a:schemeClr val="accent1"/>
+          </a:fillRef>
+          <a:effectRef idx="0">
+            <a:schemeClr val="accent1"/>
+          </a:effectRef>
+          <a:fontRef idx="minor">
+            <a:schemeClr val="lt1"/>
+          </a:fontRef>
+        </p:style>
+        <p:txBody>
+          <a:bodyPr rtlCol="0" anchor="ctr"/>
+          <a:lstStyle/>
+          <a:p>
+            <a:pPr algn="ctr"/>
+            <a:endParaRPr lang="it-IT"/>
+          </a:p>
+        </p:txBody>
+      </p:sp>
+    </p:spTree>
+    <p:extLst>
+      <p:ext uri="{BB962C8B-B14F-4D97-AF65-F5344CB8AC3E}">
+        <p14:creationId xmlns:p14="http://schemas.microsoft.com/office/powerpoint/2010/main" val="3153105818"/>
+      </p:ext>
+    </p:extLst>
+  </p:cSld>
+  <p:clrMapOvr>
+    <a:masterClrMapping/>
+  </p:clrMapOvr>
+  <p:timing>
+    <p:tnLst>
+      <p:par>
+        <p:cTn id="1" dur="indefinite" restart="never" nodeType="tmRoot"/>
+      </p:par>
+    </p:tnLst>
+  </p:timing>
+</p:sld>
+</file>
+
+<file path=ppt/slides/slide22.xml><?xml version="1.0" encoding="utf-8"?>
+<p:sld xmlns:a="http://schemas.openxmlformats.org/drawingml/2006/main" xmlns:r="http://schemas.openxmlformats.org/officeDocument/2006/relationships" xmlns:p="http://schemas.openxmlformats.org/presentationml/2006/main">
+  <p:cSld>
+    <p:spTree>
+      <p:nvGrpSpPr>
+        <p:cNvPr id="1" name=""/>
+        <p:cNvGrpSpPr/>
+        <p:nvPr/>
+      </p:nvGrpSpPr>
+      <p:grpSpPr>
+        <a:xfrm>
+          <a:off x="0" y="0"/>
+          <a:ext cx="0" cy="0"/>
+          <a:chOff x="0" y="0"/>
+          <a:chExt cx="0" cy="0"/>
+        </a:xfrm>
+      </p:grpSpPr>
+      <p:sp>
+        <p:nvSpPr>
+          <p:cNvPr id="2" name="Titolo 1"/>
+          <p:cNvSpPr>
+            <a:spLocks noGrp="1"/>
+          </p:cNvSpPr>
+          <p:nvPr>
+            <p:ph type="title"/>
+          </p:nvPr>
+        </p:nvSpPr>
+        <p:spPr>
+          <a:xfrm>
+            <a:off x="251520" y="274638"/>
+            <a:ext cx="8640960" cy="1143000"/>
+          </a:xfrm>
+        </p:spPr>
+        <p:txBody>
+          <a:bodyPr>
+            <a:normAutofit/>
+          </a:bodyPr>
+          <a:lstStyle/>
+          <a:p>
+            <a:r>
+              <a:rPr lang="it-IT" b="1" dirty="0"/>
+              <a:t>Come </a:t>
+            </a:r>
+            <a:r>
+              <a:rPr lang="it-IT" b="1" dirty="0" smtClean="0"/>
+              <a:t>modificare un file dal </a:t>
+            </a:r>
+            <a:r>
+              <a:rPr lang="it-IT" b="1" dirty="0"/>
+              <a:t>Browser</a:t>
+            </a:r>
+          </a:p>
+        </p:txBody>
+      </p:sp>
+      <p:sp>
+        <p:nvSpPr>
+          <p:cNvPr id="3" name="Segnaposto contenuto 2"/>
+          <p:cNvSpPr>
+            <a:spLocks noGrp="1"/>
+          </p:cNvSpPr>
+          <p:nvPr>
+            <p:ph idx="1"/>
+          </p:nvPr>
+        </p:nvSpPr>
+        <p:spPr/>
+        <p:txBody>
+          <a:bodyPr>
+            <a:normAutofit/>
+          </a:bodyPr>
+          <a:lstStyle/>
+          <a:p>
+            <a:r>
+              <a:rPr lang="it-IT" sz="2000" dirty="0"/>
+              <a:t>Queste </a:t>
+            </a:r>
+            <a:r>
+              <a:rPr lang="it-IT" sz="2000" b="1" dirty="0"/>
+              <a:t>modifiche</a:t>
+            </a:r>
+            <a:r>
+              <a:rPr lang="it-IT" sz="2000" dirty="0"/>
+              <a:t> verranno apportate </a:t>
+            </a:r>
+            <a:r>
+              <a:rPr lang="it-IT" sz="2000" b="1" dirty="0"/>
+              <a:t>solo al file README</a:t>
+            </a:r>
+            <a:r>
+              <a:rPr lang="it-IT" sz="2000" dirty="0"/>
+              <a:t> </a:t>
+            </a:r>
+            <a:r>
+              <a:rPr lang="it-IT" sz="2000" dirty="0" smtClean="0"/>
+              <a:t>sulla </a:t>
+            </a:r>
+            <a:r>
+              <a:rPr lang="it-IT" sz="2000" dirty="0" err="1" smtClean="0"/>
+              <a:t>Branch</a:t>
+            </a:r>
+            <a:r>
+              <a:rPr lang="it-IT" sz="2000" dirty="0" smtClean="0"/>
+              <a:t> ‘‘</a:t>
+            </a:r>
+            <a:r>
+              <a:rPr lang="it-IT" sz="2000" b="1" dirty="0" smtClean="0"/>
+              <a:t>Modifica</a:t>
+            </a:r>
+            <a:r>
+              <a:rPr lang="it-IT" sz="2000" dirty="0" smtClean="0"/>
+              <a:t>’’.</a:t>
+            </a:r>
+          </a:p>
+          <a:p>
+            <a:pPr marL="0" indent="0">
+              <a:buNone/>
+            </a:pPr>
+            <a:endParaRPr lang="it-IT" sz="2000" dirty="0"/>
+          </a:p>
+          <a:p>
+            <a:r>
+              <a:rPr lang="it-IT" sz="2000" dirty="0" smtClean="0"/>
+              <a:t>Quindi </a:t>
+            </a:r>
+            <a:r>
+              <a:rPr lang="it-IT" sz="2000" dirty="0"/>
+              <a:t>ora questo ramo contiene </a:t>
+            </a:r>
+            <a:r>
+              <a:rPr lang="it-IT" sz="2000" b="1" dirty="0"/>
+              <a:t>contenuti diversi dal master</a:t>
+            </a:r>
+            <a:r>
+              <a:rPr lang="it-IT" sz="2000" dirty="0"/>
+              <a:t>.</a:t>
+            </a:r>
+          </a:p>
+          <a:p>
+            <a:pPr marL="0" indent="0">
+              <a:buNone/>
+            </a:pPr>
+            <a:r>
+              <a:rPr lang="it-IT" sz="2000" dirty="0"/>
+              <a:t/>
+            </a:r>
+            <a:br>
+              <a:rPr lang="it-IT" sz="2000" dirty="0"/>
+            </a:br>
+            <a:endParaRPr lang="it-IT" sz="2000" dirty="0"/>
+          </a:p>
+          <a:p>
+            <a:pPr marL="457200" indent="-457200">
+              <a:buFont typeface="+mj-lt"/>
+              <a:buAutoNum type="arabicPeriod"/>
+            </a:pPr>
+            <a:endParaRPr lang="it-IT" sz="2000" dirty="0" smtClean="0"/>
+          </a:p>
+          <a:p>
+            <a:pPr marL="0" indent="0">
+              <a:buNone/>
+            </a:pPr>
+            <a:endParaRPr lang="it-IT" sz="2000" dirty="0" smtClean="0"/>
+          </a:p>
+        </p:txBody>
+      </p:sp>
+    </p:spTree>
+    <p:extLst>
+      <p:ext uri="{BB962C8B-B14F-4D97-AF65-F5344CB8AC3E}">
+        <p14:creationId xmlns:p14="http://schemas.microsoft.com/office/powerpoint/2010/main" val="1291649512"/>
+      </p:ext>
+    </p:extLst>
+  </p:cSld>
+  <p:clrMapOvr>
+    <a:masterClrMapping/>
+  </p:clrMapOvr>
+  <p:timing>
+    <p:tnLst>
+      <p:par>
+        <p:cTn id="1" dur="indefinite" restart="never" nodeType="tmRoot"/>
+      </p:par>
+    </p:tnLst>
+  </p:timing>
+</p:sld>
+</file>
+
+<file path=ppt/slides/slide23.xml><?xml version="1.0" encoding="utf-8"?>
+<p:sld xmlns:a="http://schemas.openxmlformats.org/drawingml/2006/main" xmlns:r="http://schemas.openxmlformats.org/officeDocument/2006/relationships" xmlns:p="http://schemas.openxmlformats.org/presentationml/2006/main">
+  <p:cSld>
+    <p:spTree>
+      <p:nvGrpSpPr>
+        <p:cNvPr id="1" name=""/>
+        <p:cNvGrpSpPr/>
+        <p:nvPr/>
+      </p:nvGrpSpPr>
+      <p:grpSpPr>
+        <a:xfrm>
+          <a:off x="0" y="0"/>
+          <a:ext cx="0" cy="0"/>
+          <a:chOff x="0" y="0"/>
+          <a:chExt cx="0" cy="0"/>
+        </a:xfrm>
+      </p:grpSpPr>
+      <p:sp>
+        <p:nvSpPr>
+          <p:cNvPr id="2" name="Titolo 1"/>
+          <p:cNvSpPr>
+            <a:spLocks noGrp="1"/>
+          </p:cNvSpPr>
+          <p:nvPr>
+            <p:ph type="title"/>
+          </p:nvPr>
+        </p:nvSpPr>
+        <p:spPr>
+          <a:xfrm>
+            <a:off x="0" y="274638"/>
+            <a:ext cx="9144000" cy="1138138"/>
+          </a:xfrm>
+        </p:spPr>
+        <p:txBody>
+          <a:bodyPr>
+            <a:normAutofit fontScale="90000"/>
+          </a:bodyPr>
+          <a:lstStyle/>
+          <a:p>
+            <a:r>
+              <a:rPr lang="it-IT" b="1" dirty="0"/>
+              <a:t>Come </a:t>
+            </a:r>
+            <a:r>
+              <a:rPr lang="it-IT" b="1" dirty="0" smtClean="0"/>
+              <a:t>creare una Pull </a:t>
+            </a:r>
+            <a:r>
+              <a:rPr lang="it-IT" b="1" dirty="0" err="1" smtClean="0"/>
+              <a:t>Request</a:t>
+            </a:r>
+            <a:r>
+              <a:rPr lang="it-IT" b="1" dirty="0" smtClean="0"/>
+              <a:t> dal </a:t>
+            </a:r>
+            <a:r>
+              <a:rPr lang="it-IT" b="1" dirty="0"/>
+              <a:t>Browser</a:t>
+            </a:r>
+          </a:p>
+        </p:txBody>
+      </p:sp>
+      <p:sp>
+        <p:nvSpPr>
+          <p:cNvPr id="3" name="Segnaposto contenuto 2"/>
+          <p:cNvSpPr>
+            <a:spLocks noGrp="1"/>
+          </p:cNvSpPr>
+          <p:nvPr>
+            <p:ph idx="1"/>
+          </p:nvPr>
+        </p:nvSpPr>
+        <p:spPr/>
+        <p:txBody>
+          <a:bodyPr>
+            <a:normAutofit lnSpcReduction="10000"/>
+          </a:bodyPr>
+          <a:lstStyle/>
+          <a:p>
+            <a:r>
+              <a:rPr lang="it-IT" sz="2000" dirty="0"/>
+              <a:t>Ora che hai delle modifiche in un ramo fuori dal master, puoi aprire una </a:t>
+            </a:r>
+            <a:r>
+              <a:rPr lang="it-IT" sz="2000" dirty="0" smtClean="0"/>
+              <a:t>Pull </a:t>
+            </a:r>
+            <a:r>
+              <a:rPr lang="it-IT" sz="2000" dirty="0" err="1" smtClean="0"/>
+              <a:t>Request</a:t>
+            </a:r>
+            <a:r>
+              <a:rPr lang="it-IT" sz="2000" dirty="0" smtClean="0"/>
+              <a:t>.</a:t>
+            </a:r>
+          </a:p>
+          <a:p>
+            <a:endParaRPr lang="it-IT" sz="2000" dirty="0" smtClean="0"/>
+          </a:p>
+          <a:p>
+            <a:r>
+              <a:rPr lang="it-IT" sz="2000" dirty="0" smtClean="0"/>
+              <a:t>Pull </a:t>
+            </a:r>
+            <a:r>
+              <a:rPr lang="it-IT" sz="2000" dirty="0" err="1"/>
+              <a:t>Requests</a:t>
+            </a:r>
+            <a:r>
+              <a:rPr lang="it-IT" sz="2000" dirty="0"/>
+              <a:t> è il cuore della collaborazione su </a:t>
+            </a:r>
+            <a:r>
+              <a:rPr lang="it-IT" sz="2000" dirty="0" err="1"/>
+              <a:t>GitHub</a:t>
+            </a:r>
+            <a:r>
+              <a:rPr lang="it-IT" sz="2000" dirty="0"/>
+              <a:t>. </a:t>
+            </a:r>
+            <a:endParaRPr lang="it-IT" sz="2000" dirty="0" smtClean="0"/>
+          </a:p>
+          <a:p>
+            <a:endParaRPr lang="it-IT" sz="2000" dirty="0" smtClean="0"/>
+          </a:p>
+          <a:p>
+            <a:r>
+              <a:rPr lang="it-IT" sz="2000" dirty="0" smtClean="0"/>
+              <a:t>Quando </a:t>
+            </a:r>
+            <a:r>
+              <a:rPr lang="it-IT" sz="2000" dirty="0"/>
+              <a:t>apri una richiesta di pull, stai proponendo le tue modifiche e richiedi che qualcuno riveda e aggiunga il tuo contributo e uniscilo nel loro ramo</a:t>
+            </a:r>
+            <a:r>
+              <a:rPr lang="it-IT" sz="2000" dirty="0" smtClean="0"/>
+              <a:t>.</a:t>
+            </a:r>
+          </a:p>
+          <a:p>
+            <a:endParaRPr lang="it-IT" sz="2000" dirty="0" smtClean="0"/>
+          </a:p>
+          <a:p>
+            <a:r>
+              <a:rPr lang="it-IT" sz="2000" dirty="0" smtClean="0"/>
+              <a:t>Le </a:t>
+            </a:r>
+            <a:r>
+              <a:rPr lang="it-IT" sz="2000" dirty="0"/>
+              <a:t>richieste di pull </a:t>
+            </a:r>
+            <a:r>
+              <a:rPr lang="it-IT" sz="2000" dirty="0" smtClean="0"/>
+              <a:t>mostrano le differenze</a:t>
+            </a:r>
+            <a:r>
+              <a:rPr lang="it-IT" sz="2000" dirty="0"/>
+              <a:t> </a:t>
+            </a:r>
+            <a:r>
+              <a:rPr lang="it-IT" sz="2000" dirty="0" smtClean="0"/>
+              <a:t> </a:t>
+            </a:r>
+            <a:r>
+              <a:rPr lang="it-IT" sz="2000" dirty="0"/>
+              <a:t>tra i contenuti di entrambi i rami. </a:t>
+            </a:r>
+            <a:endParaRPr lang="it-IT" sz="2000" dirty="0" smtClean="0"/>
+          </a:p>
+          <a:p>
+            <a:endParaRPr lang="it-IT" sz="2000" dirty="0" smtClean="0"/>
+          </a:p>
+          <a:p>
+            <a:r>
+              <a:rPr lang="it-IT" sz="2000" dirty="0" smtClean="0"/>
+              <a:t>Le </a:t>
+            </a:r>
+            <a:r>
+              <a:rPr lang="it-IT" sz="2000" dirty="0"/>
+              <a:t>modifiche, le aggiunte e le sottrazioni sono mostrate in verde e rosso. </a:t>
+            </a:r>
+            <a:endParaRPr lang="it-IT" sz="2000" dirty="0" smtClean="0"/>
+          </a:p>
+          <a:p>
+            <a:pPr marL="0" indent="0">
+              <a:buNone/>
+            </a:pPr>
+            <a:endParaRPr lang="it-IT" sz="2000" dirty="0" smtClean="0"/>
+          </a:p>
+        </p:txBody>
+      </p:sp>
+    </p:spTree>
+    <p:extLst>
+      <p:ext uri="{BB962C8B-B14F-4D97-AF65-F5344CB8AC3E}">
+        <p14:creationId xmlns:p14="http://schemas.microsoft.com/office/powerpoint/2010/main" val="2302407101"/>
+      </p:ext>
+    </p:extLst>
+  </p:cSld>
+  <p:clrMapOvr>
+    <a:masterClrMapping/>
+  </p:clrMapOvr>
+  <p:timing>
+    <p:tnLst>
+      <p:par>
+        <p:cTn id="1" dur="indefinite" restart="never" nodeType="tmRoot"/>
+      </p:par>
+    </p:tnLst>
+  </p:timing>
+</p:sld>
+</file>
+
+<file path=ppt/slides/slide24.xml><?xml version="1.0" encoding="utf-8"?>
+<p:sld xmlns:a="http://schemas.openxmlformats.org/drawingml/2006/main" xmlns:r="http://schemas.openxmlformats.org/officeDocument/2006/relationships" xmlns:p="http://schemas.openxmlformats.org/presentationml/2006/main">
+  <p:cSld>
+    <p:spTree>
+      <p:nvGrpSpPr>
+        <p:cNvPr id="1" name=""/>
+        <p:cNvGrpSpPr/>
+        <p:nvPr/>
+      </p:nvGrpSpPr>
+      <p:grpSpPr>
+        <a:xfrm>
+          <a:off x="0" y="0"/>
+          <a:ext cx="0" cy="0"/>
+          <a:chOff x="0" y="0"/>
+          <a:chExt cx="0" cy="0"/>
+        </a:xfrm>
+      </p:grpSpPr>
+      <p:sp>
+        <p:nvSpPr>
+          <p:cNvPr id="2" name="Titolo 1"/>
+          <p:cNvSpPr>
+            <a:spLocks noGrp="1"/>
+          </p:cNvSpPr>
+          <p:nvPr>
+            <p:ph type="title"/>
+          </p:nvPr>
+        </p:nvSpPr>
+        <p:spPr>
+          <a:xfrm>
+            <a:off x="0" y="274638"/>
+            <a:ext cx="9144000" cy="1138138"/>
+          </a:xfrm>
+        </p:spPr>
+        <p:txBody>
+          <a:bodyPr>
+            <a:normAutofit fontScale="90000"/>
+          </a:bodyPr>
+          <a:lstStyle/>
+          <a:p>
+            <a:r>
+              <a:rPr lang="it-IT" b="1" dirty="0"/>
+              <a:t>Come </a:t>
+            </a:r>
+            <a:r>
+              <a:rPr lang="it-IT" b="1" dirty="0" smtClean="0"/>
+              <a:t>creare una Pull </a:t>
+            </a:r>
+            <a:r>
+              <a:rPr lang="it-IT" b="1" dirty="0" err="1" smtClean="0"/>
+              <a:t>Request</a:t>
+            </a:r>
+            <a:r>
+              <a:rPr lang="it-IT" b="1" dirty="0" smtClean="0"/>
+              <a:t> dal </a:t>
+            </a:r>
+            <a:r>
+              <a:rPr lang="it-IT" b="1" dirty="0"/>
+              <a:t>Browser</a:t>
+            </a:r>
+          </a:p>
+        </p:txBody>
+      </p:sp>
+      <p:sp>
+        <p:nvSpPr>
+          <p:cNvPr id="3" name="Segnaposto contenuto 2"/>
+          <p:cNvSpPr>
+            <a:spLocks noGrp="1"/>
+          </p:cNvSpPr>
+          <p:nvPr>
+            <p:ph idx="1"/>
+          </p:nvPr>
+        </p:nvSpPr>
+        <p:spPr/>
+        <p:txBody>
+          <a:bodyPr>
+            <a:normAutofit/>
+          </a:bodyPr>
+          <a:lstStyle/>
+          <a:p>
+            <a:r>
+              <a:rPr lang="it-IT" sz="2000" dirty="0"/>
+              <a:t>Non appena esegui un </a:t>
+            </a:r>
+            <a:r>
+              <a:rPr lang="it-IT" sz="2000" dirty="0" err="1"/>
+              <a:t>commit</a:t>
+            </a:r>
+            <a:r>
+              <a:rPr lang="it-IT" sz="2000" dirty="0"/>
+              <a:t>, puoi aprire una pull </a:t>
+            </a:r>
+            <a:r>
+              <a:rPr lang="it-IT" sz="2000" dirty="0" err="1"/>
+              <a:t>request</a:t>
+            </a:r>
+            <a:r>
+              <a:rPr lang="it-IT" sz="2000" dirty="0"/>
+              <a:t> e avviare una discussione, anche prima che il codice sia finito</a:t>
+            </a:r>
+            <a:r>
+              <a:rPr lang="it-IT" sz="2000" dirty="0" smtClean="0"/>
+              <a:t>.</a:t>
+            </a:r>
+          </a:p>
+          <a:p>
+            <a:endParaRPr lang="it-IT" sz="2000" dirty="0" smtClean="0"/>
+          </a:p>
+          <a:p>
+            <a:r>
+              <a:rPr lang="it-IT" sz="2000" dirty="0" smtClean="0"/>
+              <a:t>Usando </a:t>
+            </a:r>
+            <a:r>
+              <a:rPr lang="it-IT" sz="2000" dirty="0"/>
+              <a:t>il sistema @</a:t>
+            </a:r>
+            <a:r>
+              <a:rPr lang="it-IT" sz="2000" dirty="0" err="1"/>
+              <a:t>mention</a:t>
+            </a:r>
+            <a:r>
+              <a:rPr lang="it-IT" sz="2000" dirty="0"/>
+              <a:t> di </a:t>
+            </a:r>
+            <a:r>
+              <a:rPr lang="it-IT" sz="2000" dirty="0" err="1"/>
+              <a:t>GitHub</a:t>
+            </a:r>
+            <a:r>
+              <a:rPr lang="it-IT" sz="2000" dirty="0"/>
+              <a:t> nel tuo messaggio di richiesta di pull, puoi chiedere feedback a persone o team specifici</a:t>
+            </a:r>
+            <a:r>
+              <a:rPr lang="it-IT" sz="2000" dirty="0" smtClean="0"/>
+              <a:t>.</a:t>
+            </a:r>
+          </a:p>
+          <a:p>
+            <a:endParaRPr lang="it-IT" sz="2000" dirty="0"/>
+          </a:p>
+          <a:p>
+            <a:r>
+              <a:rPr lang="it-IT" sz="2000" dirty="0"/>
+              <a:t>Puoi persino aprire le richieste di pull nel tuo </a:t>
+            </a:r>
+            <a:r>
+              <a:rPr lang="it-IT" sz="2000" dirty="0" err="1"/>
+              <a:t>repository</a:t>
+            </a:r>
+            <a:r>
+              <a:rPr lang="it-IT" sz="2000" dirty="0"/>
+              <a:t> e unirle tu stesso. </a:t>
+            </a:r>
+            <a:endParaRPr lang="it-IT" sz="2000" dirty="0" smtClean="0"/>
+          </a:p>
+          <a:p>
+            <a:endParaRPr lang="it-IT" sz="2000" dirty="0"/>
+          </a:p>
+          <a:p>
+            <a:r>
+              <a:rPr lang="it-IT" sz="2000" dirty="0" smtClean="0"/>
+              <a:t>È </a:t>
+            </a:r>
+            <a:r>
+              <a:rPr lang="it-IT" sz="2000" dirty="0"/>
+              <a:t>un ottimo modo per imparare </a:t>
+            </a:r>
+            <a:r>
+              <a:rPr lang="it-IT" sz="2000" dirty="0" err="1"/>
+              <a:t>GitHub</a:t>
+            </a:r>
+            <a:r>
+              <a:rPr lang="it-IT" sz="2000" dirty="0"/>
+              <a:t> Flow prima di lavorare su progetti più grandi.</a:t>
+            </a:r>
+            <a:br>
+              <a:rPr lang="it-IT" sz="2000" dirty="0"/>
+            </a:br>
+            <a:endParaRPr lang="it-IT" sz="2000" dirty="0"/>
+          </a:p>
+          <a:p>
+            <a:pPr marL="0" indent="0">
+              <a:buNone/>
+            </a:pPr>
+            <a:endParaRPr lang="it-IT" sz="2000" dirty="0" smtClean="0"/>
+          </a:p>
+        </p:txBody>
+      </p:sp>
+    </p:spTree>
+    <p:extLst>
+      <p:ext uri="{BB962C8B-B14F-4D97-AF65-F5344CB8AC3E}">
+        <p14:creationId xmlns:p14="http://schemas.microsoft.com/office/powerpoint/2010/main" val="2346234974"/>
+      </p:ext>
+    </p:extLst>
+  </p:cSld>
+  <p:clrMapOvr>
+    <a:masterClrMapping/>
+  </p:clrMapOvr>
+  <p:timing>
+    <p:tnLst>
+      <p:par>
+        <p:cTn id="1" dur="indefinite" restart="never" nodeType="tmRoot"/>
+      </p:par>
+    </p:tnLst>
+  </p:timing>
+</p:sld>
+</file>
+
+<file path=ppt/slides/slide25.xml><?xml version="1.0" encoding="utf-8"?>
+<p:sld xmlns:a="http://schemas.openxmlformats.org/drawingml/2006/main" xmlns:r="http://schemas.openxmlformats.org/officeDocument/2006/relationships" xmlns:p="http://schemas.openxmlformats.org/presentationml/2006/main">
+  <p:cSld>
+    <p:spTree>
+      <p:nvGrpSpPr>
+        <p:cNvPr id="1" name=""/>
+        <p:cNvGrpSpPr/>
+        <p:nvPr/>
+      </p:nvGrpSpPr>
+      <p:grpSpPr>
+        <a:xfrm>
+          <a:off x="0" y="0"/>
+          <a:ext cx="0" cy="0"/>
+          <a:chOff x="0" y="0"/>
+          <a:chExt cx="0" cy="0"/>
+        </a:xfrm>
+      </p:grpSpPr>
+      <p:sp>
+        <p:nvSpPr>
+          <p:cNvPr id="2" name="Titolo 1"/>
+          <p:cNvSpPr>
+            <a:spLocks noGrp="1"/>
+          </p:cNvSpPr>
+          <p:nvPr>
+            <p:ph type="title"/>
+          </p:nvPr>
+        </p:nvSpPr>
+        <p:spPr>
+          <a:xfrm>
+            <a:off x="0" y="274638"/>
+            <a:ext cx="9144000" cy="1138138"/>
+          </a:xfrm>
+        </p:spPr>
+        <p:txBody>
+          <a:bodyPr>
+            <a:normAutofit fontScale="90000"/>
+          </a:bodyPr>
+          <a:lstStyle/>
+          <a:p>
+            <a:r>
+              <a:rPr lang="it-IT" b="1" dirty="0"/>
+              <a:t>Come </a:t>
+            </a:r>
+            <a:r>
+              <a:rPr lang="it-IT" b="1" dirty="0" smtClean="0"/>
+              <a:t>creare una Pull </a:t>
+            </a:r>
+            <a:r>
+              <a:rPr lang="it-IT" b="1" dirty="0" err="1" smtClean="0"/>
+              <a:t>Request</a:t>
+            </a:r>
+            <a:r>
+              <a:rPr lang="it-IT" b="1" dirty="0" smtClean="0"/>
+              <a:t> dal </a:t>
+            </a:r>
+            <a:r>
+              <a:rPr lang="it-IT" b="1" dirty="0"/>
+              <a:t>Browser</a:t>
+            </a:r>
+          </a:p>
+        </p:txBody>
+      </p:sp>
+      <p:sp>
+        <p:nvSpPr>
+          <p:cNvPr id="3" name="Segnaposto contenuto 2"/>
+          <p:cNvSpPr>
+            <a:spLocks noGrp="1"/>
+          </p:cNvSpPr>
+          <p:nvPr>
+            <p:ph idx="1"/>
+          </p:nvPr>
+        </p:nvSpPr>
+        <p:spPr>
+          <a:xfrm>
+            <a:off x="179512" y="1412776"/>
+            <a:ext cx="8784976" cy="5400600"/>
+          </a:xfrm>
+        </p:spPr>
+        <p:txBody>
+          <a:bodyPr>
+            <a:normAutofit fontScale="25000" lnSpcReduction="20000"/>
+          </a:bodyPr>
+          <a:lstStyle/>
+          <a:p>
+            <a:pPr marL="457200" indent="-457200">
+              <a:buFont typeface="+mj-lt"/>
+              <a:buAutoNum type="arabicPeriod"/>
+            </a:pPr>
+            <a:endParaRPr lang="it-IT" sz="2000" dirty="0" smtClean="0"/>
+          </a:p>
+          <a:p>
+            <a:pPr marL="457200" indent="-457200">
+              <a:buFont typeface="+mj-lt"/>
+              <a:buAutoNum type="arabicPeriod"/>
+            </a:pPr>
+            <a:endParaRPr lang="it-IT" sz="2000" dirty="0"/>
+          </a:p>
+          <a:p>
+            <a:pPr marL="457200" indent="-457200">
+              <a:buFont typeface="+mj-lt"/>
+              <a:buAutoNum type="arabicPeriod"/>
+            </a:pPr>
+            <a:endParaRPr lang="it-IT" sz="2000" dirty="0" smtClean="0"/>
+          </a:p>
+          <a:p>
+            <a:pPr marL="457200" indent="-457200">
+              <a:buFont typeface="+mj-lt"/>
+              <a:buAutoNum type="arabicPeriod"/>
+            </a:pPr>
+            <a:r>
+              <a:rPr lang="it-IT" sz="7200" dirty="0" smtClean="0"/>
+              <a:t>Fare </a:t>
+            </a:r>
+            <a:r>
+              <a:rPr lang="it-IT" sz="7200" dirty="0"/>
+              <a:t>clic sulla scheda </a:t>
+            </a:r>
+            <a:r>
+              <a:rPr lang="it-IT" sz="7200" dirty="0" smtClean="0"/>
+              <a:t>Pull </a:t>
+            </a:r>
+            <a:r>
+              <a:rPr lang="it-IT" sz="7200" dirty="0" err="1" smtClean="0"/>
+              <a:t>Requested</a:t>
+            </a:r>
+            <a:r>
+              <a:rPr lang="it-IT" sz="7200" dirty="0" smtClean="0"/>
+              <a:t>, </a:t>
+            </a:r>
+            <a:r>
+              <a:rPr lang="it-IT" sz="7200" dirty="0"/>
+              <a:t>quindi dalla pagina Richiesta di pull, fare clic sul pulsante verde Nuova richiesta di pull</a:t>
+            </a:r>
+            <a:r>
+              <a:rPr lang="it-IT" sz="7200" dirty="0" smtClean="0"/>
+              <a:t>.</a:t>
+            </a:r>
+          </a:p>
+          <a:p>
+            <a:pPr marL="457200" indent="-457200">
+              <a:buFont typeface="+mj-lt"/>
+              <a:buAutoNum type="arabicPeriod"/>
+            </a:pPr>
+            <a:endParaRPr lang="it-IT" sz="7200" dirty="0" smtClean="0"/>
+          </a:p>
+          <a:p>
+            <a:pPr marL="457200" indent="-457200">
+              <a:buFont typeface="+mj-lt"/>
+              <a:buAutoNum type="arabicPeriod"/>
+            </a:pPr>
+            <a:r>
+              <a:rPr lang="it-IT" sz="7200" dirty="0"/>
+              <a:t>Nella casella </a:t>
+            </a:r>
+            <a:r>
+              <a:rPr lang="it-IT" sz="7200" dirty="0" err="1"/>
+              <a:t>Comparing</a:t>
+            </a:r>
+            <a:r>
+              <a:rPr lang="it-IT" sz="7200" dirty="0"/>
+              <a:t> </a:t>
+            </a:r>
+            <a:r>
+              <a:rPr lang="it-IT" sz="7200" dirty="0" err="1"/>
+              <a:t>changes</a:t>
+            </a:r>
+            <a:r>
+              <a:rPr lang="it-IT" sz="7200" dirty="0"/>
+              <a:t>, seleziona il ramo che hai creato, </a:t>
+            </a:r>
+            <a:r>
+              <a:rPr lang="it-IT" sz="7200" dirty="0" smtClean="0"/>
+              <a:t>‘‘Modifica’’, e confrontalo </a:t>
+            </a:r>
+            <a:r>
+              <a:rPr lang="it-IT" sz="7200" dirty="0"/>
+              <a:t>con il master (l'originale</a:t>
+            </a:r>
+            <a:r>
+              <a:rPr lang="it-IT" sz="7200" dirty="0" smtClean="0"/>
+              <a:t>).</a:t>
+            </a:r>
+          </a:p>
+          <a:p>
+            <a:pPr marL="457200" indent="-457200">
+              <a:buFont typeface="+mj-lt"/>
+              <a:buAutoNum type="arabicPeriod"/>
+            </a:pPr>
+            <a:endParaRPr lang="it-IT" sz="7200" dirty="0" smtClean="0"/>
+          </a:p>
+          <a:p>
+            <a:pPr marL="457200" indent="-457200">
+              <a:buFont typeface="+mj-lt"/>
+              <a:buAutoNum type="arabicPeriod"/>
+            </a:pPr>
+            <a:r>
+              <a:rPr lang="it-IT" sz="7200" dirty="0"/>
+              <a:t>Controlla le </a:t>
+            </a:r>
+            <a:r>
+              <a:rPr lang="it-IT" sz="7200" dirty="0" smtClean="0"/>
+              <a:t>modifiche al fondo della </a:t>
+            </a:r>
+            <a:r>
+              <a:rPr lang="it-IT" sz="7200" dirty="0"/>
+              <a:t>pagina </a:t>
+            </a:r>
+            <a:r>
+              <a:rPr lang="it-IT" sz="7200" dirty="0" smtClean="0"/>
+              <a:t>, </a:t>
+            </a:r>
+            <a:r>
+              <a:rPr lang="it-IT" sz="7200" dirty="0"/>
+              <a:t>assicurati che siano ciò che vuoi inviare</a:t>
+            </a:r>
+            <a:r>
+              <a:rPr lang="it-IT" sz="7200" dirty="0" smtClean="0"/>
+              <a:t>.</a:t>
+            </a:r>
+          </a:p>
+          <a:p>
+            <a:pPr marL="457200" indent="-457200">
+              <a:buFont typeface="+mj-lt"/>
+              <a:buAutoNum type="arabicPeriod"/>
+            </a:pPr>
+            <a:endParaRPr lang="it-IT" sz="7200" dirty="0" smtClean="0"/>
+          </a:p>
+          <a:p>
+            <a:pPr marL="457200" indent="-457200">
+              <a:buFont typeface="+mj-lt"/>
+              <a:buAutoNum type="arabicPeriod"/>
+            </a:pPr>
+            <a:r>
+              <a:rPr lang="it-IT" sz="7200" dirty="0" smtClean="0"/>
+              <a:t>Quando </a:t>
+            </a:r>
+            <a:r>
+              <a:rPr lang="it-IT" sz="7200" dirty="0"/>
+              <a:t>sei soddisfatto del fatto che queste sono le modifiche che desideri inviare, fai clic sul pulsante verde Crea </a:t>
+            </a:r>
+            <a:r>
+              <a:rPr lang="it-IT" sz="7200" dirty="0" smtClean="0"/>
+              <a:t>Pull </a:t>
+            </a:r>
+            <a:r>
+              <a:rPr lang="it-IT" sz="7200" dirty="0" err="1" smtClean="0"/>
+              <a:t>Request</a:t>
+            </a:r>
+            <a:r>
+              <a:rPr lang="it-IT" sz="7200" dirty="0" smtClean="0"/>
+              <a:t>.</a:t>
+            </a:r>
+          </a:p>
+          <a:p>
+            <a:pPr marL="457200" indent="-457200">
+              <a:buFont typeface="+mj-lt"/>
+              <a:buAutoNum type="arabicPeriod"/>
+            </a:pPr>
+            <a:endParaRPr lang="it-IT" sz="7200" dirty="0"/>
+          </a:p>
+          <a:p>
+            <a:pPr marL="457200" indent="-457200">
+              <a:buFont typeface="+mj-lt"/>
+              <a:buAutoNum type="arabicPeriod"/>
+            </a:pPr>
+            <a:r>
+              <a:rPr lang="it-IT" sz="7200" dirty="0"/>
+              <a:t>Dai alla tua </a:t>
+            </a:r>
+            <a:r>
+              <a:rPr lang="it-IT" sz="7200" dirty="0" err="1" smtClean="0"/>
+              <a:t>Request</a:t>
+            </a:r>
+            <a:r>
+              <a:rPr lang="it-IT" sz="7200" dirty="0" smtClean="0"/>
+              <a:t> Pull </a:t>
+            </a:r>
+            <a:r>
+              <a:rPr lang="it-IT" sz="7200" dirty="0"/>
+              <a:t>un titolo e scrivi una breve descrizione delle tue </a:t>
+            </a:r>
+            <a:r>
+              <a:rPr lang="it-IT" sz="7200" dirty="0" smtClean="0"/>
+              <a:t>modifiche</a:t>
+            </a:r>
+          </a:p>
+          <a:p>
+            <a:pPr marL="457200" indent="-457200">
+              <a:buFont typeface="+mj-lt"/>
+              <a:buAutoNum type="arabicPeriod"/>
+            </a:pPr>
+            <a:endParaRPr lang="it-IT" sz="7200" dirty="0"/>
+          </a:p>
+          <a:p>
+            <a:pPr marL="457200" indent="-457200">
+              <a:buFont typeface="+mj-lt"/>
+              <a:buAutoNum type="arabicPeriod"/>
+            </a:pPr>
+            <a:r>
+              <a:rPr lang="it-IT" sz="7200" dirty="0"/>
+              <a:t>Quando hai finito con il tuo messaggio, fai clic su Crea richiesta </a:t>
+            </a:r>
+            <a:r>
+              <a:rPr lang="it-IT" sz="7200" dirty="0" smtClean="0"/>
+              <a:t>pull.</a:t>
+            </a:r>
+            <a:endParaRPr lang="it-IT" sz="7200" dirty="0"/>
+          </a:p>
+          <a:p>
+            <a:pPr marL="457200" indent="-457200">
+              <a:buFont typeface="+mj-lt"/>
+              <a:buAutoNum type="arabicPeriod"/>
+            </a:pPr>
+            <a:endParaRPr lang="it-IT" sz="2000" dirty="0" smtClean="0"/>
+          </a:p>
+          <a:p>
+            <a:pPr marL="457200" indent="-457200">
+              <a:buFont typeface="+mj-lt"/>
+              <a:buAutoNum type="arabicPeriod"/>
+            </a:pPr>
+            <a:endParaRPr lang="it-IT" sz="2000" dirty="0" smtClean="0"/>
+          </a:p>
+          <a:p>
+            <a:pPr marL="0" indent="0">
+              <a:buNone/>
+            </a:pPr>
+            <a:r>
+              <a:rPr lang="it-IT" sz="2000" dirty="0"/>
+              <a:t/>
+            </a:r>
+            <a:br>
+              <a:rPr lang="it-IT" sz="2000" dirty="0"/>
+            </a:br>
+            <a:r>
+              <a:rPr lang="it-IT" sz="2000" dirty="0"/>
+              <a:t/>
+            </a:r>
+            <a:br>
+              <a:rPr lang="it-IT" sz="2000" dirty="0"/>
+            </a:br>
+            <a:endParaRPr lang="it-IT" sz="2000" dirty="0" smtClean="0"/>
+          </a:p>
+        </p:txBody>
+      </p:sp>
+    </p:spTree>
+    <p:extLst>
+      <p:ext uri="{BB962C8B-B14F-4D97-AF65-F5344CB8AC3E}">
+        <p14:creationId xmlns:p14="http://schemas.microsoft.com/office/powerpoint/2010/main" val="1815114363"/>
+      </p:ext>
+    </p:extLst>
+  </p:cSld>
+  <p:clrMapOvr>
+    <a:masterClrMapping/>
+  </p:clrMapOvr>
+  <p:timing>
+    <p:tnLst>
+      <p:par>
+        <p:cTn id="1" dur="indefinite" restart="never" nodeType="tmRoot"/>
+      </p:par>
+    </p:tnLst>
+  </p:timing>
+</p:sld>
+</file>
+
+<file path=ppt/slides/slide26.xml><?xml version="1.0" encoding="utf-8"?>
+<p:sld xmlns:a="http://schemas.openxmlformats.org/drawingml/2006/main" xmlns:r="http://schemas.openxmlformats.org/officeDocument/2006/relationships" xmlns:p="http://schemas.openxmlformats.org/presentationml/2006/main">
+  <p:cSld>
+    <p:spTree>
+      <p:nvGrpSpPr>
+        <p:cNvPr id="1" name=""/>
+        <p:cNvGrpSpPr/>
+        <p:nvPr/>
+      </p:nvGrpSpPr>
+      <p:grpSpPr>
+        <a:xfrm>
+          <a:off x="0" y="0"/>
+          <a:ext cx="0" cy="0"/>
+          <a:chOff x="0" y="0"/>
+          <a:chExt cx="0" cy="0"/>
+        </a:xfrm>
+      </p:grpSpPr>
+      <p:sp>
+        <p:nvSpPr>
+          <p:cNvPr id="2" name="Titolo 1"/>
+          <p:cNvSpPr>
+            <a:spLocks noGrp="1"/>
+          </p:cNvSpPr>
+          <p:nvPr>
+            <p:ph type="title"/>
+          </p:nvPr>
+        </p:nvSpPr>
+        <p:spPr>
+          <a:xfrm>
+            <a:off x="0" y="274638"/>
+            <a:ext cx="9144000" cy="1138138"/>
+          </a:xfrm>
+        </p:spPr>
+        <p:txBody>
+          <a:bodyPr>
+            <a:normAutofit fontScale="90000"/>
+          </a:bodyPr>
+          <a:lstStyle/>
+          <a:p>
+            <a:r>
+              <a:rPr lang="it-IT" b="1" dirty="0"/>
+              <a:t>Come </a:t>
+            </a:r>
+            <a:r>
+              <a:rPr lang="it-IT" b="1" dirty="0" smtClean="0"/>
+              <a:t>creare una Pull </a:t>
+            </a:r>
+            <a:r>
+              <a:rPr lang="it-IT" b="1" dirty="0" err="1" smtClean="0"/>
+              <a:t>Request</a:t>
+            </a:r>
+            <a:r>
+              <a:rPr lang="it-IT" b="1" dirty="0" smtClean="0"/>
+              <a:t> dal </a:t>
+            </a:r>
+            <a:r>
+              <a:rPr lang="it-IT" b="1" dirty="0"/>
+              <a:t>Browser</a:t>
+            </a:r>
+          </a:p>
+        </p:txBody>
+      </p:sp>
+      <p:pic>
+        <p:nvPicPr>
+          <p:cNvPr id="1026" name="Picture 2"/>
+          <p:cNvPicPr>
+            <a:picLocks noGrp="1" noChangeAspect="1" noChangeArrowheads="1"/>
+          </p:cNvPicPr>
+          <p:nvPr>
+            <p:ph idx="1"/>
+          </p:nvPr>
+        </p:nvPicPr>
+        <p:blipFill>
+          <a:blip r:embed="rId2">
+            <a:extLst>
+              <a:ext uri="{28A0092B-C50C-407E-A947-70E740481C1C}">
+                <a14:useLocalDpi xmlns:a14="http://schemas.microsoft.com/office/drawing/2010/main" val="0"/>
+              </a:ext>
+            </a:extLst>
+          </a:blip>
+          <a:srcRect/>
+          <a:stretch>
+            <a:fillRect/>
+          </a:stretch>
+        </p:blipFill>
+        <p:spPr bwMode="auto">
+          <a:xfrm>
+            <a:off x="546957" y="1600200"/>
+            <a:ext cx="8050085" cy="4525963"/>
+          </a:xfrm>
+          <a:prstGeom prst="rect">
+            <a:avLst/>
+          </a:prstGeom>
+          <a:noFill/>
+          <a:ln>
+            <a:noFill/>
+          </a:ln>
+          <a:extLst>
+            <a:ext uri="{909E8E84-426E-40DD-AFC4-6F175D3DCCD1}">
+              <a14:hiddenFill xmlns:a14="http://schemas.microsoft.com/office/drawing/2010/main">
+                <a:solidFill>
+                  <a:schemeClr val="accent1"/>
+                </a:solidFill>
+              </a14:hiddenFill>
+            </a:ext>
+            <a:ext uri="{91240B29-F687-4F45-9708-019B960494DF}">
+              <a14:hiddenLine xmlns:a14="http://schemas.microsoft.com/office/drawing/2010/main" w="9525">
+                <a:solidFill>
+                  <a:schemeClr val="tx1"/>
+                </a:solidFill>
+                <a:miter lim="800000"/>
+                <a:headEnd/>
+                <a:tailEnd/>
+              </a14:hiddenLine>
+            </a:ext>
+          </a:extLst>
+        </p:spPr>
+      </p:pic>
+      <p:sp>
+        <p:nvSpPr>
+          <p:cNvPr id="5" name="Ovale 4"/>
+          <p:cNvSpPr/>
+          <p:nvPr/>
+        </p:nvSpPr>
+        <p:spPr>
+          <a:xfrm>
+            <a:off x="2987824" y="2492896"/>
+            <a:ext cx="648072" cy="432048"/>
+          </a:xfrm>
+          <a:prstGeom prst="ellipse">
+            <a:avLst/>
+          </a:prstGeom>
+          <a:noFill/>
+          <a:ln>
+            <a:solidFill>
+              <a:srgbClr val="FF0000"/>
+            </a:solidFill>
+          </a:ln>
+        </p:spPr>
+        <p:style>
+          <a:lnRef idx="2">
+            <a:schemeClr val="accent1">
+              <a:shade val="50000"/>
+            </a:schemeClr>
+          </a:lnRef>
+          <a:fillRef idx="1">
+            <a:schemeClr val="accent1"/>
+          </a:fillRef>
+          <a:effectRef idx="0">
+            <a:schemeClr val="accent1"/>
+          </a:effectRef>
+          <a:fontRef idx="minor">
+            <a:schemeClr val="lt1"/>
+          </a:fontRef>
+        </p:style>
+        <p:txBody>
+          <a:bodyPr rtlCol="0" anchor="ctr"/>
+          <a:lstStyle/>
+          <a:p>
+            <a:pPr algn="ctr"/>
+            <a:endParaRPr lang="it-IT"/>
+          </a:p>
+        </p:txBody>
+      </p:sp>
+      <p:sp>
+        <p:nvSpPr>
+          <p:cNvPr id="6" name="Freccia a destra 5"/>
+          <p:cNvSpPr/>
+          <p:nvPr/>
+        </p:nvSpPr>
+        <p:spPr>
+          <a:xfrm rot="10800000">
+            <a:off x="7380312" y="3717032"/>
+            <a:ext cx="432048" cy="144016"/>
+          </a:xfrm>
+          <a:prstGeom prst="rightArrow">
+            <a:avLst/>
+          </a:prstGeom>
+        </p:spPr>
+        <p:style>
+          <a:lnRef idx="2">
+            <a:schemeClr val="accent1">
+              <a:shade val="50000"/>
+            </a:schemeClr>
+          </a:lnRef>
+          <a:fillRef idx="1">
+            <a:schemeClr val="accent1"/>
+          </a:fillRef>
+          <a:effectRef idx="0">
+            <a:schemeClr val="accent1"/>
+          </a:effectRef>
+          <a:fontRef idx="minor">
+            <a:schemeClr val="lt1"/>
+          </a:fontRef>
+        </p:style>
+        <p:txBody>
+          <a:bodyPr rtlCol="0" anchor="ctr"/>
+          <a:lstStyle/>
+          <a:p>
+            <a:pPr algn="ctr"/>
+            <a:endParaRPr lang="it-IT"/>
+          </a:p>
+        </p:txBody>
+      </p:sp>
+    </p:spTree>
+    <p:extLst>
+      <p:ext uri="{BB962C8B-B14F-4D97-AF65-F5344CB8AC3E}">
+        <p14:creationId xmlns:p14="http://schemas.microsoft.com/office/powerpoint/2010/main" val="1786528471"/>
+      </p:ext>
+    </p:extLst>
+  </p:cSld>
+  <p:clrMapOvr>
+    <a:masterClrMapping/>
+  </p:clrMapOvr>
+  <p:timing>
+    <p:tnLst>
+      <p:par>
+        <p:cTn id="1" dur="indefinite" restart="never" nodeType="tmRoot"/>
+      </p:par>
+    </p:tnLst>
+  </p:timing>
+</p:sld>
+</file>
+
+<file path=ppt/slides/slide27.xml><?xml version="1.0" encoding="utf-8"?>
+<p:sld xmlns:a="http://schemas.openxmlformats.org/drawingml/2006/main" xmlns:r="http://schemas.openxmlformats.org/officeDocument/2006/relationships" xmlns:p="http://schemas.openxmlformats.org/presentationml/2006/main">
+  <p:cSld>
+    <p:spTree>
+      <p:nvGrpSpPr>
+        <p:cNvPr id="1" name=""/>
+        <p:cNvGrpSpPr/>
+        <p:nvPr/>
+      </p:nvGrpSpPr>
+      <p:grpSpPr>
+        <a:xfrm>
+          <a:off x="0" y="0"/>
+          <a:ext cx="0" cy="0"/>
+          <a:chOff x="0" y="0"/>
+          <a:chExt cx="0" cy="0"/>
+        </a:xfrm>
+      </p:grpSpPr>
+      <p:pic>
+        <p:nvPicPr>
+          <p:cNvPr id="2050" name="Picture 2"/>
+          <p:cNvPicPr>
+            <a:picLocks noGrp="1" noChangeAspect="1" noChangeArrowheads="1"/>
+          </p:cNvPicPr>
+          <p:nvPr>
+            <p:ph idx="1"/>
+          </p:nvPr>
+        </p:nvPicPr>
+        <p:blipFill>
+          <a:blip r:embed="rId2">
+            <a:extLst>
+              <a:ext uri="{28A0092B-C50C-407E-A947-70E740481C1C}">
+                <a14:useLocalDpi xmlns:a14="http://schemas.microsoft.com/office/drawing/2010/main" val="0"/>
+              </a:ext>
+            </a:extLst>
+          </a:blip>
+          <a:srcRect/>
+          <a:stretch>
+            <a:fillRect/>
+          </a:stretch>
+        </p:blipFill>
+        <p:spPr bwMode="auto">
+          <a:xfrm>
+            <a:off x="546957" y="1600200"/>
+            <a:ext cx="8050085" cy="4525963"/>
+          </a:xfrm>
+          <a:prstGeom prst="rect">
+            <a:avLst/>
+          </a:prstGeom>
+          <a:noFill/>
+          <a:ln>
+            <a:noFill/>
+          </a:ln>
+          <a:extLst>
+            <a:ext uri="{909E8E84-426E-40DD-AFC4-6F175D3DCCD1}">
+              <a14:hiddenFill xmlns:a14="http://schemas.microsoft.com/office/drawing/2010/main">
+                <a:solidFill>
+                  <a:schemeClr val="accent1"/>
+                </a:solidFill>
+              </a14:hiddenFill>
+            </a:ext>
+            <a:ext uri="{91240B29-F687-4F45-9708-019B960494DF}">
+              <a14:hiddenLine xmlns:a14="http://schemas.microsoft.com/office/drawing/2010/main" w="9525">
+                <a:solidFill>
+                  <a:schemeClr val="tx1"/>
+                </a:solidFill>
+                <a:miter lim="800000"/>
+                <a:headEnd/>
+                <a:tailEnd/>
+              </a14:hiddenLine>
+            </a:ext>
+          </a:extLst>
+        </p:spPr>
+      </p:pic>
+      <p:sp>
+        <p:nvSpPr>
+          <p:cNvPr id="2" name="Titolo 1"/>
+          <p:cNvSpPr>
+            <a:spLocks noGrp="1"/>
+          </p:cNvSpPr>
+          <p:nvPr>
+            <p:ph type="title"/>
+          </p:nvPr>
+        </p:nvSpPr>
+        <p:spPr>
+          <a:xfrm>
+            <a:off x="0" y="274638"/>
+            <a:ext cx="9144000" cy="1138138"/>
+          </a:xfrm>
+        </p:spPr>
+        <p:txBody>
+          <a:bodyPr>
+            <a:normAutofit fontScale="90000"/>
+          </a:bodyPr>
+          <a:lstStyle/>
+          <a:p>
+            <a:r>
+              <a:rPr lang="it-IT" b="1" dirty="0"/>
+              <a:t>Come </a:t>
+            </a:r>
+            <a:r>
+              <a:rPr lang="it-IT" b="1" dirty="0" smtClean="0"/>
+              <a:t>creare una Pull </a:t>
+            </a:r>
+            <a:r>
+              <a:rPr lang="it-IT" b="1" dirty="0" err="1" smtClean="0"/>
+              <a:t>Request</a:t>
+            </a:r>
+            <a:r>
+              <a:rPr lang="it-IT" b="1" dirty="0" smtClean="0"/>
+              <a:t> dal </a:t>
+            </a:r>
+            <a:r>
+              <a:rPr lang="it-IT" b="1" dirty="0"/>
+              <a:t>Browser</a:t>
+            </a:r>
+          </a:p>
+        </p:txBody>
+      </p:sp>
+      <p:sp>
+        <p:nvSpPr>
+          <p:cNvPr id="6" name="Freccia a destra 5"/>
+          <p:cNvSpPr/>
+          <p:nvPr/>
+        </p:nvSpPr>
+        <p:spPr>
+          <a:xfrm rot="10800000">
+            <a:off x="5868144" y="3356992"/>
+            <a:ext cx="432048" cy="144016"/>
+          </a:xfrm>
+          <a:prstGeom prst="rightArrow">
+            <a:avLst/>
+          </a:prstGeom>
+        </p:spPr>
+        <p:style>
+          <a:lnRef idx="2">
+            <a:schemeClr val="accent1">
+              <a:shade val="50000"/>
+            </a:schemeClr>
+          </a:lnRef>
+          <a:fillRef idx="1">
+            <a:schemeClr val="accent1"/>
+          </a:fillRef>
+          <a:effectRef idx="0">
+            <a:schemeClr val="accent1"/>
+          </a:effectRef>
+          <a:fontRef idx="minor">
+            <a:schemeClr val="lt1"/>
+          </a:fontRef>
+        </p:style>
+        <p:txBody>
+          <a:bodyPr rtlCol="0" anchor="ctr"/>
+          <a:lstStyle/>
+          <a:p>
+            <a:pPr algn="ctr"/>
+            <a:endParaRPr lang="it-IT"/>
+          </a:p>
+        </p:txBody>
+      </p:sp>
+    </p:spTree>
+    <p:extLst>
+      <p:ext uri="{BB962C8B-B14F-4D97-AF65-F5344CB8AC3E}">
+        <p14:creationId xmlns:p14="http://schemas.microsoft.com/office/powerpoint/2010/main" val="4005547272"/>
+      </p:ext>
+    </p:extLst>
+  </p:cSld>
+  <p:clrMapOvr>
+    <a:masterClrMapping/>
+  </p:clrMapOvr>
+  <p:timing>
+    <p:tnLst>
+      <p:par>
+        <p:cTn id="1" dur="indefinite" restart="never" nodeType="tmRoot"/>
+      </p:par>
+    </p:tnLst>
+  </p:timing>
+</p:sld>
+</file>
+
+<file path=ppt/slides/slide28.xml><?xml version="1.0" encoding="utf-8"?>
+<p:sld xmlns:a="http://schemas.openxmlformats.org/drawingml/2006/main" xmlns:r="http://schemas.openxmlformats.org/officeDocument/2006/relationships" xmlns:p="http://schemas.openxmlformats.org/presentationml/2006/main">
+  <p:cSld>
+    <p:spTree>
+      <p:nvGrpSpPr>
+        <p:cNvPr id="1" name=""/>
+        <p:cNvGrpSpPr/>
+        <p:nvPr/>
+      </p:nvGrpSpPr>
+      <p:grpSpPr>
+        <a:xfrm>
+          <a:off x="0" y="0"/>
+          <a:ext cx="0" cy="0"/>
+          <a:chOff x="0" y="0"/>
+          <a:chExt cx="0" cy="0"/>
+        </a:xfrm>
+      </p:grpSpPr>
+      <p:pic>
+        <p:nvPicPr>
+          <p:cNvPr id="3074" name="Picture 2"/>
+          <p:cNvPicPr>
+            <a:picLocks noGrp="1" noChangeAspect="1" noChangeArrowheads="1"/>
+          </p:cNvPicPr>
+          <p:nvPr>
+            <p:ph idx="1"/>
+          </p:nvPr>
+        </p:nvPicPr>
+        <p:blipFill>
+          <a:blip r:embed="rId2">
+            <a:extLst>
+              <a:ext uri="{28A0092B-C50C-407E-A947-70E740481C1C}">
+                <a14:useLocalDpi xmlns:a14="http://schemas.microsoft.com/office/drawing/2010/main" val="0"/>
+              </a:ext>
+            </a:extLst>
+          </a:blip>
+          <a:srcRect/>
+          <a:stretch>
+            <a:fillRect/>
+          </a:stretch>
+        </p:blipFill>
+        <p:spPr bwMode="auto">
+          <a:xfrm>
+            <a:off x="546957" y="1600200"/>
+            <a:ext cx="8050085" cy="4525963"/>
+          </a:xfrm>
+          <a:prstGeom prst="rect">
+            <a:avLst/>
+          </a:prstGeom>
+          <a:noFill/>
+          <a:ln>
+            <a:noFill/>
+          </a:ln>
+          <a:extLst>
+            <a:ext uri="{909E8E84-426E-40DD-AFC4-6F175D3DCCD1}">
+              <a14:hiddenFill xmlns:a14="http://schemas.microsoft.com/office/drawing/2010/main">
+                <a:solidFill>
+                  <a:schemeClr val="accent1"/>
+                </a:solidFill>
+              </a14:hiddenFill>
+            </a:ext>
+            <a:ext uri="{91240B29-F687-4F45-9708-019B960494DF}">
+              <a14:hiddenLine xmlns:a14="http://schemas.microsoft.com/office/drawing/2010/main" w="9525">
+                <a:solidFill>
+                  <a:schemeClr val="tx1"/>
+                </a:solidFill>
+                <a:miter lim="800000"/>
+                <a:headEnd/>
+                <a:tailEnd/>
+              </a14:hiddenLine>
+            </a:ext>
+          </a:extLst>
+        </p:spPr>
+      </p:pic>
+      <p:sp>
+        <p:nvSpPr>
+          <p:cNvPr id="2" name="Titolo 1"/>
+          <p:cNvSpPr>
+            <a:spLocks noGrp="1"/>
+          </p:cNvSpPr>
+          <p:nvPr>
+            <p:ph type="title"/>
+          </p:nvPr>
+        </p:nvSpPr>
+        <p:spPr>
+          <a:xfrm>
+            <a:off x="0" y="274638"/>
+            <a:ext cx="9144000" cy="1138138"/>
+          </a:xfrm>
+        </p:spPr>
+        <p:txBody>
+          <a:bodyPr>
+            <a:normAutofit fontScale="90000"/>
+          </a:bodyPr>
+          <a:lstStyle/>
+          <a:p>
+            <a:r>
+              <a:rPr lang="it-IT" b="1" dirty="0"/>
+              <a:t>Come </a:t>
+            </a:r>
+            <a:r>
+              <a:rPr lang="it-IT" b="1" dirty="0" smtClean="0"/>
+              <a:t>creare una Pull </a:t>
+            </a:r>
+            <a:r>
+              <a:rPr lang="it-IT" b="1" dirty="0" err="1" smtClean="0"/>
+              <a:t>Request</a:t>
+            </a:r>
+            <a:r>
+              <a:rPr lang="it-IT" b="1" dirty="0" smtClean="0"/>
+              <a:t> dal </a:t>
+            </a:r>
+            <a:r>
+              <a:rPr lang="it-IT" b="1" dirty="0"/>
+              <a:t>Browser</a:t>
+            </a:r>
+          </a:p>
+        </p:txBody>
+      </p:sp>
+      <p:sp>
+        <p:nvSpPr>
+          <p:cNvPr id="6" name="Freccia a destra 5"/>
+          <p:cNvSpPr/>
+          <p:nvPr/>
+        </p:nvSpPr>
+        <p:spPr>
+          <a:xfrm rot="10800000">
+            <a:off x="7308304" y="4365104"/>
+            <a:ext cx="432048" cy="144016"/>
+          </a:xfrm>
+          <a:prstGeom prst="rightArrow">
+            <a:avLst/>
+          </a:prstGeom>
+        </p:spPr>
+        <p:style>
+          <a:lnRef idx="2">
+            <a:schemeClr val="accent1">
+              <a:shade val="50000"/>
+            </a:schemeClr>
+          </a:lnRef>
+          <a:fillRef idx="1">
+            <a:schemeClr val="accent1"/>
+          </a:fillRef>
+          <a:effectRef idx="0">
+            <a:schemeClr val="accent1"/>
+          </a:effectRef>
+          <a:fontRef idx="minor">
+            <a:schemeClr val="lt1"/>
+          </a:fontRef>
+        </p:style>
+        <p:txBody>
+          <a:bodyPr rtlCol="0" anchor="ctr"/>
+          <a:lstStyle/>
+          <a:p>
+            <a:pPr algn="ctr"/>
+            <a:endParaRPr lang="it-IT"/>
+          </a:p>
+        </p:txBody>
+      </p:sp>
+    </p:spTree>
+    <p:extLst>
+      <p:ext uri="{BB962C8B-B14F-4D97-AF65-F5344CB8AC3E}">
+        <p14:creationId xmlns:p14="http://schemas.microsoft.com/office/powerpoint/2010/main" val="1538728942"/>
+      </p:ext>
+    </p:extLst>
+  </p:cSld>
+  <p:clrMapOvr>
+    <a:masterClrMapping/>
+  </p:clrMapOvr>
+  <p:timing>
+    <p:tnLst>
+      <p:par>
+        <p:cTn id="1" dur="indefinite" restart="never" nodeType="tmRoot"/>
+      </p:par>
+    </p:tnLst>
+  </p:timing>
+</p:sld>
+</file>
+
+<file path=ppt/slides/slide29.xml><?xml version="1.0" encoding="utf-8"?>
+<p:sld xmlns:a="http://schemas.openxmlformats.org/drawingml/2006/main" xmlns:r="http://schemas.openxmlformats.org/officeDocument/2006/relationships" xmlns:p="http://schemas.openxmlformats.org/presentationml/2006/main">
+  <p:cSld>
+    <p:spTree>
+      <p:nvGrpSpPr>
+        <p:cNvPr id="1" name=""/>
+        <p:cNvGrpSpPr/>
+        <p:nvPr/>
+      </p:nvGrpSpPr>
+      <p:grpSpPr>
+        <a:xfrm>
+          <a:off x="0" y="0"/>
+          <a:ext cx="0" cy="0"/>
+          <a:chOff x="0" y="0"/>
+          <a:chExt cx="0" cy="0"/>
+        </a:xfrm>
+      </p:grpSpPr>
+      <p:pic>
+        <p:nvPicPr>
+          <p:cNvPr id="2050" name="Picture 2"/>
+          <p:cNvPicPr>
+            <a:picLocks noGrp="1" noChangeAspect="1" noChangeArrowheads="1"/>
+          </p:cNvPicPr>
+          <p:nvPr>
+            <p:ph idx="1"/>
+          </p:nvPr>
+        </p:nvPicPr>
+        <p:blipFill>
+          <a:blip r:embed="rId2">
+            <a:extLst>
+              <a:ext uri="{28A0092B-C50C-407E-A947-70E740481C1C}">
+                <a14:useLocalDpi xmlns:a14="http://schemas.microsoft.com/office/drawing/2010/main" val="0"/>
+              </a:ext>
+            </a:extLst>
+          </a:blip>
+          <a:srcRect/>
+          <a:stretch>
+            <a:fillRect/>
+          </a:stretch>
+        </p:blipFill>
+        <p:spPr bwMode="auto">
+          <a:xfrm>
+            <a:off x="546957" y="1600200"/>
+            <a:ext cx="8050085" cy="4525963"/>
+          </a:xfrm>
+          <a:prstGeom prst="rect">
+            <a:avLst/>
+          </a:prstGeom>
+          <a:noFill/>
+          <a:ln>
+            <a:noFill/>
+          </a:ln>
+          <a:extLst>
+            <a:ext uri="{909E8E84-426E-40DD-AFC4-6F175D3DCCD1}">
+              <a14:hiddenFill xmlns:a14="http://schemas.microsoft.com/office/drawing/2010/main">
+                <a:solidFill>
+                  <a:schemeClr val="accent1"/>
+                </a:solidFill>
+              </a14:hiddenFill>
+            </a:ext>
+            <a:ext uri="{91240B29-F687-4F45-9708-019B960494DF}">
+              <a14:hiddenLine xmlns:a14="http://schemas.microsoft.com/office/drawing/2010/main" w="9525">
+                <a:solidFill>
+                  <a:schemeClr val="tx1"/>
+                </a:solidFill>
+                <a:miter lim="800000"/>
+                <a:headEnd/>
+                <a:tailEnd/>
+              </a14:hiddenLine>
+            </a:ext>
+          </a:extLst>
+        </p:spPr>
+      </p:pic>
+      <p:sp>
+        <p:nvSpPr>
+          <p:cNvPr id="2" name="Titolo 1"/>
+          <p:cNvSpPr>
+            <a:spLocks noGrp="1"/>
+          </p:cNvSpPr>
+          <p:nvPr>
+            <p:ph type="title"/>
+          </p:nvPr>
+        </p:nvSpPr>
+        <p:spPr>
+          <a:xfrm>
+            <a:off x="0" y="274638"/>
+            <a:ext cx="9144000" cy="1138138"/>
+          </a:xfrm>
+        </p:spPr>
+        <p:txBody>
+          <a:bodyPr>
+            <a:normAutofit fontScale="90000"/>
+          </a:bodyPr>
+          <a:lstStyle/>
+          <a:p>
+            <a:r>
+              <a:rPr lang="it-IT" b="1" dirty="0"/>
+              <a:t>Come </a:t>
+            </a:r>
+            <a:r>
+              <a:rPr lang="it-IT" b="1" dirty="0" smtClean="0"/>
+              <a:t>creare una Pull </a:t>
+            </a:r>
+            <a:r>
+              <a:rPr lang="it-IT" b="1" dirty="0" err="1" smtClean="0"/>
+              <a:t>Request</a:t>
+            </a:r>
+            <a:r>
+              <a:rPr lang="it-IT" b="1" dirty="0" smtClean="0"/>
+              <a:t> dal </a:t>
+            </a:r>
+            <a:r>
+              <a:rPr lang="it-IT" b="1" dirty="0"/>
+              <a:t>Browser</a:t>
+            </a:r>
+          </a:p>
+        </p:txBody>
+      </p:sp>
+      <p:sp>
+        <p:nvSpPr>
+          <p:cNvPr id="5" name="Ovale 4"/>
+          <p:cNvSpPr/>
+          <p:nvPr/>
+        </p:nvSpPr>
+        <p:spPr>
+          <a:xfrm>
+            <a:off x="1979712" y="3645024"/>
+            <a:ext cx="936104" cy="432048"/>
+          </a:xfrm>
+          <a:prstGeom prst="ellipse">
+            <a:avLst/>
+          </a:prstGeom>
+          <a:noFill/>
+          <a:ln>
+            <a:solidFill>
+              <a:srgbClr val="FF0000"/>
+            </a:solidFill>
+          </a:ln>
+        </p:spPr>
+        <p:style>
+          <a:lnRef idx="2">
+            <a:schemeClr val="accent1">
+              <a:shade val="50000"/>
+            </a:schemeClr>
+          </a:lnRef>
+          <a:fillRef idx="1">
+            <a:schemeClr val="accent1"/>
+          </a:fillRef>
+          <a:effectRef idx="0">
+            <a:schemeClr val="accent1"/>
+          </a:effectRef>
+          <a:fontRef idx="minor">
+            <a:schemeClr val="lt1"/>
+          </a:fontRef>
+        </p:style>
+        <p:txBody>
+          <a:bodyPr rtlCol="0" anchor="ctr"/>
+          <a:lstStyle/>
+          <a:p>
+            <a:pPr algn="ctr"/>
+            <a:endParaRPr lang="it-IT"/>
+          </a:p>
+        </p:txBody>
+      </p:sp>
+    </p:spTree>
+    <p:extLst>
+      <p:ext uri="{BB962C8B-B14F-4D97-AF65-F5344CB8AC3E}">
+        <p14:creationId xmlns:p14="http://schemas.microsoft.com/office/powerpoint/2010/main" val="2210055014"/>
+      </p:ext>
+    </p:extLst>
+  </p:cSld>
+  <p:clrMapOvr>
+    <a:masterClrMapping/>
+  </p:clrMapOvr>
+  <p:timing>
+    <p:tnLst>
+      <p:par>
+        <p:cTn id="1" dur="indefinite" restart="never" nodeType="tmRoot"/>
+      </p:par>
+    </p:tnLst>
+  </p:timing>
+</p:sld>
+</file>
+
+<file path=ppt/slides/slide3.xml><?xml version="1.0" encoding="utf-8"?>
+<p:sld xmlns:a="http://schemas.openxmlformats.org/drawingml/2006/main" xmlns:r="http://schemas.openxmlformats.org/officeDocument/2006/relationships" xmlns:p="http://schemas.openxmlformats.org/presentationml/2006/main">
+  <p:cSld>
+    <p:spTree>
+      <p:nvGrpSpPr>
+        <p:cNvPr id="1" name=""/>
+        <p:cNvGrpSpPr/>
+        <p:nvPr/>
+      </p:nvGrpSpPr>
+      <p:grpSpPr>
+        <a:xfrm>
+          <a:off x="0" y="0"/>
+          <a:ext cx="0" cy="0"/>
+          <a:chOff x="0" y="0"/>
+          <a:chExt cx="0" cy="0"/>
+        </a:xfrm>
+      </p:grpSpPr>
+      <p:sp>
+        <p:nvSpPr>
+          <p:cNvPr id="2" name="Titolo 1"/>
+          <p:cNvSpPr>
+            <a:spLocks noGrp="1"/>
+          </p:cNvSpPr>
+          <p:nvPr>
+            <p:ph type="title"/>
+          </p:nvPr>
+        </p:nvSpPr>
+        <p:spPr/>
+        <p:txBody>
+          <a:bodyPr/>
+          <a:lstStyle/>
+          <a:p>
+            <a:r>
+              <a:rPr lang="it-IT" b="1" dirty="0" smtClean="0"/>
+              <a:t>Da dove nasce </a:t>
+            </a:r>
+            <a:r>
+              <a:rPr lang="it-IT" b="1" dirty="0" err="1" smtClean="0"/>
+              <a:t>GitHub</a:t>
+            </a:r>
+            <a:r>
+              <a:rPr lang="it-IT" b="1" dirty="0" smtClean="0"/>
+              <a:t>…</a:t>
+            </a:r>
+            <a:endParaRPr lang="it-IT" b="1" dirty="0"/>
+          </a:p>
+        </p:txBody>
+      </p:sp>
+      <p:sp>
+        <p:nvSpPr>
+          <p:cNvPr id="3" name="Segnaposto contenuto 2"/>
+          <p:cNvSpPr>
+            <a:spLocks noGrp="1"/>
+          </p:cNvSpPr>
+          <p:nvPr>
+            <p:ph idx="1"/>
+          </p:nvPr>
+        </p:nvSpPr>
+        <p:spPr/>
+        <p:txBody>
+          <a:bodyPr>
+            <a:normAutofit/>
+          </a:bodyPr>
+          <a:lstStyle/>
+          <a:p>
+            <a:pPr marL="0" indent="0" algn="just">
+              <a:buNone/>
+            </a:pPr>
+            <a:r>
+              <a:rPr lang="it-IT" b="1" dirty="0" smtClean="0"/>
+              <a:t>Caratteristiche di </a:t>
+            </a:r>
+            <a:r>
+              <a:rPr lang="it-IT" b="1" dirty="0" err="1" smtClean="0"/>
+              <a:t>Git</a:t>
+            </a:r>
+            <a:r>
+              <a:rPr lang="it-IT" b="1" dirty="0" smtClean="0"/>
+              <a:t> :</a:t>
+            </a:r>
+            <a:endParaRPr lang="it-IT" b="1" dirty="0"/>
+          </a:p>
+          <a:p>
+            <a:pPr algn="just"/>
+            <a:r>
+              <a:rPr lang="it-IT" sz="2000" i="1" u="sng" dirty="0" smtClean="0"/>
+              <a:t>Forte supporto allo sviluppo non lineare</a:t>
+            </a:r>
+            <a:r>
+              <a:rPr lang="it-IT" sz="2200" i="1" dirty="0" smtClean="0"/>
+              <a:t> </a:t>
+            </a:r>
+            <a:r>
+              <a:rPr lang="it-IT" sz="2000" dirty="0"/>
+              <a:t>:</a:t>
+            </a:r>
+            <a:r>
+              <a:rPr lang="it-IT" sz="2000" dirty="0" smtClean="0"/>
+              <a:t> </a:t>
+            </a:r>
+            <a:r>
+              <a:rPr lang="it-IT" sz="2000" dirty="0" err="1" smtClean="0"/>
+              <a:t>Git</a:t>
+            </a:r>
+            <a:r>
+              <a:rPr lang="it-IT" sz="2000" dirty="0" smtClean="0"/>
+              <a:t> supporta diramazione e fusione (branching and </a:t>
+            </a:r>
+            <a:r>
+              <a:rPr lang="it-IT" sz="2000" dirty="0" err="1" smtClean="0"/>
+              <a:t>merging</a:t>
+            </a:r>
+            <a:r>
+              <a:rPr lang="it-IT" sz="2000" dirty="0" smtClean="0"/>
+              <a:t>) rapide e comode, e comprende strumenti specifici per visualizzare e navigare una cronologia di sviluppo non lineare.</a:t>
+            </a:r>
+          </a:p>
+          <a:p>
+            <a:pPr algn="just"/>
+            <a:r>
+              <a:rPr lang="it-IT" sz="2000" i="1" u="sng" dirty="0"/>
+              <a:t>Sviluppo </a:t>
+            </a:r>
+            <a:r>
+              <a:rPr lang="it-IT" sz="2000" i="1" u="sng" dirty="0" smtClean="0"/>
+              <a:t>distribuito</a:t>
+            </a:r>
+            <a:r>
+              <a:rPr lang="it-IT" sz="2000" dirty="0" smtClean="0"/>
+              <a:t> : </a:t>
+            </a:r>
+            <a:r>
+              <a:rPr lang="it-IT" sz="2000" dirty="0" err="1" smtClean="0"/>
+              <a:t>Git</a:t>
+            </a:r>
+            <a:r>
+              <a:rPr lang="it-IT" sz="2000" dirty="0" smtClean="0"/>
+              <a:t> dà a ogni sviluppatore una copia locale dell'intera cronologia di sviluppo e le modifiche vengono copiate da un tale </a:t>
+            </a:r>
+            <a:r>
+              <a:rPr lang="it-IT" sz="2000" dirty="0" err="1" smtClean="0"/>
+              <a:t>repository</a:t>
+            </a:r>
+            <a:r>
+              <a:rPr lang="it-IT" sz="2000" dirty="0" smtClean="0"/>
+              <a:t> a un altro. Queste modifiche vengono importate come diramazioni aggiuntive di sviluppo, e possono essere fuse allo stesso modo di una diramazione sviluppata localmente.</a:t>
+            </a:r>
+          </a:p>
+          <a:p>
+            <a:pPr algn="just"/>
+            <a:r>
+              <a:rPr lang="it-IT" sz="2000" i="1" u="sng" dirty="0" smtClean="0"/>
+              <a:t>I </a:t>
+            </a:r>
+            <a:r>
+              <a:rPr lang="it-IT" sz="2000" i="1" u="sng" dirty="0" err="1" smtClean="0"/>
+              <a:t>repository</a:t>
+            </a:r>
+            <a:r>
+              <a:rPr lang="it-IT" sz="2000" i="1" u="sng" dirty="0" smtClean="0"/>
+              <a:t> possono essere pubblicati facilmente</a:t>
+            </a:r>
+            <a:r>
+              <a:rPr lang="it-IT" sz="2000" dirty="0" smtClean="0"/>
+              <a:t> : tramite HTTP, FTP, </a:t>
+            </a:r>
+            <a:r>
+              <a:rPr lang="it-IT" sz="2000" dirty="0" err="1" smtClean="0"/>
+              <a:t>ssh</a:t>
+            </a:r>
+            <a:r>
+              <a:rPr lang="it-IT" sz="2000" dirty="0" smtClean="0"/>
+              <a:t>, </a:t>
+            </a:r>
+            <a:r>
+              <a:rPr lang="it-IT" sz="2000" dirty="0" err="1" smtClean="0"/>
+              <a:t>rsync</a:t>
+            </a:r>
+            <a:r>
+              <a:rPr lang="it-IT" sz="2000" dirty="0" smtClean="0"/>
+              <a:t>. </a:t>
+            </a:r>
+            <a:r>
+              <a:rPr lang="it-IT" sz="2000" dirty="0" err="1" smtClean="0"/>
+              <a:t>Git</a:t>
+            </a:r>
+            <a:r>
+              <a:rPr lang="it-IT" sz="2000" dirty="0" smtClean="0"/>
+              <a:t> ha anche un'emulazione del server CVS, che consente di usare gli esistenti client CVS e </a:t>
+            </a:r>
+            <a:r>
+              <a:rPr lang="it-IT" sz="2000" dirty="0" err="1" smtClean="0"/>
+              <a:t>plugin</a:t>
+            </a:r>
+            <a:r>
+              <a:rPr lang="it-IT" sz="2000" dirty="0" smtClean="0"/>
+              <a:t> per IDE per accedere ai </a:t>
+            </a:r>
+            <a:r>
+              <a:rPr lang="it-IT" sz="2000" dirty="0" err="1" smtClean="0"/>
+              <a:t>repository</a:t>
+            </a:r>
+            <a:r>
+              <a:rPr lang="it-IT" sz="2000" dirty="0" smtClean="0"/>
+              <a:t> </a:t>
+            </a:r>
+            <a:r>
+              <a:rPr lang="it-IT" sz="2000" dirty="0" err="1" smtClean="0"/>
+              <a:t>Git</a:t>
+            </a:r>
+            <a:r>
+              <a:rPr lang="it-IT" sz="2000" dirty="0" smtClean="0"/>
+              <a:t>.</a:t>
+            </a:r>
+            <a:endParaRPr lang="it-IT" sz="2000" i="1" u="sng" dirty="0" smtClean="0"/>
+          </a:p>
+        </p:txBody>
+      </p:sp>
+    </p:spTree>
+    <p:extLst>
+      <p:ext uri="{BB962C8B-B14F-4D97-AF65-F5344CB8AC3E}">
+        <p14:creationId xmlns:p14="http://schemas.microsoft.com/office/powerpoint/2010/main" val="1459526379"/>
+      </p:ext>
+    </p:extLst>
+  </p:cSld>
+  <p:clrMapOvr>
+    <a:masterClrMapping/>
+  </p:clrMapOvr>
+  <p:timing>
+    <p:tnLst>
+      <p:par>
+        <p:cTn id="1" dur="indefinite" restart="never" nodeType="tmRoot"/>
+      </p:par>
+    </p:tnLst>
+  </p:timing>
+</p:sld>
+</file>
+
+<file path=ppt/slides/slide30.xml><?xml version="1.0" encoding="utf-8"?>
+<p:sld xmlns:a="http://schemas.openxmlformats.org/drawingml/2006/main" xmlns:r="http://schemas.openxmlformats.org/officeDocument/2006/relationships" xmlns:p="http://schemas.openxmlformats.org/presentationml/2006/main">
+  <p:cSld>
+    <p:spTree>
+      <p:nvGrpSpPr>
+        <p:cNvPr id="1" name=""/>
+        <p:cNvGrpSpPr/>
+        <p:nvPr/>
+      </p:nvGrpSpPr>
+      <p:grpSpPr>
+        <a:xfrm>
+          <a:off x="0" y="0"/>
+          <a:ext cx="0" cy="0"/>
+          <a:chOff x="0" y="0"/>
+          <a:chExt cx="0" cy="0"/>
+        </a:xfrm>
+      </p:grpSpPr>
+      <p:pic>
+        <p:nvPicPr>
+          <p:cNvPr id="4098" name="Picture 2"/>
+          <p:cNvPicPr>
+            <a:picLocks noGrp="1" noChangeAspect="1" noChangeArrowheads="1"/>
+          </p:cNvPicPr>
+          <p:nvPr>
+            <p:ph idx="1"/>
+          </p:nvPr>
+        </p:nvPicPr>
+        <p:blipFill>
+          <a:blip r:embed="rId2">
+            <a:extLst>
+              <a:ext uri="{28A0092B-C50C-407E-A947-70E740481C1C}">
+                <a14:useLocalDpi xmlns:a14="http://schemas.microsoft.com/office/drawing/2010/main" val="0"/>
+              </a:ext>
+            </a:extLst>
+          </a:blip>
+          <a:srcRect/>
+          <a:stretch>
+            <a:fillRect/>
+          </a:stretch>
+        </p:blipFill>
+        <p:spPr bwMode="auto">
+          <a:xfrm>
+            <a:off x="546957" y="1600200"/>
+            <a:ext cx="8050085" cy="4525963"/>
+          </a:xfrm>
+          <a:prstGeom prst="rect">
+            <a:avLst/>
+          </a:prstGeom>
+          <a:noFill/>
+          <a:ln>
+            <a:noFill/>
+          </a:ln>
+          <a:extLst>
+            <a:ext uri="{909E8E84-426E-40DD-AFC4-6F175D3DCCD1}">
+              <a14:hiddenFill xmlns:a14="http://schemas.microsoft.com/office/drawing/2010/main">
+                <a:solidFill>
+                  <a:schemeClr val="accent1"/>
+                </a:solidFill>
+              </a14:hiddenFill>
+            </a:ext>
+            <a:ext uri="{91240B29-F687-4F45-9708-019B960494DF}">
+              <a14:hiddenLine xmlns:a14="http://schemas.microsoft.com/office/drawing/2010/main" w="9525">
+                <a:solidFill>
+                  <a:schemeClr val="tx1"/>
+                </a:solidFill>
+                <a:miter lim="800000"/>
+                <a:headEnd/>
+                <a:tailEnd/>
+              </a14:hiddenLine>
+            </a:ext>
+          </a:extLst>
+        </p:spPr>
+      </p:pic>
+      <p:sp>
+        <p:nvSpPr>
+          <p:cNvPr id="2" name="Titolo 1"/>
+          <p:cNvSpPr>
+            <a:spLocks noGrp="1"/>
+          </p:cNvSpPr>
+          <p:nvPr>
+            <p:ph type="title"/>
+          </p:nvPr>
+        </p:nvSpPr>
+        <p:spPr>
+          <a:xfrm>
+            <a:off x="0" y="274638"/>
+            <a:ext cx="9144000" cy="1138138"/>
+          </a:xfrm>
+        </p:spPr>
+        <p:txBody>
+          <a:bodyPr>
+            <a:normAutofit fontScale="90000"/>
+          </a:bodyPr>
+          <a:lstStyle/>
+          <a:p>
+            <a:r>
+              <a:rPr lang="it-IT" b="1" dirty="0"/>
+              <a:t>Come </a:t>
+            </a:r>
+            <a:r>
+              <a:rPr lang="it-IT" b="1" dirty="0" smtClean="0"/>
+              <a:t>creare una Pull </a:t>
+            </a:r>
+            <a:r>
+              <a:rPr lang="it-IT" b="1" dirty="0" err="1" smtClean="0"/>
+              <a:t>Request</a:t>
+            </a:r>
+            <a:r>
+              <a:rPr lang="it-IT" b="1" dirty="0" smtClean="0"/>
+              <a:t> dal </a:t>
+            </a:r>
+            <a:r>
+              <a:rPr lang="it-IT" b="1" dirty="0"/>
+              <a:t>Browser</a:t>
+            </a:r>
+          </a:p>
+        </p:txBody>
+      </p:sp>
+      <p:sp>
+        <p:nvSpPr>
+          <p:cNvPr id="5" name="Ovale 4"/>
+          <p:cNvSpPr/>
+          <p:nvPr/>
+        </p:nvSpPr>
+        <p:spPr>
+          <a:xfrm>
+            <a:off x="5042258" y="5373216"/>
+            <a:ext cx="936104" cy="432048"/>
+          </a:xfrm>
+          <a:prstGeom prst="ellipse">
+            <a:avLst/>
+          </a:prstGeom>
+          <a:noFill/>
+          <a:ln>
+            <a:solidFill>
+              <a:srgbClr val="FF0000"/>
+            </a:solidFill>
+          </a:ln>
+        </p:spPr>
+        <p:style>
+          <a:lnRef idx="2">
+            <a:schemeClr val="accent1">
+              <a:shade val="50000"/>
+            </a:schemeClr>
+          </a:lnRef>
+          <a:fillRef idx="1">
+            <a:schemeClr val="accent1"/>
+          </a:fillRef>
+          <a:effectRef idx="0">
+            <a:schemeClr val="accent1"/>
+          </a:effectRef>
+          <a:fontRef idx="minor">
+            <a:schemeClr val="lt1"/>
+          </a:fontRef>
+        </p:style>
+        <p:txBody>
+          <a:bodyPr rtlCol="0" anchor="ctr"/>
+          <a:lstStyle/>
+          <a:p>
+            <a:pPr algn="ctr"/>
+            <a:endParaRPr lang="it-IT"/>
+          </a:p>
+        </p:txBody>
+      </p:sp>
+    </p:spTree>
+    <p:extLst>
+      <p:ext uri="{BB962C8B-B14F-4D97-AF65-F5344CB8AC3E}">
+        <p14:creationId xmlns:p14="http://schemas.microsoft.com/office/powerpoint/2010/main" val="3149869723"/>
+      </p:ext>
+    </p:extLst>
+  </p:cSld>
+  <p:clrMapOvr>
+    <a:masterClrMapping/>
+  </p:clrMapOvr>
+  <p:timing>
+    <p:tnLst>
+      <p:par>
+        <p:cTn id="1" dur="indefinite" restart="never" nodeType="tmRoot"/>
+      </p:par>
+    </p:tnLst>
+  </p:timing>
+</p:sld>
+</file>
+
+<file path=ppt/slides/slide31.xml><?xml version="1.0" encoding="utf-8"?>
+<p:sld xmlns:a="http://schemas.openxmlformats.org/drawingml/2006/main" xmlns:r="http://schemas.openxmlformats.org/officeDocument/2006/relationships" xmlns:p="http://schemas.openxmlformats.org/presentationml/2006/main">
+  <p:cSld>
+    <p:spTree>
+      <p:nvGrpSpPr>
+        <p:cNvPr id="1" name=""/>
+        <p:cNvGrpSpPr/>
+        <p:nvPr/>
+      </p:nvGrpSpPr>
+      <p:grpSpPr>
+        <a:xfrm>
+          <a:off x="0" y="0"/>
+          <a:ext cx="0" cy="0"/>
+          <a:chOff x="0" y="0"/>
+          <a:chExt cx="0" cy="0"/>
+        </a:xfrm>
+      </p:grpSpPr>
+      <p:sp>
+        <p:nvSpPr>
+          <p:cNvPr id="3" name="Segnaposto contenuto 2"/>
+          <p:cNvSpPr>
+            <a:spLocks noGrp="1"/>
+          </p:cNvSpPr>
+          <p:nvPr>
+            <p:ph idx="1"/>
+          </p:nvPr>
+        </p:nvSpPr>
+        <p:spPr/>
+        <p:txBody>
+          <a:bodyPr>
+            <a:normAutofit fontScale="77500" lnSpcReduction="20000"/>
+          </a:bodyPr>
+          <a:lstStyle/>
+          <a:p>
+            <a:r>
+              <a:rPr lang="it-IT" dirty="0"/>
+              <a:t>In questo ultimo passaggio, è il momento di mettere insieme le tue modifiche - unendo il tuo ramo </a:t>
+            </a:r>
+            <a:r>
+              <a:rPr lang="it-IT" dirty="0" smtClean="0"/>
+              <a:t>‘‘Modifica’’ </a:t>
+            </a:r>
+            <a:r>
+              <a:rPr lang="it-IT" dirty="0"/>
+              <a:t>al ramo principale</a:t>
+            </a:r>
+            <a:r>
+              <a:rPr lang="it-IT" dirty="0" smtClean="0"/>
+              <a:t>.</a:t>
+            </a:r>
+          </a:p>
+          <a:p>
+            <a:endParaRPr lang="it-IT" dirty="0" smtClean="0"/>
+          </a:p>
+          <a:p>
+            <a:r>
+              <a:rPr lang="it-IT" dirty="0" smtClean="0"/>
+              <a:t> </a:t>
+            </a:r>
+            <a:r>
+              <a:rPr lang="it-IT" dirty="0"/>
+              <a:t>Fai clic sul pulsante verde </a:t>
+            </a:r>
+            <a:r>
+              <a:rPr lang="it-IT" dirty="0" smtClean="0"/>
+              <a:t>Merge Pull </a:t>
+            </a:r>
+            <a:r>
+              <a:rPr lang="it-IT" dirty="0" err="1" smtClean="0"/>
+              <a:t>Request</a:t>
+            </a:r>
+            <a:r>
+              <a:rPr lang="it-IT" dirty="0" smtClean="0"/>
+              <a:t> </a:t>
+            </a:r>
+            <a:r>
+              <a:rPr lang="it-IT" dirty="0"/>
+              <a:t>per unire le modifiche in master</a:t>
+            </a:r>
+            <a:r>
+              <a:rPr lang="it-IT" dirty="0" smtClean="0"/>
+              <a:t>.</a:t>
+            </a:r>
+          </a:p>
+          <a:p>
+            <a:endParaRPr lang="it-IT" dirty="0" smtClean="0"/>
+          </a:p>
+          <a:p>
+            <a:r>
+              <a:rPr lang="it-IT" dirty="0" smtClean="0"/>
+              <a:t>Fai </a:t>
+            </a:r>
+            <a:r>
+              <a:rPr lang="it-IT" dirty="0"/>
+              <a:t>clic su </a:t>
+            </a:r>
+            <a:r>
+              <a:rPr lang="it-IT" dirty="0" err="1" smtClean="0"/>
+              <a:t>Confirm</a:t>
+            </a:r>
+            <a:r>
+              <a:rPr lang="it-IT" dirty="0" smtClean="0"/>
+              <a:t> Merge. </a:t>
+            </a:r>
+          </a:p>
+          <a:p>
+            <a:endParaRPr lang="it-IT" dirty="0" smtClean="0"/>
+          </a:p>
+          <a:p>
+            <a:r>
+              <a:rPr lang="it-IT" dirty="0" smtClean="0"/>
+              <a:t>Vai </a:t>
+            </a:r>
+            <a:r>
+              <a:rPr lang="it-IT" dirty="0"/>
+              <a:t>avanti ed elimina il ramo, poiché le sue modifiche sono state incorporate, con il pulsante </a:t>
+            </a:r>
+            <a:r>
+              <a:rPr lang="it-IT" dirty="0" smtClean="0"/>
+              <a:t>Delete </a:t>
+            </a:r>
+            <a:r>
+              <a:rPr lang="it-IT" dirty="0" err="1" smtClean="0"/>
+              <a:t>Branch</a:t>
+            </a:r>
+            <a:r>
+              <a:rPr lang="it-IT" dirty="0" smtClean="0"/>
+              <a:t> </a:t>
+            </a:r>
+            <a:r>
+              <a:rPr lang="it-IT" dirty="0"/>
+              <a:t>nella casella viola.</a:t>
+            </a:r>
+            <a:endParaRPr lang="it-IT" dirty="0"/>
+          </a:p>
+        </p:txBody>
+      </p:sp>
+      <p:sp>
+        <p:nvSpPr>
+          <p:cNvPr id="2" name="Titolo 1"/>
+          <p:cNvSpPr>
+            <a:spLocks noGrp="1"/>
+          </p:cNvSpPr>
+          <p:nvPr>
+            <p:ph type="title"/>
+          </p:nvPr>
+        </p:nvSpPr>
+        <p:spPr>
+          <a:xfrm>
+            <a:off x="0" y="274638"/>
+            <a:ext cx="9144000" cy="1138138"/>
+          </a:xfrm>
+        </p:spPr>
+        <p:txBody>
+          <a:bodyPr>
+            <a:normAutofit/>
+          </a:bodyPr>
+          <a:lstStyle/>
+          <a:p>
+            <a:r>
+              <a:rPr lang="it-IT" b="1" dirty="0"/>
+              <a:t>Come </a:t>
+            </a:r>
+            <a:r>
+              <a:rPr lang="it-IT" b="1" dirty="0" smtClean="0"/>
+              <a:t>fare una Merge dal </a:t>
+            </a:r>
+            <a:r>
+              <a:rPr lang="it-IT" b="1" dirty="0"/>
+              <a:t>Browser</a:t>
+            </a:r>
+          </a:p>
+        </p:txBody>
+      </p:sp>
+    </p:spTree>
+    <p:extLst>
+      <p:ext uri="{BB962C8B-B14F-4D97-AF65-F5344CB8AC3E}">
+        <p14:creationId xmlns:p14="http://schemas.microsoft.com/office/powerpoint/2010/main" val="944605307"/>
+      </p:ext>
+    </p:extLst>
+  </p:cSld>
+  <p:clrMapOvr>
+    <a:masterClrMapping/>
+  </p:clrMapOvr>
+  <p:timing>
+    <p:tnLst>
+      <p:par>
+        <p:cTn id="1" dur="indefinite" restart="never" nodeType="tmRoot"/>
+      </p:par>
+    </p:tnLst>
+  </p:timing>
+</p:sld>
+</file>
+
+<file path=ppt/slides/slide32.xml><?xml version="1.0" encoding="utf-8"?>
+<p:sld xmlns:a="http://schemas.openxmlformats.org/drawingml/2006/main" xmlns:r="http://schemas.openxmlformats.org/officeDocument/2006/relationships" xmlns:p="http://schemas.openxmlformats.org/presentationml/2006/main">
+  <p:cSld>
+    <p:spTree>
+      <p:nvGrpSpPr>
+        <p:cNvPr id="1" name=""/>
+        <p:cNvGrpSpPr/>
+        <p:nvPr/>
+      </p:nvGrpSpPr>
+      <p:grpSpPr>
+        <a:xfrm>
+          <a:off x="0" y="0"/>
+          <a:ext cx="0" cy="0"/>
+          <a:chOff x="0" y="0"/>
+          <a:chExt cx="0" cy="0"/>
+        </a:xfrm>
+      </p:grpSpPr>
+      <p:sp>
+        <p:nvSpPr>
+          <p:cNvPr id="2" name="Titolo 1"/>
+          <p:cNvSpPr>
+            <a:spLocks noGrp="1"/>
+          </p:cNvSpPr>
+          <p:nvPr>
+            <p:ph type="title"/>
+          </p:nvPr>
+        </p:nvSpPr>
+        <p:spPr>
+          <a:xfrm>
+            <a:off x="0" y="274638"/>
+            <a:ext cx="9144000" cy="1138138"/>
+          </a:xfrm>
+        </p:spPr>
+        <p:txBody>
+          <a:bodyPr>
+            <a:normAutofit/>
+          </a:bodyPr>
+          <a:lstStyle/>
+          <a:p>
+            <a:r>
+              <a:rPr lang="it-IT" b="1" dirty="0"/>
+              <a:t>Come </a:t>
+            </a:r>
+            <a:r>
+              <a:rPr lang="it-IT" b="1" dirty="0" smtClean="0"/>
+              <a:t>fare una Merge dal </a:t>
+            </a:r>
+            <a:r>
+              <a:rPr lang="it-IT" b="1" dirty="0"/>
+              <a:t>Browser</a:t>
+            </a:r>
+          </a:p>
+        </p:txBody>
+      </p:sp>
+      <p:pic>
+        <p:nvPicPr>
+          <p:cNvPr id="1028" name="Picture 4"/>
+          <p:cNvPicPr>
+            <a:picLocks noGrp="1" noChangeAspect="1" noChangeArrowheads="1"/>
+          </p:cNvPicPr>
+          <p:nvPr>
+            <p:ph idx="1"/>
+          </p:nvPr>
+        </p:nvPicPr>
+        <p:blipFill>
+          <a:blip r:embed="rId2">
+            <a:extLst>
+              <a:ext uri="{28A0092B-C50C-407E-A947-70E740481C1C}">
+                <a14:useLocalDpi xmlns:a14="http://schemas.microsoft.com/office/drawing/2010/main" val="0"/>
+              </a:ext>
+            </a:extLst>
+          </a:blip>
+          <a:srcRect/>
+          <a:stretch>
+            <a:fillRect/>
+          </a:stretch>
+        </p:blipFill>
+        <p:spPr bwMode="auto">
+          <a:xfrm>
+            <a:off x="546957" y="1600200"/>
+            <a:ext cx="8050085" cy="4525963"/>
+          </a:xfrm>
+          <a:prstGeom prst="rect">
+            <a:avLst/>
+          </a:prstGeom>
+          <a:noFill/>
+          <a:ln>
+            <a:noFill/>
+          </a:ln>
+          <a:extLst>
+            <a:ext uri="{909E8E84-426E-40DD-AFC4-6F175D3DCCD1}">
+              <a14:hiddenFill xmlns:a14="http://schemas.microsoft.com/office/drawing/2010/main">
+                <a:solidFill>
+                  <a:schemeClr val="accent1"/>
+                </a:solidFill>
+              </a14:hiddenFill>
+            </a:ext>
+            <a:ext uri="{91240B29-F687-4F45-9708-019B960494DF}">
+              <a14:hiddenLine xmlns:a14="http://schemas.microsoft.com/office/drawing/2010/main" w="9525">
+                <a:solidFill>
+                  <a:schemeClr val="tx1"/>
+                </a:solidFill>
+                <a:miter lim="800000"/>
+                <a:headEnd/>
+                <a:tailEnd/>
+              </a14:hiddenLine>
+            </a:ext>
+          </a:extLst>
+        </p:spPr>
+      </p:pic>
+      <p:sp>
+        <p:nvSpPr>
+          <p:cNvPr id="8" name="Ovale 7"/>
+          <p:cNvSpPr/>
+          <p:nvPr/>
+        </p:nvSpPr>
+        <p:spPr>
+          <a:xfrm>
+            <a:off x="2339752" y="5157192"/>
+            <a:ext cx="936104" cy="432048"/>
+          </a:xfrm>
+          <a:prstGeom prst="ellipse">
+            <a:avLst/>
+          </a:prstGeom>
+          <a:noFill/>
+          <a:ln>
+            <a:solidFill>
+              <a:srgbClr val="FF0000"/>
+            </a:solidFill>
+          </a:ln>
+        </p:spPr>
+        <p:style>
+          <a:lnRef idx="2">
+            <a:schemeClr val="accent1">
+              <a:shade val="50000"/>
+            </a:schemeClr>
+          </a:lnRef>
+          <a:fillRef idx="1">
+            <a:schemeClr val="accent1"/>
+          </a:fillRef>
+          <a:effectRef idx="0">
+            <a:schemeClr val="accent1"/>
+          </a:effectRef>
+          <a:fontRef idx="minor">
+            <a:schemeClr val="lt1"/>
+          </a:fontRef>
+        </p:style>
+        <p:txBody>
+          <a:bodyPr rtlCol="0" anchor="ctr"/>
+          <a:lstStyle/>
+          <a:p>
+            <a:pPr algn="ctr"/>
+            <a:endParaRPr lang="it-IT"/>
+          </a:p>
+        </p:txBody>
+      </p:sp>
+      <p:sp>
+        <p:nvSpPr>
+          <p:cNvPr id="9" name="Freccia a destra 8"/>
+          <p:cNvSpPr/>
+          <p:nvPr/>
+        </p:nvSpPr>
+        <p:spPr>
+          <a:xfrm rot="10800000">
+            <a:off x="3491881" y="4005064"/>
+            <a:ext cx="432048" cy="144016"/>
+          </a:xfrm>
+          <a:prstGeom prst="rightArrow">
+            <a:avLst/>
+          </a:prstGeom>
+        </p:spPr>
+        <p:style>
+          <a:lnRef idx="2">
+            <a:schemeClr val="accent1">
+              <a:shade val="50000"/>
+            </a:schemeClr>
+          </a:lnRef>
+          <a:fillRef idx="1">
+            <a:schemeClr val="accent1"/>
+          </a:fillRef>
+          <a:effectRef idx="0">
+            <a:schemeClr val="accent1"/>
+          </a:effectRef>
+          <a:fontRef idx="minor">
+            <a:schemeClr val="lt1"/>
+          </a:fontRef>
+        </p:style>
+        <p:txBody>
+          <a:bodyPr rtlCol="0" anchor="ctr"/>
+          <a:lstStyle/>
+          <a:p>
+            <a:pPr algn="ctr"/>
+            <a:endParaRPr lang="it-IT"/>
+          </a:p>
+        </p:txBody>
+      </p:sp>
+      <p:sp>
+        <p:nvSpPr>
+          <p:cNvPr id="10" name="Freccia a destra 9"/>
+          <p:cNvSpPr/>
+          <p:nvPr/>
+        </p:nvSpPr>
+        <p:spPr>
+          <a:xfrm rot="10800000">
+            <a:off x="4644008" y="4941167"/>
+            <a:ext cx="432048" cy="144016"/>
+          </a:xfrm>
+          <a:prstGeom prst="rightArrow">
+            <a:avLst/>
+          </a:prstGeom>
+        </p:spPr>
+        <p:style>
+          <a:lnRef idx="2">
+            <a:schemeClr val="accent1">
+              <a:shade val="50000"/>
+            </a:schemeClr>
+          </a:lnRef>
+          <a:fillRef idx="1">
+            <a:schemeClr val="accent1"/>
+          </a:fillRef>
+          <a:effectRef idx="0">
+            <a:schemeClr val="accent1"/>
+          </a:effectRef>
+          <a:fontRef idx="minor">
+            <a:schemeClr val="lt1"/>
+          </a:fontRef>
+        </p:style>
+        <p:txBody>
+          <a:bodyPr rtlCol="0" anchor="ctr"/>
+          <a:lstStyle/>
+          <a:p>
+            <a:pPr algn="ctr"/>
+            <a:endParaRPr lang="it-IT"/>
+          </a:p>
+        </p:txBody>
+      </p:sp>
+    </p:spTree>
+    <p:extLst>
+      <p:ext uri="{BB962C8B-B14F-4D97-AF65-F5344CB8AC3E}">
+        <p14:creationId xmlns:p14="http://schemas.microsoft.com/office/powerpoint/2010/main" val="829820911"/>
+      </p:ext>
+    </p:extLst>
+  </p:cSld>
+  <p:clrMapOvr>
+    <a:masterClrMapping/>
+  </p:clrMapOvr>
+  <p:timing>
+    <p:tnLst>
+      <p:par>
+        <p:cTn id="1" dur="indefinite" restart="never" nodeType="tmRoot"/>
+      </p:par>
+    </p:tnLst>
+  </p:timing>
+</p:sld>
+</file>
+
+<file path=ppt/slides/slide33.xml><?xml version="1.0" encoding="utf-8"?>
+<p:sld xmlns:a="http://schemas.openxmlformats.org/drawingml/2006/main" xmlns:r="http://schemas.openxmlformats.org/officeDocument/2006/relationships" xmlns:p="http://schemas.openxmlformats.org/presentationml/2006/main">
+  <p:cSld>
+    <p:spTree>
+      <p:nvGrpSpPr>
+        <p:cNvPr id="1" name=""/>
+        <p:cNvGrpSpPr/>
+        <p:nvPr/>
+      </p:nvGrpSpPr>
+      <p:grpSpPr>
+        <a:xfrm>
+          <a:off x="0" y="0"/>
+          <a:ext cx="0" cy="0"/>
+          <a:chOff x="0" y="0"/>
+          <a:chExt cx="0" cy="0"/>
+        </a:xfrm>
+      </p:grpSpPr>
+      <p:pic>
+        <p:nvPicPr>
+          <p:cNvPr id="2050" name="Picture 2"/>
+          <p:cNvPicPr>
+            <a:picLocks noGrp="1" noChangeAspect="1" noChangeArrowheads="1"/>
+          </p:cNvPicPr>
+          <p:nvPr>
+            <p:ph idx="1"/>
+          </p:nvPr>
+        </p:nvPicPr>
+        <p:blipFill>
+          <a:blip r:embed="rId2">
+            <a:extLst>
+              <a:ext uri="{28A0092B-C50C-407E-A947-70E740481C1C}">
+                <a14:useLocalDpi xmlns:a14="http://schemas.microsoft.com/office/drawing/2010/main" val="0"/>
+              </a:ext>
+            </a:extLst>
+          </a:blip>
+          <a:srcRect/>
+          <a:stretch>
+            <a:fillRect/>
+          </a:stretch>
+        </p:blipFill>
+        <p:spPr bwMode="auto">
+          <a:xfrm>
+            <a:off x="546957" y="1600200"/>
+            <a:ext cx="8050085" cy="4525963"/>
+          </a:xfrm>
+          <a:prstGeom prst="rect">
+            <a:avLst/>
+          </a:prstGeom>
+          <a:noFill/>
+          <a:ln>
+            <a:noFill/>
+          </a:ln>
+          <a:extLst>
+            <a:ext uri="{909E8E84-426E-40DD-AFC4-6F175D3DCCD1}">
+              <a14:hiddenFill xmlns:a14="http://schemas.microsoft.com/office/drawing/2010/main">
+                <a:solidFill>
+                  <a:schemeClr val="accent1"/>
+                </a:solidFill>
+              </a14:hiddenFill>
+            </a:ext>
+            <a:ext uri="{91240B29-F687-4F45-9708-019B960494DF}">
+              <a14:hiddenLine xmlns:a14="http://schemas.microsoft.com/office/drawing/2010/main" w="9525">
+                <a:solidFill>
+                  <a:schemeClr val="tx1"/>
+                </a:solidFill>
+                <a:miter lim="800000"/>
+                <a:headEnd/>
+                <a:tailEnd/>
+              </a14:hiddenLine>
+            </a:ext>
+          </a:extLst>
+        </p:spPr>
+      </p:pic>
+      <p:sp>
+        <p:nvSpPr>
+          <p:cNvPr id="2" name="Titolo 1"/>
+          <p:cNvSpPr>
+            <a:spLocks noGrp="1"/>
+          </p:cNvSpPr>
+          <p:nvPr>
+            <p:ph type="title"/>
+          </p:nvPr>
+        </p:nvSpPr>
+        <p:spPr>
+          <a:xfrm>
+            <a:off x="0" y="274638"/>
+            <a:ext cx="9144000" cy="1138138"/>
+          </a:xfrm>
+        </p:spPr>
+        <p:txBody>
+          <a:bodyPr>
+            <a:normAutofit/>
+          </a:bodyPr>
+          <a:lstStyle/>
+          <a:p>
+            <a:r>
+              <a:rPr lang="it-IT" b="1" dirty="0"/>
+              <a:t>Come </a:t>
+            </a:r>
+            <a:r>
+              <a:rPr lang="it-IT" b="1" dirty="0" smtClean="0"/>
+              <a:t>fare una Merge dal </a:t>
+            </a:r>
+            <a:r>
+              <a:rPr lang="it-IT" b="1" dirty="0"/>
+              <a:t>Browser</a:t>
+            </a:r>
+          </a:p>
+        </p:txBody>
+      </p:sp>
+      <p:sp>
+        <p:nvSpPr>
+          <p:cNvPr id="8" name="Ovale 7"/>
+          <p:cNvSpPr/>
+          <p:nvPr/>
+        </p:nvSpPr>
+        <p:spPr>
+          <a:xfrm>
+            <a:off x="2267744" y="5348028"/>
+            <a:ext cx="792088" cy="432048"/>
+          </a:xfrm>
+          <a:prstGeom prst="ellipse">
+            <a:avLst/>
+          </a:prstGeom>
+          <a:noFill/>
+          <a:ln>
+            <a:solidFill>
+              <a:srgbClr val="FF0000"/>
+            </a:solidFill>
+          </a:ln>
+        </p:spPr>
+        <p:style>
+          <a:lnRef idx="2">
+            <a:schemeClr val="accent1">
+              <a:shade val="50000"/>
+            </a:schemeClr>
+          </a:lnRef>
+          <a:fillRef idx="1">
+            <a:schemeClr val="accent1"/>
+          </a:fillRef>
+          <a:effectRef idx="0">
+            <a:schemeClr val="accent1"/>
+          </a:effectRef>
+          <a:fontRef idx="minor">
+            <a:schemeClr val="lt1"/>
+          </a:fontRef>
+        </p:style>
+        <p:txBody>
+          <a:bodyPr rtlCol="0" anchor="ctr"/>
+          <a:lstStyle/>
+          <a:p>
+            <a:pPr algn="ctr"/>
+            <a:endParaRPr lang="it-IT"/>
+          </a:p>
+        </p:txBody>
+      </p:sp>
+      <p:sp>
+        <p:nvSpPr>
+          <p:cNvPr id="9" name="Freccia a destra 8"/>
+          <p:cNvSpPr/>
+          <p:nvPr/>
+        </p:nvSpPr>
+        <p:spPr>
+          <a:xfrm rot="10800000">
+            <a:off x="3491881" y="4005064"/>
+            <a:ext cx="432048" cy="144016"/>
+          </a:xfrm>
+          <a:prstGeom prst="rightArrow">
+            <a:avLst/>
+          </a:prstGeom>
+        </p:spPr>
+        <p:style>
+          <a:lnRef idx="2">
+            <a:schemeClr val="accent1">
+              <a:shade val="50000"/>
+            </a:schemeClr>
+          </a:lnRef>
+          <a:fillRef idx="1">
+            <a:schemeClr val="accent1"/>
+          </a:fillRef>
+          <a:effectRef idx="0">
+            <a:schemeClr val="accent1"/>
+          </a:effectRef>
+          <a:fontRef idx="minor">
+            <a:schemeClr val="lt1"/>
+          </a:fontRef>
+        </p:style>
+        <p:txBody>
+          <a:bodyPr rtlCol="0" anchor="ctr"/>
+          <a:lstStyle/>
+          <a:p>
+            <a:pPr algn="ctr"/>
+            <a:endParaRPr lang="it-IT"/>
+          </a:p>
+        </p:txBody>
+      </p:sp>
+      <p:sp>
+        <p:nvSpPr>
+          <p:cNvPr id="10" name="Freccia a destra 9"/>
+          <p:cNvSpPr/>
+          <p:nvPr/>
+        </p:nvSpPr>
+        <p:spPr>
+          <a:xfrm rot="10800000">
+            <a:off x="4644008" y="4941167"/>
+            <a:ext cx="432048" cy="144016"/>
+          </a:xfrm>
+          <a:prstGeom prst="rightArrow">
+            <a:avLst/>
+          </a:prstGeom>
+        </p:spPr>
+        <p:style>
+          <a:lnRef idx="2">
+            <a:schemeClr val="accent1">
+              <a:shade val="50000"/>
+            </a:schemeClr>
+          </a:lnRef>
+          <a:fillRef idx="1">
+            <a:schemeClr val="accent1"/>
+          </a:fillRef>
+          <a:effectRef idx="0">
+            <a:schemeClr val="accent1"/>
+          </a:effectRef>
+          <a:fontRef idx="minor">
+            <a:schemeClr val="lt1"/>
+          </a:fontRef>
+        </p:style>
+        <p:txBody>
+          <a:bodyPr rtlCol="0" anchor="ctr"/>
+          <a:lstStyle/>
+          <a:p>
+            <a:pPr algn="ctr"/>
+            <a:endParaRPr lang="it-IT"/>
+          </a:p>
+        </p:txBody>
+      </p:sp>
+    </p:spTree>
+    <p:extLst>
+      <p:ext uri="{BB962C8B-B14F-4D97-AF65-F5344CB8AC3E}">
+        <p14:creationId xmlns:p14="http://schemas.microsoft.com/office/powerpoint/2010/main" val="2895399828"/>
+      </p:ext>
+    </p:extLst>
+  </p:cSld>
+  <p:clrMapOvr>
+    <a:masterClrMapping/>
+  </p:clrMapOvr>
+  <p:timing>
+    <p:tnLst>
+      <p:par>
+        <p:cTn id="1" dur="indefinite" restart="never" nodeType="tmRoot"/>
+      </p:par>
+    </p:tnLst>
+  </p:timing>
+</p:sld>
+</file>
+
+<file path=ppt/slides/slide34.xml><?xml version="1.0" encoding="utf-8"?>
+<p:sld xmlns:a="http://schemas.openxmlformats.org/drawingml/2006/main" xmlns:r="http://schemas.openxmlformats.org/officeDocument/2006/relationships" xmlns:p="http://schemas.openxmlformats.org/presentationml/2006/main">
+  <p:cSld>
+    <p:spTree>
+      <p:nvGrpSpPr>
+        <p:cNvPr id="1" name=""/>
+        <p:cNvGrpSpPr/>
+        <p:nvPr/>
+      </p:nvGrpSpPr>
+      <p:grpSpPr>
+        <a:xfrm>
+          <a:off x="0" y="0"/>
+          <a:ext cx="0" cy="0"/>
+          <a:chOff x="0" y="0"/>
+          <a:chExt cx="0" cy="0"/>
+        </a:xfrm>
+      </p:grpSpPr>
+      <p:pic>
+        <p:nvPicPr>
+          <p:cNvPr id="3074" name="Picture 2"/>
+          <p:cNvPicPr>
+            <a:picLocks noGrp="1" noChangeAspect="1" noChangeArrowheads="1"/>
+          </p:cNvPicPr>
+          <p:nvPr>
+            <p:ph idx="1"/>
+          </p:nvPr>
+        </p:nvPicPr>
+        <p:blipFill>
+          <a:blip r:embed="rId2">
+            <a:extLst>
+              <a:ext uri="{28A0092B-C50C-407E-A947-70E740481C1C}">
+                <a14:useLocalDpi xmlns:a14="http://schemas.microsoft.com/office/drawing/2010/main" val="0"/>
+              </a:ext>
+            </a:extLst>
+          </a:blip>
+          <a:srcRect/>
+          <a:stretch>
+            <a:fillRect/>
+          </a:stretch>
+        </p:blipFill>
+        <p:spPr bwMode="auto">
+          <a:xfrm>
+            <a:off x="546957" y="1600200"/>
+            <a:ext cx="8050085" cy="4525963"/>
+          </a:xfrm>
+          <a:prstGeom prst="rect">
+            <a:avLst/>
+          </a:prstGeom>
+          <a:noFill/>
+          <a:ln>
+            <a:noFill/>
+          </a:ln>
+          <a:extLst>
+            <a:ext uri="{909E8E84-426E-40DD-AFC4-6F175D3DCCD1}">
+              <a14:hiddenFill xmlns:a14="http://schemas.microsoft.com/office/drawing/2010/main">
+                <a:solidFill>
+                  <a:schemeClr val="accent1"/>
+                </a:solidFill>
+              </a14:hiddenFill>
+            </a:ext>
+            <a:ext uri="{91240B29-F687-4F45-9708-019B960494DF}">
+              <a14:hiddenLine xmlns:a14="http://schemas.microsoft.com/office/drawing/2010/main" w="9525">
+                <a:solidFill>
+                  <a:schemeClr val="tx1"/>
+                </a:solidFill>
+                <a:miter lim="800000"/>
+                <a:headEnd/>
+                <a:tailEnd/>
+              </a14:hiddenLine>
+            </a:ext>
+          </a:extLst>
+        </p:spPr>
+      </p:pic>
+      <p:sp>
+        <p:nvSpPr>
+          <p:cNvPr id="2" name="Titolo 1"/>
+          <p:cNvSpPr>
+            <a:spLocks noGrp="1"/>
+          </p:cNvSpPr>
+          <p:nvPr>
+            <p:ph type="title"/>
+          </p:nvPr>
+        </p:nvSpPr>
+        <p:spPr>
+          <a:xfrm>
+            <a:off x="0" y="274638"/>
+            <a:ext cx="9144000" cy="1138138"/>
+          </a:xfrm>
+        </p:spPr>
+        <p:txBody>
+          <a:bodyPr>
+            <a:normAutofit/>
+          </a:bodyPr>
+          <a:lstStyle/>
+          <a:p>
+            <a:r>
+              <a:rPr lang="it-IT" b="1" dirty="0"/>
+              <a:t>Come </a:t>
+            </a:r>
+            <a:r>
+              <a:rPr lang="it-IT" b="1" dirty="0" smtClean="0"/>
+              <a:t>fare una Merge dal </a:t>
+            </a:r>
+            <a:r>
+              <a:rPr lang="it-IT" b="1" dirty="0"/>
+              <a:t>Browser</a:t>
+            </a:r>
+          </a:p>
+        </p:txBody>
+      </p:sp>
+      <p:sp>
+        <p:nvSpPr>
+          <p:cNvPr id="8" name="Ovale 7"/>
+          <p:cNvSpPr/>
+          <p:nvPr/>
+        </p:nvSpPr>
+        <p:spPr>
+          <a:xfrm>
+            <a:off x="5220072" y="4941168"/>
+            <a:ext cx="720080" cy="313220"/>
+          </a:xfrm>
+          <a:prstGeom prst="ellipse">
+            <a:avLst/>
+          </a:prstGeom>
+          <a:noFill/>
+          <a:ln>
+            <a:solidFill>
+              <a:srgbClr val="FF0000"/>
+            </a:solidFill>
+          </a:ln>
+        </p:spPr>
+        <p:style>
+          <a:lnRef idx="2">
+            <a:schemeClr val="accent1">
+              <a:shade val="50000"/>
+            </a:schemeClr>
+          </a:lnRef>
+          <a:fillRef idx="1">
+            <a:schemeClr val="accent1"/>
+          </a:fillRef>
+          <a:effectRef idx="0">
+            <a:schemeClr val="accent1"/>
+          </a:effectRef>
+          <a:fontRef idx="minor">
+            <a:schemeClr val="lt1"/>
+          </a:fontRef>
+        </p:style>
+        <p:txBody>
+          <a:bodyPr rtlCol="0" anchor="ctr"/>
+          <a:lstStyle/>
+          <a:p>
+            <a:pPr algn="ctr"/>
+            <a:endParaRPr lang="it-IT"/>
+          </a:p>
+        </p:txBody>
+      </p:sp>
+    </p:spTree>
+    <p:extLst>
+      <p:ext uri="{BB962C8B-B14F-4D97-AF65-F5344CB8AC3E}">
+        <p14:creationId xmlns:p14="http://schemas.microsoft.com/office/powerpoint/2010/main" val="2435520635"/>
+      </p:ext>
+    </p:extLst>
+  </p:cSld>
+  <p:clrMapOvr>
+    <a:masterClrMapping/>
+  </p:clrMapOvr>
+  <p:timing>
+    <p:tnLst>
+      <p:par>
+        <p:cTn id="1" dur="indefinite" restart="never" nodeType="tmRoot"/>
+      </p:par>
+    </p:tnLst>
+  </p:timing>
+</p:sld>
+</file>
+
+<file path=ppt/slides/slide35.xml><?xml version="1.0" encoding="utf-8"?>
+<p:sld xmlns:a="http://schemas.openxmlformats.org/drawingml/2006/main" xmlns:r="http://schemas.openxmlformats.org/officeDocument/2006/relationships" xmlns:p="http://schemas.openxmlformats.org/presentationml/2006/main">
+  <p:cSld>
+    <p:spTree>
+      <p:nvGrpSpPr>
+        <p:cNvPr id="1" name=""/>
+        <p:cNvGrpSpPr/>
+        <p:nvPr/>
+      </p:nvGrpSpPr>
+      <p:grpSpPr>
+        <a:xfrm>
+          <a:off x="0" y="0"/>
+          <a:ext cx="0" cy="0"/>
+          <a:chOff x="0" y="0"/>
+          <a:chExt cx="0" cy="0"/>
+        </a:xfrm>
+      </p:grpSpPr>
+      <p:sp>
+        <p:nvSpPr>
+          <p:cNvPr id="2" name="Titolo 1"/>
+          <p:cNvSpPr>
+            <a:spLocks noGrp="1"/>
+          </p:cNvSpPr>
+          <p:nvPr>
+            <p:ph type="title"/>
+          </p:nvPr>
+        </p:nvSpPr>
+        <p:spPr/>
+        <p:txBody>
+          <a:bodyPr/>
+          <a:lstStyle/>
+          <a:p>
+            <a:r>
+              <a:rPr lang="it-IT" b="1" dirty="0" smtClean="0"/>
+              <a:t>Glossario</a:t>
+            </a:r>
+            <a:endParaRPr lang="it-IT" b="1" dirty="0"/>
+          </a:p>
+        </p:txBody>
+      </p:sp>
+      <p:sp>
+        <p:nvSpPr>
+          <p:cNvPr id="3" name="Segnaposto contenuto 2"/>
+          <p:cNvSpPr>
+            <a:spLocks noGrp="1"/>
+          </p:cNvSpPr>
+          <p:nvPr>
+            <p:ph idx="1"/>
+          </p:nvPr>
+        </p:nvSpPr>
+        <p:spPr/>
+        <p:txBody>
+          <a:bodyPr>
+            <a:normAutofit/>
+          </a:bodyPr>
+          <a:lstStyle/>
+          <a:p>
+            <a:r>
+              <a:rPr lang="it-IT" sz="1800" b="1" dirty="0" err="1" smtClean="0"/>
+              <a:t>Kernel</a:t>
+            </a:r>
+            <a:r>
+              <a:rPr lang="it-IT" sz="1800" b="1" dirty="0" smtClean="0"/>
+              <a:t> : </a:t>
+            </a:r>
+            <a:r>
+              <a:rPr lang="it-IT" sz="1800" dirty="0" smtClean="0"/>
+              <a:t>in </a:t>
+            </a:r>
+            <a:r>
+              <a:rPr lang="it-IT" sz="1800" dirty="0"/>
+              <a:t>informatica, il nucleo di un sistema operativo, che gestisce le funzioni di controllo fondamentali del computer</a:t>
+            </a:r>
+            <a:r>
+              <a:rPr lang="it-IT" sz="1800" dirty="0" smtClean="0"/>
+              <a:t>.</a:t>
+            </a:r>
+          </a:p>
+          <a:p>
+            <a:r>
+              <a:rPr lang="it-IT" sz="1800" b="1" dirty="0"/>
+              <a:t>C</a:t>
+            </a:r>
+            <a:r>
+              <a:rPr lang="it-IT" sz="1800" b="1" dirty="0" smtClean="0"/>
+              <a:t>ontrollo versione distribuito  (o DVCS da Distributed Version Control System) : </a:t>
+            </a:r>
+            <a:r>
+              <a:rPr lang="it-IT" sz="1800" dirty="0" smtClean="0"/>
+              <a:t>permette di tenere traccia delle modifiche e delle versioni apportate al codice sorgente del software, senza la necessità di dover utilizzare un server centrale.</a:t>
+            </a:r>
+          </a:p>
+          <a:p>
+            <a:r>
+              <a:rPr lang="it-IT" sz="1800" b="1" dirty="0" err="1" smtClean="0"/>
+              <a:t>Concurrent</a:t>
+            </a:r>
+            <a:r>
+              <a:rPr lang="it-IT" sz="1800" b="1" dirty="0" smtClean="0"/>
+              <a:t> </a:t>
+            </a:r>
+            <a:r>
+              <a:rPr lang="it-IT" sz="1800" b="1" dirty="0" err="1" smtClean="0"/>
+              <a:t>Versions</a:t>
+            </a:r>
+            <a:r>
+              <a:rPr lang="it-IT" sz="1800" b="1" dirty="0" smtClean="0"/>
+              <a:t> System (CVS)</a:t>
+            </a:r>
+            <a:r>
+              <a:rPr lang="it-IT" sz="1800" dirty="0"/>
+              <a:t> </a:t>
+            </a:r>
+            <a:r>
+              <a:rPr lang="it-IT" sz="1800" dirty="0" smtClean="0"/>
+              <a:t> :  è un sistema software che implementa un sistema di controllo versione.</a:t>
+            </a:r>
+          </a:p>
+          <a:p>
+            <a:r>
+              <a:rPr lang="it-IT" sz="1800" b="1" dirty="0" smtClean="0"/>
+              <a:t>Ordine </a:t>
+            </a:r>
+            <a:r>
+              <a:rPr lang="it-IT" sz="1800" b="1" dirty="0"/>
+              <a:t>di </a:t>
+            </a:r>
+            <a:r>
+              <a:rPr lang="it-IT" sz="1800" b="1" dirty="0" smtClean="0"/>
+              <a:t>grandezza </a:t>
+            </a:r>
+            <a:r>
+              <a:rPr lang="it-IT" sz="1800" dirty="0" smtClean="0"/>
+              <a:t>:</a:t>
+            </a:r>
+            <a:r>
+              <a:rPr lang="it-IT" sz="1800" b="1" dirty="0" smtClean="0"/>
+              <a:t> </a:t>
+            </a:r>
+            <a:r>
+              <a:rPr lang="it-IT" sz="1800" dirty="0" smtClean="0"/>
+              <a:t>è </a:t>
+            </a:r>
+            <a:r>
+              <a:rPr lang="it-IT" sz="1800" dirty="0"/>
+              <a:t>la classe di scala o grandezza di una quantità, dove ogni classe contiene valori aventi un rapporto fisso rispetto a quelli della classe precedente. I rapporti usati più frequentemente sono 1000, 10, 2, 1024 o </a:t>
+            </a:r>
+            <a:r>
+              <a:rPr lang="it-IT" sz="1800" i="1" dirty="0" smtClean="0"/>
+              <a:t>e</a:t>
+            </a:r>
+            <a:r>
+              <a:rPr lang="it-IT" sz="1800" dirty="0" smtClean="0"/>
+              <a:t>;</a:t>
+            </a:r>
+            <a:endParaRPr lang="it-IT" sz="1800" dirty="0"/>
+          </a:p>
+        </p:txBody>
+      </p:sp>
+    </p:spTree>
+    <p:extLst>
+      <p:ext uri="{BB962C8B-B14F-4D97-AF65-F5344CB8AC3E}">
+        <p14:creationId xmlns:p14="http://schemas.microsoft.com/office/powerpoint/2010/main" val="956342820"/>
+      </p:ext>
+    </p:extLst>
+  </p:cSld>
+  <p:clrMapOvr>
+    <a:masterClrMapping/>
+  </p:clrMapOvr>
+  <p:timing>
+    <p:tnLst>
+      <p:par>
+        <p:cTn id="1" dur="indefinite" restart="never" nodeType="tmRoot"/>
+      </p:par>
+    </p:tnLst>
+  </p:timing>
+</p:sld>
+</file>
+
+<file path=ppt/slides/slide4.xml><?xml version="1.0" encoding="utf-8"?>
+<p:sld xmlns:a="http://schemas.openxmlformats.org/drawingml/2006/main" xmlns:r="http://schemas.openxmlformats.org/officeDocument/2006/relationships" xmlns:p="http://schemas.openxmlformats.org/presentationml/2006/main">
+  <p:cSld>
+    <p:spTree>
+      <p:nvGrpSpPr>
+        <p:cNvPr id="1" name=""/>
+        <p:cNvGrpSpPr/>
+        <p:nvPr/>
+      </p:nvGrpSpPr>
+      <p:grpSpPr>
+        <a:xfrm>
+          <a:off x="0" y="0"/>
+          <a:ext cx="0" cy="0"/>
+          <a:chOff x="0" y="0"/>
+          <a:chExt cx="0" cy="0"/>
+        </a:xfrm>
+      </p:grpSpPr>
+      <p:sp>
+        <p:nvSpPr>
+          <p:cNvPr id="2" name="Titolo 1"/>
+          <p:cNvSpPr>
+            <a:spLocks noGrp="1"/>
+          </p:cNvSpPr>
+          <p:nvPr>
+            <p:ph type="title"/>
+          </p:nvPr>
+        </p:nvSpPr>
+        <p:spPr/>
+        <p:txBody>
+          <a:bodyPr/>
+          <a:lstStyle/>
+          <a:p>
+            <a:r>
+              <a:rPr lang="it-IT" b="1" dirty="0" smtClean="0"/>
+              <a:t>Da dove nasce </a:t>
+            </a:r>
+            <a:r>
+              <a:rPr lang="it-IT" b="1" dirty="0" err="1" smtClean="0"/>
+              <a:t>GitHub</a:t>
+            </a:r>
+            <a:r>
+              <a:rPr lang="it-IT" b="1" dirty="0" smtClean="0"/>
+              <a:t>…</a:t>
+            </a:r>
+            <a:endParaRPr lang="it-IT" b="1" dirty="0"/>
+          </a:p>
+        </p:txBody>
+      </p:sp>
+      <p:sp>
+        <p:nvSpPr>
+          <p:cNvPr id="3" name="Segnaposto contenuto 2"/>
+          <p:cNvSpPr>
+            <a:spLocks noGrp="1"/>
+          </p:cNvSpPr>
+          <p:nvPr>
+            <p:ph idx="1"/>
+          </p:nvPr>
+        </p:nvSpPr>
+        <p:spPr/>
+        <p:txBody>
+          <a:bodyPr>
+            <a:normAutofit/>
+          </a:bodyPr>
+          <a:lstStyle/>
+          <a:p>
+            <a:pPr marL="0" indent="0" algn="just">
+              <a:buNone/>
+            </a:pPr>
+            <a:r>
+              <a:rPr lang="it-IT" b="1" dirty="0" smtClean="0"/>
+              <a:t>Caratteristiche di </a:t>
+            </a:r>
+            <a:r>
+              <a:rPr lang="it-IT" b="1" dirty="0" err="1" smtClean="0"/>
+              <a:t>Git</a:t>
+            </a:r>
+            <a:r>
+              <a:rPr lang="it-IT" b="1" dirty="0" smtClean="0"/>
+              <a:t> :</a:t>
+            </a:r>
+          </a:p>
+          <a:p>
+            <a:pPr algn="just"/>
+            <a:r>
+              <a:rPr lang="it-IT" sz="2000" i="1" u="sng" dirty="0"/>
+              <a:t>Gestione efficiente di grandi </a:t>
+            </a:r>
+            <a:r>
+              <a:rPr lang="it-IT" sz="2000" i="1" u="sng" dirty="0" smtClean="0"/>
+              <a:t>progetti</a:t>
+            </a:r>
+            <a:r>
+              <a:rPr lang="it-IT" sz="2000" dirty="0"/>
+              <a:t> </a:t>
+            </a:r>
+            <a:r>
+              <a:rPr lang="it-IT" sz="2000" dirty="0" smtClean="0"/>
+              <a:t>: </a:t>
+            </a:r>
+            <a:r>
+              <a:rPr lang="it-IT" sz="2000" dirty="0" err="1"/>
+              <a:t>Git</a:t>
+            </a:r>
+            <a:r>
+              <a:rPr lang="it-IT" sz="2000" dirty="0"/>
+              <a:t> è molto veloce e scalabile. È tipicamente un ordine di grandezza più veloce degli altri sistemi di controllo versione, e due ordini di grandezza più veloce per alcune </a:t>
+            </a:r>
+            <a:r>
+              <a:rPr lang="it-IT" sz="2000" dirty="0" smtClean="0"/>
+              <a:t>operazioni.</a:t>
+            </a:r>
+          </a:p>
+          <a:p>
+            <a:pPr algn="just"/>
+            <a:r>
+              <a:rPr lang="it-IT" sz="2000" i="1" u="sng" dirty="0"/>
+              <a:t>Autenticazione crittografica della </a:t>
+            </a:r>
+            <a:r>
+              <a:rPr lang="it-IT" sz="2000" i="1" u="sng" dirty="0" smtClean="0"/>
+              <a:t>cronologia</a:t>
+            </a:r>
+            <a:r>
+              <a:rPr lang="it-IT" sz="2000" dirty="0"/>
+              <a:t> </a:t>
+            </a:r>
+            <a:r>
+              <a:rPr lang="it-IT" sz="2000" dirty="0" smtClean="0"/>
+              <a:t>: </a:t>
+            </a:r>
+            <a:r>
+              <a:rPr lang="it-IT" sz="2000" dirty="0"/>
+              <a:t>La cronologia di </a:t>
+            </a:r>
+            <a:r>
+              <a:rPr lang="it-IT" sz="2000" dirty="0" err="1"/>
+              <a:t>Git</a:t>
+            </a:r>
+            <a:r>
+              <a:rPr lang="it-IT" sz="2000" dirty="0"/>
+              <a:t> viene memorizzata in modo tale che il nome di una revisione particolare (secondo la terminologia </a:t>
+            </a:r>
+            <a:r>
+              <a:rPr lang="it-IT" sz="2000" dirty="0" err="1"/>
+              <a:t>Git</a:t>
+            </a:r>
+            <a:r>
+              <a:rPr lang="it-IT" sz="2000" dirty="0"/>
+              <a:t>, una "</a:t>
+            </a:r>
+            <a:r>
+              <a:rPr lang="it-IT" sz="2000" dirty="0" err="1"/>
+              <a:t>commit</a:t>
+            </a:r>
+            <a:r>
+              <a:rPr lang="it-IT" sz="2000" dirty="0"/>
+              <a:t>") dipende dalla completa cronologia di sviluppo che conduce a tale </a:t>
+            </a:r>
+            <a:r>
+              <a:rPr lang="it-IT" sz="2000" dirty="0" err="1"/>
+              <a:t>commit</a:t>
+            </a:r>
+            <a:r>
+              <a:rPr lang="it-IT" sz="2000" dirty="0"/>
+              <a:t>. Una volta che è stata pubblicata, non è più possibile cambiare le vecchie versioni senza che ciò venga notato. </a:t>
+            </a:r>
+            <a:endParaRPr lang="it-IT" sz="2000" dirty="0" smtClean="0"/>
+          </a:p>
+          <a:p>
+            <a:pPr marL="0" indent="0" algn="just">
+              <a:buNone/>
+            </a:pPr>
+            <a:endParaRPr lang="it-IT" sz="2000" dirty="0"/>
+          </a:p>
+          <a:p>
+            <a:pPr marL="0" indent="0" algn="just">
+              <a:buNone/>
+            </a:pPr>
+            <a:endParaRPr lang="it-IT" b="1" dirty="0"/>
+          </a:p>
+          <a:p>
+            <a:pPr algn="just"/>
+            <a:endParaRPr lang="it-IT" sz="2000" dirty="0" smtClean="0"/>
+          </a:p>
+        </p:txBody>
+      </p:sp>
+    </p:spTree>
+    <p:extLst>
+      <p:ext uri="{BB962C8B-B14F-4D97-AF65-F5344CB8AC3E}">
+        <p14:creationId xmlns:p14="http://schemas.microsoft.com/office/powerpoint/2010/main" val="1115010207"/>
+      </p:ext>
+    </p:extLst>
+  </p:cSld>
+  <p:clrMapOvr>
+    <a:masterClrMapping/>
+  </p:clrMapOvr>
+  <p:timing>
+    <p:tnLst>
+      <p:par>
+        <p:cTn id="1" dur="indefinite" restart="never" nodeType="tmRoot"/>
+      </p:par>
+    </p:tnLst>
+  </p:timing>
+</p:sld>
+</file>
+
+<file path=ppt/slides/slide5.xml><?xml version="1.0" encoding="utf-8"?>
+<p:sld xmlns:a="http://schemas.openxmlformats.org/drawingml/2006/main" xmlns:r="http://schemas.openxmlformats.org/officeDocument/2006/relationships" xmlns:p="http://schemas.openxmlformats.org/presentationml/2006/main">
+  <p:cSld>
+    <p:spTree>
+      <p:nvGrpSpPr>
+        <p:cNvPr id="1" name=""/>
+        <p:cNvGrpSpPr/>
+        <p:nvPr/>
+      </p:nvGrpSpPr>
+      <p:grpSpPr>
+        <a:xfrm>
+          <a:off x="0" y="0"/>
+          <a:ext cx="0" cy="0"/>
+          <a:chOff x="0" y="0"/>
+          <a:chExt cx="0" cy="0"/>
+        </a:xfrm>
+      </p:grpSpPr>
+      <p:sp>
+        <p:nvSpPr>
+          <p:cNvPr id="2" name="Titolo 1"/>
+          <p:cNvSpPr>
+            <a:spLocks noGrp="1"/>
+          </p:cNvSpPr>
+          <p:nvPr>
+            <p:ph type="title"/>
+          </p:nvPr>
+        </p:nvSpPr>
+        <p:spPr>
+          <a:xfrm>
+            <a:off x="457200" y="269776"/>
+            <a:ext cx="8229600" cy="1143000"/>
+          </a:xfrm>
+        </p:spPr>
+        <p:txBody>
+          <a:bodyPr/>
+          <a:lstStyle/>
+          <a:p>
+            <a:r>
+              <a:rPr lang="it-IT" b="1" dirty="0" smtClean="0"/>
+              <a:t>Da dove nasce </a:t>
+            </a:r>
+            <a:r>
+              <a:rPr lang="it-IT" b="1" dirty="0" err="1" smtClean="0"/>
+              <a:t>GitHub</a:t>
+            </a:r>
+            <a:r>
+              <a:rPr lang="it-IT" b="1" dirty="0" smtClean="0"/>
+              <a:t>…</a:t>
+            </a:r>
+            <a:endParaRPr lang="it-IT" b="1" dirty="0"/>
+          </a:p>
+        </p:txBody>
+      </p:sp>
+      <p:sp>
+        <p:nvSpPr>
+          <p:cNvPr id="3" name="Segnaposto contenuto 2"/>
+          <p:cNvSpPr>
+            <a:spLocks noGrp="1"/>
+          </p:cNvSpPr>
+          <p:nvPr>
+            <p:ph idx="1"/>
+          </p:nvPr>
+        </p:nvSpPr>
+        <p:spPr>
+          <a:xfrm>
+            <a:off x="457200" y="1268760"/>
+            <a:ext cx="8229600" cy="5256584"/>
+          </a:xfrm>
+        </p:spPr>
+        <p:txBody>
+          <a:bodyPr>
+            <a:normAutofit/>
+          </a:bodyPr>
+          <a:lstStyle/>
+          <a:p>
+            <a:pPr marL="0" indent="0" algn="just">
+              <a:buNone/>
+            </a:pPr>
+            <a:r>
+              <a:rPr lang="it-IT" sz="2200" b="1" dirty="0" err="1" smtClean="0"/>
+              <a:t>GitHub</a:t>
+            </a:r>
+            <a:r>
+              <a:rPr lang="it-IT" sz="2200" b="1" dirty="0" smtClean="0"/>
+              <a:t> </a:t>
+            </a:r>
+            <a:r>
+              <a:rPr lang="it-IT" sz="2200" dirty="0" smtClean="0"/>
+              <a:t>(nato nel 2008) </a:t>
+            </a:r>
+            <a:r>
+              <a:rPr lang="it-IT" sz="2200" dirty="0"/>
+              <a:t>è un </a:t>
+            </a:r>
+            <a:r>
+              <a:rPr lang="it-IT" sz="2200" b="1" dirty="0"/>
+              <a:t>servizio di hosting</a:t>
+            </a:r>
+            <a:r>
+              <a:rPr lang="it-IT" sz="2200" dirty="0"/>
+              <a:t> per progetti software. </a:t>
+            </a:r>
+            <a:endParaRPr lang="it-IT" sz="2200" dirty="0" smtClean="0"/>
+          </a:p>
+          <a:p>
+            <a:pPr marL="0" indent="0" algn="just">
+              <a:buNone/>
+            </a:pPr>
+            <a:endParaRPr lang="it-IT" sz="2000" dirty="0" smtClean="0"/>
+          </a:p>
+          <a:p>
+            <a:pPr marL="0" indent="0" algn="just">
+              <a:buNone/>
+            </a:pPr>
+            <a:r>
+              <a:rPr lang="it-IT" sz="2000" dirty="0" smtClean="0"/>
+              <a:t>Il </a:t>
+            </a:r>
+            <a:r>
+              <a:rPr lang="it-IT" sz="2000" dirty="0"/>
+              <a:t>nome "</a:t>
+            </a:r>
+            <a:r>
+              <a:rPr lang="it-IT" sz="2000" dirty="0" err="1"/>
+              <a:t>GitHub</a:t>
+            </a:r>
+            <a:r>
+              <a:rPr lang="it-IT" sz="2000" dirty="0"/>
+              <a:t>" deriva dal fatto che </a:t>
+            </a:r>
+            <a:r>
+              <a:rPr lang="it-IT" sz="2000" dirty="0" err="1"/>
+              <a:t>GitHub</a:t>
+            </a:r>
+            <a:r>
+              <a:rPr lang="it-IT" sz="2000" dirty="0"/>
+              <a:t> è una </a:t>
+            </a:r>
+            <a:r>
+              <a:rPr lang="it-IT" sz="2000" b="1" dirty="0"/>
+              <a:t>implementazione</a:t>
+            </a:r>
+            <a:r>
+              <a:rPr lang="it-IT" sz="2000" dirty="0"/>
+              <a:t> dello strumento di controllo versione distribuito </a:t>
+            </a:r>
+            <a:r>
+              <a:rPr lang="it-IT" sz="2000" b="1" dirty="0" err="1"/>
+              <a:t>Git</a:t>
+            </a:r>
+            <a:r>
+              <a:rPr lang="it-IT" sz="2000" dirty="0"/>
+              <a:t>.</a:t>
+            </a:r>
+          </a:p>
+          <a:p>
+            <a:pPr marL="0" indent="0" algn="just">
+              <a:buNone/>
+            </a:pPr>
+            <a:endParaRPr lang="it-IT" sz="2000" dirty="0"/>
+          </a:p>
+          <a:p>
+            <a:pPr marL="0" indent="0" algn="just">
+              <a:buNone/>
+            </a:pPr>
+            <a:r>
+              <a:rPr lang="it-IT" sz="2000" dirty="0"/>
+              <a:t>Il sito è principalmente utilizzato dagli sviluppatori, che caricano il codice sorgente dei loro programmi e lo rendono scaricabile dagli utenti</a:t>
+            </a:r>
+            <a:r>
+              <a:rPr lang="it-IT" sz="2000" dirty="0" smtClean="0"/>
+              <a:t>.</a:t>
+            </a:r>
+          </a:p>
+          <a:p>
+            <a:pPr marL="0" indent="0" algn="just">
+              <a:buNone/>
+            </a:pPr>
+            <a:endParaRPr lang="it-IT" sz="2000" dirty="0" smtClean="0"/>
+          </a:p>
+          <a:p>
+            <a:pPr marL="0" indent="0" algn="just">
+              <a:buNone/>
+            </a:pPr>
+            <a:r>
+              <a:rPr lang="it-IT" sz="2000" dirty="0" smtClean="0"/>
+              <a:t>Questi </a:t>
+            </a:r>
+            <a:r>
+              <a:rPr lang="it-IT" sz="2000" dirty="0"/>
+              <a:t>ultimi possono interagire con lo sviluppatore tramite un sistema di </a:t>
+            </a:r>
+            <a:r>
+              <a:rPr lang="it-IT" sz="2000" dirty="0" err="1"/>
+              <a:t>issue</a:t>
+            </a:r>
+            <a:r>
+              <a:rPr lang="it-IT" sz="2000" dirty="0"/>
+              <a:t> </a:t>
+            </a:r>
+            <a:r>
+              <a:rPr lang="it-IT" sz="2000" dirty="0" err="1"/>
+              <a:t>tracking</a:t>
+            </a:r>
+            <a:r>
+              <a:rPr lang="it-IT" sz="2000" dirty="0"/>
+              <a:t>, pull </a:t>
+            </a:r>
+            <a:r>
+              <a:rPr lang="it-IT" sz="2000" dirty="0" err="1"/>
+              <a:t>request</a:t>
+            </a:r>
+            <a:r>
+              <a:rPr lang="it-IT" sz="2000" dirty="0"/>
+              <a:t> e commenti che permette di migliorare il codice della </a:t>
+            </a:r>
+            <a:r>
+              <a:rPr lang="it-IT" sz="2000" dirty="0" err="1"/>
+              <a:t>repository</a:t>
+            </a:r>
+            <a:r>
+              <a:rPr lang="it-IT" sz="2000" dirty="0"/>
+              <a:t> risolvendo bug o aggiungendo funzionalità. </a:t>
+            </a:r>
+            <a:endParaRPr lang="it-IT" sz="2000" dirty="0" smtClean="0"/>
+          </a:p>
+          <a:p>
+            <a:pPr marL="0" indent="0" algn="just">
+              <a:buNone/>
+            </a:pPr>
+            <a:endParaRPr lang="it-IT" sz="2000" dirty="0" smtClean="0"/>
+          </a:p>
+          <a:p>
+            <a:pPr marL="0" indent="0" algn="just">
+              <a:buNone/>
+            </a:pPr>
+            <a:r>
+              <a:rPr lang="it-IT" sz="2000" dirty="0" smtClean="0"/>
+              <a:t>Inoltre </a:t>
+            </a:r>
+            <a:r>
+              <a:rPr lang="it-IT" sz="2000" dirty="0" err="1"/>
+              <a:t>Github</a:t>
+            </a:r>
+            <a:r>
+              <a:rPr lang="it-IT" sz="2000" dirty="0"/>
+              <a:t> elabora dettagliate pagine che riassumono come gli sviluppatori lavorano sulle varie versioni dei </a:t>
+            </a:r>
+            <a:r>
+              <a:rPr lang="it-IT" sz="2000" dirty="0" err="1"/>
+              <a:t>repository</a:t>
+            </a:r>
+            <a:r>
+              <a:rPr lang="it-IT" sz="2000" dirty="0"/>
+              <a:t>.</a:t>
+            </a:r>
+          </a:p>
+          <a:p>
+            <a:pPr marL="0" indent="0" algn="just">
+              <a:buNone/>
+            </a:pPr>
+            <a:endParaRPr lang="it-IT" b="1" dirty="0"/>
+          </a:p>
+          <a:p>
+            <a:pPr algn="just"/>
+            <a:endParaRPr lang="it-IT" sz="2000" dirty="0" smtClean="0"/>
+          </a:p>
+        </p:txBody>
+      </p:sp>
+    </p:spTree>
+    <p:extLst>
+      <p:ext uri="{BB962C8B-B14F-4D97-AF65-F5344CB8AC3E}">
+        <p14:creationId xmlns:p14="http://schemas.microsoft.com/office/powerpoint/2010/main" val="2247968796"/>
+      </p:ext>
+    </p:extLst>
+  </p:cSld>
+  <p:clrMapOvr>
+    <a:masterClrMapping/>
+  </p:clrMapOvr>
+  <p:timing>
+    <p:tnLst>
+      <p:par>
+        <p:cTn id="1" dur="indefinite" restart="never" nodeType="tmRoot"/>
+      </p:par>
+    </p:tnLst>
+  </p:timing>
+</p:sld>
+</file>
+
+<file path=ppt/slides/slide6.xml><?xml version="1.0" encoding="utf-8"?>
+<p:sld xmlns:a="http://schemas.openxmlformats.org/drawingml/2006/main" xmlns:r="http://schemas.openxmlformats.org/officeDocument/2006/relationships" xmlns:p="http://schemas.openxmlformats.org/presentationml/2006/main">
+  <p:cSld>
+    <p:spTree>
+      <p:nvGrpSpPr>
+        <p:cNvPr id="1" name=""/>
+        <p:cNvGrpSpPr/>
+        <p:nvPr/>
+      </p:nvGrpSpPr>
+      <p:grpSpPr>
+        <a:xfrm>
+          <a:off x="0" y="0"/>
+          <a:ext cx="0" cy="0"/>
+          <a:chOff x="0" y="0"/>
+          <a:chExt cx="0" cy="0"/>
+        </a:xfrm>
+      </p:grpSpPr>
+      <p:sp>
+        <p:nvSpPr>
+          <p:cNvPr id="2" name="Titolo 1"/>
+          <p:cNvSpPr>
+            <a:spLocks noGrp="1"/>
+          </p:cNvSpPr>
+          <p:nvPr>
+            <p:ph type="title"/>
+          </p:nvPr>
+        </p:nvSpPr>
+        <p:spPr/>
+        <p:txBody>
+          <a:bodyPr/>
+          <a:lstStyle/>
+          <a:p>
+            <a:r>
+              <a:rPr lang="it-IT" b="1" dirty="0" smtClean="0"/>
+              <a:t>Che cosa è una </a:t>
+            </a:r>
+            <a:r>
+              <a:rPr lang="it-IT" b="1" dirty="0" err="1" smtClean="0"/>
+              <a:t>Repository</a:t>
+            </a:r>
+            <a:endParaRPr lang="it-IT" b="1" dirty="0"/>
+          </a:p>
+        </p:txBody>
+      </p:sp>
+      <p:sp>
+        <p:nvSpPr>
+          <p:cNvPr id="3" name="Segnaposto contenuto 2"/>
+          <p:cNvSpPr>
+            <a:spLocks noGrp="1"/>
+          </p:cNvSpPr>
+          <p:nvPr>
+            <p:ph idx="1"/>
+          </p:nvPr>
+        </p:nvSpPr>
+        <p:spPr/>
+        <p:txBody>
+          <a:bodyPr>
+            <a:normAutofit lnSpcReduction="10000"/>
+          </a:bodyPr>
+          <a:lstStyle/>
+          <a:p>
+            <a:r>
+              <a:rPr lang="it-IT" sz="2000" dirty="0" smtClean="0"/>
+              <a:t>Una </a:t>
+            </a:r>
+            <a:r>
+              <a:rPr lang="it-IT" sz="2000" dirty="0" err="1"/>
+              <a:t>repository</a:t>
+            </a:r>
+            <a:r>
+              <a:rPr lang="it-IT" sz="2000" dirty="0"/>
+              <a:t> viene solitamente </a:t>
+            </a:r>
+            <a:r>
+              <a:rPr lang="it-IT" sz="2000" dirty="0" smtClean="0"/>
+              <a:t>utilizzata </a:t>
+            </a:r>
+            <a:r>
+              <a:rPr lang="it-IT" sz="2000" dirty="0"/>
+              <a:t>per organizzare un singolo progetto. </a:t>
+            </a:r>
+            <a:endParaRPr lang="it-IT" sz="2000" dirty="0" smtClean="0"/>
+          </a:p>
+          <a:p>
+            <a:endParaRPr lang="it-IT" sz="2000" dirty="0" smtClean="0"/>
+          </a:p>
+          <a:p>
+            <a:r>
+              <a:rPr lang="it-IT" sz="2000" dirty="0" smtClean="0"/>
+              <a:t>Le </a:t>
+            </a:r>
+            <a:r>
+              <a:rPr lang="it-IT" sz="2000" dirty="0" err="1"/>
+              <a:t>repository</a:t>
+            </a:r>
+            <a:r>
+              <a:rPr lang="it-IT" sz="2000" dirty="0"/>
+              <a:t> possono contenere cartelle e file, immagini, video, fogli di calcolo e set di dati: tutto ciò di cui ha bisogno il tuo progetto. </a:t>
+            </a:r>
+            <a:endParaRPr lang="it-IT" sz="2000" dirty="0" smtClean="0"/>
+          </a:p>
+          <a:p>
+            <a:endParaRPr lang="it-IT" sz="2000" dirty="0" smtClean="0"/>
+          </a:p>
+          <a:p>
+            <a:r>
+              <a:rPr lang="it-IT" sz="2000" dirty="0" smtClean="0"/>
+              <a:t>Si consiglia </a:t>
+            </a:r>
+            <a:r>
+              <a:rPr lang="it-IT" sz="2000" dirty="0"/>
+              <a:t>di includere un README o un file con informazioni sul tuo progetto. </a:t>
+            </a:r>
+            <a:r>
+              <a:rPr lang="it-IT" sz="2000" dirty="0" err="1"/>
+              <a:t>GitHub</a:t>
+            </a:r>
+            <a:r>
+              <a:rPr lang="it-IT" sz="2000" dirty="0"/>
+              <a:t> ti consente di aggiungerne uno nello stesso momento in cui crei il tuo nuovo </a:t>
+            </a:r>
+            <a:r>
+              <a:rPr lang="it-IT" sz="2000" dirty="0" err="1"/>
+              <a:t>repository</a:t>
+            </a:r>
+            <a:r>
+              <a:rPr lang="it-IT" sz="2000" dirty="0"/>
+              <a:t>. </a:t>
+            </a:r>
+            <a:endParaRPr lang="it-IT" sz="2000" dirty="0" smtClean="0"/>
+          </a:p>
+          <a:p>
+            <a:endParaRPr lang="it-IT" sz="2000" dirty="0" smtClean="0"/>
+          </a:p>
+          <a:p>
+            <a:r>
+              <a:rPr lang="it-IT" sz="2000" dirty="0" smtClean="0"/>
+              <a:t>Offre </a:t>
+            </a:r>
+            <a:r>
+              <a:rPr lang="it-IT" sz="2000" dirty="0"/>
+              <a:t>anche altre opzioni comuni come un file di licenza. </a:t>
+            </a:r>
+            <a:endParaRPr lang="it-IT" sz="2000" dirty="0" smtClean="0"/>
+          </a:p>
+          <a:p>
+            <a:endParaRPr lang="it-IT" sz="2000" dirty="0" smtClean="0"/>
+          </a:p>
+          <a:p>
+            <a:r>
+              <a:rPr lang="it-IT" sz="2000" dirty="0" smtClean="0"/>
+              <a:t>Il </a:t>
+            </a:r>
+            <a:r>
+              <a:rPr lang="it-IT" sz="2000" dirty="0"/>
+              <a:t>tuo </a:t>
+            </a:r>
+            <a:r>
+              <a:rPr lang="it-IT" sz="2000" dirty="0" err="1"/>
+              <a:t>repository</a:t>
+            </a:r>
+            <a:r>
+              <a:rPr lang="it-IT" sz="2000" dirty="0"/>
+              <a:t> </a:t>
+            </a:r>
+            <a:r>
+              <a:rPr lang="it-IT" sz="2000" dirty="0" smtClean="0"/>
+              <a:t> </a:t>
+            </a:r>
+            <a:r>
+              <a:rPr lang="it-IT" sz="2000" dirty="0"/>
+              <a:t>può essere un luogo in cui archiviare idee, risorse o anche condividere e discutere le cose con gli altri.</a:t>
+            </a:r>
+          </a:p>
+        </p:txBody>
+      </p:sp>
+    </p:spTree>
+    <p:extLst>
+      <p:ext uri="{BB962C8B-B14F-4D97-AF65-F5344CB8AC3E}">
+        <p14:creationId xmlns:p14="http://schemas.microsoft.com/office/powerpoint/2010/main" val="3429087832"/>
+      </p:ext>
+    </p:extLst>
+  </p:cSld>
+  <p:clrMapOvr>
+    <a:masterClrMapping/>
+  </p:clrMapOvr>
+  <p:timing>
+    <p:tnLst>
+      <p:par>
+        <p:cTn id="1" dur="indefinite" restart="never" nodeType="tmRoot"/>
+      </p:par>
+    </p:tnLst>
+  </p:timing>
+</p:sld>
+</file>
+
+<file path=ppt/slides/slide7.xml><?xml version="1.0" encoding="utf-8"?>
+<p:sld xmlns:a="http://schemas.openxmlformats.org/drawingml/2006/main" xmlns:r="http://schemas.openxmlformats.org/officeDocument/2006/relationships" xmlns:p="http://schemas.openxmlformats.org/presentationml/2006/main">
+  <p:cSld>
+    <p:spTree>
+      <p:nvGrpSpPr>
+        <p:cNvPr id="1" name=""/>
+        <p:cNvGrpSpPr/>
+        <p:nvPr/>
+      </p:nvGrpSpPr>
+      <p:grpSpPr>
+        <a:xfrm>
+          <a:off x="0" y="0"/>
+          <a:ext cx="0" cy="0"/>
+          <a:chOff x="0" y="0"/>
+          <a:chExt cx="0" cy="0"/>
+        </a:xfrm>
+      </p:grpSpPr>
+      <p:sp>
+        <p:nvSpPr>
+          <p:cNvPr id="2" name="Titolo 1"/>
+          <p:cNvSpPr>
+            <a:spLocks noGrp="1"/>
+          </p:cNvSpPr>
+          <p:nvPr>
+            <p:ph type="title"/>
+          </p:nvPr>
+        </p:nvSpPr>
+        <p:spPr/>
+        <p:txBody>
+          <a:bodyPr>
+            <a:normAutofit fontScale="90000"/>
+          </a:bodyPr>
+          <a:lstStyle/>
+          <a:p>
+            <a:r>
+              <a:rPr lang="it-IT" b="1" dirty="0" smtClean="0"/>
+              <a:t>Come creare una </a:t>
+            </a:r>
+            <a:r>
+              <a:rPr lang="it-IT" b="1" dirty="0" err="1"/>
+              <a:t>R</a:t>
+            </a:r>
+            <a:r>
+              <a:rPr lang="it-IT" b="1" dirty="0" err="1" smtClean="0"/>
+              <a:t>epository</a:t>
+            </a:r>
+            <a:r>
+              <a:rPr lang="it-IT" b="1" dirty="0" smtClean="0"/>
+              <a:t> dal Browser</a:t>
+            </a:r>
+            <a:endParaRPr lang="it-IT" b="1" dirty="0"/>
+          </a:p>
+        </p:txBody>
+      </p:sp>
+      <p:pic>
+        <p:nvPicPr>
+          <p:cNvPr id="1026" name="Picture 2"/>
+          <p:cNvPicPr>
+            <a:picLocks noGrp="1" noChangeAspect="1" noChangeArrowheads="1"/>
+          </p:cNvPicPr>
+          <p:nvPr>
+            <p:ph idx="1"/>
+          </p:nvPr>
+        </p:nvPicPr>
+        <p:blipFill>
+          <a:blip r:embed="rId2">
+            <a:extLst>
+              <a:ext uri="{28A0092B-C50C-407E-A947-70E740481C1C}">
+                <a14:useLocalDpi xmlns:a14="http://schemas.microsoft.com/office/drawing/2010/main" val="0"/>
+              </a:ext>
+            </a:extLst>
+          </a:blip>
+          <a:srcRect/>
+          <a:stretch>
+            <a:fillRect/>
+          </a:stretch>
+        </p:blipFill>
+        <p:spPr bwMode="auto">
+          <a:xfrm>
+            <a:off x="546957" y="1600200"/>
+            <a:ext cx="8050085" cy="4525963"/>
+          </a:xfrm>
+          <a:prstGeom prst="rect">
+            <a:avLst/>
+          </a:prstGeom>
+          <a:noFill/>
+          <a:ln>
+            <a:noFill/>
+          </a:ln>
+          <a:extLst>
+            <a:ext uri="{909E8E84-426E-40DD-AFC4-6F175D3DCCD1}">
+              <a14:hiddenFill xmlns:a14="http://schemas.microsoft.com/office/drawing/2010/main">
+                <a:solidFill>
+                  <a:schemeClr val="accent1"/>
+                </a:solidFill>
+              </a14:hiddenFill>
+            </a:ext>
+            <a:ext uri="{91240B29-F687-4F45-9708-019B960494DF}">
+              <a14:hiddenLine xmlns:a14="http://schemas.microsoft.com/office/drawing/2010/main" w="9525">
+                <a:solidFill>
+                  <a:schemeClr val="tx1"/>
+                </a:solidFill>
+                <a:miter lim="800000"/>
+                <a:headEnd/>
+                <a:tailEnd/>
+              </a14:hiddenLine>
+            </a:ext>
+          </a:extLst>
+        </p:spPr>
+      </p:pic>
+      <p:sp>
+        <p:nvSpPr>
+          <p:cNvPr id="4" name="Ovale 3"/>
+          <p:cNvSpPr/>
+          <p:nvPr/>
+        </p:nvSpPr>
+        <p:spPr>
+          <a:xfrm>
+            <a:off x="6948264" y="3356992"/>
+            <a:ext cx="648072" cy="432048"/>
+          </a:xfrm>
+          <a:prstGeom prst="ellipse">
+            <a:avLst/>
+          </a:prstGeom>
+          <a:noFill/>
+          <a:ln>
+            <a:solidFill>
+              <a:srgbClr val="FF0000"/>
+            </a:solidFill>
+          </a:ln>
+        </p:spPr>
+        <p:style>
+          <a:lnRef idx="2">
+            <a:schemeClr val="accent1">
+              <a:shade val="50000"/>
+            </a:schemeClr>
+          </a:lnRef>
+          <a:fillRef idx="1">
+            <a:schemeClr val="accent1"/>
+          </a:fillRef>
+          <a:effectRef idx="0">
+            <a:schemeClr val="accent1"/>
+          </a:effectRef>
+          <a:fontRef idx="minor">
+            <a:schemeClr val="lt1"/>
+          </a:fontRef>
+        </p:style>
+        <p:txBody>
+          <a:bodyPr rtlCol="0" anchor="ctr"/>
+          <a:lstStyle/>
+          <a:p>
+            <a:pPr algn="ctr"/>
+            <a:endParaRPr lang="it-IT"/>
+          </a:p>
+        </p:txBody>
+      </p:sp>
+    </p:spTree>
+    <p:extLst>
+      <p:ext uri="{BB962C8B-B14F-4D97-AF65-F5344CB8AC3E}">
+        <p14:creationId xmlns:p14="http://schemas.microsoft.com/office/powerpoint/2010/main" val="2629902479"/>
+      </p:ext>
+    </p:extLst>
+  </p:cSld>
+  <p:clrMapOvr>
+    <a:masterClrMapping/>
+  </p:clrMapOvr>
+  <p:timing>
+    <p:tnLst>
+      <p:par>
+        <p:cTn id="1" dur="indefinite" restart="never" nodeType="tmRoot"/>
+      </p:par>
+    </p:tnLst>
+  </p:timing>
+</p:sld>
+</file>
+
+<file path=ppt/slides/slide8.xml><?xml version="1.0" encoding="utf-8"?>
+<p:sld xmlns:a="http://schemas.openxmlformats.org/drawingml/2006/main" xmlns:r="http://schemas.openxmlformats.org/officeDocument/2006/relationships" xmlns:p="http://schemas.openxmlformats.org/presentationml/2006/main">
+  <p:cSld>
+    <p:spTree>
+      <p:nvGrpSpPr>
+        <p:cNvPr id="1" name=""/>
+        <p:cNvGrpSpPr/>
+        <p:nvPr/>
+      </p:nvGrpSpPr>
+      <p:grpSpPr>
+        <a:xfrm>
+          <a:off x="0" y="0"/>
+          <a:ext cx="0" cy="0"/>
+          <a:chOff x="0" y="0"/>
+          <a:chExt cx="0" cy="0"/>
+        </a:xfrm>
+      </p:grpSpPr>
+      <p:sp>
+        <p:nvSpPr>
+          <p:cNvPr id="2" name="Titolo 1"/>
+          <p:cNvSpPr>
+            <a:spLocks noGrp="1"/>
+          </p:cNvSpPr>
+          <p:nvPr>
+            <p:ph type="title"/>
+          </p:nvPr>
+        </p:nvSpPr>
+        <p:spPr/>
+        <p:txBody>
+          <a:bodyPr>
+            <a:normAutofit fontScale="90000"/>
+          </a:bodyPr>
+          <a:lstStyle/>
+          <a:p>
+            <a:r>
+              <a:rPr lang="it-IT" b="1" dirty="0" smtClean="0"/>
+              <a:t>Come creare una </a:t>
+            </a:r>
+            <a:r>
+              <a:rPr lang="it-IT" b="1" dirty="0" err="1"/>
+              <a:t>R</a:t>
+            </a:r>
+            <a:r>
+              <a:rPr lang="it-IT" b="1" dirty="0" err="1" smtClean="0"/>
+              <a:t>epository</a:t>
+            </a:r>
+            <a:r>
+              <a:rPr lang="it-IT" b="1" dirty="0" smtClean="0"/>
+              <a:t> dal Browser</a:t>
+            </a:r>
+            <a:endParaRPr lang="it-IT" b="1" dirty="0"/>
+          </a:p>
+        </p:txBody>
+      </p:sp>
+      <p:sp>
+        <p:nvSpPr>
+          <p:cNvPr id="4" name="Ovale 3"/>
+          <p:cNvSpPr/>
+          <p:nvPr/>
+        </p:nvSpPr>
+        <p:spPr>
+          <a:xfrm>
+            <a:off x="6948264" y="3356992"/>
+            <a:ext cx="648072" cy="432048"/>
+          </a:xfrm>
+          <a:prstGeom prst="ellipse">
+            <a:avLst/>
+          </a:prstGeom>
+          <a:noFill/>
+          <a:ln>
+            <a:solidFill>
+              <a:srgbClr val="FF0000"/>
+            </a:solidFill>
+          </a:ln>
+        </p:spPr>
+        <p:style>
+          <a:lnRef idx="2">
+            <a:schemeClr val="accent1">
+              <a:shade val="50000"/>
+            </a:schemeClr>
+          </a:lnRef>
+          <a:fillRef idx="1">
+            <a:schemeClr val="accent1"/>
+          </a:fillRef>
+          <a:effectRef idx="0">
+            <a:schemeClr val="accent1"/>
+          </a:effectRef>
+          <a:fontRef idx="minor">
+            <a:schemeClr val="lt1"/>
+          </a:fontRef>
+        </p:style>
+        <p:txBody>
+          <a:bodyPr rtlCol="0" anchor="ctr"/>
+          <a:lstStyle/>
+          <a:p>
+            <a:pPr algn="ctr"/>
+            <a:endParaRPr lang="it-IT"/>
+          </a:p>
+        </p:txBody>
+      </p:sp>
+      <p:pic>
+        <p:nvPicPr>
+          <p:cNvPr id="2050" name="Picture 2"/>
+          <p:cNvPicPr>
+            <a:picLocks noGrp="1" noChangeAspect="1" noChangeArrowheads="1"/>
+          </p:cNvPicPr>
+          <p:nvPr>
+            <p:ph idx="1"/>
+          </p:nvPr>
+        </p:nvPicPr>
+        <p:blipFill>
+          <a:blip r:embed="rId2">
+            <a:extLst>
+              <a:ext uri="{28A0092B-C50C-407E-A947-70E740481C1C}">
+                <a14:useLocalDpi xmlns:a14="http://schemas.microsoft.com/office/drawing/2010/main" val="0"/>
+              </a:ext>
+            </a:extLst>
+          </a:blip>
+          <a:srcRect/>
+          <a:stretch>
+            <a:fillRect/>
+          </a:stretch>
+        </p:blipFill>
+        <p:spPr bwMode="auto">
+          <a:xfrm>
+            <a:off x="546957" y="1600200"/>
+            <a:ext cx="8050085" cy="4525963"/>
+          </a:xfrm>
+          <a:prstGeom prst="rect">
+            <a:avLst/>
+          </a:prstGeom>
+          <a:noFill/>
+          <a:ln>
+            <a:noFill/>
+          </a:ln>
+          <a:extLst>
+            <a:ext uri="{909E8E84-426E-40DD-AFC4-6F175D3DCCD1}">
+              <a14:hiddenFill xmlns:a14="http://schemas.microsoft.com/office/drawing/2010/main">
+                <a:solidFill>
+                  <a:schemeClr val="accent1"/>
+                </a:solidFill>
+              </a14:hiddenFill>
+            </a:ext>
+            <a:ext uri="{91240B29-F687-4F45-9708-019B960494DF}">
+              <a14:hiddenLine xmlns:a14="http://schemas.microsoft.com/office/drawing/2010/main" w="9525">
+                <a:solidFill>
+                  <a:schemeClr val="tx1"/>
+                </a:solidFill>
+                <a:miter lim="800000"/>
+                <a:headEnd/>
+                <a:tailEnd/>
+              </a14:hiddenLine>
+            </a:ext>
+          </a:extLst>
+        </p:spPr>
+      </p:pic>
+      <p:sp>
+        <p:nvSpPr>
           <p:cNvPr id="6" name="Freccia a destra 5"/>
           <p:cNvSpPr/>
           <p:nvPr/>
@@ -4863,6 +10339,13 @@
   <p:clrMapOvr>
     <a:masterClrMapping/>
   </p:clrMapOvr>
+  <p:timing>
+    <p:tnLst>
+      <p:par>
+        <p:cTn id="1" dur="indefinite" restart="never" nodeType="tmRoot"/>
+      </p:par>
+    </p:tnLst>
+  </p:timing>
 </p:sld>
 </file>
 
@@ -4904,7 +10387,7 @@
             </a:r>
             <a:r>
               <a:rPr lang="it-IT" b="1" dirty="0" err="1" smtClean="0"/>
-              <a:t>brench</a:t>
+              <a:t>Branch</a:t>
             </a:r>
             <a:endParaRPr lang="it-IT" b="1" dirty="0"/>
           </a:p>
@@ -4923,33 +10406,94 @@
         <p:spPr/>
         <p:txBody>
           <a:bodyPr>
-            <a:normAutofit fontScale="77500" lnSpcReduction="20000"/>
+            <a:noAutofit/>
           </a:bodyPr>
           <a:lstStyle/>
           <a:p>
             <a:r>
-              <a:rPr lang="en-US" dirty="0" smtClean="0"/>
-              <a:t>Branching is the way to work on different versions of a repository at one time.</a:t>
-            </a:r>
-          </a:p>
-          <a:p>
-            <a:endParaRPr lang="en-US" dirty="0" smtClean="0"/>
-          </a:p>
-          <a:p>
-            <a:r>
-              <a:rPr lang="en-US" dirty="0" smtClean="0"/>
-              <a:t>By default your repository has one branch named master which is considered to be the definitive branch. We use branches to experiment and make edits before committing them to master.</a:t>
-            </a:r>
-          </a:p>
-          <a:p>
-            <a:endParaRPr lang="en-US" dirty="0" smtClean="0"/>
-          </a:p>
-          <a:p>
-            <a:r>
-              <a:rPr lang="en-US" dirty="0" smtClean="0"/>
-              <a:t>When you create a branch off the master branch, you’re making a copy, or snapshot, of master as it was at that point in time. If someone else made changes to the master branch while you were working on your branch, you could pull in those updates.</a:t>
-            </a:r>
-            <a:endParaRPr lang="it-IT" dirty="0"/>
+              <a:rPr lang="it-IT" sz="2000" dirty="0"/>
+              <a:t>Branching è il modo di lavorare su diverse versioni di un </a:t>
+            </a:r>
+            <a:r>
+              <a:rPr lang="it-IT" sz="2000" dirty="0" err="1"/>
+              <a:t>repository</a:t>
+            </a:r>
+            <a:r>
+              <a:rPr lang="it-IT" sz="2000" dirty="0"/>
+              <a:t> contemporaneamente. </a:t>
+            </a:r>
+            <a:endParaRPr lang="it-IT" sz="2000" dirty="0" smtClean="0"/>
+          </a:p>
+          <a:p>
+            <a:endParaRPr lang="it-IT" sz="2000" dirty="0" smtClean="0"/>
+          </a:p>
+          <a:p>
+            <a:r>
+              <a:rPr lang="it-IT" sz="2000" dirty="0" smtClean="0"/>
+              <a:t>Di </a:t>
+            </a:r>
+            <a:r>
+              <a:rPr lang="it-IT" sz="2000" dirty="0"/>
+              <a:t>default il tuo </a:t>
+            </a:r>
+            <a:r>
+              <a:rPr lang="it-IT" sz="2000" dirty="0" err="1"/>
+              <a:t>repository</a:t>
+            </a:r>
+            <a:r>
+              <a:rPr lang="it-IT" sz="2000" dirty="0"/>
+              <a:t> ha un ramo chiamato master che è considerato il ramo definitivo. </a:t>
+            </a:r>
+            <a:endParaRPr lang="it-IT" sz="2000" dirty="0" smtClean="0"/>
+          </a:p>
+          <a:p>
+            <a:endParaRPr lang="it-IT" sz="2000" dirty="0" smtClean="0"/>
+          </a:p>
+          <a:p>
+            <a:r>
+              <a:rPr lang="it-IT" sz="2000" dirty="0" smtClean="0"/>
+              <a:t>Usiamo </a:t>
+            </a:r>
+            <a:r>
+              <a:rPr lang="it-IT" sz="2000" dirty="0"/>
+              <a:t>i </a:t>
+            </a:r>
+            <a:r>
+              <a:rPr lang="it-IT" sz="2000" dirty="0" err="1"/>
+              <a:t>branch</a:t>
+            </a:r>
+            <a:r>
+              <a:rPr lang="it-IT" sz="2000" dirty="0"/>
+              <a:t> per sperimentare e apportare modifiche prima di affidarli al master. </a:t>
+            </a:r>
+            <a:endParaRPr lang="it-IT" sz="2000" dirty="0" smtClean="0"/>
+          </a:p>
+          <a:p>
+            <a:endParaRPr lang="it-IT" sz="2000" dirty="0" smtClean="0"/>
+          </a:p>
+          <a:p>
+            <a:r>
+              <a:rPr lang="it-IT" sz="2000" dirty="0" smtClean="0"/>
+              <a:t>Quando </a:t>
+            </a:r>
+            <a:r>
+              <a:rPr lang="it-IT" sz="2000" dirty="0"/>
+              <a:t>crei un ramo fuori dal ramo principale, stai creando una copia, o istantanea, del master come era in quel momento. </a:t>
+            </a:r>
+            <a:endParaRPr lang="it-IT" sz="2000" dirty="0" smtClean="0"/>
+          </a:p>
+          <a:p>
+            <a:endParaRPr lang="it-IT" sz="2000" dirty="0" smtClean="0"/>
+          </a:p>
+          <a:p>
+            <a:r>
+              <a:rPr lang="it-IT" sz="2000" dirty="0" smtClean="0"/>
+              <a:t>Se </a:t>
+            </a:r>
+            <a:r>
+              <a:rPr lang="it-IT" sz="2000" dirty="0"/>
+              <a:t>qualcun altro ha apportato modifiche al ramo principale mentre stavi lavorando sul tuo ramo, è possibile inserire tali aggiornamenti.</a:t>
+            </a:r>
           </a:p>
         </p:txBody>
       </p:sp>
@@ -4963,6 +10507,13 @@
   <p:clrMapOvr>
     <a:masterClrMapping/>
   </p:clrMapOvr>
+  <p:timing>
+    <p:tnLst>
+      <p:par>
+        <p:cTn id="1" dur="indefinite" restart="never" nodeType="tmRoot"/>
+      </p:par>
+    </p:tnLst>
+  </p:timing>
 </p:sld>
 </file>
 
